--- a/03_day.pptx
+++ b/03_day.pptx
@@ -3113,8 +3113,8 @@
         </p:nvSpPr>
         <p:spPr>
           <a:xfrm>
-            <a:off x="755576" y="332656"/>
-            <a:ext cx="7946406" cy="5355312"/>
+            <a:off x="251520" y="260648"/>
+            <a:ext cx="9020418" cy="4708981"/>
           </a:xfrm>
           <a:prstGeom prst="rect">
             <a:avLst/>
@@ -3191,120 +3191,25 @@
           </a:p>
           <a:p>
             <a:r>
-              <a:rPr lang="ko-KR" altLang="en-US">
+              <a:rPr lang="ko-KR" altLang="en-US" sz="2400">
                 <a:latin typeface="Consolas" pitchFamily="49" charset="0"/>
                 <a:cs typeface="Consolas" pitchFamily="49" charset="0"/>
               </a:rPr>
               <a:t>공유자료 서버 </a:t>
             </a:r>
-            <a:endParaRPr lang="en-US" altLang="ko-KR">
-              <a:latin typeface="Consolas" pitchFamily="49" charset="0"/>
-              <a:cs typeface="Consolas" pitchFamily="49" charset="0"/>
-            </a:endParaRPr>
-          </a:p>
-          <a:p>
-            <a:r>
-              <a:rPr lang="en-US" altLang="ko-KR">
-                <a:latin typeface="Consolas" pitchFamily="49" charset="0"/>
-                <a:cs typeface="Consolas" pitchFamily="49" charset="0"/>
-              </a:rPr>
-              <a:t>ftp client : </a:t>
-            </a:r>
-            <a:r>
-              <a:rPr lang="en-US" altLang="ko-KR" err="1">
-                <a:latin typeface="Consolas" pitchFamily="49" charset="0"/>
-                <a:cs typeface="Consolas" pitchFamily="49" charset="0"/>
-              </a:rPr>
-              <a:t>filezilla</a:t>
-            </a:r>
-            <a:r>
-              <a:rPr lang="en-US" altLang="ko-KR">
-                <a:latin typeface="Consolas" pitchFamily="49" charset="0"/>
-                <a:cs typeface="Consolas" pitchFamily="49" charset="0"/>
-              </a:rPr>
-              <a:t> </a:t>
-            </a:r>
-            <a:r>
-              <a:rPr lang="ko-KR" altLang="en-US" err="1">
-                <a:latin typeface="Consolas" pitchFamily="49" charset="0"/>
-                <a:cs typeface="Consolas" pitchFamily="49" charset="0"/>
-              </a:rPr>
-              <a:t>검색후</a:t>
-            </a:r>
-            <a:r>
-              <a:rPr lang="ko-KR" altLang="en-US">
-                <a:latin typeface="Consolas" pitchFamily="49" charset="0"/>
-                <a:cs typeface="Consolas" pitchFamily="49" charset="0"/>
-              </a:rPr>
-              <a:t> 설치</a:t>
-            </a:r>
-            <a:endParaRPr lang="en-US" altLang="ko-KR">
-              <a:latin typeface="Consolas" pitchFamily="49" charset="0"/>
-              <a:cs typeface="Consolas" pitchFamily="49" charset="0"/>
-            </a:endParaRPr>
-          </a:p>
-          <a:p>
-            <a:r>
-              <a:rPr lang="en-US" altLang="ko-KR">
-                <a:latin typeface="Consolas" pitchFamily="49" charset="0"/>
-                <a:cs typeface="Consolas" pitchFamily="49" charset="0"/>
-              </a:rPr>
-              <a:t>ftp </a:t>
-            </a:r>
-            <a:r>
-              <a:rPr lang="ko-KR" altLang="en-US">
-                <a:latin typeface="Consolas" pitchFamily="49" charset="0"/>
-                <a:cs typeface="Consolas" pitchFamily="49" charset="0"/>
-              </a:rPr>
-              <a:t>서버 </a:t>
-            </a:r>
-            <a:r>
-              <a:rPr lang="en-US" altLang="ko-KR">
-                <a:latin typeface="Consolas" pitchFamily="49" charset="0"/>
-                <a:cs typeface="Consolas" pitchFamily="49" charset="0"/>
-              </a:rPr>
-              <a:t>IP  : ftp://10.10.15.194</a:t>
-            </a:r>
-          </a:p>
-          <a:p>
-            <a:r>
-              <a:rPr lang="en-US" altLang="ko-KR">
-                <a:latin typeface="Consolas" pitchFamily="49" charset="0"/>
-                <a:cs typeface="Consolas" pitchFamily="49" charset="0"/>
-              </a:rPr>
-              <a:t>ID : </a:t>
-            </a:r>
-            <a:r>
-              <a:rPr lang="en-US" altLang="ko-KR" err="1">
-                <a:latin typeface="Consolas" pitchFamily="49" charset="0"/>
-                <a:cs typeface="Consolas" pitchFamily="49" charset="0"/>
-              </a:rPr>
-              <a:t>linux</a:t>
-            </a:r>
-            <a:endParaRPr lang="en-US" altLang="ko-KR">
-              <a:latin typeface="Consolas" pitchFamily="49" charset="0"/>
-              <a:cs typeface="Consolas" pitchFamily="49" charset="0"/>
-            </a:endParaRPr>
-          </a:p>
-          <a:p>
-            <a:r>
-              <a:rPr lang="en-US" altLang="ko-KR">
-                <a:latin typeface="Consolas" pitchFamily="49" charset="0"/>
-                <a:cs typeface="Consolas" pitchFamily="49" charset="0"/>
-              </a:rPr>
-              <a:t>PW : </a:t>
-            </a:r>
-            <a:r>
-              <a:rPr lang="ko-KR" altLang="en-US">
-                <a:latin typeface="Consolas" pitchFamily="49" charset="0"/>
-                <a:cs typeface="Consolas" pitchFamily="49" charset="0"/>
-              </a:rPr>
-              <a:t>없음</a:t>
-            </a:r>
-            <a:endParaRPr lang="en-US" altLang="ko-KR">
-              <a:latin typeface="Consolas" pitchFamily="49" charset="0"/>
-              <a:cs typeface="Consolas" pitchFamily="49" charset="0"/>
-            </a:endParaRPr>
+            <a:endParaRPr lang="en-US" altLang="ko-KR" sz="2400">
+              <a:latin typeface="Consolas" pitchFamily="49" charset="0"/>
+              <a:cs typeface="Consolas" pitchFamily="49" charset="0"/>
+            </a:endParaRPr>
+          </a:p>
+          <a:p>
+            <a:r>
+              <a:rPr lang="en-US" altLang="ko-KR" sz="2400">
+                <a:latin typeface="Consolas" pitchFamily="49" charset="0"/>
+                <a:cs typeface="Consolas" pitchFamily="49" charset="0"/>
+              </a:rPr>
+              <a:t>https://github.com/ioacademy-jikim/android_framework</a:t>
+            </a:r>
           </a:p>
           <a:p>
             <a:endParaRPr lang="en-US" altLang="ko-KR">

--- a/03_day.pptx
+++ b/03_day.pptx
@@ -21,6 +21,9 @@
     <p:sldId id="296" r:id="rId15"/>
     <p:sldId id="297" r:id="rId16"/>
     <p:sldId id="298" r:id="rId17"/>
+    <p:sldId id="299" r:id="rId18"/>
+    <p:sldId id="300" r:id="rId19"/>
+    <p:sldId id="301" r:id="rId20"/>
   </p:sldIdLst>
   <p:sldSz cx="9144000" cy="6858000" type="screen4x3"/>
   <p:notesSz cx="6858000" cy="9144000"/>
@@ -3113,7 +3116,7 @@
         </p:nvSpPr>
         <p:spPr>
           <a:xfrm>
-            <a:off x="251520" y="260648"/>
+            <a:off x="123582" y="116632"/>
             <a:ext cx="9020418" cy="4708981"/>
           </a:xfrm>
           <a:prstGeom prst="rect">
@@ -14718,16 +14721,6 @@
           <a:lstStyle/>
           <a:p>
             <a:pPr algn="ctr"/>
-            <a:r>
-              <a:rPr lang="en-US" altLang="ko-KR">
-                <a:solidFill>
-                  <a:schemeClr val="tx1"/>
-                </a:solidFill>
-                <a:latin typeface="Consolas" pitchFamily="49" charset="0"/>
-                <a:cs typeface="Consolas" pitchFamily="49" charset="0"/>
-              </a:rPr>
-              <a:t>Led</a:t>
-            </a:r>
             <a:endParaRPr lang="ko-KR" altLang="en-US">
               <a:solidFill>
                 <a:schemeClr val="tx1"/>
@@ -16442,6 +16435,48 @@
                 <a:cs typeface="Consolas" pitchFamily="49" charset="0"/>
               </a:rPr>
               <a:t>cookie</a:t>
+            </a:r>
+            <a:endParaRPr lang="ko-KR" altLang="en-US">
+              <a:latin typeface="Consolas" pitchFamily="49" charset="0"/>
+              <a:cs typeface="Consolas" pitchFamily="49" charset="0"/>
+            </a:endParaRPr>
+          </a:p>
+        </p:txBody>
+      </p:sp>
+      <p:sp>
+        <p:nvSpPr>
+          <p:cNvPr id="3" name="TextBox 2">
+            <a:extLst>
+              <a:ext uri="{FF2B5EF4-FFF2-40B4-BE49-F238E27FC236}">
+                <a16:creationId xmlns:a16="http://schemas.microsoft.com/office/drawing/2014/main" id="{8BF9F849-9B33-4C23-878E-F854EE91B210}"/>
+              </a:ext>
+            </a:extLst>
+          </p:cNvPr>
+          <p:cNvSpPr txBox="1"/>
+          <p:nvPr/>
+        </p:nvSpPr>
+        <p:spPr>
+          <a:xfrm>
+            <a:off x="-324544" y="1196752"/>
+            <a:ext cx="817853" cy="369332"/>
+          </a:xfrm>
+          <a:prstGeom prst="rect">
+            <a:avLst/>
+          </a:prstGeom>
+          <a:noFill/>
+        </p:spPr>
+        <p:txBody>
+          <a:bodyPr wrap="none" rtlCol="0">
+            <a:spAutoFit/>
+          </a:bodyPr>
+          <a:lstStyle/>
+          <a:p>
+            <a:r>
+              <a:rPr lang="en-US" altLang="ko-KR">
+                <a:latin typeface="Consolas" pitchFamily="49" charset="0"/>
+                <a:cs typeface="Consolas" pitchFamily="49" charset="0"/>
+              </a:rPr>
+              <a:t>token</a:t>
             </a:r>
             <a:endParaRPr lang="ko-KR" altLang="en-US">
               <a:latin typeface="Consolas" pitchFamily="49" charset="0"/>
@@ -19833,6 +19868,4766 @@
     <p:extLst>
       <p:ext uri="{BB962C8B-B14F-4D97-AF65-F5344CB8AC3E}">
         <p14:creationId xmlns:p14="http://schemas.microsoft.com/office/powerpoint/2010/main" val="3359940449"/>
+      </p:ext>
+    </p:extLst>
+  </p:cSld>
+  <p:clrMapOvr>
+    <a:masterClrMapping/>
+  </p:clrMapOvr>
+</p:sld>
+</file>
+
+<file path=ppt/slides/slide17.xml><?xml version="1.0" encoding="utf-8"?>
+<p:sld xmlns:a="http://schemas.openxmlformats.org/drawingml/2006/main" xmlns:r="http://schemas.openxmlformats.org/officeDocument/2006/relationships" xmlns:p="http://schemas.openxmlformats.org/presentationml/2006/main">
+  <p:cSld>
+    <p:spTree>
+      <p:nvGrpSpPr>
+        <p:cNvPr id="1" name=""/>
+        <p:cNvGrpSpPr/>
+        <p:nvPr/>
+      </p:nvGrpSpPr>
+      <p:grpSpPr>
+        <a:xfrm>
+          <a:off x="0" y="0"/>
+          <a:ext cx="0" cy="0"/>
+          <a:chOff x="0" y="0"/>
+          <a:chExt cx="0" cy="0"/>
+        </a:xfrm>
+      </p:grpSpPr>
+      <p:cxnSp>
+        <p:nvCxnSpPr>
+          <p:cNvPr id="5" name="직선 연결선 4">
+            <a:extLst>
+              <a:ext uri="{FF2B5EF4-FFF2-40B4-BE49-F238E27FC236}">
+                <a16:creationId xmlns:a16="http://schemas.microsoft.com/office/drawing/2014/main" id="{FBE5B5B0-BD59-403A-AC0C-0B59C3A7717E}"/>
+              </a:ext>
+            </a:extLst>
+          </p:cNvPr>
+          <p:cNvCxnSpPr>
+            <a:cxnSpLocks/>
+          </p:cNvCxnSpPr>
+          <p:nvPr/>
+        </p:nvCxnSpPr>
+        <p:spPr>
+          <a:xfrm>
+            <a:off x="7841679" y="692696"/>
+            <a:ext cx="0" cy="2961620"/>
+          </a:xfrm>
+          <a:prstGeom prst="line">
+            <a:avLst/>
+          </a:prstGeom>
+          <a:ln>
+            <a:solidFill>
+              <a:schemeClr val="tx1"/>
+            </a:solidFill>
+          </a:ln>
+        </p:spPr>
+        <p:style>
+          <a:lnRef idx="1">
+            <a:schemeClr val="accent1"/>
+          </a:lnRef>
+          <a:fillRef idx="0">
+            <a:schemeClr val="accent1"/>
+          </a:fillRef>
+          <a:effectRef idx="0">
+            <a:schemeClr val="accent1"/>
+          </a:effectRef>
+          <a:fontRef idx="minor">
+            <a:schemeClr val="tx1"/>
+          </a:fontRef>
+        </p:style>
+      </p:cxnSp>
+      <p:sp>
+        <p:nvSpPr>
+          <p:cNvPr id="6" name="TextBox 5">
+            <a:extLst>
+              <a:ext uri="{FF2B5EF4-FFF2-40B4-BE49-F238E27FC236}">
+                <a16:creationId xmlns:a16="http://schemas.microsoft.com/office/drawing/2014/main" id="{DC53D4CE-5DA2-46C7-83BD-EF95372BE048}"/>
+              </a:ext>
+            </a:extLst>
+          </p:cNvPr>
+          <p:cNvSpPr txBox="1"/>
+          <p:nvPr/>
+        </p:nvSpPr>
+        <p:spPr>
+          <a:xfrm>
+            <a:off x="6862885" y="188640"/>
+            <a:ext cx="1577676" cy="369332"/>
+          </a:xfrm>
+          <a:prstGeom prst="rect">
+            <a:avLst/>
+          </a:prstGeom>
+          <a:noFill/>
+        </p:spPr>
+        <p:txBody>
+          <a:bodyPr wrap="none" rtlCol="0">
+            <a:spAutoFit/>
+          </a:bodyPr>
+          <a:lstStyle/>
+          <a:p>
+            <a:r>
+              <a:rPr lang="en-US" altLang="ko-KR">
+                <a:latin typeface="Consolas" pitchFamily="49" charset="0"/>
+                <a:cs typeface="Consolas" pitchFamily="49" charset="0"/>
+              </a:rPr>
+              <a:t>led.service</a:t>
+            </a:r>
+            <a:endParaRPr lang="ko-KR" altLang="en-US">
+              <a:latin typeface="Consolas" pitchFamily="49" charset="0"/>
+              <a:cs typeface="Consolas" pitchFamily="49" charset="0"/>
+            </a:endParaRPr>
+          </a:p>
+        </p:txBody>
+      </p:sp>
+      <p:cxnSp>
+        <p:nvCxnSpPr>
+          <p:cNvPr id="12" name="직선 연결선 11">
+            <a:extLst>
+              <a:ext uri="{FF2B5EF4-FFF2-40B4-BE49-F238E27FC236}">
+                <a16:creationId xmlns:a16="http://schemas.microsoft.com/office/drawing/2014/main" id="{67F49B4B-D6D9-4A75-A8AE-1B5B83D6AE42}"/>
+              </a:ext>
+            </a:extLst>
+          </p:cNvPr>
+          <p:cNvCxnSpPr>
+            <a:cxnSpLocks/>
+          </p:cNvCxnSpPr>
+          <p:nvPr/>
+        </p:nvCxnSpPr>
+        <p:spPr>
+          <a:xfrm>
+            <a:off x="939031" y="714917"/>
+            <a:ext cx="0" cy="3074123"/>
+          </a:xfrm>
+          <a:prstGeom prst="line">
+            <a:avLst/>
+          </a:prstGeom>
+          <a:ln>
+            <a:solidFill>
+              <a:schemeClr val="tx1"/>
+            </a:solidFill>
+          </a:ln>
+        </p:spPr>
+        <p:style>
+          <a:lnRef idx="1">
+            <a:schemeClr val="accent1"/>
+          </a:lnRef>
+          <a:fillRef idx="0">
+            <a:schemeClr val="accent1"/>
+          </a:fillRef>
+          <a:effectRef idx="0">
+            <a:schemeClr val="accent1"/>
+          </a:effectRef>
+          <a:fontRef idx="minor">
+            <a:schemeClr val="tx1"/>
+          </a:fontRef>
+        </p:style>
+      </p:cxnSp>
+      <p:sp>
+        <p:nvSpPr>
+          <p:cNvPr id="14" name="TextBox 13">
+            <a:extLst>
+              <a:ext uri="{FF2B5EF4-FFF2-40B4-BE49-F238E27FC236}">
+                <a16:creationId xmlns:a16="http://schemas.microsoft.com/office/drawing/2014/main" id="{B7AF2FB8-B576-4166-88A7-F67A78B0BE6C}"/>
+              </a:ext>
+            </a:extLst>
+          </p:cNvPr>
+          <p:cNvSpPr txBox="1"/>
+          <p:nvPr/>
+        </p:nvSpPr>
+        <p:spPr>
+          <a:xfrm>
+            <a:off x="251520" y="323364"/>
+            <a:ext cx="1830950" cy="369332"/>
+          </a:xfrm>
+          <a:prstGeom prst="rect">
+            <a:avLst/>
+          </a:prstGeom>
+          <a:noFill/>
+        </p:spPr>
+        <p:txBody>
+          <a:bodyPr wrap="none" rtlCol="0">
+            <a:spAutoFit/>
+          </a:bodyPr>
+          <a:lstStyle/>
+          <a:p>
+            <a:r>
+              <a:rPr lang="en-US" altLang="ko-KR">
+                <a:latin typeface="Consolas" pitchFamily="49" charset="0"/>
+                <a:cs typeface="Consolas" pitchFamily="49" charset="0"/>
+              </a:rPr>
+              <a:t>"led.service"</a:t>
+            </a:r>
+            <a:endParaRPr lang="ko-KR" altLang="en-US">
+              <a:latin typeface="Consolas" pitchFamily="49" charset="0"/>
+              <a:cs typeface="Consolas" pitchFamily="49" charset="0"/>
+            </a:endParaRPr>
+          </a:p>
+        </p:txBody>
+      </p:sp>
+      <p:sp>
+        <p:nvSpPr>
+          <p:cNvPr id="2" name="TextBox 1">
+            <a:extLst>
+              <a:ext uri="{FF2B5EF4-FFF2-40B4-BE49-F238E27FC236}">
+                <a16:creationId xmlns:a16="http://schemas.microsoft.com/office/drawing/2014/main" id="{5A37301A-E008-4373-815D-94A18B573B05}"/>
+              </a:ext>
+            </a:extLst>
+          </p:cNvPr>
+          <p:cNvSpPr txBox="1"/>
+          <p:nvPr/>
+        </p:nvSpPr>
+        <p:spPr>
+          <a:xfrm>
+            <a:off x="251520" y="41797"/>
+            <a:ext cx="1696298" cy="369332"/>
+          </a:xfrm>
+          <a:prstGeom prst="rect">
+            <a:avLst/>
+          </a:prstGeom>
+          <a:noFill/>
+        </p:spPr>
+        <p:txBody>
+          <a:bodyPr wrap="none" rtlCol="0">
+            <a:spAutoFit/>
+          </a:bodyPr>
+          <a:lstStyle/>
+          <a:p>
+            <a:r>
+              <a:rPr lang="ko-KR" altLang="en-US">
+                <a:latin typeface="Consolas" pitchFamily="49" charset="0"/>
+                <a:cs typeface="Consolas" pitchFamily="49" charset="0"/>
+              </a:rPr>
+              <a:t>서비스의 호출</a:t>
+            </a:r>
+          </a:p>
+        </p:txBody>
+      </p:sp>
+      <p:cxnSp>
+        <p:nvCxnSpPr>
+          <p:cNvPr id="16" name="직선 연결선 15">
+            <a:extLst>
+              <a:ext uri="{FF2B5EF4-FFF2-40B4-BE49-F238E27FC236}">
+                <a16:creationId xmlns:a16="http://schemas.microsoft.com/office/drawing/2014/main" id="{87DD920E-EB16-405C-8DF9-A18667644B5F}"/>
+              </a:ext>
+            </a:extLst>
+          </p:cNvPr>
+          <p:cNvCxnSpPr>
+            <a:cxnSpLocks/>
+          </p:cNvCxnSpPr>
+          <p:nvPr/>
+        </p:nvCxnSpPr>
+        <p:spPr>
+          <a:xfrm>
+            <a:off x="4355976" y="721268"/>
+            <a:ext cx="0" cy="2933048"/>
+          </a:xfrm>
+          <a:prstGeom prst="line">
+            <a:avLst/>
+          </a:prstGeom>
+          <a:ln>
+            <a:solidFill>
+              <a:schemeClr val="tx1"/>
+            </a:solidFill>
+          </a:ln>
+        </p:spPr>
+        <p:style>
+          <a:lnRef idx="1">
+            <a:schemeClr val="accent1"/>
+          </a:lnRef>
+          <a:fillRef idx="0">
+            <a:schemeClr val="accent1"/>
+          </a:fillRef>
+          <a:effectRef idx="0">
+            <a:schemeClr val="accent1"/>
+          </a:effectRef>
+          <a:fontRef idx="minor">
+            <a:schemeClr val="tx1"/>
+          </a:fontRef>
+        </p:style>
+      </p:cxnSp>
+      <p:sp>
+        <p:nvSpPr>
+          <p:cNvPr id="17" name="TextBox 16">
+            <a:extLst>
+              <a:ext uri="{FF2B5EF4-FFF2-40B4-BE49-F238E27FC236}">
+                <a16:creationId xmlns:a16="http://schemas.microsoft.com/office/drawing/2014/main" id="{F7F6F610-3A2D-4042-B84D-C8CB4B4714D2}"/>
+              </a:ext>
+            </a:extLst>
+          </p:cNvPr>
+          <p:cNvSpPr txBox="1"/>
+          <p:nvPr/>
+        </p:nvSpPr>
+        <p:spPr>
+          <a:xfrm>
+            <a:off x="3440501" y="439133"/>
+            <a:ext cx="1830950" cy="369332"/>
+          </a:xfrm>
+          <a:prstGeom prst="rect">
+            <a:avLst/>
+          </a:prstGeom>
+          <a:noFill/>
+        </p:spPr>
+        <p:txBody>
+          <a:bodyPr wrap="none" rtlCol="0">
+            <a:spAutoFit/>
+          </a:bodyPr>
+          <a:lstStyle/>
+          <a:p>
+            <a:r>
+              <a:rPr lang="en-US" altLang="ko-KR">
+                <a:latin typeface="Consolas" pitchFamily="49" charset="0"/>
+                <a:cs typeface="Consolas" pitchFamily="49" charset="0"/>
+              </a:rPr>
+              <a:t>binder</a:t>
+            </a:r>
+            <a:r>
+              <a:rPr lang="ko-KR" altLang="en-US">
+                <a:latin typeface="Consolas" pitchFamily="49" charset="0"/>
+                <a:cs typeface="Consolas" pitchFamily="49" charset="0"/>
+              </a:rPr>
+              <a:t> </a:t>
+            </a:r>
+            <a:r>
+              <a:rPr lang="en-US" altLang="ko-KR">
+                <a:latin typeface="Consolas" pitchFamily="49" charset="0"/>
+                <a:cs typeface="Consolas" pitchFamily="49" charset="0"/>
+              </a:rPr>
+              <a:t>driver</a:t>
+            </a:r>
+            <a:endParaRPr lang="ko-KR" altLang="en-US">
+              <a:latin typeface="Consolas" pitchFamily="49" charset="0"/>
+              <a:cs typeface="Consolas" pitchFamily="49" charset="0"/>
+            </a:endParaRPr>
+          </a:p>
+        </p:txBody>
+      </p:sp>
+      <p:cxnSp>
+        <p:nvCxnSpPr>
+          <p:cNvPr id="4" name="직선 화살표 연결선 3">
+            <a:extLst>
+              <a:ext uri="{FF2B5EF4-FFF2-40B4-BE49-F238E27FC236}">
+                <a16:creationId xmlns:a16="http://schemas.microsoft.com/office/drawing/2014/main" id="{97D6C602-FC89-46B6-87C4-9F4B7E37B176}"/>
+              </a:ext>
+            </a:extLst>
+          </p:cNvPr>
+          <p:cNvCxnSpPr/>
+          <p:nvPr/>
+        </p:nvCxnSpPr>
+        <p:spPr>
+          <a:xfrm>
+            <a:off x="939031" y="908720"/>
+            <a:ext cx="3416945" cy="288032"/>
+          </a:xfrm>
+          <a:prstGeom prst="straightConnector1">
+            <a:avLst/>
+          </a:prstGeom>
+          <a:ln>
+            <a:solidFill>
+              <a:srgbClr val="FF0000"/>
+            </a:solidFill>
+            <a:tailEnd type="triangle"/>
+          </a:ln>
+        </p:spPr>
+        <p:style>
+          <a:lnRef idx="1">
+            <a:schemeClr val="accent1"/>
+          </a:lnRef>
+          <a:fillRef idx="0">
+            <a:schemeClr val="accent1"/>
+          </a:fillRef>
+          <a:effectRef idx="0">
+            <a:schemeClr val="accent1"/>
+          </a:effectRef>
+          <a:fontRef idx="minor">
+            <a:schemeClr val="tx1"/>
+          </a:fontRef>
+        </p:style>
+      </p:cxnSp>
+      <p:sp>
+        <p:nvSpPr>
+          <p:cNvPr id="18" name="TextBox 17">
+            <a:extLst>
+              <a:ext uri="{FF2B5EF4-FFF2-40B4-BE49-F238E27FC236}">
+                <a16:creationId xmlns:a16="http://schemas.microsoft.com/office/drawing/2014/main" id="{A0EABF94-6EC3-49B2-9D35-9B3B7ABB90ED}"/>
+              </a:ext>
+            </a:extLst>
+          </p:cNvPr>
+          <p:cNvSpPr txBox="1"/>
+          <p:nvPr/>
+        </p:nvSpPr>
+        <p:spPr>
+          <a:xfrm>
+            <a:off x="1106464" y="1154177"/>
+            <a:ext cx="1957587" cy="923330"/>
+          </a:xfrm>
+          <a:prstGeom prst="rect">
+            <a:avLst/>
+          </a:prstGeom>
+          <a:noFill/>
+        </p:spPr>
+        <p:txBody>
+          <a:bodyPr wrap="none" rtlCol="0">
+            <a:spAutoFit/>
+          </a:bodyPr>
+          <a:lstStyle/>
+          <a:p>
+            <a:r>
+              <a:rPr lang="en-US" altLang="ko-KR">
+                <a:latin typeface="Consolas" pitchFamily="49" charset="0"/>
+                <a:cs typeface="Consolas" pitchFamily="49" charset="0"/>
+              </a:rPr>
+              <a:t>target=1</a:t>
+            </a:r>
+          </a:p>
+          <a:p>
+            <a:r>
+              <a:rPr lang="en-US" altLang="ko-KR">
+                <a:latin typeface="Consolas" pitchFamily="49" charset="0"/>
+                <a:cs typeface="Consolas" pitchFamily="49" charset="0"/>
+              </a:rPr>
+              <a:t>BC_TRANSACTION</a:t>
+            </a:r>
+          </a:p>
+          <a:p>
+            <a:r>
+              <a:rPr lang="en-US" altLang="ko-KR">
+                <a:latin typeface="Consolas" pitchFamily="49" charset="0"/>
+                <a:cs typeface="Consolas" pitchFamily="49" charset="0"/>
+              </a:rPr>
+              <a:t>code=1</a:t>
+            </a:r>
+          </a:p>
+        </p:txBody>
+      </p:sp>
+      <p:cxnSp>
+        <p:nvCxnSpPr>
+          <p:cNvPr id="19" name="직선 화살표 연결선 18">
+            <a:extLst>
+              <a:ext uri="{FF2B5EF4-FFF2-40B4-BE49-F238E27FC236}">
+                <a16:creationId xmlns:a16="http://schemas.microsoft.com/office/drawing/2014/main" id="{C871524F-78A3-41CF-837B-C35DF76162AE}"/>
+              </a:ext>
+            </a:extLst>
+          </p:cNvPr>
+          <p:cNvCxnSpPr/>
+          <p:nvPr/>
+        </p:nvCxnSpPr>
+        <p:spPr>
+          <a:xfrm>
+            <a:off x="4390355" y="1226441"/>
+            <a:ext cx="3416945" cy="288032"/>
+          </a:xfrm>
+          <a:prstGeom prst="straightConnector1">
+            <a:avLst/>
+          </a:prstGeom>
+          <a:ln>
+            <a:solidFill>
+              <a:srgbClr val="FF0000"/>
+            </a:solidFill>
+            <a:tailEnd type="triangle"/>
+          </a:ln>
+        </p:spPr>
+        <p:style>
+          <a:lnRef idx="1">
+            <a:schemeClr val="accent1"/>
+          </a:lnRef>
+          <a:fillRef idx="0">
+            <a:schemeClr val="accent1"/>
+          </a:fillRef>
+          <a:effectRef idx="0">
+            <a:schemeClr val="accent1"/>
+          </a:effectRef>
+          <a:fontRef idx="minor">
+            <a:schemeClr val="tx1"/>
+          </a:fontRef>
+        </p:style>
+      </p:cxnSp>
+      <p:sp>
+        <p:nvSpPr>
+          <p:cNvPr id="29" name="사각형: 둥근 모서리 28">
+            <a:extLst>
+              <a:ext uri="{FF2B5EF4-FFF2-40B4-BE49-F238E27FC236}">
+                <a16:creationId xmlns:a16="http://schemas.microsoft.com/office/drawing/2014/main" id="{4738E314-6B58-4647-BE19-A1D3DFBEA937}"/>
+              </a:ext>
+            </a:extLst>
+          </p:cNvPr>
+          <p:cNvSpPr/>
+          <p:nvPr/>
+        </p:nvSpPr>
+        <p:spPr>
+          <a:xfrm>
+            <a:off x="5851246" y="4195474"/>
+            <a:ext cx="720062" cy="369332"/>
+          </a:xfrm>
+          <a:prstGeom prst="roundRect">
+            <a:avLst/>
+          </a:prstGeom>
+          <a:solidFill>
+            <a:srgbClr val="FFFF00"/>
+          </a:solidFill>
+          <a:ln w="12700"/>
+        </p:spPr>
+        <p:style>
+          <a:lnRef idx="2">
+            <a:schemeClr val="accent1">
+              <a:shade val="50000"/>
+            </a:schemeClr>
+          </a:lnRef>
+          <a:fillRef idx="1">
+            <a:schemeClr val="accent1"/>
+          </a:fillRef>
+          <a:effectRef idx="0">
+            <a:schemeClr val="accent1"/>
+          </a:effectRef>
+          <a:fontRef idx="minor">
+            <a:schemeClr val="lt1"/>
+          </a:fontRef>
+        </p:style>
+        <p:txBody>
+          <a:bodyPr rtlCol="0" anchor="ctr"/>
+          <a:lstStyle/>
+          <a:p>
+            <a:pPr algn="ctr"/>
+            <a:endParaRPr lang="ko-KR" altLang="en-US">
+              <a:solidFill>
+                <a:schemeClr val="tx1"/>
+              </a:solidFill>
+              <a:latin typeface="Consolas" pitchFamily="49" charset="0"/>
+              <a:cs typeface="Consolas" pitchFamily="49" charset="0"/>
+            </a:endParaRPr>
+          </a:p>
+        </p:txBody>
+      </p:sp>
+      <p:sp>
+        <p:nvSpPr>
+          <p:cNvPr id="31" name="사각형: 둥근 모서리 30">
+            <a:extLst>
+              <a:ext uri="{FF2B5EF4-FFF2-40B4-BE49-F238E27FC236}">
+                <a16:creationId xmlns:a16="http://schemas.microsoft.com/office/drawing/2014/main" id="{3E27EF68-E570-4CF6-A29B-D2C342A314B3}"/>
+              </a:ext>
+            </a:extLst>
+          </p:cNvPr>
+          <p:cNvSpPr/>
+          <p:nvPr/>
+        </p:nvSpPr>
+        <p:spPr>
+          <a:xfrm>
+            <a:off x="6660084" y="5096257"/>
+            <a:ext cx="720062" cy="369332"/>
+          </a:xfrm>
+          <a:prstGeom prst="roundRect">
+            <a:avLst/>
+          </a:prstGeom>
+          <a:solidFill>
+            <a:srgbClr val="FFFF00"/>
+          </a:solidFill>
+          <a:ln w="12700"/>
+        </p:spPr>
+        <p:style>
+          <a:lnRef idx="2">
+            <a:schemeClr val="accent1">
+              <a:shade val="50000"/>
+            </a:schemeClr>
+          </a:lnRef>
+          <a:fillRef idx="1">
+            <a:schemeClr val="accent1"/>
+          </a:fillRef>
+          <a:effectRef idx="0">
+            <a:schemeClr val="accent1"/>
+          </a:effectRef>
+          <a:fontRef idx="minor">
+            <a:schemeClr val="lt1"/>
+          </a:fontRef>
+        </p:style>
+        <p:txBody>
+          <a:bodyPr rtlCol="0" anchor="ctr"/>
+          <a:lstStyle/>
+          <a:p>
+            <a:pPr algn="ctr"/>
+            <a:r>
+              <a:rPr lang="en-US" altLang="ko-KR" sz="1100" b="1">
+                <a:solidFill>
+                  <a:schemeClr val="tx1"/>
+                </a:solidFill>
+                <a:latin typeface="Consolas" pitchFamily="49" charset="0"/>
+                <a:cs typeface="Consolas" pitchFamily="49" charset="0"/>
+              </a:rPr>
+              <a:t>0x1000</a:t>
+            </a:r>
+          </a:p>
+        </p:txBody>
+      </p:sp>
+      <p:sp>
+        <p:nvSpPr>
+          <p:cNvPr id="32" name="TextBox 31">
+            <a:extLst>
+              <a:ext uri="{FF2B5EF4-FFF2-40B4-BE49-F238E27FC236}">
+                <a16:creationId xmlns:a16="http://schemas.microsoft.com/office/drawing/2014/main" id="{3A1C2EF1-0B14-4C52-9BE8-F66507C38655}"/>
+              </a:ext>
+            </a:extLst>
+          </p:cNvPr>
+          <p:cNvSpPr txBox="1"/>
+          <p:nvPr/>
+        </p:nvSpPr>
+        <p:spPr>
+          <a:xfrm>
+            <a:off x="6689684" y="4709613"/>
+            <a:ext cx="1577676" cy="369332"/>
+          </a:xfrm>
+          <a:prstGeom prst="rect">
+            <a:avLst/>
+          </a:prstGeom>
+          <a:noFill/>
+        </p:spPr>
+        <p:txBody>
+          <a:bodyPr wrap="none" rtlCol="0">
+            <a:spAutoFit/>
+          </a:bodyPr>
+          <a:lstStyle/>
+          <a:p>
+            <a:r>
+              <a:rPr lang="en-US" altLang="ko-KR">
+                <a:latin typeface="Consolas" pitchFamily="49" charset="0"/>
+                <a:cs typeface="Consolas" pitchFamily="49" charset="0"/>
+              </a:rPr>
+              <a:t>target_node</a:t>
+            </a:r>
+            <a:endParaRPr lang="ko-KR" altLang="en-US">
+              <a:latin typeface="Consolas" pitchFamily="49" charset="0"/>
+              <a:cs typeface="Consolas" pitchFamily="49" charset="0"/>
+            </a:endParaRPr>
+          </a:p>
+        </p:txBody>
+      </p:sp>
+      <p:cxnSp>
+        <p:nvCxnSpPr>
+          <p:cNvPr id="33" name="직선 화살표 연결선 32">
+            <a:extLst>
+              <a:ext uri="{FF2B5EF4-FFF2-40B4-BE49-F238E27FC236}">
+                <a16:creationId xmlns:a16="http://schemas.microsoft.com/office/drawing/2014/main" id="{F9B6894A-45CF-4D22-B1AE-31599FE7D70C}"/>
+              </a:ext>
+            </a:extLst>
+          </p:cNvPr>
+          <p:cNvCxnSpPr>
+            <a:cxnSpLocks/>
+            <a:endCxn id="31" idx="0"/>
+          </p:cNvCxnSpPr>
+          <p:nvPr/>
+        </p:nvCxnSpPr>
+        <p:spPr>
+          <a:xfrm>
+            <a:off x="6204616" y="4547512"/>
+            <a:ext cx="815499" cy="548745"/>
+          </a:xfrm>
+          <a:prstGeom prst="straightConnector1">
+            <a:avLst/>
+          </a:prstGeom>
+          <a:ln>
+            <a:solidFill>
+              <a:schemeClr val="tx1"/>
+            </a:solidFill>
+            <a:headEnd type="triangle"/>
+            <a:tailEnd type="triangle"/>
+          </a:ln>
+        </p:spPr>
+        <p:style>
+          <a:lnRef idx="1">
+            <a:schemeClr val="accent1"/>
+          </a:lnRef>
+          <a:fillRef idx="0">
+            <a:schemeClr val="accent1"/>
+          </a:fillRef>
+          <a:effectRef idx="0">
+            <a:schemeClr val="accent1"/>
+          </a:effectRef>
+          <a:fontRef idx="minor">
+            <a:schemeClr val="tx1"/>
+          </a:fontRef>
+        </p:style>
+      </p:cxnSp>
+      <p:sp>
+        <p:nvSpPr>
+          <p:cNvPr id="61" name="TextBox 60">
+            <a:extLst>
+              <a:ext uri="{FF2B5EF4-FFF2-40B4-BE49-F238E27FC236}">
+                <a16:creationId xmlns:a16="http://schemas.microsoft.com/office/drawing/2014/main" id="{77ACD0B2-0350-45C9-83A4-E06FFB1CAD42}"/>
+              </a:ext>
+            </a:extLst>
+          </p:cNvPr>
+          <p:cNvSpPr txBox="1"/>
+          <p:nvPr/>
+        </p:nvSpPr>
+        <p:spPr>
+          <a:xfrm>
+            <a:off x="5457615" y="3740300"/>
+            <a:ext cx="1577676" cy="369332"/>
+          </a:xfrm>
+          <a:prstGeom prst="rect">
+            <a:avLst/>
+          </a:prstGeom>
+          <a:noFill/>
+        </p:spPr>
+        <p:txBody>
+          <a:bodyPr wrap="none" rtlCol="0">
+            <a:spAutoFit/>
+          </a:bodyPr>
+          <a:lstStyle/>
+          <a:p>
+            <a:r>
+              <a:rPr lang="en-US" altLang="ko-KR">
+                <a:latin typeface="Consolas" pitchFamily="49" charset="0"/>
+                <a:cs typeface="Consolas" pitchFamily="49" charset="0"/>
+              </a:rPr>
+              <a:t>target_proc</a:t>
+            </a:r>
+            <a:endParaRPr lang="ko-KR" altLang="en-US">
+              <a:latin typeface="Consolas" pitchFamily="49" charset="0"/>
+              <a:cs typeface="Consolas" pitchFamily="49" charset="0"/>
+            </a:endParaRPr>
+          </a:p>
+        </p:txBody>
+      </p:sp>
+      <p:sp>
+        <p:nvSpPr>
+          <p:cNvPr id="70" name="사각형: 둥근 모서리 69">
+            <a:extLst>
+              <a:ext uri="{FF2B5EF4-FFF2-40B4-BE49-F238E27FC236}">
+                <a16:creationId xmlns:a16="http://schemas.microsoft.com/office/drawing/2014/main" id="{5912E54F-33FC-44D2-BFF0-9170DF6C5A1A}"/>
+              </a:ext>
+            </a:extLst>
+          </p:cNvPr>
+          <p:cNvSpPr/>
+          <p:nvPr/>
+        </p:nvSpPr>
+        <p:spPr>
+          <a:xfrm>
+            <a:off x="1964324" y="4340281"/>
+            <a:ext cx="720062" cy="369332"/>
+          </a:xfrm>
+          <a:prstGeom prst="roundRect">
+            <a:avLst/>
+          </a:prstGeom>
+          <a:solidFill>
+            <a:srgbClr val="FFFF00"/>
+          </a:solidFill>
+          <a:ln w="12700"/>
+        </p:spPr>
+        <p:style>
+          <a:lnRef idx="2">
+            <a:schemeClr val="accent1">
+              <a:shade val="50000"/>
+            </a:schemeClr>
+          </a:lnRef>
+          <a:fillRef idx="1">
+            <a:schemeClr val="accent1"/>
+          </a:fillRef>
+          <a:effectRef idx="0">
+            <a:schemeClr val="accent1"/>
+          </a:effectRef>
+          <a:fontRef idx="minor">
+            <a:schemeClr val="lt1"/>
+          </a:fontRef>
+        </p:style>
+        <p:txBody>
+          <a:bodyPr rtlCol="0" anchor="ctr"/>
+          <a:lstStyle/>
+          <a:p>
+            <a:pPr algn="ctr"/>
+            <a:endParaRPr lang="ko-KR" altLang="en-US">
+              <a:solidFill>
+                <a:schemeClr val="tx1"/>
+              </a:solidFill>
+              <a:latin typeface="Consolas" pitchFamily="49" charset="0"/>
+              <a:cs typeface="Consolas" pitchFamily="49" charset="0"/>
+            </a:endParaRPr>
+          </a:p>
+        </p:txBody>
+      </p:sp>
+      <p:sp>
+        <p:nvSpPr>
+          <p:cNvPr id="71" name="TextBox 70">
+            <a:extLst>
+              <a:ext uri="{FF2B5EF4-FFF2-40B4-BE49-F238E27FC236}">
+                <a16:creationId xmlns:a16="http://schemas.microsoft.com/office/drawing/2014/main" id="{A0B7533E-0CDB-41CC-8D56-8CBFA9CFF84F}"/>
+              </a:ext>
+            </a:extLst>
+          </p:cNvPr>
+          <p:cNvSpPr txBox="1"/>
+          <p:nvPr/>
+        </p:nvSpPr>
+        <p:spPr>
+          <a:xfrm>
+            <a:off x="1993924" y="3953637"/>
+            <a:ext cx="691215" cy="369332"/>
+          </a:xfrm>
+          <a:prstGeom prst="rect">
+            <a:avLst/>
+          </a:prstGeom>
+          <a:noFill/>
+        </p:spPr>
+        <p:txBody>
+          <a:bodyPr wrap="none" rtlCol="0">
+            <a:spAutoFit/>
+          </a:bodyPr>
+          <a:lstStyle/>
+          <a:p>
+            <a:r>
+              <a:rPr lang="en-US" altLang="ko-KR">
+                <a:latin typeface="Consolas" pitchFamily="49" charset="0"/>
+                <a:cs typeface="Consolas" pitchFamily="49" charset="0"/>
+              </a:rPr>
+              <a:t>proc</a:t>
+            </a:r>
+            <a:endParaRPr lang="ko-KR" altLang="en-US">
+              <a:latin typeface="Consolas" pitchFamily="49" charset="0"/>
+              <a:cs typeface="Consolas" pitchFamily="49" charset="0"/>
+            </a:endParaRPr>
+          </a:p>
+        </p:txBody>
+      </p:sp>
+      <p:sp>
+        <p:nvSpPr>
+          <p:cNvPr id="82" name="사각형: 둥근 모서리 81">
+            <a:extLst>
+              <a:ext uri="{FF2B5EF4-FFF2-40B4-BE49-F238E27FC236}">
+                <a16:creationId xmlns:a16="http://schemas.microsoft.com/office/drawing/2014/main" id="{296443AB-A6FD-49A4-86DC-1C6D3D500188}"/>
+              </a:ext>
+            </a:extLst>
+          </p:cNvPr>
+          <p:cNvSpPr/>
+          <p:nvPr/>
+        </p:nvSpPr>
+        <p:spPr>
+          <a:xfrm>
+            <a:off x="2798900" y="5065963"/>
+            <a:ext cx="720062" cy="369332"/>
+          </a:xfrm>
+          <a:prstGeom prst="roundRect">
+            <a:avLst/>
+          </a:prstGeom>
+          <a:solidFill>
+            <a:srgbClr val="FFFF00"/>
+          </a:solidFill>
+          <a:ln w="12700"/>
+        </p:spPr>
+        <p:style>
+          <a:lnRef idx="2">
+            <a:schemeClr val="accent1">
+              <a:shade val="50000"/>
+            </a:schemeClr>
+          </a:lnRef>
+          <a:fillRef idx="1">
+            <a:schemeClr val="accent1"/>
+          </a:fillRef>
+          <a:effectRef idx="0">
+            <a:schemeClr val="accent1"/>
+          </a:effectRef>
+          <a:fontRef idx="minor">
+            <a:schemeClr val="lt1"/>
+          </a:fontRef>
+        </p:style>
+        <p:txBody>
+          <a:bodyPr rtlCol="0" anchor="ctr"/>
+          <a:lstStyle/>
+          <a:p>
+            <a:pPr algn="ctr"/>
+            <a:r>
+              <a:rPr lang="en-US" altLang="ko-KR">
+                <a:solidFill>
+                  <a:schemeClr val="tx1"/>
+                </a:solidFill>
+                <a:latin typeface="Consolas" pitchFamily="49" charset="0"/>
+                <a:cs typeface="Consolas" pitchFamily="49" charset="0"/>
+              </a:rPr>
+              <a:t>1</a:t>
+            </a:r>
+            <a:endParaRPr lang="ko-KR" altLang="en-US">
+              <a:solidFill>
+                <a:schemeClr val="tx1"/>
+              </a:solidFill>
+              <a:latin typeface="Consolas" pitchFamily="49" charset="0"/>
+              <a:cs typeface="Consolas" pitchFamily="49" charset="0"/>
+            </a:endParaRPr>
+          </a:p>
+        </p:txBody>
+      </p:sp>
+      <p:sp>
+        <p:nvSpPr>
+          <p:cNvPr id="83" name="TextBox 82">
+            <a:extLst>
+              <a:ext uri="{FF2B5EF4-FFF2-40B4-BE49-F238E27FC236}">
+                <a16:creationId xmlns:a16="http://schemas.microsoft.com/office/drawing/2014/main" id="{419A28D6-F7F7-4F96-8F5A-D377F5A68FD0}"/>
+              </a:ext>
+            </a:extLst>
+          </p:cNvPr>
+          <p:cNvSpPr txBox="1"/>
+          <p:nvPr/>
+        </p:nvSpPr>
+        <p:spPr>
+          <a:xfrm>
+            <a:off x="2828500" y="4679319"/>
+            <a:ext cx="564578" cy="369332"/>
+          </a:xfrm>
+          <a:prstGeom prst="rect">
+            <a:avLst/>
+          </a:prstGeom>
+          <a:noFill/>
+        </p:spPr>
+        <p:txBody>
+          <a:bodyPr wrap="none" rtlCol="0">
+            <a:spAutoFit/>
+          </a:bodyPr>
+          <a:lstStyle/>
+          <a:p>
+            <a:r>
+              <a:rPr lang="en-US" altLang="ko-KR">
+                <a:latin typeface="Consolas" pitchFamily="49" charset="0"/>
+                <a:cs typeface="Consolas" pitchFamily="49" charset="0"/>
+              </a:rPr>
+              <a:t>ref</a:t>
+            </a:r>
+            <a:endParaRPr lang="ko-KR" altLang="en-US">
+              <a:latin typeface="Consolas" pitchFamily="49" charset="0"/>
+              <a:cs typeface="Consolas" pitchFamily="49" charset="0"/>
+            </a:endParaRPr>
+          </a:p>
+        </p:txBody>
+      </p:sp>
+      <p:cxnSp>
+        <p:nvCxnSpPr>
+          <p:cNvPr id="84" name="직선 화살표 연결선 83">
+            <a:extLst>
+              <a:ext uri="{FF2B5EF4-FFF2-40B4-BE49-F238E27FC236}">
+                <a16:creationId xmlns:a16="http://schemas.microsoft.com/office/drawing/2014/main" id="{77D5A19D-C913-4154-B016-073A48887816}"/>
+              </a:ext>
+            </a:extLst>
+          </p:cNvPr>
+          <p:cNvCxnSpPr>
+            <a:cxnSpLocks/>
+            <a:stCxn id="70" idx="2"/>
+            <a:endCxn id="82" idx="0"/>
+          </p:cNvCxnSpPr>
+          <p:nvPr/>
+        </p:nvCxnSpPr>
+        <p:spPr>
+          <a:xfrm>
+            <a:off x="2324355" y="4709613"/>
+            <a:ext cx="834576" cy="356350"/>
+          </a:xfrm>
+          <a:prstGeom prst="straightConnector1">
+            <a:avLst/>
+          </a:prstGeom>
+          <a:ln>
+            <a:solidFill>
+              <a:schemeClr val="tx1"/>
+            </a:solidFill>
+            <a:headEnd type="triangle"/>
+            <a:tailEnd type="triangle"/>
+          </a:ln>
+        </p:spPr>
+        <p:style>
+          <a:lnRef idx="1">
+            <a:schemeClr val="accent1"/>
+          </a:lnRef>
+          <a:fillRef idx="0">
+            <a:schemeClr val="accent1"/>
+          </a:fillRef>
+          <a:effectRef idx="0">
+            <a:schemeClr val="accent1"/>
+          </a:effectRef>
+          <a:fontRef idx="minor">
+            <a:schemeClr val="tx1"/>
+          </a:fontRef>
+        </p:style>
+      </p:cxnSp>
+      <p:cxnSp>
+        <p:nvCxnSpPr>
+          <p:cNvPr id="85" name="직선 화살표 연결선 84">
+            <a:extLst>
+              <a:ext uri="{FF2B5EF4-FFF2-40B4-BE49-F238E27FC236}">
+                <a16:creationId xmlns:a16="http://schemas.microsoft.com/office/drawing/2014/main" id="{1616F7A3-3E0A-487B-8F24-33BF98459ABE}"/>
+              </a:ext>
+            </a:extLst>
+          </p:cNvPr>
+          <p:cNvCxnSpPr>
+            <a:cxnSpLocks/>
+            <a:stCxn id="82" idx="3"/>
+            <a:endCxn id="31" idx="1"/>
+          </p:cNvCxnSpPr>
+          <p:nvPr/>
+        </p:nvCxnSpPr>
+        <p:spPr>
+          <a:xfrm>
+            <a:off x="3518962" y="5250629"/>
+            <a:ext cx="3141122" cy="30294"/>
+          </a:xfrm>
+          <a:prstGeom prst="straightConnector1">
+            <a:avLst/>
+          </a:prstGeom>
+          <a:ln w="28575">
+            <a:solidFill>
+              <a:srgbClr val="FF0000"/>
+            </a:solidFill>
+            <a:tailEnd type="triangle"/>
+          </a:ln>
+        </p:spPr>
+        <p:style>
+          <a:lnRef idx="1">
+            <a:schemeClr val="accent1"/>
+          </a:lnRef>
+          <a:fillRef idx="0">
+            <a:schemeClr val="accent1"/>
+          </a:fillRef>
+          <a:effectRef idx="0">
+            <a:schemeClr val="accent1"/>
+          </a:effectRef>
+          <a:fontRef idx="minor">
+            <a:schemeClr val="tx1"/>
+          </a:fontRef>
+        </p:style>
+      </p:cxnSp>
+      <p:sp>
+        <p:nvSpPr>
+          <p:cNvPr id="95" name="TextBox 94">
+            <a:extLst>
+              <a:ext uri="{FF2B5EF4-FFF2-40B4-BE49-F238E27FC236}">
+                <a16:creationId xmlns:a16="http://schemas.microsoft.com/office/drawing/2014/main" id="{C3405A50-6D45-4220-A26C-C9D234F29FCE}"/>
+              </a:ext>
+            </a:extLst>
+          </p:cNvPr>
+          <p:cNvSpPr txBox="1"/>
+          <p:nvPr/>
+        </p:nvSpPr>
+        <p:spPr>
+          <a:xfrm>
+            <a:off x="5083812" y="1531785"/>
+            <a:ext cx="1957587" cy="923330"/>
+          </a:xfrm>
+          <a:prstGeom prst="rect">
+            <a:avLst/>
+          </a:prstGeom>
+          <a:noFill/>
+        </p:spPr>
+        <p:txBody>
+          <a:bodyPr wrap="none" rtlCol="0">
+            <a:spAutoFit/>
+          </a:bodyPr>
+          <a:lstStyle/>
+          <a:p>
+            <a:r>
+              <a:rPr lang="en-US" altLang="ko-KR">
+                <a:latin typeface="Consolas" pitchFamily="49" charset="0"/>
+                <a:cs typeface="Consolas" pitchFamily="49" charset="0"/>
+              </a:rPr>
+              <a:t>target=1</a:t>
+            </a:r>
+          </a:p>
+          <a:p>
+            <a:r>
+              <a:rPr lang="en-US" altLang="ko-KR">
+                <a:latin typeface="Consolas" pitchFamily="49" charset="0"/>
+                <a:cs typeface="Consolas" pitchFamily="49" charset="0"/>
+              </a:rPr>
+              <a:t>BR_TRANSACTION</a:t>
+            </a:r>
+          </a:p>
+          <a:p>
+            <a:r>
+              <a:rPr lang="en-US" altLang="ko-KR">
+                <a:latin typeface="Consolas" pitchFamily="49" charset="0"/>
+                <a:cs typeface="Consolas" pitchFamily="49" charset="0"/>
+              </a:rPr>
+              <a:t>code=1</a:t>
+            </a:r>
+          </a:p>
+        </p:txBody>
+      </p:sp>
+      <p:sp>
+        <p:nvSpPr>
+          <p:cNvPr id="26" name="TextBox 25">
+            <a:extLst>
+              <a:ext uri="{FF2B5EF4-FFF2-40B4-BE49-F238E27FC236}">
+                <a16:creationId xmlns:a16="http://schemas.microsoft.com/office/drawing/2014/main" id="{107FB9B4-2789-4C7D-8C4A-E90F9562630B}"/>
+              </a:ext>
+            </a:extLst>
+          </p:cNvPr>
+          <p:cNvSpPr txBox="1"/>
+          <p:nvPr/>
+        </p:nvSpPr>
+        <p:spPr>
+          <a:xfrm>
+            <a:off x="3504571" y="-39844"/>
+            <a:ext cx="1883849" cy="461665"/>
+          </a:xfrm>
+          <a:prstGeom prst="rect">
+            <a:avLst/>
+          </a:prstGeom>
+          <a:noFill/>
+        </p:spPr>
+        <p:txBody>
+          <a:bodyPr wrap="none" rtlCol="0">
+            <a:spAutoFit/>
+          </a:bodyPr>
+          <a:lstStyle/>
+          <a:p>
+            <a:r>
+              <a:rPr lang="en-US" altLang="ko-KR" sz="2400">
+                <a:latin typeface="Consolas" pitchFamily="49" charset="0"/>
+                <a:cs typeface="Consolas" pitchFamily="49" charset="0"/>
+              </a:rPr>
+              <a:t>IPC =&gt; RPC</a:t>
+            </a:r>
+            <a:endParaRPr lang="ko-KR" altLang="en-US" sz="2400">
+              <a:latin typeface="Consolas" pitchFamily="49" charset="0"/>
+              <a:cs typeface="Consolas" pitchFamily="49" charset="0"/>
+            </a:endParaRPr>
+          </a:p>
+        </p:txBody>
+      </p:sp>
+      <p:sp>
+        <p:nvSpPr>
+          <p:cNvPr id="98" name="TextBox 97">
+            <a:extLst>
+              <a:ext uri="{FF2B5EF4-FFF2-40B4-BE49-F238E27FC236}">
+                <a16:creationId xmlns:a16="http://schemas.microsoft.com/office/drawing/2014/main" id="{7F0D77E3-D63A-4467-A9BA-A9D8D1672452}"/>
+              </a:ext>
+            </a:extLst>
+          </p:cNvPr>
+          <p:cNvSpPr txBox="1"/>
+          <p:nvPr/>
+        </p:nvSpPr>
+        <p:spPr>
+          <a:xfrm>
+            <a:off x="7876059" y="1531785"/>
+            <a:ext cx="944489" cy="369332"/>
+          </a:xfrm>
+          <a:prstGeom prst="rect">
+            <a:avLst/>
+          </a:prstGeom>
+          <a:noFill/>
+        </p:spPr>
+        <p:txBody>
+          <a:bodyPr wrap="none" rtlCol="0">
+            <a:spAutoFit/>
+          </a:bodyPr>
+          <a:lstStyle/>
+          <a:p>
+            <a:r>
+              <a:rPr lang="en-US" altLang="ko-KR">
+                <a:latin typeface="Consolas" pitchFamily="49" charset="0"/>
+                <a:cs typeface="Consolas" pitchFamily="49" charset="0"/>
+              </a:rPr>
+              <a:t>0x1000</a:t>
+            </a:r>
+            <a:endParaRPr lang="ko-KR" altLang="en-US">
+              <a:latin typeface="Consolas" pitchFamily="49" charset="0"/>
+              <a:cs typeface="Consolas" pitchFamily="49" charset="0"/>
+            </a:endParaRPr>
+          </a:p>
+        </p:txBody>
+      </p:sp>
+      <p:sp>
+        <p:nvSpPr>
+          <p:cNvPr id="27" name="직사각형 26">
+            <a:extLst>
+              <a:ext uri="{FF2B5EF4-FFF2-40B4-BE49-F238E27FC236}">
+                <a16:creationId xmlns:a16="http://schemas.microsoft.com/office/drawing/2014/main" id="{FF516100-CEA7-46DC-9B3F-30D0EEEE81F1}"/>
+              </a:ext>
+            </a:extLst>
+          </p:cNvPr>
+          <p:cNvSpPr/>
+          <p:nvPr/>
+        </p:nvSpPr>
+        <p:spPr>
+          <a:xfrm>
+            <a:off x="8028384" y="1901117"/>
+            <a:ext cx="792163" cy="369332"/>
+          </a:xfrm>
+          <a:prstGeom prst="rect">
+            <a:avLst/>
+          </a:prstGeom>
+          <a:solidFill>
+            <a:srgbClr val="FFFF00"/>
+          </a:solidFill>
+          <a:ln w="12700"/>
+        </p:spPr>
+        <p:style>
+          <a:lnRef idx="2">
+            <a:schemeClr val="accent1">
+              <a:shade val="50000"/>
+            </a:schemeClr>
+          </a:lnRef>
+          <a:fillRef idx="1">
+            <a:schemeClr val="accent1"/>
+          </a:fillRef>
+          <a:effectRef idx="0">
+            <a:schemeClr val="accent1"/>
+          </a:effectRef>
+          <a:fontRef idx="minor">
+            <a:schemeClr val="lt1"/>
+          </a:fontRef>
+        </p:style>
+        <p:txBody>
+          <a:bodyPr rtlCol="0" anchor="ctr"/>
+          <a:lstStyle/>
+          <a:p>
+            <a:pPr algn="ctr"/>
+            <a:endParaRPr lang="ko-KR" altLang="en-US">
+              <a:solidFill>
+                <a:schemeClr val="tx1"/>
+              </a:solidFill>
+              <a:latin typeface="Consolas" pitchFamily="49" charset="0"/>
+              <a:cs typeface="Consolas" pitchFamily="49" charset="0"/>
+            </a:endParaRPr>
+          </a:p>
+        </p:txBody>
+      </p:sp>
+    </p:spTree>
+    <p:extLst>
+      <p:ext uri="{BB962C8B-B14F-4D97-AF65-F5344CB8AC3E}">
+        <p14:creationId xmlns:p14="http://schemas.microsoft.com/office/powerpoint/2010/main" val="957742653"/>
+      </p:ext>
+    </p:extLst>
+  </p:cSld>
+  <p:clrMapOvr>
+    <a:masterClrMapping/>
+  </p:clrMapOvr>
+</p:sld>
+</file>
+
+<file path=ppt/slides/slide18.xml><?xml version="1.0" encoding="utf-8"?>
+<p:sld xmlns:a="http://schemas.openxmlformats.org/drawingml/2006/main" xmlns:r="http://schemas.openxmlformats.org/officeDocument/2006/relationships" xmlns:p="http://schemas.openxmlformats.org/presentationml/2006/main">
+  <p:cSld>
+    <p:spTree>
+      <p:nvGrpSpPr>
+        <p:cNvPr id="1" name=""/>
+        <p:cNvGrpSpPr/>
+        <p:nvPr/>
+      </p:nvGrpSpPr>
+      <p:grpSpPr>
+        <a:xfrm>
+          <a:off x="0" y="0"/>
+          <a:ext cx="0" cy="0"/>
+          <a:chOff x="0" y="0"/>
+          <a:chExt cx="0" cy="0"/>
+        </a:xfrm>
+      </p:grpSpPr>
+      <p:cxnSp>
+        <p:nvCxnSpPr>
+          <p:cNvPr id="5" name="직선 연결선 4">
+            <a:extLst>
+              <a:ext uri="{FF2B5EF4-FFF2-40B4-BE49-F238E27FC236}">
+                <a16:creationId xmlns:a16="http://schemas.microsoft.com/office/drawing/2014/main" id="{FBE5B5B0-BD59-403A-AC0C-0B59C3A7717E}"/>
+              </a:ext>
+            </a:extLst>
+          </p:cNvPr>
+          <p:cNvCxnSpPr>
+            <a:cxnSpLocks/>
+          </p:cNvCxnSpPr>
+          <p:nvPr/>
+        </p:nvCxnSpPr>
+        <p:spPr>
+          <a:xfrm>
+            <a:off x="7841679" y="692696"/>
+            <a:ext cx="0" cy="2961620"/>
+          </a:xfrm>
+          <a:prstGeom prst="line">
+            <a:avLst/>
+          </a:prstGeom>
+          <a:ln>
+            <a:solidFill>
+              <a:schemeClr val="tx1"/>
+            </a:solidFill>
+          </a:ln>
+        </p:spPr>
+        <p:style>
+          <a:lnRef idx="1">
+            <a:schemeClr val="accent1"/>
+          </a:lnRef>
+          <a:fillRef idx="0">
+            <a:schemeClr val="accent1"/>
+          </a:fillRef>
+          <a:effectRef idx="0">
+            <a:schemeClr val="accent1"/>
+          </a:effectRef>
+          <a:fontRef idx="minor">
+            <a:schemeClr val="tx1"/>
+          </a:fontRef>
+        </p:style>
+      </p:cxnSp>
+      <p:sp>
+        <p:nvSpPr>
+          <p:cNvPr id="6" name="TextBox 5">
+            <a:extLst>
+              <a:ext uri="{FF2B5EF4-FFF2-40B4-BE49-F238E27FC236}">
+                <a16:creationId xmlns:a16="http://schemas.microsoft.com/office/drawing/2014/main" id="{DC53D4CE-5DA2-46C7-83BD-EF95372BE048}"/>
+              </a:ext>
+            </a:extLst>
+          </p:cNvPr>
+          <p:cNvSpPr txBox="1"/>
+          <p:nvPr/>
+        </p:nvSpPr>
+        <p:spPr>
+          <a:xfrm>
+            <a:off x="6862885" y="188640"/>
+            <a:ext cx="1957587" cy="369332"/>
+          </a:xfrm>
+          <a:prstGeom prst="rect">
+            <a:avLst/>
+          </a:prstGeom>
+          <a:noFill/>
+        </p:spPr>
+        <p:txBody>
+          <a:bodyPr wrap="none" rtlCol="0">
+            <a:spAutoFit/>
+          </a:bodyPr>
+          <a:lstStyle/>
+          <a:p>
+            <a:r>
+              <a:rPr lang="en-US" altLang="ko-KR">
+                <a:latin typeface="Consolas" pitchFamily="49" charset="0"/>
+                <a:cs typeface="Consolas" pitchFamily="49" charset="0"/>
+              </a:rPr>
+              <a:t>servicemanager</a:t>
+            </a:r>
+            <a:endParaRPr lang="ko-KR" altLang="en-US">
+              <a:latin typeface="Consolas" pitchFamily="49" charset="0"/>
+              <a:cs typeface="Consolas" pitchFamily="49" charset="0"/>
+            </a:endParaRPr>
+          </a:p>
+        </p:txBody>
+      </p:sp>
+      <p:sp>
+        <p:nvSpPr>
+          <p:cNvPr id="8" name="사각형: 둥근 모서리 7">
+            <a:extLst>
+              <a:ext uri="{FF2B5EF4-FFF2-40B4-BE49-F238E27FC236}">
+                <a16:creationId xmlns:a16="http://schemas.microsoft.com/office/drawing/2014/main" id="{9F77B281-4FE1-481D-B910-9A15885E2C2A}"/>
+              </a:ext>
+            </a:extLst>
+          </p:cNvPr>
+          <p:cNvSpPr/>
+          <p:nvPr/>
+        </p:nvSpPr>
+        <p:spPr>
+          <a:xfrm>
+            <a:off x="6012160" y="5248497"/>
+            <a:ext cx="720062" cy="369332"/>
+          </a:xfrm>
+          <a:prstGeom prst="roundRect">
+            <a:avLst/>
+          </a:prstGeom>
+          <a:solidFill>
+            <a:srgbClr val="FFFF00"/>
+          </a:solidFill>
+          <a:ln w="12700"/>
+        </p:spPr>
+        <p:style>
+          <a:lnRef idx="2">
+            <a:schemeClr val="accent1">
+              <a:shade val="50000"/>
+            </a:schemeClr>
+          </a:lnRef>
+          <a:fillRef idx="1">
+            <a:schemeClr val="accent1"/>
+          </a:fillRef>
+          <a:effectRef idx="0">
+            <a:schemeClr val="accent1"/>
+          </a:effectRef>
+          <a:fontRef idx="minor">
+            <a:schemeClr val="lt1"/>
+          </a:fontRef>
+        </p:style>
+        <p:txBody>
+          <a:bodyPr rtlCol="0" anchor="ctr"/>
+          <a:lstStyle/>
+          <a:p>
+            <a:pPr algn="ctr"/>
+            <a:endParaRPr lang="ko-KR" altLang="en-US">
+              <a:solidFill>
+                <a:schemeClr val="tx1"/>
+              </a:solidFill>
+              <a:latin typeface="Consolas" pitchFamily="49" charset="0"/>
+              <a:cs typeface="Consolas" pitchFamily="49" charset="0"/>
+            </a:endParaRPr>
+          </a:p>
+        </p:txBody>
+      </p:sp>
+      <p:sp>
+        <p:nvSpPr>
+          <p:cNvPr id="9" name="TextBox 8">
+            <a:extLst>
+              <a:ext uri="{FF2B5EF4-FFF2-40B4-BE49-F238E27FC236}">
+                <a16:creationId xmlns:a16="http://schemas.microsoft.com/office/drawing/2014/main" id="{74752412-A694-4244-8C1F-3D0A4CD98AC2}"/>
+              </a:ext>
+            </a:extLst>
+          </p:cNvPr>
+          <p:cNvSpPr txBox="1"/>
+          <p:nvPr/>
+        </p:nvSpPr>
+        <p:spPr>
+          <a:xfrm>
+            <a:off x="6041760" y="4861853"/>
+            <a:ext cx="691215" cy="369332"/>
+          </a:xfrm>
+          <a:prstGeom prst="rect">
+            <a:avLst/>
+          </a:prstGeom>
+          <a:noFill/>
+        </p:spPr>
+        <p:txBody>
+          <a:bodyPr wrap="none" rtlCol="0">
+            <a:spAutoFit/>
+          </a:bodyPr>
+          <a:lstStyle/>
+          <a:p>
+            <a:r>
+              <a:rPr lang="en-US" altLang="ko-KR">
+                <a:latin typeface="Consolas" pitchFamily="49" charset="0"/>
+                <a:cs typeface="Consolas" pitchFamily="49" charset="0"/>
+              </a:rPr>
+              <a:t>proc</a:t>
+            </a:r>
+            <a:endParaRPr lang="ko-KR" altLang="en-US">
+              <a:latin typeface="Consolas" pitchFamily="49" charset="0"/>
+              <a:cs typeface="Consolas" pitchFamily="49" charset="0"/>
+            </a:endParaRPr>
+          </a:p>
+        </p:txBody>
+      </p:sp>
+      <p:sp>
+        <p:nvSpPr>
+          <p:cNvPr id="10" name="사각형: 둥근 모서리 9">
+            <a:extLst>
+              <a:ext uri="{FF2B5EF4-FFF2-40B4-BE49-F238E27FC236}">
+                <a16:creationId xmlns:a16="http://schemas.microsoft.com/office/drawing/2014/main" id="{BF58A526-5069-4353-9E81-9CB4CBD0D408}"/>
+              </a:ext>
+            </a:extLst>
+          </p:cNvPr>
+          <p:cNvSpPr/>
+          <p:nvPr/>
+        </p:nvSpPr>
+        <p:spPr>
+          <a:xfrm>
+            <a:off x="6743555" y="6016532"/>
+            <a:ext cx="720062" cy="369332"/>
+          </a:xfrm>
+          <a:prstGeom prst="roundRect">
+            <a:avLst/>
+          </a:prstGeom>
+          <a:solidFill>
+            <a:srgbClr val="FFFF00"/>
+          </a:solidFill>
+          <a:ln w="12700"/>
+        </p:spPr>
+        <p:style>
+          <a:lnRef idx="2">
+            <a:schemeClr val="accent1">
+              <a:shade val="50000"/>
+            </a:schemeClr>
+          </a:lnRef>
+          <a:fillRef idx="1">
+            <a:schemeClr val="accent1"/>
+          </a:fillRef>
+          <a:effectRef idx="0">
+            <a:schemeClr val="accent1"/>
+          </a:effectRef>
+          <a:fontRef idx="minor">
+            <a:schemeClr val="lt1"/>
+          </a:fontRef>
+        </p:style>
+        <p:txBody>
+          <a:bodyPr rtlCol="0" anchor="ctr"/>
+          <a:lstStyle/>
+          <a:p>
+            <a:pPr algn="ctr"/>
+            <a:r>
+              <a:rPr lang="en-US" altLang="ko-KR">
+                <a:solidFill>
+                  <a:schemeClr val="tx1"/>
+                </a:solidFill>
+                <a:latin typeface="Consolas" pitchFamily="49" charset="0"/>
+                <a:cs typeface="Consolas" pitchFamily="49" charset="0"/>
+              </a:rPr>
+              <a:t>0</a:t>
+            </a:r>
+            <a:endParaRPr lang="ko-KR" altLang="en-US">
+              <a:solidFill>
+                <a:schemeClr val="tx1"/>
+              </a:solidFill>
+              <a:latin typeface="Consolas" pitchFamily="49" charset="0"/>
+              <a:cs typeface="Consolas" pitchFamily="49" charset="0"/>
+            </a:endParaRPr>
+          </a:p>
+        </p:txBody>
+      </p:sp>
+      <p:sp>
+        <p:nvSpPr>
+          <p:cNvPr id="11" name="TextBox 10">
+            <a:extLst>
+              <a:ext uri="{FF2B5EF4-FFF2-40B4-BE49-F238E27FC236}">
+                <a16:creationId xmlns:a16="http://schemas.microsoft.com/office/drawing/2014/main" id="{2A40AF6E-7C3E-4C61-B775-C25101CF71F8}"/>
+              </a:ext>
+            </a:extLst>
+          </p:cNvPr>
+          <p:cNvSpPr txBox="1"/>
+          <p:nvPr/>
+        </p:nvSpPr>
+        <p:spPr>
+          <a:xfrm>
+            <a:off x="6773155" y="5629888"/>
+            <a:ext cx="691215" cy="369332"/>
+          </a:xfrm>
+          <a:prstGeom prst="rect">
+            <a:avLst/>
+          </a:prstGeom>
+          <a:noFill/>
+        </p:spPr>
+        <p:txBody>
+          <a:bodyPr wrap="none" rtlCol="0">
+            <a:spAutoFit/>
+          </a:bodyPr>
+          <a:lstStyle/>
+          <a:p>
+            <a:r>
+              <a:rPr lang="en-US" altLang="ko-KR">
+                <a:latin typeface="Consolas" pitchFamily="49" charset="0"/>
+                <a:cs typeface="Consolas" pitchFamily="49" charset="0"/>
+              </a:rPr>
+              <a:t>node</a:t>
+            </a:r>
+            <a:endParaRPr lang="ko-KR" altLang="en-US">
+              <a:latin typeface="Consolas" pitchFamily="49" charset="0"/>
+              <a:cs typeface="Consolas" pitchFamily="49" charset="0"/>
+            </a:endParaRPr>
+          </a:p>
+        </p:txBody>
+      </p:sp>
+      <p:cxnSp>
+        <p:nvCxnSpPr>
+          <p:cNvPr id="13" name="직선 화살표 연결선 12">
+            <a:extLst>
+              <a:ext uri="{FF2B5EF4-FFF2-40B4-BE49-F238E27FC236}">
+                <a16:creationId xmlns:a16="http://schemas.microsoft.com/office/drawing/2014/main" id="{173C84AB-2F20-4281-AD1E-9270B3924F0C}"/>
+              </a:ext>
+            </a:extLst>
+          </p:cNvPr>
+          <p:cNvCxnSpPr>
+            <a:stCxn id="8" idx="2"/>
+            <a:endCxn id="11" idx="2"/>
+          </p:cNvCxnSpPr>
+          <p:nvPr/>
+        </p:nvCxnSpPr>
+        <p:spPr>
+          <a:xfrm>
+            <a:off x="6372191" y="5617829"/>
+            <a:ext cx="746572" cy="381391"/>
+          </a:xfrm>
+          <a:prstGeom prst="straightConnector1">
+            <a:avLst/>
+          </a:prstGeom>
+          <a:ln>
+            <a:solidFill>
+              <a:schemeClr val="tx1"/>
+            </a:solidFill>
+            <a:headEnd type="triangle"/>
+            <a:tailEnd type="triangle"/>
+          </a:ln>
+        </p:spPr>
+        <p:style>
+          <a:lnRef idx="1">
+            <a:schemeClr val="accent1"/>
+          </a:lnRef>
+          <a:fillRef idx="0">
+            <a:schemeClr val="accent1"/>
+          </a:fillRef>
+          <a:effectRef idx="0">
+            <a:schemeClr val="accent1"/>
+          </a:effectRef>
+          <a:fontRef idx="minor">
+            <a:schemeClr val="tx1"/>
+          </a:fontRef>
+        </p:style>
+      </p:cxnSp>
+      <p:cxnSp>
+        <p:nvCxnSpPr>
+          <p:cNvPr id="12" name="직선 연결선 11">
+            <a:extLst>
+              <a:ext uri="{FF2B5EF4-FFF2-40B4-BE49-F238E27FC236}">
+                <a16:creationId xmlns:a16="http://schemas.microsoft.com/office/drawing/2014/main" id="{67F49B4B-D6D9-4A75-A8AE-1B5B83D6AE42}"/>
+              </a:ext>
+            </a:extLst>
+          </p:cNvPr>
+          <p:cNvCxnSpPr>
+            <a:cxnSpLocks/>
+          </p:cNvCxnSpPr>
+          <p:nvPr/>
+        </p:nvCxnSpPr>
+        <p:spPr>
+          <a:xfrm>
+            <a:off x="939031" y="714917"/>
+            <a:ext cx="0" cy="3074123"/>
+          </a:xfrm>
+          <a:prstGeom prst="line">
+            <a:avLst/>
+          </a:prstGeom>
+          <a:ln>
+            <a:solidFill>
+              <a:schemeClr val="tx1"/>
+            </a:solidFill>
+          </a:ln>
+        </p:spPr>
+        <p:style>
+          <a:lnRef idx="1">
+            <a:schemeClr val="accent1"/>
+          </a:lnRef>
+          <a:fillRef idx="0">
+            <a:schemeClr val="accent1"/>
+          </a:fillRef>
+          <a:effectRef idx="0">
+            <a:schemeClr val="accent1"/>
+          </a:effectRef>
+          <a:fontRef idx="minor">
+            <a:schemeClr val="tx1"/>
+          </a:fontRef>
+        </p:style>
+      </p:cxnSp>
+      <p:sp>
+        <p:nvSpPr>
+          <p:cNvPr id="14" name="TextBox 13">
+            <a:extLst>
+              <a:ext uri="{FF2B5EF4-FFF2-40B4-BE49-F238E27FC236}">
+                <a16:creationId xmlns:a16="http://schemas.microsoft.com/office/drawing/2014/main" id="{B7AF2FB8-B576-4166-88A7-F67A78B0BE6C}"/>
+              </a:ext>
+            </a:extLst>
+          </p:cNvPr>
+          <p:cNvSpPr txBox="1"/>
+          <p:nvPr/>
+        </p:nvSpPr>
+        <p:spPr>
+          <a:xfrm>
+            <a:off x="251520" y="323364"/>
+            <a:ext cx="1830950" cy="369332"/>
+          </a:xfrm>
+          <a:prstGeom prst="rect">
+            <a:avLst/>
+          </a:prstGeom>
+          <a:noFill/>
+        </p:spPr>
+        <p:txBody>
+          <a:bodyPr wrap="none" rtlCol="0">
+            <a:spAutoFit/>
+          </a:bodyPr>
+          <a:lstStyle/>
+          <a:p>
+            <a:r>
+              <a:rPr lang="en-US" altLang="ko-KR">
+                <a:latin typeface="Consolas" pitchFamily="49" charset="0"/>
+                <a:cs typeface="Consolas" pitchFamily="49" charset="0"/>
+              </a:rPr>
+              <a:t>"led.service"</a:t>
+            </a:r>
+            <a:endParaRPr lang="ko-KR" altLang="en-US">
+              <a:latin typeface="Consolas" pitchFamily="49" charset="0"/>
+              <a:cs typeface="Consolas" pitchFamily="49" charset="0"/>
+            </a:endParaRPr>
+          </a:p>
+        </p:txBody>
+      </p:sp>
+      <p:sp>
+        <p:nvSpPr>
+          <p:cNvPr id="2" name="TextBox 1">
+            <a:extLst>
+              <a:ext uri="{FF2B5EF4-FFF2-40B4-BE49-F238E27FC236}">
+                <a16:creationId xmlns:a16="http://schemas.microsoft.com/office/drawing/2014/main" id="{5A37301A-E008-4373-815D-94A18B573B05}"/>
+              </a:ext>
+            </a:extLst>
+          </p:cNvPr>
+          <p:cNvSpPr txBox="1"/>
+          <p:nvPr/>
+        </p:nvSpPr>
+        <p:spPr>
+          <a:xfrm>
+            <a:off x="251520" y="41797"/>
+            <a:ext cx="1696298" cy="369332"/>
+          </a:xfrm>
+          <a:prstGeom prst="rect">
+            <a:avLst/>
+          </a:prstGeom>
+          <a:noFill/>
+        </p:spPr>
+        <p:txBody>
+          <a:bodyPr wrap="none" rtlCol="0">
+            <a:spAutoFit/>
+          </a:bodyPr>
+          <a:lstStyle/>
+          <a:p>
+            <a:r>
+              <a:rPr lang="ko-KR" altLang="en-US">
+                <a:latin typeface="Consolas" pitchFamily="49" charset="0"/>
+                <a:cs typeface="Consolas" pitchFamily="49" charset="0"/>
+              </a:rPr>
+              <a:t>서비스의 등록</a:t>
+            </a:r>
+          </a:p>
+        </p:txBody>
+      </p:sp>
+      <p:cxnSp>
+        <p:nvCxnSpPr>
+          <p:cNvPr id="16" name="직선 연결선 15">
+            <a:extLst>
+              <a:ext uri="{FF2B5EF4-FFF2-40B4-BE49-F238E27FC236}">
+                <a16:creationId xmlns:a16="http://schemas.microsoft.com/office/drawing/2014/main" id="{87DD920E-EB16-405C-8DF9-A18667644B5F}"/>
+              </a:ext>
+            </a:extLst>
+          </p:cNvPr>
+          <p:cNvCxnSpPr>
+            <a:cxnSpLocks/>
+          </p:cNvCxnSpPr>
+          <p:nvPr/>
+        </p:nvCxnSpPr>
+        <p:spPr>
+          <a:xfrm>
+            <a:off x="4355976" y="721268"/>
+            <a:ext cx="0" cy="2933048"/>
+          </a:xfrm>
+          <a:prstGeom prst="line">
+            <a:avLst/>
+          </a:prstGeom>
+          <a:ln>
+            <a:solidFill>
+              <a:schemeClr val="tx1"/>
+            </a:solidFill>
+          </a:ln>
+        </p:spPr>
+        <p:style>
+          <a:lnRef idx="1">
+            <a:schemeClr val="accent1"/>
+          </a:lnRef>
+          <a:fillRef idx="0">
+            <a:schemeClr val="accent1"/>
+          </a:fillRef>
+          <a:effectRef idx="0">
+            <a:schemeClr val="accent1"/>
+          </a:effectRef>
+          <a:fontRef idx="minor">
+            <a:schemeClr val="tx1"/>
+          </a:fontRef>
+        </p:style>
+      </p:cxnSp>
+      <p:sp>
+        <p:nvSpPr>
+          <p:cNvPr id="17" name="TextBox 16">
+            <a:extLst>
+              <a:ext uri="{FF2B5EF4-FFF2-40B4-BE49-F238E27FC236}">
+                <a16:creationId xmlns:a16="http://schemas.microsoft.com/office/drawing/2014/main" id="{F7F6F610-3A2D-4042-B84D-C8CB4B4714D2}"/>
+              </a:ext>
+            </a:extLst>
+          </p:cNvPr>
+          <p:cNvSpPr txBox="1"/>
+          <p:nvPr/>
+        </p:nvSpPr>
+        <p:spPr>
+          <a:xfrm>
+            <a:off x="3377182" y="315951"/>
+            <a:ext cx="1830950" cy="369332"/>
+          </a:xfrm>
+          <a:prstGeom prst="rect">
+            <a:avLst/>
+          </a:prstGeom>
+          <a:noFill/>
+        </p:spPr>
+        <p:txBody>
+          <a:bodyPr wrap="none" rtlCol="0">
+            <a:spAutoFit/>
+          </a:bodyPr>
+          <a:lstStyle/>
+          <a:p>
+            <a:r>
+              <a:rPr lang="en-US" altLang="ko-KR">
+                <a:latin typeface="Consolas" pitchFamily="49" charset="0"/>
+                <a:cs typeface="Consolas" pitchFamily="49" charset="0"/>
+              </a:rPr>
+              <a:t>binder</a:t>
+            </a:r>
+            <a:r>
+              <a:rPr lang="ko-KR" altLang="en-US">
+                <a:latin typeface="Consolas" pitchFamily="49" charset="0"/>
+                <a:cs typeface="Consolas" pitchFamily="49" charset="0"/>
+              </a:rPr>
+              <a:t> </a:t>
+            </a:r>
+            <a:r>
+              <a:rPr lang="en-US" altLang="ko-KR">
+                <a:latin typeface="Consolas" pitchFamily="49" charset="0"/>
+                <a:cs typeface="Consolas" pitchFamily="49" charset="0"/>
+              </a:rPr>
+              <a:t>driver</a:t>
+            </a:r>
+            <a:endParaRPr lang="ko-KR" altLang="en-US">
+              <a:latin typeface="Consolas" pitchFamily="49" charset="0"/>
+              <a:cs typeface="Consolas" pitchFamily="49" charset="0"/>
+            </a:endParaRPr>
+          </a:p>
+        </p:txBody>
+      </p:sp>
+      <p:cxnSp>
+        <p:nvCxnSpPr>
+          <p:cNvPr id="4" name="직선 화살표 연결선 3">
+            <a:extLst>
+              <a:ext uri="{FF2B5EF4-FFF2-40B4-BE49-F238E27FC236}">
+                <a16:creationId xmlns:a16="http://schemas.microsoft.com/office/drawing/2014/main" id="{97D6C602-FC89-46B6-87C4-9F4B7E37B176}"/>
+              </a:ext>
+            </a:extLst>
+          </p:cNvPr>
+          <p:cNvCxnSpPr/>
+          <p:nvPr/>
+        </p:nvCxnSpPr>
+        <p:spPr>
+          <a:xfrm>
+            <a:off x="939031" y="908720"/>
+            <a:ext cx="3416945" cy="288032"/>
+          </a:xfrm>
+          <a:prstGeom prst="straightConnector1">
+            <a:avLst/>
+          </a:prstGeom>
+          <a:ln>
+            <a:solidFill>
+              <a:srgbClr val="FF0000"/>
+            </a:solidFill>
+            <a:tailEnd type="triangle"/>
+          </a:ln>
+        </p:spPr>
+        <p:style>
+          <a:lnRef idx="1">
+            <a:schemeClr val="accent1"/>
+          </a:lnRef>
+          <a:fillRef idx="0">
+            <a:schemeClr val="accent1"/>
+          </a:fillRef>
+          <a:effectRef idx="0">
+            <a:schemeClr val="accent1"/>
+          </a:effectRef>
+          <a:fontRef idx="minor">
+            <a:schemeClr val="tx1"/>
+          </a:fontRef>
+        </p:style>
+      </p:cxnSp>
+      <p:sp>
+        <p:nvSpPr>
+          <p:cNvPr id="18" name="TextBox 17">
+            <a:extLst>
+              <a:ext uri="{FF2B5EF4-FFF2-40B4-BE49-F238E27FC236}">
+                <a16:creationId xmlns:a16="http://schemas.microsoft.com/office/drawing/2014/main" id="{A0EABF94-6EC3-49B2-9D35-9B3B7ABB90ED}"/>
+              </a:ext>
+            </a:extLst>
+          </p:cNvPr>
+          <p:cNvSpPr txBox="1"/>
+          <p:nvPr/>
+        </p:nvSpPr>
+        <p:spPr>
+          <a:xfrm>
+            <a:off x="924500" y="1152947"/>
+            <a:ext cx="4237057" cy="1477328"/>
+          </a:xfrm>
+          <a:prstGeom prst="rect">
+            <a:avLst/>
+          </a:prstGeom>
+          <a:noFill/>
+        </p:spPr>
+        <p:txBody>
+          <a:bodyPr wrap="none" rtlCol="0">
+            <a:spAutoFit/>
+          </a:bodyPr>
+          <a:lstStyle/>
+          <a:p>
+            <a:r>
+              <a:rPr lang="en-US" altLang="ko-KR">
+                <a:latin typeface="Consolas" pitchFamily="49" charset="0"/>
+                <a:cs typeface="Consolas" pitchFamily="49" charset="0"/>
+              </a:rPr>
+              <a:t>target=0</a:t>
+            </a:r>
+          </a:p>
+          <a:p>
+            <a:r>
+              <a:rPr lang="en-US" altLang="ko-KR">
+                <a:latin typeface="Consolas" pitchFamily="49" charset="0"/>
+                <a:cs typeface="Consolas" pitchFamily="49" charset="0"/>
+              </a:rPr>
+              <a:t>BC_TRANSACTION</a:t>
+            </a:r>
+          </a:p>
+          <a:p>
+            <a:r>
+              <a:rPr lang="en-US" altLang="ko-KR">
+                <a:latin typeface="Consolas" pitchFamily="49" charset="0"/>
+                <a:cs typeface="Consolas" pitchFamily="49" charset="0"/>
+              </a:rPr>
+              <a:t>code=3</a:t>
+            </a:r>
+          </a:p>
+          <a:p>
+            <a:r>
+              <a:rPr lang="en-US" altLang="ko-KR">
+                <a:latin typeface="Consolas" pitchFamily="49" charset="0"/>
+                <a:cs typeface="Consolas" pitchFamily="49" charset="0"/>
+              </a:rPr>
+              <a:t>from"led.service"</a:t>
+            </a:r>
+          </a:p>
+          <a:p>
+            <a:r>
+              <a:rPr lang="en-US" altLang="ko-KR">
+                <a:latin typeface="Consolas" pitchFamily="49" charset="0"/>
+                <a:cs typeface="Consolas" pitchFamily="49" charset="0"/>
+              </a:rPr>
+              <a:t>to:"android.os.IServiceManager"</a:t>
+            </a:r>
+            <a:endParaRPr lang="ko-KR" altLang="en-US">
+              <a:latin typeface="Consolas" pitchFamily="49" charset="0"/>
+              <a:cs typeface="Consolas" pitchFamily="49" charset="0"/>
+            </a:endParaRPr>
+          </a:p>
+        </p:txBody>
+      </p:sp>
+      <p:cxnSp>
+        <p:nvCxnSpPr>
+          <p:cNvPr id="19" name="직선 화살표 연결선 18">
+            <a:extLst>
+              <a:ext uri="{FF2B5EF4-FFF2-40B4-BE49-F238E27FC236}">
+                <a16:creationId xmlns:a16="http://schemas.microsoft.com/office/drawing/2014/main" id="{C871524F-78A3-41CF-837B-C35DF76162AE}"/>
+              </a:ext>
+            </a:extLst>
+          </p:cNvPr>
+          <p:cNvCxnSpPr/>
+          <p:nvPr/>
+        </p:nvCxnSpPr>
+        <p:spPr>
+          <a:xfrm>
+            <a:off x="4390355" y="1226441"/>
+            <a:ext cx="3416945" cy="288032"/>
+          </a:xfrm>
+          <a:prstGeom prst="straightConnector1">
+            <a:avLst/>
+          </a:prstGeom>
+          <a:ln>
+            <a:solidFill>
+              <a:srgbClr val="FF0000"/>
+            </a:solidFill>
+            <a:tailEnd type="triangle"/>
+          </a:ln>
+        </p:spPr>
+        <p:style>
+          <a:lnRef idx="1">
+            <a:schemeClr val="accent1"/>
+          </a:lnRef>
+          <a:fillRef idx="0">
+            <a:schemeClr val="accent1"/>
+          </a:fillRef>
+          <a:effectRef idx="0">
+            <a:schemeClr val="accent1"/>
+          </a:effectRef>
+          <a:fontRef idx="minor">
+            <a:schemeClr val="tx1"/>
+          </a:fontRef>
+        </p:style>
+      </p:cxnSp>
+      <p:sp>
+        <p:nvSpPr>
+          <p:cNvPr id="20" name="TextBox 19">
+            <a:extLst>
+              <a:ext uri="{FF2B5EF4-FFF2-40B4-BE49-F238E27FC236}">
+                <a16:creationId xmlns:a16="http://schemas.microsoft.com/office/drawing/2014/main" id="{E1B5DAE5-F5A5-4EB9-AB8E-760637ADC7F4}"/>
+              </a:ext>
+            </a:extLst>
+          </p:cNvPr>
+          <p:cNvSpPr txBox="1"/>
+          <p:nvPr/>
+        </p:nvSpPr>
+        <p:spPr>
+          <a:xfrm>
+            <a:off x="5094673" y="1566854"/>
+            <a:ext cx="1957587" cy="1200329"/>
+          </a:xfrm>
+          <a:prstGeom prst="rect">
+            <a:avLst/>
+          </a:prstGeom>
+          <a:noFill/>
+        </p:spPr>
+        <p:txBody>
+          <a:bodyPr wrap="none" rtlCol="0">
+            <a:spAutoFit/>
+          </a:bodyPr>
+          <a:lstStyle/>
+          <a:p>
+            <a:r>
+              <a:rPr lang="en-US" altLang="ko-KR">
+                <a:latin typeface="Consolas" pitchFamily="49" charset="0"/>
+                <a:cs typeface="Consolas" pitchFamily="49" charset="0"/>
+              </a:rPr>
+              <a:t>target=0</a:t>
+            </a:r>
+          </a:p>
+          <a:p>
+            <a:r>
+              <a:rPr lang="en-US" altLang="ko-KR">
+                <a:latin typeface="Consolas" pitchFamily="49" charset="0"/>
+                <a:cs typeface="Consolas" pitchFamily="49" charset="0"/>
+              </a:rPr>
+              <a:t>BR_TRANSACTION</a:t>
+            </a:r>
+          </a:p>
+          <a:p>
+            <a:r>
+              <a:rPr lang="en-US" altLang="ko-KR">
+                <a:latin typeface="Consolas" pitchFamily="49" charset="0"/>
+                <a:cs typeface="Consolas" pitchFamily="49" charset="0"/>
+              </a:rPr>
+              <a:t>code=3</a:t>
+            </a:r>
+          </a:p>
+          <a:p>
+            <a:r>
+              <a:rPr lang="en-US" altLang="ko-KR">
+                <a:latin typeface="Consolas" pitchFamily="49" charset="0"/>
+                <a:cs typeface="Consolas" pitchFamily="49" charset="0"/>
+              </a:rPr>
+              <a:t>"led.service"</a:t>
+            </a:r>
+            <a:endParaRPr lang="ko-KR" altLang="en-US">
+              <a:latin typeface="Consolas" pitchFamily="49" charset="0"/>
+              <a:cs typeface="Consolas" pitchFamily="49" charset="0"/>
+            </a:endParaRPr>
+          </a:p>
+        </p:txBody>
+      </p:sp>
+      <p:sp>
+        <p:nvSpPr>
+          <p:cNvPr id="22" name="사각형: 둥근 모서리 21">
+            <a:extLst>
+              <a:ext uri="{FF2B5EF4-FFF2-40B4-BE49-F238E27FC236}">
+                <a16:creationId xmlns:a16="http://schemas.microsoft.com/office/drawing/2014/main" id="{99740349-658E-4FA6-A7EF-097C329C781C}"/>
+              </a:ext>
+            </a:extLst>
+          </p:cNvPr>
+          <p:cNvSpPr/>
+          <p:nvPr/>
+        </p:nvSpPr>
+        <p:spPr>
+          <a:xfrm>
+            <a:off x="5443219" y="6021084"/>
+            <a:ext cx="720062" cy="369332"/>
+          </a:xfrm>
+          <a:prstGeom prst="roundRect">
+            <a:avLst/>
+          </a:prstGeom>
+          <a:solidFill>
+            <a:srgbClr val="FFFF00"/>
+          </a:solidFill>
+          <a:ln w="12700"/>
+        </p:spPr>
+        <p:style>
+          <a:lnRef idx="2">
+            <a:schemeClr val="accent1">
+              <a:shade val="50000"/>
+            </a:schemeClr>
+          </a:lnRef>
+          <a:fillRef idx="1">
+            <a:schemeClr val="accent1"/>
+          </a:fillRef>
+          <a:effectRef idx="0">
+            <a:schemeClr val="accent1"/>
+          </a:effectRef>
+          <a:fontRef idx="minor">
+            <a:schemeClr val="lt1"/>
+          </a:fontRef>
+        </p:style>
+        <p:txBody>
+          <a:bodyPr rtlCol="0" anchor="ctr"/>
+          <a:lstStyle/>
+          <a:p>
+            <a:pPr algn="ctr"/>
+            <a:r>
+              <a:rPr lang="en-US" altLang="ko-KR">
+                <a:solidFill>
+                  <a:schemeClr val="tx1"/>
+                </a:solidFill>
+                <a:latin typeface="Consolas" pitchFamily="49" charset="0"/>
+                <a:cs typeface="Consolas" pitchFamily="49" charset="0"/>
+              </a:rPr>
+              <a:t>140</a:t>
+            </a:r>
+            <a:endParaRPr lang="ko-KR" altLang="en-US">
+              <a:solidFill>
+                <a:schemeClr val="tx1"/>
+              </a:solidFill>
+              <a:latin typeface="Consolas" pitchFamily="49" charset="0"/>
+              <a:cs typeface="Consolas" pitchFamily="49" charset="0"/>
+            </a:endParaRPr>
+          </a:p>
+        </p:txBody>
+      </p:sp>
+      <p:sp>
+        <p:nvSpPr>
+          <p:cNvPr id="23" name="TextBox 22">
+            <a:extLst>
+              <a:ext uri="{FF2B5EF4-FFF2-40B4-BE49-F238E27FC236}">
+                <a16:creationId xmlns:a16="http://schemas.microsoft.com/office/drawing/2014/main" id="{AC9D86E7-392C-45C0-959B-41C13FE093EF}"/>
+              </a:ext>
+            </a:extLst>
+          </p:cNvPr>
+          <p:cNvSpPr txBox="1"/>
+          <p:nvPr/>
+        </p:nvSpPr>
+        <p:spPr>
+          <a:xfrm>
+            <a:off x="5472819" y="5634440"/>
+            <a:ext cx="564578" cy="369332"/>
+          </a:xfrm>
+          <a:prstGeom prst="rect">
+            <a:avLst/>
+          </a:prstGeom>
+          <a:noFill/>
+        </p:spPr>
+        <p:txBody>
+          <a:bodyPr wrap="none" rtlCol="0">
+            <a:spAutoFit/>
+          </a:bodyPr>
+          <a:lstStyle/>
+          <a:p>
+            <a:r>
+              <a:rPr lang="en-US" altLang="ko-KR">
+                <a:latin typeface="Consolas" pitchFamily="49" charset="0"/>
+                <a:cs typeface="Consolas" pitchFamily="49" charset="0"/>
+              </a:rPr>
+              <a:t>ref</a:t>
+            </a:r>
+            <a:endParaRPr lang="ko-KR" altLang="en-US">
+              <a:latin typeface="Consolas" pitchFamily="49" charset="0"/>
+              <a:cs typeface="Consolas" pitchFamily="49" charset="0"/>
+            </a:endParaRPr>
+          </a:p>
+        </p:txBody>
+      </p:sp>
+      <p:cxnSp>
+        <p:nvCxnSpPr>
+          <p:cNvPr id="24" name="직선 화살표 연결선 23">
+            <a:extLst>
+              <a:ext uri="{FF2B5EF4-FFF2-40B4-BE49-F238E27FC236}">
+                <a16:creationId xmlns:a16="http://schemas.microsoft.com/office/drawing/2014/main" id="{7FCF189F-3796-421A-9AC8-02FCEA0D8A41}"/>
+              </a:ext>
+            </a:extLst>
+          </p:cNvPr>
+          <p:cNvCxnSpPr>
+            <a:cxnSpLocks/>
+            <a:endCxn id="23" idx="2"/>
+          </p:cNvCxnSpPr>
+          <p:nvPr/>
+        </p:nvCxnSpPr>
+        <p:spPr>
+          <a:xfrm flipH="1">
+            <a:off x="5755108" y="5639693"/>
+            <a:ext cx="643983" cy="364079"/>
+          </a:xfrm>
+          <a:prstGeom prst="straightConnector1">
+            <a:avLst/>
+          </a:prstGeom>
+          <a:ln>
+            <a:solidFill>
+              <a:schemeClr val="tx1"/>
+            </a:solidFill>
+            <a:headEnd type="triangle"/>
+            <a:tailEnd type="triangle"/>
+          </a:ln>
+        </p:spPr>
+        <p:style>
+          <a:lnRef idx="1">
+            <a:schemeClr val="accent1"/>
+          </a:lnRef>
+          <a:fillRef idx="0">
+            <a:schemeClr val="accent1"/>
+          </a:fillRef>
+          <a:effectRef idx="0">
+            <a:schemeClr val="accent1"/>
+          </a:effectRef>
+          <a:fontRef idx="minor">
+            <a:schemeClr val="tx1"/>
+          </a:fontRef>
+        </p:style>
+      </p:cxnSp>
+      <p:sp>
+        <p:nvSpPr>
+          <p:cNvPr id="29" name="사각형: 둥근 모서리 28">
+            <a:extLst>
+              <a:ext uri="{FF2B5EF4-FFF2-40B4-BE49-F238E27FC236}">
+                <a16:creationId xmlns:a16="http://schemas.microsoft.com/office/drawing/2014/main" id="{4738E314-6B58-4647-BE19-A1D3DFBEA937}"/>
+              </a:ext>
+            </a:extLst>
+          </p:cNvPr>
+          <p:cNvSpPr/>
+          <p:nvPr/>
+        </p:nvSpPr>
+        <p:spPr>
+          <a:xfrm>
+            <a:off x="2001018" y="5063831"/>
+            <a:ext cx="720062" cy="369332"/>
+          </a:xfrm>
+          <a:prstGeom prst="roundRect">
+            <a:avLst/>
+          </a:prstGeom>
+          <a:solidFill>
+            <a:srgbClr val="FFFF00"/>
+          </a:solidFill>
+          <a:ln w="12700"/>
+        </p:spPr>
+        <p:style>
+          <a:lnRef idx="2">
+            <a:schemeClr val="accent1">
+              <a:shade val="50000"/>
+            </a:schemeClr>
+          </a:lnRef>
+          <a:fillRef idx="1">
+            <a:schemeClr val="accent1"/>
+          </a:fillRef>
+          <a:effectRef idx="0">
+            <a:schemeClr val="accent1"/>
+          </a:effectRef>
+          <a:fontRef idx="minor">
+            <a:schemeClr val="lt1"/>
+          </a:fontRef>
+        </p:style>
+        <p:txBody>
+          <a:bodyPr rtlCol="0" anchor="ctr"/>
+          <a:lstStyle/>
+          <a:p>
+            <a:pPr algn="ctr"/>
+            <a:endParaRPr lang="ko-KR" altLang="en-US">
+              <a:solidFill>
+                <a:schemeClr val="tx1"/>
+              </a:solidFill>
+              <a:latin typeface="Consolas" pitchFamily="49" charset="0"/>
+              <a:cs typeface="Consolas" pitchFamily="49" charset="0"/>
+            </a:endParaRPr>
+          </a:p>
+        </p:txBody>
+      </p:sp>
+      <p:sp>
+        <p:nvSpPr>
+          <p:cNvPr id="30" name="TextBox 29">
+            <a:extLst>
+              <a:ext uri="{FF2B5EF4-FFF2-40B4-BE49-F238E27FC236}">
+                <a16:creationId xmlns:a16="http://schemas.microsoft.com/office/drawing/2014/main" id="{FDC5FCF5-A363-4E6E-AC10-730CA8ED10E2}"/>
+              </a:ext>
+            </a:extLst>
+          </p:cNvPr>
+          <p:cNvSpPr txBox="1"/>
+          <p:nvPr/>
+        </p:nvSpPr>
+        <p:spPr>
+          <a:xfrm>
+            <a:off x="2030618" y="4677187"/>
+            <a:ext cx="691215" cy="369332"/>
+          </a:xfrm>
+          <a:prstGeom prst="rect">
+            <a:avLst/>
+          </a:prstGeom>
+          <a:noFill/>
+        </p:spPr>
+        <p:txBody>
+          <a:bodyPr wrap="none" rtlCol="0">
+            <a:spAutoFit/>
+          </a:bodyPr>
+          <a:lstStyle/>
+          <a:p>
+            <a:r>
+              <a:rPr lang="en-US" altLang="ko-KR">
+                <a:latin typeface="Consolas" pitchFamily="49" charset="0"/>
+                <a:cs typeface="Consolas" pitchFamily="49" charset="0"/>
+              </a:rPr>
+              <a:t>proc</a:t>
+            </a:r>
+            <a:endParaRPr lang="ko-KR" altLang="en-US">
+              <a:latin typeface="Consolas" pitchFamily="49" charset="0"/>
+              <a:cs typeface="Consolas" pitchFamily="49" charset="0"/>
+            </a:endParaRPr>
+          </a:p>
+        </p:txBody>
+      </p:sp>
+      <p:sp>
+        <p:nvSpPr>
+          <p:cNvPr id="31" name="사각형: 둥근 모서리 30">
+            <a:extLst>
+              <a:ext uri="{FF2B5EF4-FFF2-40B4-BE49-F238E27FC236}">
+                <a16:creationId xmlns:a16="http://schemas.microsoft.com/office/drawing/2014/main" id="{3E27EF68-E570-4CF6-A29B-D2C342A314B3}"/>
+              </a:ext>
+            </a:extLst>
+          </p:cNvPr>
+          <p:cNvSpPr/>
+          <p:nvPr/>
+        </p:nvSpPr>
+        <p:spPr>
+          <a:xfrm>
+            <a:off x="2809856" y="5964614"/>
+            <a:ext cx="720062" cy="369332"/>
+          </a:xfrm>
+          <a:prstGeom prst="roundRect">
+            <a:avLst/>
+          </a:prstGeom>
+          <a:solidFill>
+            <a:srgbClr val="FFFF00"/>
+          </a:solidFill>
+          <a:ln w="12700"/>
+        </p:spPr>
+        <p:style>
+          <a:lnRef idx="2">
+            <a:schemeClr val="accent1">
+              <a:shade val="50000"/>
+            </a:schemeClr>
+          </a:lnRef>
+          <a:fillRef idx="1">
+            <a:schemeClr val="accent1"/>
+          </a:fillRef>
+          <a:effectRef idx="0">
+            <a:schemeClr val="accent1"/>
+          </a:effectRef>
+          <a:fontRef idx="minor">
+            <a:schemeClr val="lt1"/>
+          </a:fontRef>
+        </p:style>
+        <p:txBody>
+          <a:bodyPr rtlCol="0" anchor="ctr"/>
+          <a:lstStyle/>
+          <a:p>
+            <a:pPr algn="ctr"/>
+            <a:r>
+              <a:rPr lang="en-US" altLang="ko-KR" sz="1100" b="1">
+                <a:solidFill>
+                  <a:schemeClr val="tx1"/>
+                </a:solidFill>
+                <a:latin typeface="Consolas" pitchFamily="49" charset="0"/>
+                <a:cs typeface="Consolas" pitchFamily="49" charset="0"/>
+              </a:rPr>
+              <a:t>0x1000</a:t>
+            </a:r>
+          </a:p>
+        </p:txBody>
+      </p:sp>
+      <p:sp>
+        <p:nvSpPr>
+          <p:cNvPr id="32" name="TextBox 31">
+            <a:extLst>
+              <a:ext uri="{FF2B5EF4-FFF2-40B4-BE49-F238E27FC236}">
+                <a16:creationId xmlns:a16="http://schemas.microsoft.com/office/drawing/2014/main" id="{3A1C2EF1-0B14-4C52-9BE8-F66507C38655}"/>
+              </a:ext>
+            </a:extLst>
+          </p:cNvPr>
+          <p:cNvSpPr txBox="1"/>
+          <p:nvPr/>
+        </p:nvSpPr>
+        <p:spPr>
+          <a:xfrm>
+            <a:off x="2839456" y="5577970"/>
+            <a:ext cx="691215" cy="369332"/>
+          </a:xfrm>
+          <a:prstGeom prst="rect">
+            <a:avLst/>
+          </a:prstGeom>
+          <a:noFill/>
+        </p:spPr>
+        <p:txBody>
+          <a:bodyPr wrap="none" rtlCol="0">
+            <a:spAutoFit/>
+          </a:bodyPr>
+          <a:lstStyle/>
+          <a:p>
+            <a:r>
+              <a:rPr lang="en-US" altLang="ko-KR">
+                <a:latin typeface="Consolas" pitchFamily="49" charset="0"/>
+                <a:cs typeface="Consolas" pitchFamily="49" charset="0"/>
+              </a:rPr>
+              <a:t>node</a:t>
+            </a:r>
+            <a:endParaRPr lang="ko-KR" altLang="en-US">
+              <a:latin typeface="Consolas" pitchFamily="49" charset="0"/>
+              <a:cs typeface="Consolas" pitchFamily="49" charset="0"/>
+            </a:endParaRPr>
+          </a:p>
+        </p:txBody>
+      </p:sp>
+      <p:cxnSp>
+        <p:nvCxnSpPr>
+          <p:cNvPr id="33" name="직선 화살표 연결선 32">
+            <a:extLst>
+              <a:ext uri="{FF2B5EF4-FFF2-40B4-BE49-F238E27FC236}">
+                <a16:creationId xmlns:a16="http://schemas.microsoft.com/office/drawing/2014/main" id="{F9B6894A-45CF-4D22-B1AE-31599FE7D70C}"/>
+              </a:ext>
+            </a:extLst>
+          </p:cNvPr>
+          <p:cNvCxnSpPr>
+            <a:cxnSpLocks/>
+            <a:endCxn id="32" idx="2"/>
+          </p:cNvCxnSpPr>
+          <p:nvPr/>
+        </p:nvCxnSpPr>
+        <p:spPr>
+          <a:xfrm>
+            <a:off x="2354388" y="5415869"/>
+            <a:ext cx="830676" cy="531433"/>
+          </a:xfrm>
+          <a:prstGeom prst="straightConnector1">
+            <a:avLst/>
+          </a:prstGeom>
+          <a:ln>
+            <a:solidFill>
+              <a:schemeClr val="tx1"/>
+            </a:solidFill>
+            <a:headEnd type="triangle"/>
+            <a:tailEnd type="triangle"/>
+          </a:ln>
+        </p:spPr>
+        <p:style>
+          <a:lnRef idx="1">
+            <a:schemeClr val="accent1"/>
+          </a:lnRef>
+          <a:fillRef idx="0">
+            <a:schemeClr val="accent1"/>
+          </a:fillRef>
+          <a:effectRef idx="0">
+            <a:schemeClr val="accent1"/>
+          </a:effectRef>
+          <a:fontRef idx="minor">
+            <a:schemeClr val="tx1"/>
+          </a:fontRef>
+        </p:style>
+      </p:cxnSp>
+      <p:sp>
+        <p:nvSpPr>
+          <p:cNvPr id="34" name="직사각형 33">
+            <a:extLst>
+              <a:ext uri="{FF2B5EF4-FFF2-40B4-BE49-F238E27FC236}">
+                <a16:creationId xmlns:a16="http://schemas.microsoft.com/office/drawing/2014/main" id="{E686BE2A-B68A-46B4-BF86-F9C7F587A9CA}"/>
+              </a:ext>
+            </a:extLst>
+          </p:cNvPr>
+          <p:cNvSpPr/>
+          <p:nvPr/>
+        </p:nvSpPr>
+        <p:spPr>
+          <a:xfrm>
+            <a:off x="-1238229" y="1122448"/>
+            <a:ext cx="1167967" cy="369332"/>
+          </a:xfrm>
+          <a:prstGeom prst="rect">
+            <a:avLst/>
+          </a:prstGeom>
+          <a:solidFill>
+            <a:srgbClr val="FFFF00"/>
+          </a:solidFill>
+          <a:ln w="12700"/>
+        </p:spPr>
+        <p:style>
+          <a:lnRef idx="2">
+            <a:schemeClr val="accent1">
+              <a:shade val="50000"/>
+            </a:schemeClr>
+          </a:lnRef>
+          <a:fillRef idx="1">
+            <a:schemeClr val="accent1"/>
+          </a:fillRef>
+          <a:effectRef idx="0">
+            <a:schemeClr val="accent1"/>
+          </a:effectRef>
+          <a:fontRef idx="minor">
+            <a:schemeClr val="lt1"/>
+          </a:fontRef>
+        </p:style>
+        <p:txBody>
+          <a:bodyPr rtlCol="0" anchor="ctr"/>
+          <a:lstStyle/>
+          <a:p>
+            <a:pPr algn="ctr"/>
+            <a:endParaRPr lang="ko-KR" altLang="en-US">
+              <a:solidFill>
+                <a:schemeClr val="tx1"/>
+              </a:solidFill>
+              <a:latin typeface="Consolas" pitchFamily="49" charset="0"/>
+              <a:cs typeface="Consolas" pitchFamily="49" charset="0"/>
+            </a:endParaRPr>
+          </a:p>
+        </p:txBody>
+      </p:sp>
+      <p:sp>
+        <p:nvSpPr>
+          <p:cNvPr id="35" name="TextBox 34">
+            <a:extLst>
+              <a:ext uri="{FF2B5EF4-FFF2-40B4-BE49-F238E27FC236}">
+                <a16:creationId xmlns:a16="http://schemas.microsoft.com/office/drawing/2014/main" id="{C34B0A30-F1C4-43E7-81AC-0857CAACC168}"/>
+              </a:ext>
+            </a:extLst>
+          </p:cNvPr>
+          <p:cNvSpPr txBox="1"/>
+          <p:nvPr/>
+        </p:nvSpPr>
+        <p:spPr>
+          <a:xfrm>
+            <a:off x="-2105258" y="908094"/>
+            <a:ext cx="944489" cy="369332"/>
+          </a:xfrm>
+          <a:prstGeom prst="rect">
+            <a:avLst/>
+          </a:prstGeom>
+          <a:noFill/>
+        </p:spPr>
+        <p:txBody>
+          <a:bodyPr wrap="none" rtlCol="0">
+            <a:spAutoFit/>
+          </a:bodyPr>
+          <a:lstStyle/>
+          <a:p>
+            <a:r>
+              <a:rPr lang="en-US" altLang="ko-KR">
+                <a:latin typeface="Consolas" pitchFamily="49" charset="0"/>
+                <a:cs typeface="Consolas" pitchFamily="49" charset="0"/>
+              </a:rPr>
+              <a:t>0x1000</a:t>
+            </a:r>
+            <a:endParaRPr lang="ko-KR" altLang="en-US">
+              <a:latin typeface="Consolas" pitchFamily="49" charset="0"/>
+              <a:cs typeface="Consolas" pitchFamily="49" charset="0"/>
+            </a:endParaRPr>
+          </a:p>
+        </p:txBody>
+      </p:sp>
+      <p:cxnSp>
+        <p:nvCxnSpPr>
+          <p:cNvPr id="37" name="직선 화살표 연결선 36">
+            <a:extLst>
+              <a:ext uri="{FF2B5EF4-FFF2-40B4-BE49-F238E27FC236}">
+                <a16:creationId xmlns:a16="http://schemas.microsoft.com/office/drawing/2014/main" id="{00BF1792-427E-4DEE-BE31-60D7B9E37302}"/>
+              </a:ext>
+            </a:extLst>
+          </p:cNvPr>
+          <p:cNvCxnSpPr>
+            <a:cxnSpLocks/>
+            <a:stCxn id="22" idx="1"/>
+          </p:cNvCxnSpPr>
+          <p:nvPr/>
+        </p:nvCxnSpPr>
+        <p:spPr>
+          <a:xfrm flipH="1" flipV="1">
+            <a:off x="3529919" y="6156822"/>
+            <a:ext cx="1913300" cy="48928"/>
+          </a:xfrm>
+          <a:prstGeom prst="straightConnector1">
+            <a:avLst/>
+          </a:prstGeom>
+          <a:ln w="28575">
+            <a:solidFill>
+              <a:srgbClr val="FF0000"/>
+            </a:solidFill>
+            <a:tailEnd type="triangle"/>
+          </a:ln>
+        </p:spPr>
+        <p:style>
+          <a:lnRef idx="1">
+            <a:schemeClr val="accent1"/>
+          </a:lnRef>
+          <a:fillRef idx="0">
+            <a:schemeClr val="accent1"/>
+          </a:fillRef>
+          <a:effectRef idx="0">
+            <a:schemeClr val="accent1"/>
+          </a:effectRef>
+          <a:fontRef idx="minor">
+            <a:schemeClr val="tx1"/>
+          </a:fontRef>
+        </p:style>
+      </p:cxnSp>
+      <p:sp>
+        <p:nvSpPr>
+          <p:cNvPr id="40" name="직사각형 39">
+            <a:extLst>
+              <a:ext uri="{FF2B5EF4-FFF2-40B4-BE49-F238E27FC236}">
+                <a16:creationId xmlns:a16="http://schemas.microsoft.com/office/drawing/2014/main" id="{99158DA2-9657-4CB3-840D-4923CF36D6AA}"/>
+              </a:ext>
+            </a:extLst>
+          </p:cNvPr>
+          <p:cNvSpPr/>
+          <p:nvPr/>
+        </p:nvSpPr>
+        <p:spPr>
+          <a:xfrm>
+            <a:off x="8172399" y="1555836"/>
+            <a:ext cx="648047" cy="369332"/>
+          </a:xfrm>
+          <a:prstGeom prst="rect">
+            <a:avLst/>
+          </a:prstGeom>
+          <a:solidFill>
+            <a:srgbClr val="FFFF00"/>
+          </a:solidFill>
+          <a:ln w="12700"/>
+        </p:spPr>
+        <p:style>
+          <a:lnRef idx="2">
+            <a:schemeClr val="accent1">
+              <a:shade val="50000"/>
+            </a:schemeClr>
+          </a:lnRef>
+          <a:fillRef idx="1">
+            <a:schemeClr val="accent1"/>
+          </a:fillRef>
+          <a:effectRef idx="0">
+            <a:schemeClr val="accent1"/>
+          </a:effectRef>
+          <a:fontRef idx="minor">
+            <a:schemeClr val="lt1"/>
+          </a:fontRef>
+        </p:style>
+        <p:txBody>
+          <a:bodyPr rtlCol="0" anchor="ctr"/>
+          <a:lstStyle/>
+          <a:p>
+            <a:pPr algn="ctr"/>
+            <a:r>
+              <a:rPr lang="en-US" altLang="ko-KR">
+                <a:solidFill>
+                  <a:schemeClr val="tx1"/>
+                </a:solidFill>
+                <a:latin typeface="Consolas" pitchFamily="49" charset="0"/>
+                <a:cs typeface="Consolas" pitchFamily="49" charset="0"/>
+              </a:rPr>
+              <a:t>140</a:t>
+            </a:r>
+            <a:endParaRPr lang="ko-KR" altLang="en-US">
+              <a:solidFill>
+                <a:schemeClr val="tx1"/>
+              </a:solidFill>
+              <a:latin typeface="Consolas" pitchFamily="49" charset="0"/>
+              <a:cs typeface="Consolas" pitchFamily="49" charset="0"/>
+            </a:endParaRPr>
+          </a:p>
+        </p:txBody>
+      </p:sp>
+      <p:sp>
+        <p:nvSpPr>
+          <p:cNvPr id="41" name="직사각형 40">
+            <a:extLst>
+              <a:ext uri="{FF2B5EF4-FFF2-40B4-BE49-F238E27FC236}">
+                <a16:creationId xmlns:a16="http://schemas.microsoft.com/office/drawing/2014/main" id="{487EB2A8-4D5D-4BC1-84C2-FB56802C806B}"/>
+              </a:ext>
+            </a:extLst>
+          </p:cNvPr>
+          <p:cNvSpPr/>
+          <p:nvPr/>
+        </p:nvSpPr>
+        <p:spPr>
+          <a:xfrm>
+            <a:off x="8820446" y="1555836"/>
+            <a:ext cx="1872233" cy="369332"/>
+          </a:xfrm>
+          <a:prstGeom prst="rect">
+            <a:avLst/>
+          </a:prstGeom>
+          <a:solidFill>
+            <a:srgbClr val="FFFF00"/>
+          </a:solidFill>
+          <a:ln w="12700"/>
+        </p:spPr>
+        <p:style>
+          <a:lnRef idx="2">
+            <a:schemeClr val="accent1">
+              <a:shade val="50000"/>
+            </a:schemeClr>
+          </a:lnRef>
+          <a:fillRef idx="1">
+            <a:schemeClr val="accent1"/>
+          </a:fillRef>
+          <a:effectRef idx="0">
+            <a:schemeClr val="accent1"/>
+          </a:effectRef>
+          <a:fontRef idx="minor">
+            <a:schemeClr val="lt1"/>
+          </a:fontRef>
+        </p:style>
+        <p:txBody>
+          <a:bodyPr rtlCol="0" anchor="ctr"/>
+          <a:lstStyle/>
+          <a:p>
+            <a:pPr algn="ctr"/>
+            <a:r>
+              <a:rPr lang="en-US" altLang="ko-KR">
+                <a:solidFill>
+                  <a:schemeClr val="tx1"/>
+                </a:solidFill>
+                <a:latin typeface="Consolas" pitchFamily="49" charset="0"/>
+                <a:cs typeface="Consolas" pitchFamily="49" charset="0"/>
+              </a:rPr>
+              <a:t>"led.service"</a:t>
+            </a:r>
+            <a:endParaRPr lang="ko-KR" altLang="en-US">
+              <a:solidFill>
+                <a:schemeClr val="tx1"/>
+              </a:solidFill>
+              <a:latin typeface="Consolas" pitchFamily="49" charset="0"/>
+              <a:cs typeface="Consolas" pitchFamily="49" charset="0"/>
+            </a:endParaRPr>
+          </a:p>
+        </p:txBody>
+      </p:sp>
+      <p:sp>
+        <p:nvSpPr>
+          <p:cNvPr id="42" name="직사각형 41">
+            <a:extLst>
+              <a:ext uri="{FF2B5EF4-FFF2-40B4-BE49-F238E27FC236}">
+                <a16:creationId xmlns:a16="http://schemas.microsoft.com/office/drawing/2014/main" id="{1C165F3D-BD96-4557-896B-B36F15D457E6}"/>
+              </a:ext>
+            </a:extLst>
+          </p:cNvPr>
+          <p:cNvSpPr/>
+          <p:nvPr/>
+        </p:nvSpPr>
+        <p:spPr>
+          <a:xfrm>
+            <a:off x="8172399" y="908720"/>
+            <a:ext cx="648047" cy="369332"/>
+          </a:xfrm>
+          <a:prstGeom prst="rect">
+            <a:avLst/>
+          </a:prstGeom>
+          <a:solidFill>
+            <a:srgbClr val="FFFF00"/>
+          </a:solidFill>
+          <a:ln w="12700"/>
+        </p:spPr>
+        <p:style>
+          <a:lnRef idx="2">
+            <a:schemeClr val="accent1">
+              <a:shade val="50000"/>
+            </a:schemeClr>
+          </a:lnRef>
+          <a:fillRef idx="1">
+            <a:schemeClr val="accent1"/>
+          </a:fillRef>
+          <a:effectRef idx="0">
+            <a:schemeClr val="accent1"/>
+          </a:effectRef>
+          <a:fontRef idx="minor">
+            <a:schemeClr val="lt1"/>
+          </a:fontRef>
+        </p:style>
+        <p:txBody>
+          <a:bodyPr rtlCol="0" anchor="ctr"/>
+          <a:lstStyle/>
+          <a:p>
+            <a:pPr algn="ctr"/>
+            <a:endParaRPr lang="ko-KR" altLang="en-US">
+              <a:solidFill>
+                <a:schemeClr val="tx1"/>
+              </a:solidFill>
+              <a:latin typeface="Consolas" pitchFamily="49" charset="0"/>
+              <a:cs typeface="Consolas" pitchFamily="49" charset="0"/>
+            </a:endParaRPr>
+          </a:p>
+        </p:txBody>
+      </p:sp>
+      <p:sp>
+        <p:nvSpPr>
+          <p:cNvPr id="43" name="TextBox 42">
+            <a:extLst>
+              <a:ext uri="{FF2B5EF4-FFF2-40B4-BE49-F238E27FC236}">
+                <a16:creationId xmlns:a16="http://schemas.microsoft.com/office/drawing/2014/main" id="{BB86673A-A088-4159-867F-7AD1AE245862}"/>
+              </a:ext>
+            </a:extLst>
+          </p:cNvPr>
+          <p:cNvSpPr txBox="1"/>
+          <p:nvPr/>
+        </p:nvSpPr>
+        <p:spPr>
+          <a:xfrm>
+            <a:off x="8204969" y="541168"/>
+            <a:ext cx="1071127" cy="369332"/>
+          </a:xfrm>
+          <a:prstGeom prst="rect">
+            <a:avLst/>
+          </a:prstGeom>
+          <a:noFill/>
+        </p:spPr>
+        <p:txBody>
+          <a:bodyPr wrap="none" rtlCol="0">
+            <a:spAutoFit/>
+          </a:bodyPr>
+          <a:lstStyle/>
+          <a:p>
+            <a:r>
+              <a:rPr lang="en-US" altLang="ko-KR">
+                <a:latin typeface="Consolas" pitchFamily="49" charset="0"/>
+                <a:cs typeface="Consolas" pitchFamily="49" charset="0"/>
+              </a:rPr>
+              <a:t>svclist</a:t>
+            </a:r>
+            <a:endParaRPr lang="ko-KR" altLang="en-US">
+              <a:latin typeface="Consolas" pitchFamily="49" charset="0"/>
+              <a:cs typeface="Consolas" pitchFamily="49" charset="0"/>
+            </a:endParaRPr>
+          </a:p>
+        </p:txBody>
+      </p:sp>
+      <p:cxnSp>
+        <p:nvCxnSpPr>
+          <p:cNvPr id="45" name="연결선: 꺾임 44">
+            <a:extLst>
+              <a:ext uri="{FF2B5EF4-FFF2-40B4-BE49-F238E27FC236}">
+                <a16:creationId xmlns:a16="http://schemas.microsoft.com/office/drawing/2014/main" id="{2D2565FE-F3FD-479D-94CF-A2755C3E3F3E}"/>
+              </a:ext>
+            </a:extLst>
+          </p:cNvPr>
+          <p:cNvCxnSpPr>
+            <a:cxnSpLocks/>
+            <a:stCxn id="42" idx="3"/>
+            <a:endCxn id="40" idx="1"/>
+          </p:cNvCxnSpPr>
+          <p:nvPr/>
+        </p:nvCxnSpPr>
+        <p:spPr>
+          <a:xfrm flipH="1">
+            <a:off x="8172399" y="1093386"/>
+            <a:ext cx="648047" cy="647116"/>
+          </a:xfrm>
+          <a:prstGeom prst="bentConnector5">
+            <a:avLst>
+              <a:gd name="adj1" fmla="val -35275"/>
+              <a:gd name="adj2" fmla="val 50000"/>
+              <a:gd name="adj3" fmla="val 135275"/>
+            </a:avLst>
+          </a:prstGeom>
+          <a:ln>
+            <a:tailEnd type="triangle"/>
+          </a:ln>
+        </p:spPr>
+        <p:style>
+          <a:lnRef idx="1">
+            <a:schemeClr val="accent1"/>
+          </a:lnRef>
+          <a:fillRef idx="0">
+            <a:schemeClr val="accent1"/>
+          </a:fillRef>
+          <a:effectRef idx="0">
+            <a:schemeClr val="accent1"/>
+          </a:effectRef>
+          <a:fontRef idx="minor">
+            <a:schemeClr val="tx1"/>
+          </a:fontRef>
+        </p:style>
+      </p:cxnSp>
+      <p:sp>
+        <p:nvSpPr>
+          <p:cNvPr id="48" name="직사각형 47">
+            <a:extLst>
+              <a:ext uri="{FF2B5EF4-FFF2-40B4-BE49-F238E27FC236}">
+                <a16:creationId xmlns:a16="http://schemas.microsoft.com/office/drawing/2014/main" id="{276DA9CD-9805-4CEE-9686-98C0D22F4734}"/>
+              </a:ext>
+            </a:extLst>
+          </p:cNvPr>
+          <p:cNvSpPr/>
+          <p:nvPr/>
+        </p:nvSpPr>
+        <p:spPr>
+          <a:xfrm>
+            <a:off x="8172399" y="2653899"/>
+            <a:ext cx="648047" cy="414435"/>
+          </a:xfrm>
+          <a:prstGeom prst="rect">
+            <a:avLst/>
+          </a:prstGeom>
+          <a:solidFill>
+            <a:srgbClr val="FFFF00"/>
+          </a:solidFill>
+          <a:ln w="12700"/>
+        </p:spPr>
+        <p:style>
+          <a:lnRef idx="2">
+            <a:schemeClr val="accent1">
+              <a:shade val="50000"/>
+            </a:schemeClr>
+          </a:lnRef>
+          <a:fillRef idx="1">
+            <a:schemeClr val="accent1"/>
+          </a:fillRef>
+          <a:effectRef idx="0">
+            <a:schemeClr val="accent1"/>
+          </a:effectRef>
+          <a:fontRef idx="minor">
+            <a:schemeClr val="lt1"/>
+          </a:fontRef>
+        </p:style>
+        <p:txBody>
+          <a:bodyPr rtlCol="0" anchor="ctr"/>
+          <a:lstStyle/>
+          <a:p>
+            <a:pPr algn="ctr"/>
+            <a:r>
+              <a:rPr lang="en-US" altLang="ko-KR">
+                <a:solidFill>
+                  <a:schemeClr val="tx1"/>
+                </a:solidFill>
+                <a:latin typeface="Consolas" pitchFamily="49" charset="0"/>
+                <a:cs typeface="Consolas" pitchFamily="49" charset="0"/>
+              </a:rPr>
+              <a:t>1</a:t>
+            </a:r>
+            <a:endParaRPr lang="ko-KR" altLang="en-US">
+              <a:solidFill>
+                <a:schemeClr val="tx1"/>
+              </a:solidFill>
+              <a:latin typeface="Consolas" pitchFamily="49" charset="0"/>
+              <a:cs typeface="Consolas" pitchFamily="49" charset="0"/>
+            </a:endParaRPr>
+          </a:p>
+        </p:txBody>
+      </p:sp>
+      <p:sp>
+        <p:nvSpPr>
+          <p:cNvPr id="49" name="직사각형 48">
+            <a:extLst>
+              <a:ext uri="{FF2B5EF4-FFF2-40B4-BE49-F238E27FC236}">
+                <a16:creationId xmlns:a16="http://schemas.microsoft.com/office/drawing/2014/main" id="{F1558A28-75B0-40F7-B28E-71DB259F4D26}"/>
+              </a:ext>
+            </a:extLst>
+          </p:cNvPr>
+          <p:cNvSpPr/>
+          <p:nvPr/>
+        </p:nvSpPr>
+        <p:spPr>
+          <a:xfrm>
+            <a:off x="8820446" y="2653899"/>
+            <a:ext cx="1872233" cy="414435"/>
+          </a:xfrm>
+          <a:prstGeom prst="rect">
+            <a:avLst/>
+          </a:prstGeom>
+          <a:solidFill>
+            <a:srgbClr val="FFFF00"/>
+          </a:solidFill>
+          <a:ln w="12700"/>
+        </p:spPr>
+        <p:style>
+          <a:lnRef idx="2">
+            <a:schemeClr val="accent1">
+              <a:shade val="50000"/>
+            </a:schemeClr>
+          </a:lnRef>
+          <a:fillRef idx="1">
+            <a:schemeClr val="accent1"/>
+          </a:fillRef>
+          <a:effectRef idx="0">
+            <a:schemeClr val="accent1"/>
+          </a:effectRef>
+          <a:fontRef idx="minor">
+            <a:schemeClr val="lt1"/>
+          </a:fontRef>
+        </p:style>
+        <p:txBody>
+          <a:bodyPr rtlCol="0" anchor="ctr"/>
+          <a:lstStyle/>
+          <a:p>
+            <a:pPr algn="ctr"/>
+            <a:r>
+              <a:rPr lang="en-US" altLang="ko-KR">
+                <a:solidFill>
+                  <a:schemeClr val="tx1"/>
+                </a:solidFill>
+                <a:latin typeface="Consolas" pitchFamily="49" charset="0"/>
+                <a:cs typeface="Consolas" pitchFamily="49" charset="0"/>
+              </a:rPr>
+              <a:t>"nfc"</a:t>
+            </a:r>
+            <a:endParaRPr lang="ko-KR" altLang="en-US">
+              <a:solidFill>
+                <a:schemeClr val="tx1"/>
+              </a:solidFill>
+              <a:latin typeface="Consolas" pitchFamily="49" charset="0"/>
+              <a:cs typeface="Consolas" pitchFamily="49" charset="0"/>
+            </a:endParaRPr>
+          </a:p>
+        </p:txBody>
+      </p:sp>
+      <p:sp>
+        <p:nvSpPr>
+          <p:cNvPr id="50" name="직사각형 49">
+            <a:extLst>
+              <a:ext uri="{FF2B5EF4-FFF2-40B4-BE49-F238E27FC236}">
+                <a16:creationId xmlns:a16="http://schemas.microsoft.com/office/drawing/2014/main" id="{3552508D-4E5B-4532-895E-C208633AA29F}"/>
+              </a:ext>
+            </a:extLst>
+          </p:cNvPr>
+          <p:cNvSpPr/>
+          <p:nvPr/>
+        </p:nvSpPr>
+        <p:spPr>
+          <a:xfrm>
+            <a:off x="8162781" y="2054798"/>
+            <a:ext cx="648047" cy="414435"/>
+          </a:xfrm>
+          <a:prstGeom prst="rect">
+            <a:avLst/>
+          </a:prstGeom>
+          <a:solidFill>
+            <a:srgbClr val="FFFF00"/>
+          </a:solidFill>
+          <a:ln w="12700"/>
+        </p:spPr>
+        <p:style>
+          <a:lnRef idx="2">
+            <a:schemeClr val="accent1">
+              <a:shade val="50000"/>
+            </a:schemeClr>
+          </a:lnRef>
+          <a:fillRef idx="1">
+            <a:schemeClr val="accent1"/>
+          </a:fillRef>
+          <a:effectRef idx="0">
+            <a:schemeClr val="accent1"/>
+          </a:effectRef>
+          <a:fontRef idx="minor">
+            <a:schemeClr val="lt1"/>
+          </a:fontRef>
+        </p:style>
+        <p:txBody>
+          <a:bodyPr rtlCol="0" anchor="ctr"/>
+          <a:lstStyle/>
+          <a:p>
+            <a:pPr algn="ctr"/>
+            <a:r>
+              <a:rPr lang="en-US" altLang="ko-KR">
+                <a:solidFill>
+                  <a:schemeClr val="tx1"/>
+                </a:solidFill>
+                <a:latin typeface="Consolas" pitchFamily="49" charset="0"/>
+                <a:cs typeface="Consolas" pitchFamily="49" charset="0"/>
+              </a:rPr>
+              <a:t>...</a:t>
+            </a:r>
+            <a:endParaRPr lang="ko-KR" altLang="en-US">
+              <a:solidFill>
+                <a:schemeClr val="tx1"/>
+              </a:solidFill>
+              <a:latin typeface="Consolas" pitchFamily="49" charset="0"/>
+              <a:cs typeface="Consolas" pitchFamily="49" charset="0"/>
+            </a:endParaRPr>
+          </a:p>
+        </p:txBody>
+      </p:sp>
+      <p:sp>
+        <p:nvSpPr>
+          <p:cNvPr id="51" name="직사각형 50">
+            <a:extLst>
+              <a:ext uri="{FF2B5EF4-FFF2-40B4-BE49-F238E27FC236}">
+                <a16:creationId xmlns:a16="http://schemas.microsoft.com/office/drawing/2014/main" id="{10B5CC54-5EDA-407C-ABC8-E82C87783F5B}"/>
+              </a:ext>
+            </a:extLst>
+          </p:cNvPr>
+          <p:cNvSpPr/>
+          <p:nvPr/>
+        </p:nvSpPr>
+        <p:spPr>
+          <a:xfrm>
+            <a:off x="8810828" y="2054798"/>
+            <a:ext cx="1872233" cy="414435"/>
+          </a:xfrm>
+          <a:prstGeom prst="rect">
+            <a:avLst/>
+          </a:prstGeom>
+          <a:solidFill>
+            <a:srgbClr val="FFFF00"/>
+          </a:solidFill>
+          <a:ln w="12700"/>
+        </p:spPr>
+        <p:style>
+          <a:lnRef idx="2">
+            <a:schemeClr val="accent1">
+              <a:shade val="50000"/>
+            </a:schemeClr>
+          </a:lnRef>
+          <a:fillRef idx="1">
+            <a:schemeClr val="accent1"/>
+          </a:fillRef>
+          <a:effectRef idx="0">
+            <a:schemeClr val="accent1"/>
+          </a:effectRef>
+          <a:fontRef idx="minor">
+            <a:schemeClr val="lt1"/>
+          </a:fontRef>
+        </p:style>
+        <p:txBody>
+          <a:bodyPr rtlCol="0" anchor="ctr"/>
+          <a:lstStyle/>
+          <a:p>
+            <a:pPr algn="ctr"/>
+            <a:r>
+              <a:rPr lang="en-US" altLang="ko-KR">
+                <a:solidFill>
+                  <a:schemeClr val="tx1"/>
+                </a:solidFill>
+                <a:latin typeface="Consolas" pitchFamily="49" charset="0"/>
+                <a:cs typeface="Consolas" pitchFamily="49" charset="0"/>
+              </a:rPr>
+              <a:t>"sip"</a:t>
+            </a:r>
+            <a:endParaRPr lang="ko-KR" altLang="en-US">
+              <a:solidFill>
+                <a:schemeClr val="tx1"/>
+              </a:solidFill>
+              <a:latin typeface="Consolas" pitchFamily="49" charset="0"/>
+              <a:cs typeface="Consolas" pitchFamily="49" charset="0"/>
+            </a:endParaRPr>
+          </a:p>
+        </p:txBody>
+      </p:sp>
+      <p:cxnSp>
+        <p:nvCxnSpPr>
+          <p:cNvPr id="53" name="연결선: 꺾임 52">
+            <a:extLst>
+              <a:ext uri="{FF2B5EF4-FFF2-40B4-BE49-F238E27FC236}">
+                <a16:creationId xmlns:a16="http://schemas.microsoft.com/office/drawing/2014/main" id="{C46C43B9-F40A-4C84-8CEF-54F059428C2F}"/>
+              </a:ext>
+            </a:extLst>
+          </p:cNvPr>
+          <p:cNvCxnSpPr>
+            <a:cxnSpLocks/>
+            <a:stCxn id="51" idx="3"/>
+            <a:endCxn id="48" idx="1"/>
+          </p:cNvCxnSpPr>
+          <p:nvPr/>
+        </p:nvCxnSpPr>
+        <p:spPr>
+          <a:xfrm flipH="1">
+            <a:off x="8172399" y="2262016"/>
+            <a:ext cx="2510662" cy="599101"/>
+          </a:xfrm>
+          <a:prstGeom prst="bentConnector5">
+            <a:avLst>
+              <a:gd name="adj1" fmla="val -9105"/>
+              <a:gd name="adj2" fmla="val 50000"/>
+              <a:gd name="adj3" fmla="val 109105"/>
+            </a:avLst>
+          </a:prstGeom>
+          <a:ln>
+            <a:tailEnd type="triangle"/>
+          </a:ln>
+        </p:spPr>
+        <p:style>
+          <a:lnRef idx="1">
+            <a:schemeClr val="accent1"/>
+          </a:lnRef>
+          <a:fillRef idx="0">
+            <a:schemeClr val="accent1"/>
+          </a:fillRef>
+          <a:effectRef idx="0">
+            <a:schemeClr val="accent1"/>
+          </a:effectRef>
+          <a:fontRef idx="minor">
+            <a:schemeClr val="tx1"/>
+          </a:fontRef>
+        </p:style>
+      </p:cxnSp>
+      <p:cxnSp>
+        <p:nvCxnSpPr>
+          <p:cNvPr id="56" name="연결선: 꺾임 55">
+            <a:extLst>
+              <a:ext uri="{FF2B5EF4-FFF2-40B4-BE49-F238E27FC236}">
+                <a16:creationId xmlns:a16="http://schemas.microsoft.com/office/drawing/2014/main" id="{2A0FBBE2-843E-4518-8B93-9657708C04C9}"/>
+              </a:ext>
+            </a:extLst>
+          </p:cNvPr>
+          <p:cNvCxnSpPr>
+            <a:cxnSpLocks/>
+            <a:stCxn id="41" idx="3"/>
+            <a:endCxn id="50" idx="1"/>
+          </p:cNvCxnSpPr>
+          <p:nvPr/>
+        </p:nvCxnSpPr>
+        <p:spPr>
+          <a:xfrm flipH="1">
+            <a:off x="8162781" y="1740502"/>
+            <a:ext cx="2529898" cy="521514"/>
+          </a:xfrm>
+          <a:prstGeom prst="bentConnector5">
+            <a:avLst>
+              <a:gd name="adj1" fmla="val -9036"/>
+              <a:gd name="adj2" fmla="val 47838"/>
+              <a:gd name="adj3" fmla="val 109036"/>
+            </a:avLst>
+          </a:prstGeom>
+          <a:ln>
+            <a:tailEnd type="triangle"/>
+          </a:ln>
+        </p:spPr>
+        <p:style>
+          <a:lnRef idx="1">
+            <a:schemeClr val="accent1"/>
+          </a:lnRef>
+          <a:fillRef idx="0">
+            <a:schemeClr val="accent1"/>
+          </a:fillRef>
+          <a:effectRef idx="0">
+            <a:schemeClr val="accent1"/>
+          </a:effectRef>
+          <a:fontRef idx="minor">
+            <a:schemeClr val="tx1"/>
+          </a:fontRef>
+        </p:style>
+      </p:cxnSp>
+      <p:sp>
+        <p:nvSpPr>
+          <p:cNvPr id="44" name="직사각형 43">
+            <a:extLst>
+              <a:ext uri="{FF2B5EF4-FFF2-40B4-BE49-F238E27FC236}">
+                <a16:creationId xmlns:a16="http://schemas.microsoft.com/office/drawing/2014/main" id="{DFD0CB0A-8CFF-4454-BB0D-A743A9B78D99}"/>
+              </a:ext>
+            </a:extLst>
+          </p:cNvPr>
+          <p:cNvSpPr/>
+          <p:nvPr/>
+        </p:nvSpPr>
+        <p:spPr>
+          <a:xfrm>
+            <a:off x="-1684368" y="3291747"/>
+            <a:ext cx="2035059" cy="285012"/>
+          </a:xfrm>
+          <a:prstGeom prst="rect">
+            <a:avLst/>
+          </a:prstGeom>
+          <a:solidFill>
+            <a:srgbClr val="FFFF00"/>
+          </a:solidFill>
+          <a:ln w="12700"/>
+        </p:spPr>
+        <p:style>
+          <a:lnRef idx="2">
+            <a:schemeClr val="accent1">
+              <a:shade val="50000"/>
+            </a:schemeClr>
+          </a:lnRef>
+          <a:fillRef idx="1">
+            <a:schemeClr val="accent1"/>
+          </a:fillRef>
+          <a:effectRef idx="0">
+            <a:schemeClr val="accent1"/>
+          </a:effectRef>
+          <a:fontRef idx="minor">
+            <a:schemeClr val="lt1"/>
+          </a:fontRef>
+        </p:style>
+        <p:txBody>
+          <a:bodyPr rtlCol="0" anchor="ctr"/>
+          <a:lstStyle/>
+          <a:p>
+            <a:pPr algn="ctr"/>
+            <a:r>
+              <a:rPr lang="en-US" altLang="ko-KR" sz="1400">
+                <a:solidFill>
+                  <a:schemeClr val="tx1"/>
+                </a:solidFill>
+                <a:latin typeface="Consolas" pitchFamily="49" charset="0"/>
+                <a:cs typeface="Consolas" pitchFamily="49" charset="0"/>
+              </a:rPr>
+              <a:t>BINDER_TYPE_BINDER</a:t>
+            </a:r>
+            <a:endParaRPr lang="ko-KR" altLang="en-US" sz="1400">
+              <a:solidFill>
+                <a:schemeClr val="tx1"/>
+              </a:solidFill>
+              <a:latin typeface="Consolas" pitchFamily="49" charset="0"/>
+              <a:cs typeface="Consolas" pitchFamily="49" charset="0"/>
+            </a:endParaRPr>
+          </a:p>
+        </p:txBody>
+      </p:sp>
+      <p:sp>
+        <p:nvSpPr>
+          <p:cNvPr id="46" name="직사각형 45">
+            <a:extLst>
+              <a:ext uri="{FF2B5EF4-FFF2-40B4-BE49-F238E27FC236}">
+                <a16:creationId xmlns:a16="http://schemas.microsoft.com/office/drawing/2014/main" id="{6A47BA08-1565-4CE3-A381-5CD6EE878FC9}"/>
+              </a:ext>
+            </a:extLst>
+          </p:cNvPr>
+          <p:cNvSpPr/>
+          <p:nvPr/>
+        </p:nvSpPr>
+        <p:spPr>
+          <a:xfrm>
+            <a:off x="350691" y="3291747"/>
+            <a:ext cx="818731" cy="285012"/>
+          </a:xfrm>
+          <a:prstGeom prst="rect">
+            <a:avLst/>
+          </a:prstGeom>
+          <a:solidFill>
+            <a:srgbClr val="FFFF00"/>
+          </a:solidFill>
+          <a:ln w="12700"/>
+        </p:spPr>
+        <p:style>
+          <a:lnRef idx="2">
+            <a:schemeClr val="accent1">
+              <a:shade val="50000"/>
+            </a:schemeClr>
+          </a:lnRef>
+          <a:fillRef idx="1">
+            <a:schemeClr val="accent1"/>
+          </a:fillRef>
+          <a:effectRef idx="0">
+            <a:schemeClr val="accent1"/>
+          </a:effectRef>
+          <a:fontRef idx="minor">
+            <a:schemeClr val="lt1"/>
+          </a:fontRef>
+        </p:style>
+        <p:txBody>
+          <a:bodyPr rtlCol="0" anchor="ctr"/>
+          <a:lstStyle/>
+          <a:p>
+            <a:pPr algn="ctr"/>
+            <a:r>
+              <a:rPr lang="en-US" altLang="ko-KR" sz="1400">
+                <a:solidFill>
+                  <a:schemeClr val="tx1"/>
+                </a:solidFill>
+                <a:latin typeface="Consolas" pitchFamily="49" charset="0"/>
+                <a:cs typeface="Consolas" pitchFamily="49" charset="0"/>
+              </a:rPr>
+              <a:t>0x17f</a:t>
+            </a:r>
+            <a:endParaRPr lang="ko-KR" altLang="en-US" sz="1400">
+              <a:solidFill>
+                <a:schemeClr val="tx1"/>
+              </a:solidFill>
+              <a:latin typeface="Consolas" pitchFamily="49" charset="0"/>
+              <a:cs typeface="Consolas" pitchFamily="49" charset="0"/>
+            </a:endParaRPr>
+          </a:p>
+        </p:txBody>
+      </p:sp>
+      <p:sp>
+        <p:nvSpPr>
+          <p:cNvPr id="47" name="직사각형 46">
+            <a:extLst>
+              <a:ext uri="{FF2B5EF4-FFF2-40B4-BE49-F238E27FC236}">
+                <a16:creationId xmlns:a16="http://schemas.microsoft.com/office/drawing/2014/main" id="{125364F9-134C-4CC7-BC92-1AA8BFE7B865}"/>
+              </a:ext>
+            </a:extLst>
+          </p:cNvPr>
+          <p:cNvSpPr/>
+          <p:nvPr/>
+        </p:nvSpPr>
+        <p:spPr>
+          <a:xfrm>
+            <a:off x="1162645" y="3291747"/>
+            <a:ext cx="1378503" cy="285012"/>
+          </a:xfrm>
+          <a:prstGeom prst="rect">
+            <a:avLst/>
+          </a:prstGeom>
+          <a:solidFill>
+            <a:srgbClr val="FFFF00"/>
+          </a:solidFill>
+          <a:ln w="12700"/>
+        </p:spPr>
+        <p:style>
+          <a:lnRef idx="2">
+            <a:schemeClr val="accent1">
+              <a:shade val="50000"/>
+            </a:schemeClr>
+          </a:lnRef>
+          <a:fillRef idx="1">
+            <a:schemeClr val="accent1"/>
+          </a:fillRef>
+          <a:effectRef idx="0">
+            <a:schemeClr val="accent1"/>
+          </a:effectRef>
+          <a:fontRef idx="minor">
+            <a:schemeClr val="lt1"/>
+          </a:fontRef>
+        </p:style>
+        <p:txBody>
+          <a:bodyPr rtlCol="0" anchor="ctr"/>
+          <a:lstStyle/>
+          <a:p>
+            <a:pPr algn="ctr"/>
+            <a:r>
+              <a:rPr lang="en-US" altLang="ko-KR" sz="1400">
+                <a:solidFill>
+                  <a:schemeClr val="tx1"/>
+                </a:solidFill>
+                <a:latin typeface="Consolas" pitchFamily="49" charset="0"/>
+                <a:cs typeface="Consolas" pitchFamily="49" charset="0"/>
+              </a:rPr>
+              <a:t>0x1000</a:t>
+            </a:r>
+            <a:endParaRPr lang="ko-KR" altLang="en-US" sz="1400">
+              <a:solidFill>
+                <a:schemeClr val="tx1"/>
+              </a:solidFill>
+              <a:latin typeface="Consolas" pitchFamily="49" charset="0"/>
+              <a:cs typeface="Consolas" pitchFamily="49" charset="0"/>
+            </a:endParaRPr>
+          </a:p>
+        </p:txBody>
+      </p:sp>
+      <p:sp>
+        <p:nvSpPr>
+          <p:cNvPr id="52" name="직사각형 51">
+            <a:extLst>
+              <a:ext uri="{FF2B5EF4-FFF2-40B4-BE49-F238E27FC236}">
+                <a16:creationId xmlns:a16="http://schemas.microsoft.com/office/drawing/2014/main" id="{84907DE6-A192-4425-970B-ADBB0D51D0C3}"/>
+              </a:ext>
+            </a:extLst>
+          </p:cNvPr>
+          <p:cNvSpPr/>
+          <p:nvPr/>
+        </p:nvSpPr>
+        <p:spPr>
+          <a:xfrm>
+            <a:off x="2534372" y="3291747"/>
+            <a:ext cx="1378503" cy="285012"/>
+          </a:xfrm>
+          <a:prstGeom prst="rect">
+            <a:avLst/>
+          </a:prstGeom>
+          <a:solidFill>
+            <a:srgbClr val="FFFF00"/>
+          </a:solidFill>
+          <a:ln w="12700"/>
+        </p:spPr>
+        <p:style>
+          <a:lnRef idx="2">
+            <a:schemeClr val="accent1">
+              <a:shade val="50000"/>
+            </a:schemeClr>
+          </a:lnRef>
+          <a:fillRef idx="1">
+            <a:schemeClr val="accent1"/>
+          </a:fillRef>
+          <a:effectRef idx="0">
+            <a:schemeClr val="accent1"/>
+          </a:effectRef>
+          <a:fontRef idx="minor">
+            <a:schemeClr val="lt1"/>
+          </a:fontRef>
+        </p:style>
+        <p:txBody>
+          <a:bodyPr rtlCol="0" anchor="ctr"/>
+          <a:lstStyle/>
+          <a:p>
+            <a:pPr algn="ctr"/>
+            <a:r>
+              <a:rPr lang="en-US" altLang="ko-KR" sz="1400">
+                <a:solidFill>
+                  <a:schemeClr val="tx1"/>
+                </a:solidFill>
+                <a:latin typeface="Consolas" pitchFamily="49" charset="0"/>
+                <a:cs typeface="Consolas" pitchFamily="49" charset="0"/>
+              </a:rPr>
+              <a:t>0</a:t>
+            </a:r>
+            <a:endParaRPr lang="ko-KR" altLang="en-US" sz="1400">
+              <a:solidFill>
+                <a:schemeClr val="tx1"/>
+              </a:solidFill>
+              <a:latin typeface="Consolas" pitchFamily="49" charset="0"/>
+              <a:cs typeface="Consolas" pitchFamily="49" charset="0"/>
+            </a:endParaRPr>
+          </a:p>
+        </p:txBody>
+      </p:sp>
+      <p:sp>
+        <p:nvSpPr>
+          <p:cNvPr id="54" name="TextBox 53">
+            <a:extLst>
+              <a:ext uri="{FF2B5EF4-FFF2-40B4-BE49-F238E27FC236}">
+                <a16:creationId xmlns:a16="http://schemas.microsoft.com/office/drawing/2014/main" id="{ACCDF6D0-FB41-4B2A-BC1D-594CC6F0250D}"/>
+              </a:ext>
+            </a:extLst>
+          </p:cNvPr>
+          <p:cNvSpPr txBox="1"/>
+          <p:nvPr/>
+        </p:nvSpPr>
+        <p:spPr>
+          <a:xfrm>
+            <a:off x="-1276403" y="3531643"/>
+            <a:ext cx="691215" cy="369332"/>
+          </a:xfrm>
+          <a:prstGeom prst="rect">
+            <a:avLst/>
+          </a:prstGeom>
+          <a:noFill/>
+        </p:spPr>
+        <p:txBody>
+          <a:bodyPr wrap="none" rtlCol="0">
+            <a:spAutoFit/>
+          </a:bodyPr>
+          <a:lstStyle/>
+          <a:p>
+            <a:r>
+              <a:rPr lang="en-US" altLang="ko-KR">
+                <a:latin typeface="Consolas" pitchFamily="49" charset="0"/>
+                <a:cs typeface="Consolas" pitchFamily="49" charset="0"/>
+              </a:rPr>
+              <a:t>type</a:t>
+            </a:r>
+            <a:endParaRPr lang="ko-KR" altLang="en-US">
+              <a:latin typeface="Consolas" pitchFamily="49" charset="0"/>
+              <a:cs typeface="Consolas" pitchFamily="49" charset="0"/>
+            </a:endParaRPr>
+          </a:p>
+        </p:txBody>
+      </p:sp>
+      <p:sp>
+        <p:nvSpPr>
+          <p:cNvPr id="55" name="TextBox 54">
+            <a:extLst>
+              <a:ext uri="{FF2B5EF4-FFF2-40B4-BE49-F238E27FC236}">
+                <a16:creationId xmlns:a16="http://schemas.microsoft.com/office/drawing/2014/main" id="{8A0E2E00-4C37-4A1F-9C8A-EDCC7015E42C}"/>
+              </a:ext>
+            </a:extLst>
+          </p:cNvPr>
+          <p:cNvSpPr txBox="1"/>
+          <p:nvPr/>
+        </p:nvSpPr>
+        <p:spPr>
+          <a:xfrm>
+            <a:off x="134671" y="3531643"/>
+            <a:ext cx="817853" cy="369332"/>
+          </a:xfrm>
+          <a:prstGeom prst="rect">
+            <a:avLst/>
+          </a:prstGeom>
+          <a:noFill/>
+        </p:spPr>
+        <p:txBody>
+          <a:bodyPr wrap="none" rtlCol="0">
+            <a:spAutoFit/>
+          </a:bodyPr>
+          <a:lstStyle/>
+          <a:p>
+            <a:r>
+              <a:rPr lang="en-US" altLang="ko-KR">
+                <a:latin typeface="Consolas" pitchFamily="49" charset="0"/>
+                <a:cs typeface="Consolas" pitchFamily="49" charset="0"/>
+              </a:rPr>
+              <a:t>flags</a:t>
+            </a:r>
+            <a:endParaRPr lang="ko-KR" altLang="en-US">
+              <a:latin typeface="Consolas" pitchFamily="49" charset="0"/>
+              <a:cs typeface="Consolas" pitchFamily="49" charset="0"/>
+            </a:endParaRPr>
+          </a:p>
+        </p:txBody>
+      </p:sp>
+      <p:sp>
+        <p:nvSpPr>
+          <p:cNvPr id="57" name="TextBox 56">
+            <a:extLst>
+              <a:ext uri="{FF2B5EF4-FFF2-40B4-BE49-F238E27FC236}">
+                <a16:creationId xmlns:a16="http://schemas.microsoft.com/office/drawing/2014/main" id="{01F760FC-D79B-4F6F-8E62-186F8FD450EE}"/>
+              </a:ext>
+            </a:extLst>
+          </p:cNvPr>
+          <p:cNvSpPr txBox="1"/>
+          <p:nvPr/>
+        </p:nvSpPr>
+        <p:spPr>
+          <a:xfrm>
+            <a:off x="1384629" y="3531643"/>
+            <a:ext cx="944489" cy="369332"/>
+          </a:xfrm>
+          <a:prstGeom prst="rect">
+            <a:avLst/>
+          </a:prstGeom>
+          <a:noFill/>
+        </p:spPr>
+        <p:txBody>
+          <a:bodyPr wrap="none" rtlCol="0">
+            <a:spAutoFit/>
+          </a:bodyPr>
+          <a:lstStyle/>
+          <a:p>
+            <a:r>
+              <a:rPr lang="en-US" altLang="ko-KR">
+                <a:latin typeface="Consolas" pitchFamily="49" charset="0"/>
+                <a:cs typeface="Consolas" pitchFamily="49" charset="0"/>
+              </a:rPr>
+              <a:t>binder</a:t>
+            </a:r>
+            <a:endParaRPr lang="ko-KR" altLang="en-US">
+              <a:latin typeface="Consolas" pitchFamily="49" charset="0"/>
+              <a:cs typeface="Consolas" pitchFamily="49" charset="0"/>
+            </a:endParaRPr>
+          </a:p>
+        </p:txBody>
+      </p:sp>
+      <p:sp>
+        <p:nvSpPr>
+          <p:cNvPr id="58" name="TextBox 57">
+            <a:extLst>
+              <a:ext uri="{FF2B5EF4-FFF2-40B4-BE49-F238E27FC236}">
+                <a16:creationId xmlns:a16="http://schemas.microsoft.com/office/drawing/2014/main" id="{A960A2B7-792F-4B56-9D5D-734F889037EF}"/>
+              </a:ext>
+            </a:extLst>
+          </p:cNvPr>
+          <p:cNvSpPr txBox="1"/>
+          <p:nvPr/>
+        </p:nvSpPr>
+        <p:spPr>
+          <a:xfrm>
+            <a:off x="2704818" y="3531643"/>
+            <a:ext cx="944489" cy="369332"/>
+          </a:xfrm>
+          <a:prstGeom prst="rect">
+            <a:avLst/>
+          </a:prstGeom>
+          <a:noFill/>
+        </p:spPr>
+        <p:txBody>
+          <a:bodyPr wrap="none" rtlCol="0">
+            <a:spAutoFit/>
+          </a:bodyPr>
+          <a:lstStyle/>
+          <a:p>
+            <a:r>
+              <a:rPr lang="en-US" altLang="ko-KR">
+                <a:latin typeface="Consolas" pitchFamily="49" charset="0"/>
+                <a:cs typeface="Consolas" pitchFamily="49" charset="0"/>
+              </a:rPr>
+              <a:t>cookie</a:t>
+            </a:r>
+            <a:endParaRPr lang="ko-KR" altLang="en-US">
+              <a:latin typeface="Consolas" pitchFamily="49" charset="0"/>
+              <a:cs typeface="Consolas" pitchFamily="49" charset="0"/>
+            </a:endParaRPr>
+          </a:p>
+        </p:txBody>
+      </p:sp>
+      <p:sp>
+        <p:nvSpPr>
+          <p:cNvPr id="59" name="TextBox 58">
+            <a:extLst>
+              <a:ext uri="{FF2B5EF4-FFF2-40B4-BE49-F238E27FC236}">
+                <a16:creationId xmlns:a16="http://schemas.microsoft.com/office/drawing/2014/main" id="{72CECE5E-3B8B-48C7-B730-9A3794A90F23}"/>
+              </a:ext>
+            </a:extLst>
+          </p:cNvPr>
+          <p:cNvSpPr txBox="1"/>
+          <p:nvPr/>
+        </p:nvSpPr>
+        <p:spPr>
+          <a:xfrm>
+            <a:off x="7478794" y="5351857"/>
+            <a:ext cx="3097323" cy="369332"/>
+          </a:xfrm>
+          <a:prstGeom prst="rect">
+            <a:avLst/>
+          </a:prstGeom>
+          <a:noFill/>
+        </p:spPr>
+        <p:txBody>
+          <a:bodyPr wrap="none" rtlCol="0">
+            <a:spAutoFit/>
+          </a:bodyPr>
+          <a:lstStyle/>
+          <a:p>
+            <a:r>
+              <a:rPr lang="en-US" altLang="ko-KR">
+                <a:latin typeface="Consolas" pitchFamily="49" charset="0"/>
+                <a:cs typeface="Consolas" pitchFamily="49" charset="0"/>
+              </a:rPr>
+              <a:t>binder_context_mgr_node</a:t>
+            </a:r>
+            <a:endParaRPr lang="ko-KR" altLang="en-US">
+              <a:latin typeface="Consolas" pitchFamily="49" charset="0"/>
+              <a:cs typeface="Consolas" pitchFamily="49" charset="0"/>
+            </a:endParaRPr>
+          </a:p>
+        </p:txBody>
+      </p:sp>
+      <p:sp>
+        <p:nvSpPr>
+          <p:cNvPr id="60" name="TextBox 59">
+            <a:extLst>
+              <a:ext uri="{FF2B5EF4-FFF2-40B4-BE49-F238E27FC236}">
+                <a16:creationId xmlns:a16="http://schemas.microsoft.com/office/drawing/2014/main" id="{6BA2E9CF-DEBE-4D33-A2EF-F9E6181C2480}"/>
+              </a:ext>
+            </a:extLst>
+          </p:cNvPr>
+          <p:cNvSpPr txBox="1"/>
+          <p:nvPr/>
+        </p:nvSpPr>
+        <p:spPr>
+          <a:xfrm>
+            <a:off x="7553146" y="5796145"/>
+            <a:ext cx="1577676" cy="369332"/>
+          </a:xfrm>
+          <a:prstGeom prst="rect">
+            <a:avLst/>
+          </a:prstGeom>
+          <a:noFill/>
+        </p:spPr>
+        <p:txBody>
+          <a:bodyPr wrap="none" rtlCol="0">
+            <a:spAutoFit/>
+          </a:bodyPr>
+          <a:lstStyle/>
+          <a:p>
+            <a:r>
+              <a:rPr lang="en-US" altLang="ko-KR">
+                <a:latin typeface="Consolas" pitchFamily="49" charset="0"/>
+                <a:cs typeface="Consolas" pitchFamily="49" charset="0"/>
+              </a:rPr>
+              <a:t>target_node</a:t>
+            </a:r>
+            <a:endParaRPr lang="ko-KR" altLang="en-US">
+              <a:latin typeface="Consolas" pitchFamily="49" charset="0"/>
+              <a:cs typeface="Consolas" pitchFamily="49" charset="0"/>
+            </a:endParaRPr>
+          </a:p>
+        </p:txBody>
+      </p:sp>
+      <p:sp>
+        <p:nvSpPr>
+          <p:cNvPr id="61" name="TextBox 60">
+            <a:extLst>
+              <a:ext uri="{FF2B5EF4-FFF2-40B4-BE49-F238E27FC236}">
+                <a16:creationId xmlns:a16="http://schemas.microsoft.com/office/drawing/2014/main" id="{77ACD0B2-0350-45C9-83A4-E06FFB1CAD42}"/>
+              </a:ext>
+            </a:extLst>
+          </p:cNvPr>
+          <p:cNvSpPr txBox="1"/>
+          <p:nvPr/>
+        </p:nvSpPr>
+        <p:spPr>
+          <a:xfrm>
+            <a:off x="6077287" y="4482019"/>
+            <a:ext cx="1577676" cy="369332"/>
+          </a:xfrm>
+          <a:prstGeom prst="rect">
+            <a:avLst/>
+          </a:prstGeom>
+          <a:noFill/>
+        </p:spPr>
+        <p:txBody>
+          <a:bodyPr wrap="none" rtlCol="0">
+            <a:spAutoFit/>
+          </a:bodyPr>
+          <a:lstStyle/>
+          <a:p>
+            <a:r>
+              <a:rPr lang="en-US" altLang="ko-KR">
+                <a:latin typeface="Consolas" pitchFamily="49" charset="0"/>
+                <a:cs typeface="Consolas" pitchFamily="49" charset="0"/>
+              </a:rPr>
+              <a:t>target_proc</a:t>
+            </a:r>
+            <a:endParaRPr lang="ko-KR" altLang="en-US">
+              <a:latin typeface="Consolas" pitchFamily="49" charset="0"/>
+              <a:cs typeface="Consolas" pitchFamily="49" charset="0"/>
+            </a:endParaRPr>
+          </a:p>
+        </p:txBody>
+      </p:sp>
+      <p:sp>
+        <p:nvSpPr>
+          <p:cNvPr id="62" name="직사각형 61">
+            <a:extLst>
+              <a:ext uri="{FF2B5EF4-FFF2-40B4-BE49-F238E27FC236}">
+                <a16:creationId xmlns:a16="http://schemas.microsoft.com/office/drawing/2014/main" id="{164F18EE-2973-4597-8309-0C443201693F}"/>
+              </a:ext>
+            </a:extLst>
+          </p:cNvPr>
+          <p:cNvSpPr/>
+          <p:nvPr/>
+        </p:nvSpPr>
+        <p:spPr>
+          <a:xfrm>
+            <a:off x="3885209" y="3850233"/>
+            <a:ext cx="2035059" cy="285012"/>
+          </a:xfrm>
+          <a:prstGeom prst="rect">
+            <a:avLst/>
+          </a:prstGeom>
+          <a:solidFill>
+            <a:srgbClr val="FFFF00"/>
+          </a:solidFill>
+          <a:ln w="12700"/>
+        </p:spPr>
+        <p:style>
+          <a:lnRef idx="2">
+            <a:schemeClr val="accent1">
+              <a:shade val="50000"/>
+            </a:schemeClr>
+          </a:lnRef>
+          <a:fillRef idx="1">
+            <a:schemeClr val="accent1"/>
+          </a:fillRef>
+          <a:effectRef idx="0">
+            <a:schemeClr val="accent1"/>
+          </a:effectRef>
+          <a:fontRef idx="minor">
+            <a:schemeClr val="lt1"/>
+          </a:fontRef>
+        </p:style>
+        <p:txBody>
+          <a:bodyPr rtlCol="0" anchor="ctr"/>
+          <a:lstStyle/>
+          <a:p>
+            <a:pPr algn="ctr"/>
+            <a:r>
+              <a:rPr lang="en-US" altLang="ko-KR" sz="1400">
+                <a:solidFill>
+                  <a:schemeClr val="tx1"/>
+                </a:solidFill>
+                <a:latin typeface="Consolas" pitchFamily="49" charset="0"/>
+                <a:cs typeface="Consolas" pitchFamily="49" charset="0"/>
+              </a:rPr>
+              <a:t>BINDER_TYPE_HANDLE</a:t>
+            </a:r>
+            <a:endParaRPr lang="ko-KR" altLang="en-US" sz="1400">
+              <a:solidFill>
+                <a:schemeClr val="tx1"/>
+              </a:solidFill>
+              <a:latin typeface="Consolas" pitchFamily="49" charset="0"/>
+              <a:cs typeface="Consolas" pitchFamily="49" charset="0"/>
+            </a:endParaRPr>
+          </a:p>
+        </p:txBody>
+      </p:sp>
+      <p:sp>
+        <p:nvSpPr>
+          <p:cNvPr id="63" name="직사각형 62">
+            <a:extLst>
+              <a:ext uri="{FF2B5EF4-FFF2-40B4-BE49-F238E27FC236}">
+                <a16:creationId xmlns:a16="http://schemas.microsoft.com/office/drawing/2014/main" id="{98A94142-2DA4-4AEC-8930-EDD1FD637D83}"/>
+              </a:ext>
+            </a:extLst>
+          </p:cNvPr>
+          <p:cNvSpPr/>
+          <p:nvPr/>
+        </p:nvSpPr>
+        <p:spPr>
+          <a:xfrm>
+            <a:off x="5920268" y="3850233"/>
+            <a:ext cx="818731" cy="285012"/>
+          </a:xfrm>
+          <a:prstGeom prst="rect">
+            <a:avLst/>
+          </a:prstGeom>
+          <a:solidFill>
+            <a:srgbClr val="FFFF00"/>
+          </a:solidFill>
+          <a:ln w="12700"/>
+        </p:spPr>
+        <p:style>
+          <a:lnRef idx="2">
+            <a:schemeClr val="accent1">
+              <a:shade val="50000"/>
+            </a:schemeClr>
+          </a:lnRef>
+          <a:fillRef idx="1">
+            <a:schemeClr val="accent1"/>
+          </a:fillRef>
+          <a:effectRef idx="0">
+            <a:schemeClr val="accent1"/>
+          </a:effectRef>
+          <a:fontRef idx="minor">
+            <a:schemeClr val="lt1"/>
+          </a:fontRef>
+        </p:style>
+        <p:txBody>
+          <a:bodyPr rtlCol="0" anchor="ctr"/>
+          <a:lstStyle/>
+          <a:p>
+            <a:pPr algn="ctr"/>
+            <a:r>
+              <a:rPr lang="en-US" altLang="ko-KR" sz="1400">
+                <a:solidFill>
+                  <a:schemeClr val="tx1"/>
+                </a:solidFill>
+                <a:latin typeface="Consolas" pitchFamily="49" charset="0"/>
+                <a:cs typeface="Consolas" pitchFamily="49" charset="0"/>
+              </a:rPr>
+              <a:t>0x17f</a:t>
+            </a:r>
+            <a:endParaRPr lang="ko-KR" altLang="en-US" sz="1400">
+              <a:solidFill>
+                <a:schemeClr val="tx1"/>
+              </a:solidFill>
+              <a:latin typeface="Consolas" pitchFamily="49" charset="0"/>
+              <a:cs typeface="Consolas" pitchFamily="49" charset="0"/>
+            </a:endParaRPr>
+          </a:p>
+        </p:txBody>
+      </p:sp>
+      <p:sp>
+        <p:nvSpPr>
+          <p:cNvPr id="64" name="직사각형 63">
+            <a:extLst>
+              <a:ext uri="{FF2B5EF4-FFF2-40B4-BE49-F238E27FC236}">
+                <a16:creationId xmlns:a16="http://schemas.microsoft.com/office/drawing/2014/main" id="{DD4C5305-F114-40C1-BB03-F17A430A4070}"/>
+              </a:ext>
+            </a:extLst>
+          </p:cNvPr>
+          <p:cNvSpPr/>
+          <p:nvPr/>
+        </p:nvSpPr>
+        <p:spPr>
+          <a:xfrm>
+            <a:off x="6732222" y="3850233"/>
+            <a:ext cx="1378503" cy="285012"/>
+          </a:xfrm>
+          <a:prstGeom prst="rect">
+            <a:avLst/>
+          </a:prstGeom>
+          <a:solidFill>
+            <a:srgbClr val="FFFF00"/>
+          </a:solidFill>
+          <a:ln w="12700"/>
+        </p:spPr>
+        <p:style>
+          <a:lnRef idx="2">
+            <a:schemeClr val="accent1">
+              <a:shade val="50000"/>
+            </a:schemeClr>
+          </a:lnRef>
+          <a:fillRef idx="1">
+            <a:schemeClr val="accent1"/>
+          </a:fillRef>
+          <a:effectRef idx="0">
+            <a:schemeClr val="accent1"/>
+          </a:effectRef>
+          <a:fontRef idx="minor">
+            <a:schemeClr val="lt1"/>
+          </a:fontRef>
+        </p:style>
+        <p:txBody>
+          <a:bodyPr rtlCol="0" anchor="ctr"/>
+          <a:lstStyle/>
+          <a:p>
+            <a:pPr algn="ctr"/>
+            <a:r>
+              <a:rPr lang="en-US" altLang="ko-KR" sz="1400">
+                <a:solidFill>
+                  <a:schemeClr val="tx1"/>
+                </a:solidFill>
+                <a:latin typeface="Consolas" pitchFamily="49" charset="0"/>
+                <a:cs typeface="Consolas" pitchFamily="49" charset="0"/>
+              </a:rPr>
+              <a:t>140</a:t>
+            </a:r>
+            <a:endParaRPr lang="ko-KR" altLang="en-US" sz="1400">
+              <a:solidFill>
+                <a:schemeClr val="tx1"/>
+              </a:solidFill>
+              <a:latin typeface="Consolas" pitchFamily="49" charset="0"/>
+              <a:cs typeface="Consolas" pitchFamily="49" charset="0"/>
+            </a:endParaRPr>
+          </a:p>
+        </p:txBody>
+      </p:sp>
+      <p:sp>
+        <p:nvSpPr>
+          <p:cNvPr id="65" name="직사각형 64">
+            <a:extLst>
+              <a:ext uri="{FF2B5EF4-FFF2-40B4-BE49-F238E27FC236}">
+                <a16:creationId xmlns:a16="http://schemas.microsoft.com/office/drawing/2014/main" id="{C4D36E37-7E72-4868-B4DA-8626193D0422}"/>
+              </a:ext>
+            </a:extLst>
+          </p:cNvPr>
+          <p:cNvSpPr/>
+          <p:nvPr/>
+        </p:nvSpPr>
+        <p:spPr>
+          <a:xfrm>
+            <a:off x="8103949" y="3850233"/>
+            <a:ext cx="1378503" cy="285012"/>
+          </a:xfrm>
+          <a:prstGeom prst="rect">
+            <a:avLst/>
+          </a:prstGeom>
+          <a:solidFill>
+            <a:srgbClr val="FFFF00"/>
+          </a:solidFill>
+          <a:ln w="12700"/>
+        </p:spPr>
+        <p:style>
+          <a:lnRef idx="2">
+            <a:schemeClr val="accent1">
+              <a:shade val="50000"/>
+            </a:schemeClr>
+          </a:lnRef>
+          <a:fillRef idx="1">
+            <a:schemeClr val="accent1"/>
+          </a:fillRef>
+          <a:effectRef idx="0">
+            <a:schemeClr val="accent1"/>
+          </a:effectRef>
+          <a:fontRef idx="minor">
+            <a:schemeClr val="lt1"/>
+          </a:fontRef>
+        </p:style>
+        <p:txBody>
+          <a:bodyPr rtlCol="0" anchor="ctr"/>
+          <a:lstStyle/>
+          <a:p>
+            <a:pPr algn="ctr"/>
+            <a:r>
+              <a:rPr lang="en-US" altLang="ko-KR" sz="1400">
+                <a:solidFill>
+                  <a:schemeClr val="tx1"/>
+                </a:solidFill>
+                <a:latin typeface="Consolas" pitchFamily="49" charset="0"/>
+                <a:cs typeface="Consolas" pitchFamily="49" charset="0"/>
+              </a:rPr>
+              <a:t>0</a:t>
+            </a:r>
+            <a:endParaRPr lang="ko-KR" altLang="en-US" sz="1400">
+              <a:solidFill>
+                <a:schemeClr val="tx1"/>
+              </a:solidFill>
+              <a:latin typeface="Consolas" pitchFamily="49" charset="0"/>
+              <a:cs typeface="Consolas" pitchFamily="49" charset="0"/>
+            </a:endParaRPr>
+          </a:p>
+        </p:txBody>
+      </p:sp>
+      <p:sp>
+        <p:nvSpPr>
+          <p:cNvPr id="66" name="TextBox 65">
+            <a:extLst>
+              <a:ext uri="{FF2B5EF4-FFF2-40B4-BE49-F238E27FC236}">
+                <a16:creationId xmlns:a16="http://schemas.microsoft.com/office/drawing/2014/main" id="{9E035AC3-26AF-425C-87D2-EB86C499DBF4}"/>
+              </a:ext>
+            </a:extLst>
+          </p:cNvPr>
+          <p:cNvSpPr txBox="1"/>
+          <p:nvPr/>
+        </p:nvSpPr>
+        <p:spPr>
+          <a:xfrm>
+            <a:off x="4293174" y="4090129"/>
+            <a:ext cx="691215" cy="369332"/>
+          </a:xfrm>
+          <a:prstGeom prst="rect">
+            <a:avLst/>
+          </a:prstGeom>
+          <a:noFill/>
+        </p:spPr>
+        <p:txBody>
+          <a:bodyPr wrap="none" rtlCol="0">
+            <a:spAutoFit/>
+          </a:bodyPr>
+          <a:lstStyle/>
+          <a:p>
+            <a:r>
+              <a:rPr lang="en-US" altLang="ko-KR">
+                <a:latin typeface="Consolas" pitchFamily="49" charset="0"/>
+                <a:cs typeface="Consolas" pitchFamily="49" charset="0"/>
+              </a:rPr>
+              <a:t>type</a:t>
+            </a:r>
+            <a:endParaRPr lang="ko-KR" altLang="en-US">
+              <a:latin typeface="Consolas" pitchFamily="49" charset="0"/>
+              <a:cs typeface="Consolas" pitchFamily="49" charset="0"/>
+            </a:endParaRPr>
+          </a:p>
+        </p:txBody>
+      </p:sp>
+      <p:sp>
+        <p:nvSpPr>
+          <p:cNvPr id="67" name="TextBox 66">
+            <a:extLst>
+              <a:ext uri="{FF2B5EF4-FFF2-40B4-BE49-F238E27FC236}">
+                <a16:creationId xmlns:a16="http://schemas.microsoft.com/office/drawing/2014/main" id="{887A40D4-3160-4ADD-BAB3-1ECB9FF77F4B}"/>
+              </a:ext>
+            </a:extLst>
+          </p:cNvPr>
+          <p:cNvSpPr txBox="1"/>
+          <p:nvPr/>
+        </p:nvSpPr>
+        <p:spPr>
+          <a:xfrm>
+            <a:off x="5704248" y="4090129"/>
+            <a:ext cx="817853" cy="369332"/>
+          </a:xfrm>
+          <a:prstGeom prst="rect">
+            <a:avLst/>
+          </a:prstGeom>
+          <a:noFill/>
+        </p:spPr>
+        <p:txBody>
+          <a:bodyPr wrap="none" rtlCol="0">
+            <a:spAutoFit/>
+          </a:bodyPr>
+          <a:lstStyle/>
+          <a:p>
+            <a:r>
+              <a:rPr lang="en-US" altLang="ko-KR">
+                <a:latin typeface="Consolas" pitchFamily="49" charset="0"/>
+                <a:cs typeface="Consolas" pitchFamily="49" charset="0"/>
+              </a:rPr>
+              <a:t>flags</a:t>
+            </a:r>
+            <a:endParaRPr lang="ko-KR" altLang="en-US">
+              <a:latin typeface="Consolas" pitchFamily="49" charset="0"/>
+              <a:cs typeface="Consolas" pitchFamily="49" charset="0"/>
+            </a:endParaRPr>
+          </a:p>
+        </p:txBody>
+      </p:sp>
+      <p:sp>
+        <p:nvSpPr>
+          <p:cNvPr id="68" name="TextBox 67">
+            <a:extLst>
+              <a:ext uri="{FF2B5EF4-FFF2-40B4-BE49-F238E27FC236}">
+                <a16:creationId xmlns:a16="http://schemas.microsoft.com/office/drawing/2014/main" id="{3D3E0C94-65ED-436C-B63E-9860EF39C3C5}"/>
+              </a:ext>
+            </a:extLst>
+          </p:cNvPr>
+          <p:cNvSpPr txBox="1"/>
+          <p:nvPr/>
+        </p:nvSpPr>
+        <p:spPr>
+          <a:xfrm>
+            <a:off x="6954206" y="4090129"/>
+            <a:ext cx="944489" cy="369332"/>
+          </a:xfrm>
+          <a:prstGeom prst="rect">
+            <a:avLst/>
+          </a:prstGeom>
+          <a:noFill/>
+        </p:spPr>
+        <p:txBody>
+          <a:bodyPr wrap="none" rtlCol="0">
+            <a:spAutoFit/>
+          </a:bodyPr>
+          <a:lstStyle/>
+          <a:p>
+            <a:r>
+              <a:rPr lang="en-US" altLang="ko-KR">
+                <a:latin typeface="Consolas" pitchFamily="49" charset="0"/>
+                <a:cs typeface="Consolas" pitchFamily="49" charset="0"/>
+              </a:rPr>
+              <a:t>handle</a:t>
+            </a:r>
+            <a:endParaRPr lang="ko-KR" altLang="en-US">
+              <a:latin typeface="Consolas" pitchFamily="49" charset="0"/>
+              <a:cs typeface="Consolas" pitchFamily="49" charset="0"/>
+            </a:endParaRPr>
+          </a:p>
+        </p:txBody>
+      </p:sp>
+      <p:sp>
+        <p:nvSpPr>
+          <p:cNvPr id="69" name="TextBox 68">
+            <a:extLst>
+              <a:ext uri="{FF2B5EF4-FFF2-40B4-BE49-F238E27FC236}">
+                <a16:creationId xmlns:a16="http://schemas.microsoft.com/office/drawing/2014/main" id="{A4CD4859-517D-411F-91CE-AAA3D6B22BFA}"/>
+              </a:ext>
+            </a:extLst>
+          </p:cNvPr>
+          <p:cNvSpPr txBox="1"/>
+          <p:nvPr/>
+        </p:nvSpPr>
+        <p:spPr>
+          <a:xfrm>
+            <a:off x="8274395" y="4090129"/>
+            <a:ext cx="944489" cy="369332"/>
+          </a:xfrm>
+          <a:prstGeom prst="rect">
+            <a:avLst/>
+          </a:prstGeom>
+          <a:noFill/>
+        </p:spPr>
+        <p:txBody>
+          <a:bodyPr wrap="none" rtlCol="0">
+            <a:spAutoFit/>
+          </a:bodyPr>
+          <a:lstStyle/>
+          <a:p>
+            <a:r>
+              <a:rPr lang="en-US" altLang="ko-KR">
+                <a:latin typeface="Consolas" pitchFamily="49" charset="0"/>
+                <a:cs typeface="Consolas" pitchFamily="49" charset="0"/>
+              </a:rPr>
+              <a:t>cookie</a:t>
+            </a:r>
+            <a:endParaRPr lang="ko-KR" altLang="en-US">
+              <a:latin typeface="Consolas" pitchFamily="49" charset="0"/>
+              <a:cs typeface="Consolas" pitchFamily="49" charset="0"/>
+            </a:endParaRPr>
+          </a:p>
+        </p:txBody>
+      </p:sp>
+      <p:sp>
+        <p:nvSpPr>
+          <p:cNvPr id="3" name="TextBox 2">
+            <a:extLst>
+              <a:ext uri="{FF2B5EF4-FFF2-40B4-BE49-F238E27FC236}">
+                <a16:creationId xmlns:a16="http://schemas.microsoft.com/office/drawing/2014/main" id="{8BF9F849-9B33-4C23-878E-F854EE91B210}"/>
+              </a:ext>
+            </a:extLst>
+          </p:cNvPr>
+          <p:cNvSpPr txBox="1"/>
+          <p:nvPr/>
+        </p:nvSpPr>
+        <p:spPr>
+          <a:xfrm>
+            <a:off x="-1025156" y="775039"/>
+            <a:ext cx="564578" cy="369332"/>
+          </a:xfrm>
+          <a:prstGeom prst="rect">
+            <a:avLst/>
+          </a:prstGeom>
+          <a:noFill/>
+        </p:spPr>
+        <p:txBody>
+          <a:bodyPr wrap="none" rtlCol="0">
+            <a:spAutoFit/>
+          </a:bodyPr>
+          <a:lstStyle/>
+          <a:p>
+            <a:r>
+              <a:rPr lang="en-US" altLang="ko-KR">
+                <a:latin typeface="Consolas" pitchFamily="49" charset="0"/>
+                <a:cs typeface="Consolas" pitchFamily="49" charset="0"/>
+              </a:rPr>
+              <a:t>Led</a:t>
+            </a:r>
+            <a:endParaRPr lang="ko-KR" altLang="en-US">
+              <a:latin typeface="Consolas" pitchFamily="49" charset="0"/>
+              <a:cs typeface="Consolas" pitchFamily="49" charset="0"/>
+            </a:endParaRPr>
+          </a:p>
+        </p:txBody>
+      </p:sp>
+      <p:sp>
+        <p:nvSpPr>
+          <p:cNvPr id="70" name="TextBox 69">
+            <a:extLst>
+              <a:ext uri="{FF2B5EF4-FFF2-40B4-BE49-F238E27FC236}">
+                <a16:creationId xmlns:a16="http://schemas.microsoft.com/office/drawing/2014/main" id="{8A1DEAC3-A9BB-4658-8222-600A2B249153}"/>
+              </a:ext>
+            </a:extLst>
+          </p:cNvPr>
+          <p:cNvSpPr txBox="1"/>
+          <p:nvPr/>
+        </p:nvSpPr>
+        <p:spPr>
+          <a:xfrm>
+            <a:off x="-1781467" y="1152947"/>
+            <a:ext cx="437940" cy="369332"/>
+          </a:xfrm>
+          <a:prstGeom prst="rect">
+            <a:avLst/>
+          </a:prstGeom>
+          <a:noFill/>
+        </p:spPr>
+        <p:txBody>
+          <a:bodyPr wrap="none" rtlCol="0">
+            <a:spAutoFit/>
+          </a:bodyPr>
+          <a:lstStyle/>
+          <a:p>
+            <a:r>
+              <a:rPr lang="en-US" altLang="ko-KR">
+                <a:latin typeface="Consolas" pitchFamily="49" charset="0"/>
+                <a:cs typeface="Consolas" pitchFamily="49" charset="0"/>
+              </a:rPr>
+              <a:t>on</a:t>
+            </a:r>
+            <a:endParaRPr lang="ko-KR" altLang="en-US">
+              <a:latin typeface="Consolas" pitchFamily="49" charset="0"/>
+              <a:cs typeface="Consolas" pitchFamily="49" charset="0"/>
+            </a:endParaRPr>
+          </a:p>
+        </p:txBody>
+      </p:sp>
+      <p:sp>
+        <p:nvSpPr>
+          <p:cNvPr id="71" name="직사각형 70">
+            <a:extLst>
+              <a:ext uri="{FF2B5EF4-FFF2-40B4-BE49-F238E27FC236}">
+                <a16:creationId xmlns:a16="http://schemas.microsoft.com/office/drawing/2014/main" id="{F4D31C47-17D2-4D19-A416-81CEE9C4B515}"/>
+              </a:ext>
+            </a:extLst>
+          </p:cNvPr>
+          <p:cNvSpPr/>
+          <p:nvPr/>
+        </p:nvSpPr>
+        <p:spPr>
+          <a:xfrm>
+            <a:off x="-1238229" y="1484472"/>
+            <a:ext cx="1167967" cy="369332"/>
+          </a:xfrm>
+          <a:prstGeom prst="rect">
+            <a:avLst/>
+          </a:prstGeom>
+          <a:solidFill>
+            <a:srgbClr val="FFFF00"/>
+          </a:solidFill>
+          <a:ln w="12700"/>
+        </p:spPr>
+        <p:style>
+          <a:lnRef idx="2">
+            <a:schemeClr val="accent1">
+              <a:shade val="50000"/>
+            </a:schemeClr>
+          </a:lnRef>
+          <a:fillRef idx="1">
+            <a:schemeClr val="accent1"/>
+          </a:fillRef>
+          <a:effectRef idx="0">
+            <a:schemeClr val="accent1"/>
+          </a:effectRef>
+          <a:fontRef idx="minor">
+            <a:schemeClr val="lt1"/>
+          </a:fontRef>
+        </p:style>
+        <p:txBody>
+          <a:bodyPr rtlCol="0" anchor="ctr"/>
+          <a:lstStyle/>
+          <a:p>
+            <a:pPr algn="ctr"/>
+            <a:endParaRPr lang="ko-KR" altLang="en-US">
+              <a:solidFill>
+                <a:schemeClr val="tx1"/>
+              </a:solidFill>
+              <a:latin typeface="Consolas" pitchFamily="49" charset="0"/>
+              <a:cs typeface="Consolas" pitchFamily="49" charset="0"/>
+            </a:endParaRPr>
+          </a:p>
+        </p:txBody>
+      </p:sp>
+      <p:sp>
+        <p:nvSpPr>
+          <p:cNvPr id="72" name="TextBox 71">
+            <a:extLst>
+              <a:ext uri="{FF2B5EF4-FFF2-40B4-BE49-F238E27FC236}">
+                <a16:creationId xmlns:a16="http://schemas.microsoft.com/office/drawing/2014/main" id="{9F9B4668-E9EF-40EA-BBFC-76A77002C863}"/>
+              </a:ext>
+            </a:extLst>
+          </p:cNvPr>
+          <p:cNvSpPr txBox="1"/>
+          <p:nvPr/>
+        </p:nvSpPr>
+        <p:spPr>
+          <a:xfrm>
+            <a:off x="-1781467" y="1514971"/>
+            <a:ext cx="564578" cy="369332"/>
+          </a:xfrm>
+          <a:prstGeom prst="rect">
+            <a:avLst/>
+          </a:prstGeom>
+          <a:noFill/>
+        </p:spPr>
+        <p:txBody>
+          <a:bodyPr wrap="none" rtlCol="0">
+            <a:spAutoFit/>
+          </a:bodyPr>
+          <a:lstStyle/>
+          <a:p>
+            <a:r>
+              <a:rPr lang="en-US" altLang="ko-KR">
+                <a:latin typeface="Consolas" pitchFamily="49" charset="0"/>
+                <a:cs typeface="Consolas" pitchFamily="49" charset="0"/>
+              </a:rPr>
+              <a:t>off</a:t>
+            </a:r>
+            <a:endParaRPr lang="ko-KR" altLang="en-US">
+              <a:latin typeface="Consolas" pitchFamily="49" charset="0"/>
+              <a:cs typeface="Consolas" pitchFamily="49" charset="0"/>
+            </a:endParaRPr>
+          </a:p>
+        </p:txBody>
+      </p:sp>
+      <p:sp>
+        <p:nvSpPr>
+          <p:cNvPr id="7" name="두루마리 모양: 세로로 말림 6">
+            <a:extLst>
+              <a:ext uri="{FF2B5EF4-FFF2-40B4-BE49-F238E27FC236}">
+                <a16:creationId xmlns:a16="http://schemas.microsoft.com/office/drawing/2014/main" id="{47B9C3A6-B61C-4035-8E7F-713AD5682586}"/>
+              </a:ext>
+            </a:extLst>
+          </p:cNvPr>
+          <p:cNvSpPr/>
+          <p:nvPr/>
+        </p:nvSpPr>
+        <p:spPr>
+          <a:xfrm>
+            <a:off x="323528" y="980728"/>
+            <a:ext cx="473230" cy="432048"/>
+          </a:xfrm>
+          <a:prstGeom prst="verticalScroll">
+            <a:avLst/>
+          </a:prstGeom>
+          <a:solidFill>
+            <a:srgbClr val="FFFF00"/>
+          </a:solidFill>
+          <a:ln w="12700"/>
+        </p:spPr>
+        <p:style>
+          <a:lnRef idx="2">
+            <a:schemeClr val="accent1">
+              <a:shade val="50000"/>
+            </a:schemeClr>
+          </a:lnRef>
+          <a:fillRef idx="1">
+            <a:schemeClr val="accent1"/>
+          </a:fillRef>
+          <a:effectRef idx="0">
+            <a:schemeClr val="accent1"/>
+          </a:effectRef>
+          <a:fontRef idx="minor">
+            <a:schemeClr val="lt1"/>
+          </a:fontRef>
+        </p:style>
+        <p:txBody>
+          <a:bodyPr rtlCol="0" anchor="ctr"/>
+          <a:lstStyle/>
+          <a:p>
+            <a:pPr algn="ctr"/>
+            <a:endParaRPr lang="ko-KR" altLang="en-US">
+              <a:solidFill>
+                <a:schemeClr val="tx1"/>
+              </a:solidFill>
+              <a:latin typeface="Consolas" pitchFamily="49" charset="0"/>
+              <a:cs typeface="Consolas" pitchFamily="49" charset="0"/>
+            </a:endParaRPr>
+          </a:p>
+        </p:txBody>
+      </p:sp>
+      <p:sp>
+        <p:nvSpPr>
+          <p:cNvPr id="73" name="두루마리 모양: 세로로 말림 72">
+            <a:extLst>
+              <a:ext uri="{FF2B5EF4-FFF2-40B4-BE49-F238E27FC236}">
+                <a16:creationId xmlns:a16="http://schemas.microsoft.com/office/drawing/2014/main" id="{FC501F4E-B431-420C-9F34-ABC32A6BC3FC}"/>
+              </a:ext>
+            </a:extLst>
+          </p:cNvPr>
+          <p:cNvSpPr/>
+          <p:nvPr/>
+        </p:nvSpPr>
+        <p:spPr>
+          <a:xfrm>
+            <a:off x="311949" y="1699637"/>
+            <a:ext cx="473230" cy="432048"/>
+          </a:xfrm>
+          <a:prstGeom prst="verticalScroll">
+            <a:avLst/>
+          </a:prstGeom>
+          <a:solidFill>
+            <a:srgbClr val="FFFF00"/>
+          </a:solidFill>
+          <a:ln w="12700"/>
+        </p:spPr>
+        <p:style>
+          <a:lnRef idx="2">
+            <a:schemeClr val="accent1">
+              <a:shade val="50000"/>
+            </a:schemeClr>
+          </a:lnRef>
+          <a:fillRef idx="1">
+            <a:schemeClr val="accent1"/>
+          </a:fillRef>
+          <a:effectRef idx="0">
+            <a:schemeClr val="accent1"/>
+          </a:effectRef>
+          <a:fontRef idx="minor">
+            <a:schemeClr val="lt1"/>
+          </a:fontRef>
+        </p:style>
+        <p:txBody>
+          <a:bodyPr rtlCol="0" anchor="ctr"/>
+          <a:lstStyle/>
+          <a:p>
+            <a:pPr algn="ctr"/>
+            <a:endParaRPr lang="ko-KR" altLang="en-US">
+              <a:solidFill>
+                <a:schemeClr val="tx1"/>
+              </a:solidFill>
+              <a:latin typeface="Consolas" pitchFamily="49" charset="0"/>
+              <a:cs typeface="Consolas" pitchFamily="49" charset="0"/>
+            </a:endParaRPr>
+          </a:p>
+        </p:txBody>
+      </p:sp>
+      <p:sp>
+        <p:nvSpPr>
+          <p:cNvPr id="74" name="TextBox 73">
+            <a:extLst>
+              <a:ext uri="{FF2B5EF4-FFF2-40B4-BE49-F238E27FC236}">
+                <a16:creationId xmlns:a16="http://schemas.microsoft.com/office/drawing/2014/main" id="{3332ADE7-E3DD-47C5-B3E5-A6A79F9289A9}"/>
+              </a:ext>
+            </a:extLst>
+          </p:cNvPr>
+          <p:cNvSpPr txBox="1"/>
+          <p:nvPr/>
+        </p:nvSpPr>
+        <p:spPr>
+          <a:xfrm>
+            <a:off x="113917" y="652332"/>
+            <a:ext cx="817853" cy="369332"/>
+          </a:xfrm>
+          <a:prstGeom prst="rect">
+            <a:avLst/>
+          </a:prstGeom>
+          <a:noFill/>
+        </p:spPr>
+        <p:txBody>
+          <a:bodyPr wrap="none" rtlCol="0">
+            <a:spAutoFit/>
+          </a:bodyPr>
+          <a:lstStyle/>
+          <a:p>
+            <a:r>
+              <a:rPr lang="en-US" altLang="ko-KR">
+                <a:latin typeface="Consolas" pitchFamily="49" charset="0"/>
+                <a:cs typeface="Consolas" pitchFamily="49" charset="0"/>
+              </a:rPr>
+              <a:t>ledOn</a:t>
+            </a:r>
+            <a:endParaRPr lang="ko-KR" altLang="en-US">
+              <a:latin typeface="Consolas" pitchFamily="49" charset="0"/>
+              <a:cs typeface="Consolas" pitchFamily="49" charset="0"/>
+            </a:endParaRPr>
+          </a:p>
+        </p:txBody>
+      </p:sp>
+      <p:sp>
+        <p:nvSpPr>
+          <p:cNvPr id="75" name="TextBox 74">
+            <a:extLst>
+              <a:ext uri="{FF2B5EF4-FFF2-40B4-BE49-F238E27FC236}">
+                <a16:creationId xmlns:a16="http://schemas.microsoft.com/office/drawing/2014/main" id="{81F432A4-36A3-4E78-BF70-9671BFF54B26}"/>
+              </a:ext>
+            </a:extLst>
+          </p:cNvPr>
+          <p:cNvSpPr txBox="1"/>
+          <p:nvPr/>
+        </p:nvSpPr>
+        <p:spPr>
+          <a:xfrm>
+            <a:off x="109151" y="1390218"/>
+            <a:ext cx="944489" cy="369332"/>
+          </a:xfrm>
+          <a:prstGeom prst="rect">
+            <a:avLst/>
+          </a:prstGeom>
+          <a:noFill/>
+        </p:spPr>
+        <p:txBody>
+          <a:bodyPr wrap="none" rtlCol="0">
+            <a:spAutoFit/>
+          </a:bodyPr>
+          <a:lstStyle/>
+          <a:p>
+            <a:r>
+              <a:rPr lang="en-US" altLang="ko-KR">
+                <a:latin typeface="Consolas" pitchFamily="49" charset="0"/>
+                <a:cs typeface="Consolas" pitchFamily="49" charset="0"/>
+              </a:rPr>
+              <a:t>ledOff</a:t>
+            </a:r>
+            <a:endParaRPr lang="ko-KR" altLang="en-US">
+              <a:latin typeface="Consolas" pitchFamily="49" charset="0"/>
+              <a:cs typeface="Consolas" pitchFamily="49" charset="0"/>
+            </a:endParaRPr>
+          </a:p>
+        </p:txBody>
+      </p:sp>
+      <p:cxnSp>
+        <p:nvCxnSpPr>
+          <p:cNvPr id="76" name="직선 화살표 연결선 75">
+            <a:extLst>
+              <a:ext uri="{FF2B5EF4-FFF2-40B4-BE49-F238E27FC236}">
+                <a16:creationId xmlns:a16="http://schemas.microsoft.com/office/drawing/2014/main" id="{AE0944FE-6F50-421F-B193-8BAA0AC3456F}"/>
+              </a:ext>
+            </a:extLst>
+          </p:cNvPr>
+          <p:cNvCxnSpPr>
+            <a:cxnSpLocks/>
+            <a:stCxn id="34" idx="3"/>
+            <a:endCxn id="7" idx="1"/>
+          </p:cNvCxnSpPr>
+          <p:nvPr/>
+        </p:nvCxnSpPr>
+        <p:spPr>
+          <a:xfrm flipV="1">
+            <a:off x="-70262" y="1196752"/>
+            <a:ext cx="447796" cy="110362"/>
+          </a:xfrm>
+          <a:prstGeom prst="straightConnector1">
+            <a:avLst/>
+          </a:prstGeom>
+          <a:ln>
+            <a:solidFill>
+              <a:srgbClr val="FF0000"/>
+            </a:solidFill>
+            <a:tailEnd type="triangle"/>
+          </a:ln>
+        </p:spPr>
+        <p:style>
+          <a:lnRef idx="1">
+            <a:schemeClr val="accent1"/>
+          </a:lnRef>
+          <a:fillRef idx="0">
+            <a:schemeClr val="accent1"/>
+          </a:fillRef>
+          <a:effectRef idx="0">
+            <a:schemeClr val="accent1"/>
+          </a:effectRef>
+          <a:fontRef idx="minor">
+            <a:schemeClr val="tx1"/>
+          </a:fontRef>
+        </p:style>
+      </p:cxnSp>
+      <p:cxnSp>
+        <p:nvCxnSpPr>
+          <p:cNvPr id="77" name="직선 화살표 연결선 76">
+            <a:extLst>
+              <a:ext uri="{FF2B5EF4-FFF2-40B4-BE49-F238E27FC236}">
+                <a16:creationId xmlns:a16="http://schemas.microsoft.com/office/drawing/2014/main" id="{4F2EC8D7-18ED-4422-9044-554F55D3D350}"/>
+              </a:ext>
+            </a:extLst>
+          </p:cNvPr>
+          <p:cNvCxnSpPr>
+            <a:cxnSpLocks/>
+            <a:stCxn id="71" idx="3"/>
+            <a:endCxn id="73" idx="1"/>
+          </p:cNvCxnSpPr>
+          <p:nvPr/>
+        </p:nvCxnSpPr>
+        <p:spPr>
+          <a:xfrm>
+            <a:off x="-70262" y="1669138"/>
+            <a:ext cx="436217" cy="246523"/>
+          </a:xfrm>
+          <a:prstGeom prst="straightConnector1">
+            <a:avLst/>
+          </a:prstGeom>
+          <a:ln>
+            <a:solidFill>
+              <a:srgbClr val="FF0000"/>
+            </a:solidFill>
+            <a:tailEnd type="triangle"/>
+          </a:ln>
+        </p:spPr>
+        <p:style>
+          <a:lnRef idx="1">
+            <a:schemeClr val="accent1"/>
+          </a:lnRef>
+          <a:fillRef idx="0">
+            <a:schemeClr val="accent1"/>
+          </a:fillRef>
+          <a:effectRef idx="0">
+            <a:schemeClr val="accent1"/>
+          </a:effectRef>
+          <a:fontRef idx="minor">
+            <a:schemeClr val="tx1"/>
+          </a:fontRef>
+        </p:style>
+      </p:cxnSp>
+    </p:spTree>
+    <p:extLst>
+      <p:ext uri="{BB962C8B-B14F-4D97-AF65-F5344CB8AC3E}">
+        <p14:creationId xmlns:p14="http://schemas.microsoft.com/office/powerpoint/2010/main" val="3855616076"/>
+      </p:ext>
+    </p:extLst>
+  </p:cSld>
+  <p:clrMapOvr>
+    <a:masterClrMapping/>
+  </p:clrMapOvr>
+</p:sld>
+</file>
+
+<file path=ppt/slides/slide19.xml><?xml version="1.0" encoding="utf-8"?>
+<p:sld xmlns:a="http://schemas.openxmlformats.org/drawingml/2006/main" xmlns:r="http://schemas.openxmlformats.org/officeDocument/2006/relationships" xmlns:p="http://schemas.openxmlformats.org/presentationml/2006/main">
+  <p:cSld>
+    <p:spTree>
+      <p:nvGrpSpPr>
+        <p:cNvPr id="1" name=""/>
+        <p:cNvGrpSpPr/>
+        <p:nvPr/>
+      </p:nvGrpSpPr>
+      <p:grpSpPr>
+        <a:xfrm>
+          <a:off x="0" y="0"/>
+          <a:ext cx="0" cy="0"/>
+          <a:chOff x="0" y="0"/>
+          <a:chExt cx="0" cy="0"/>
+        </a:xfrm>
+      </p:grpSpPr>
+      <p:sp>
+        <p:nvSpPr>
+          <p:cNvPr id="4" name="직사각형 3">
+            <a:extLst>
+              <a:ext uri="{FF2B5EF4-FFF2-40B4-BE49-F238E27FC236}">
+                <a16:creationId xmlns:a16="http://schemas.microsoft.com/office/drawing/2014/main" id="{DDAB96DB-B73D-43E9-B4CF-99D4B592CD53}"/>
+              </a:ext>
+            </a:extLst>
+          </p:cNvPr>
+          <p:cNvSpPr/>
+          <p:nvPr/>
+        </p:nvSpPr>
+        <p:spPr>
+          <a:xfrm>
+            <a:off x="3995936" y="476672"/>
+            <a:ext cx="1512168" cy="504056"/>
+          </a:xfrm>
+          <a:prstGeom prst="rect">
+            <a:avLst/>
+          </a:prstGeom>
+          <a:solidFill>
+            <a:srgbClr val="FFFF00"/>
+          </a:solidFill>
+          <a:ln w="12700"/>
+        </p:spPr>
+        <p:style>
+          <a:lnRef idx="2">
+            <a:schemeClr val="accent1">
+              <a:shade val="50000"/>
+            </a:schemeClr>
+          </a:lnRef>
+          <a:fillRef idx="1">
+            <a:schemeClr val="accent1"/>
+          </a:fillRef>
+          <a:effectRef idx="0">
+            <a:schemeClr val="accent1"/>
+          </a:effectRef>
+          <a:fontRef idx="minor">
+            <a:schemeClr val="lt1"/>
+          </a:fontRef>
+        </p:style>
+        <p:txBody>
+          <a:bodyPr rtlCol="0" anchor="ctr"/>
+          <a:lstStyle/>
+          <a:p>
+            <a:pPr algn="ctr"/>
+            <a:endParaRPr lang="ko-KR" altLang="en-US">
+              <a:solidFill>
+                <a:schemeClr val="tx1"/>
+              </a:solidFill>
+              <a:latin typeface="Consolas" pitchFamily="49" charset="0"/>
+              <a:cs typeface="Consolas" pitchFamily="49" charset="0"/>
+            </a:endParaRPr>
+          </a:p>
+        </p:txBody>
+      </p:sp>
+    </p:spTree>
+    <p:extLst>
+      <p:ext uri="{BB962C8B-B14F-4D97-AF65-F5344CB8AC3E}">
+        <p14:creationId xmlns:p14="http://schemas.microsoft.com/office/powerpoint/2010/main" val="1267313157"/>
       </p:ext>
     </p:extLst>
   </p:cSld>

--- a/03_day.pptx
+++ b/03_day.pptx
@@ -24,6 +24,8 @@
     <p:sldId id="299" r:id="rId18"/>
     <p:sldId id="300" r:id="rId19"/>
     <p:sldId id="301" r:id="rId20"/>
+    <p:sldId id="302" r:id="rId21"/>
+    <p:sldId id="303" r:id="rId22"/>
   </p:sldIdLst>
   <p:sldSz cx="9144000" cy="6858000" type="screen4x3"/>
   <p:notesSz cx="6858000" cy="9144000"/>
@@ -24582,7 +24584,73 @@
         </p:nvSpPr>
         <p:spPr>
           <a:xfrm>
-            <a:off x="3995936" y="476672"/>
+            <a:off x="5580112" y="1844824"/>
+            <a:ext cx="1512168" cy="504056"/>
+          </a:xfrm>
+          <a:prstGeom prst="rect">
+            <a:avLst/>
+          </a:prstGeom>
+          <a:solidFill>
+            <a:srgbClr val="FFC000"/>
+          </a:solidFill>
+          <a:ln w="12700"/>
+        </p:spPr>
+        <p:style>
+          <a:lnRef idx="2">
+            <a:schemeClr val="accent1">
+              <a:shade val="50000"/>
+            </a:schemeClr>
+          </a:lnRef>
+          <a:fillRef idx="1">
+            <a:schemeClr val="accent1"/>
+          </a:fillRef>
+          <a:effectRef idx="0">
+            <a:schemeClr val="accent1"/>
+          </a:effectRef>
+          <a:fontRef idx="minor">
+            <a:schemeClr val="lt1"/>
+          </a:fontRef>
+        </p:style>
+        <p:txBody>
+          <a:bodyPr rtlCol="0" anchor="ctr"/>
+          <a:lstStyle/>
+          <a:p>
+            <a:pPr algn="ctr"/>
+            <a:r>
+              <a:rPr lang="en-US" altLang="ko-KR">
+                <a:solidFill>
+                  <a:schemeClr val="tx1"/>
+                </a:solidFill>
+                <a:latin typeface="Consolas" pitchFamily="49" charset="0"/>
+                <a:cs typeface="Consolas" pitchFamily="49" charset="0"/>
+              </a:rPr>
+              <a:t>AAA</a:t>
+            </a:r>
+            <a:endParaRPr lang="ko-KR" altLang="en-US">
+              <a:solidFill>
+                <a:schemeClr val="tx1"/>
+              </a:solidFill>
+              <a:latin typeface="Consolas" pitchFamily="49" charset="0"/>
+              <a:cs typeface="Consolas" pitchFamily="49" charset="0"/>
+            </a:endParaRPr>
+          </a:p>
+        </p:txBody>
+      </p:sp>
+      <p:sp>
+        <p:nvSpPr>
+          <p:cNvPr id="7" name="직사각형 6">
+            <a:extLst>
+              <a:ext uri="{FF2B5EF4-FFF2-40B4-BE49-F238E27FC236}">
+                <a16:creationId xmlns:a16="http://schemas.microsoft.com/office/drawing/2014/main" id="{DEFC8663-2821-4F6B-9535-0B43C0F380C1}"/>
+              </a:ext>
+            </a:extLst>
+          </p:cNvPr>
+          <p:cNvSpPr/>
+          <p:nvPr/>
+        </p:nvSpPr>
+        <p:spPr>
+          <a:xfrm>
+            <a:off x="5580112" y="2348880"/>
             <a:ext cx="1512168" cy="504056"/>
           </a:xfrm>
           <a:prstGeom prst="rect">
@@ -24618,6 +24686,664 @@
               <a:solidFill>
                 <a:schemeClr val="tx1"/>
               </a:solidFill>
+              <a:latin typeface="Consolas" pitchFamily="49" charset="0"/>
+              <a:cs typeface="Consolas" pitchFamily="49" charset="0"/>
+            </a:endParaRPr>
+          </a:p>
+        </p:txBody>
+      </p:sp>
+      <p:sp>
+        <p:nvSpPr>
+          <p:cNvPr id="9" name="직사각형 8">
+            <a:extLst>
+              <a:ext uri="{FF2B5EF4-FFF2-40B4-BE49-F238E27FC236}">
+                <a16:creationId xmlns:a16="http://schemas.microsoft.com/office/drawing/2014/main" id="{C5297DC0-0DDA-4CFE-AA61-04E18F1BBE3A}"/>
+              </a:ext>
+            </a:extLst>
+          </p:cNvPr>
+          <p:cNvSpPr/>
+          <p:nvPr/>
+        </p:nvSpPr>
+        <p:spPr>
+          <a:xfrm>
+            <a:off x="755576" y="908720"/>
+            <a:ext cx="1512168" cy="504056"/>
+          </a:xfrm>
+          <a:prstGeom prst="rect">
+            <a:avLst/>
+          </a:prstGeom>
+          <a:solidFill>
+            <a:srgbClr val="FFFF00"/>
+          </a:solidFill>
+          <a:ln w="12700"/>
+        </p:spPr>
+        <p:style>
+          <a:lnRef idx="2">
+            <a:schemeClr val="accent1">
+              <a:shade val="50000"/>
+            </a:schemeClr>
+          </a:lnRef>
+          <a:fillRef idx="1">
+            <a:schemeClr val="accent1"/>
+          </a:fillRef>
+          <a:effectRef idx="0">
+            <a:schemeClr val="accent1"/>
+          </a:effectRef>
+          <a:fontRef idx="minor">
+            <a:schemeClr val="lt1"/>
+          </a:fontRef>
+        </p:style>
+        <p:txBody>
+          <a:bodyPr rtlCol="0" anchor="ctr"/>
+          <a:lstStyle/>
+          <a:p>
+            <a:pPr algn="ctr"/>
+            <a:endParaRPr lang="ko-KR" altLang="en-US">
+              <a:solidFill>
+                <a:schemeClr val="tx1"/>
+              </a:solidFill>
+              <a:latin typeface="Consolas" pitchFamily="49" charset="0"/>
+              <a:cs typeface="Consolas" pitchFamily="49" charset="0"/>
+            </a:endParaRPr>
+          </a:p>
+        </p:txBody>
+      </p:sp>
+      <p:sp>
+        <p:nvSpPr>
+          <p:cNvPr id="12" name="TextBox 11">
+            <a:extLst>
+              <a:ext uri="{FF2B5EF4-FFF2-40B4-BE49-F238E27FC236}">
+                <a16:creationId xmlns:a16="http://schemas.microsoft.com/office/drawing/2014/main" id="{3F073586-4AA0-4880-B10C-AF621E6EBAC0}"/>
+              </a:ext>
+            </a:extLst>
+          </p:cNvPr>
+          <p:cNvSpPr txBox="1"/>
+          <p:nvPr/>
+        </p:nvSpPr>
+        <p:spPr>
+          <a:xfrm>
+            <a:off x="1292690" y="476672"/>
+            <a:ext cx="437940" cy="369332"/>
+          </a:xfrm>
+          <a:prstGeom prst="rect">
+            <a:avLst/>
+          </a:prstGeom>
+          <a:noFill/>
+        </p:spPr>
+        <p:txBody>
+          <a:bodyPr wrap="none" rtlCol="0">
+            <a:spAutoFit/>
+          </a:bodyPr>
+          <a:lstStyle/>
+          <a:p>
+            <a:r>
+              <a:rPr lang="en-US" altLang="ko-KR">
+                <a:latin typeface="Consolas" pitchFamily="49" charset="0"/>
+                <a:cs typeface="Consolas" pitchFamily="49" charset="0"/>
+              </a:rPr>
+              <a:t>p1</a:t>
+            </a:r>
+            <a:endParaRPr lang="ko-KR" altLang="en-US">
+              <a:latin typeface="Consolas" pitchFamily="49" charset="0"/>
+              <a:cs typeface="Consolas" pitchFamily="49" charset="0"/>
+            </a:endParaRPr>
+          </a:p>
+        </p:txBody>
+      </p:sp>
+      <p:sp>
+        <p:nvSpPr>
+          <p:cNvPr id="15" name="직사각형 14">
+            <a:extLst>
+              <a:ext uri="{FF2B5EF4-FFF2-40B4-BE49-F238E27FC236}">
+                <a16:creationId xmlns:a16="http://schemas.microsoft.com/office/drawing/2014/main" id="{A69D58B6-C741-4911-A66D-6A1A62CE2CED}"/>
+              </a:ext>
+            </a:extLst>
+          </p:cNvPr>
+          <p:cNvSpPr/>
+          <p:nvPr/>
+        </p:nvSpPr>
+        <p:spPr>
+          <a:xfrm>
+            <a:off x="779458" y="2708920"/>
+            <a:ext cx="1512168" cy="504056"/>
+          </a:xfrm>
+          <a:prstGeom prst="rect">
+            <a:avLst/>
+          </a:prstGeom>
+          <a:solidFill>
+            <a:srgbClr val="FFFF00"/>
+          </a:solidFill>
+          <a:ln w="12700"/>
+        </p:spPr>
+        <p:style>
+          <a:lnRef idx="2">
+            <a:schemeClr val="accent1">
+              <a:shade val="50000"/>
+            </a:schemeClr>
+          </a:lnRef>
+          <a:fillRef idx="1">
+            <a:schemeClr val="accent1"/>
+          </a:fillRef>
+          <a:effectRef idx="0">
+            <a:schemeClr val="accent1"/>
+          </a:effectRef>
+          <a:fontRef idx="minor">
+            <a:schemeClr val="lt1"/>
+          </a:fontRef>
+        </p:style>
+        <p:txBody>
+          <a:bodyPr rtlCol="0" anchor="ctr"/>
+          <a:lstStyle/>
+          <a:p>
+            <a:pPr algn="ctr"/>
+            <a:endParaRPr lang="ko-KR" altLang="en-US">
+              <a:solidFill>
+                <a:schemeClr val="tx1"/>
+              </a:solidFill>
+              <a:latin typeface="Consolas" pitchFamily="49" charset="0"/>
+              <a:cs typeface="Consolas" pitchFamily="49" charset="0"/>
+            </a:endParaRPr>
+          </a:p>
+        </p:txBody>
+      </p:sp>
+      <p:sp>
+        <p:nvSpPr>
+          <p:cNvPr id="17" name="TextBox 16">
+            <a:extLst>
+              <a:ext uri="{FF2B5EF4-FFF2-40B4-BE49-F238E27FC236}">
+                <a16:creationId xmlns:a16="http://schemas.microsoft.com/office/drawing/2014/main" id="{580DE28B-2CB0-4E35-BA62-30ABDA885091}"/>
+              </a:ext>
+            </a:extLst>
+          </p:cNvPr>
+          <p:cNvSpPr txBox="1"/>
+          <p:nvPr/>
+        </p:nvSpPr>
+        <p:spPr>
+          <a:xfrm>
+            <a:off x="1316572" y="2276872"/>
+            <a:ext cx="437940" cy="369332"/>
+          </a:xfrm>
+          <a:prstGeom prst="rect">
+            <a:avLst/>
+          </a:prstGeom>
+          <a:noFill/>
+        </p:spPr>
+        <p:txBody>
+          <a:bodyPr wrap="none" rtlCol="0">
+            <a:spAutoFit/>
+          </a:bodyPr>
+          <a:lstStyle/>
+          <a:p>
+            <a:r>
+              <a:rPr lang="en-US" altLang="ko-KR">
+                <a:latin typeface="Consolas" pitchFamily="49" charset="0"/>
+                <a:cs typeface="Consolas" pitchFamily="49" charset="0"/>
+              </a:rPr>
+              <a:t>p2</a:t>
+            </a:r>
+            <a:endParaRPr lang="ko-KR" altLang="en-US">
+              <a:latin typeface="Consolas" pitchFamily="49" charset="0"/>
+              <a:cs typeface="Consolas" pitchFamily="49" charset="0"/>
+            </a:endParaRPr>
+          </a:p>
+        </p:txBody>
+      </p:sp>
+      <p:sp>
+        <p:nvSpPr>
+          <p:cNvPr id="21" name="직사각형 20">
+            <a:extLst>
+              <a:ext uri="{FF2B5EF4-FFF2-40B4-BE49-F238E27FC236}">
+                <a16:creationId xmlns:a16="http://schemas.microsoft.com/office/drawing/2014/main" id="{1818CEE8-0F5F-4F99-8B87-C1319CA29745}"/>
+              </a:ext>
+            </a:extLst>
+          </p:cNvPr>
+          <p:cNvSpPr/>
+          <p:nvPr/>
+        </p:nvSpPr>
+        <p:spPr>
+          <a:xfrm>
+            <a:off x="3179785" y="3609020"/>
+            <a:ext cx="1512168" cy="504056"/>
+          </a:xfrm>
+          <a:prstGeom prst="rect">
+            <a:avLst/>
+          </a:prstGeom>
+          <a:solidFill>
+            <a:srgbClr val="FFFF00"/>
+          </a:solidFill>
+          <a:ln w="12700"/>
+        </p:spPr>
+        <p:style>
+          <a:lnRef idx="2">
+            <a:schemeClr val="accent1">
+              <a:shade val="50000"/>
+            </a:schemeClr>
+          </a:lnRef>
+          <a:fillRef idx="1">
+            <a:schemeClr val="accent1"/>
+          </a:fillRef>
+          <a:effectRef idx="0">
+            <a:schemeClr val="accent1"/>
+          </a:effectRef>
+          <a:fontRef idx="minor">
+            <a:schemeClr val="lt1"/>
+          </a:fontRef>
+        </p:style>
+        <p:txBody>
+          <a:bodyPr rtlCol="0" anchor="ctr"/>
+          <a:lstStyle/>
+          <a:p>
+            <a:pPr algn="ctr"/>
+            <a:r>
+              <a:rPr lang="en-US" altLang="ko-KR">
+                <a:solidFill>
+                  <a:schemeClr val="tx1"/>
+                </a:solidFill>
+                <a:latin typeface="Consolas" pitchFamily="49" charset="0"/>
+                <a:cs typeface="Consolas" pitchFamily="49" charset="0"/>
+              </a:rPr>
+              <a:t>2</a:t>
+            </a:r>
+            <a:endParaRPr lang="ko-KR" altLang="en-US">
+              <a:solidFill>
+                <a:schemeClr val="tx1"/>
+              </a:solidFill>
+              <a:latin typeface="Consolas" pitchFamily="49" charset="0"/>
+              <a:cs typeface="Consolas" pitchFamily="49" charset="0"/>
+            </a:endParaRPr>
+          </a:p>
+        </p:txBody>
+      </p:sp>
+      <p:sp>
+        <p:nvSpPr>
+          <p:cNvPr id="22" name="TextBox 21">
+            <a:extLst>
+              <a:ext uri="{FF2B5EF4-FFF2-40B4-BE49-F238E27FC236}">
+                <a16:creationId xmlns:a16="http://schemas.microsoft.com/office/drawing/2014/main" id="{3F4A4161-8A3E-4E28-90DE-4EFD6514BD82}"/>
+              </a:ext>
+            </a:extLst>
+          </p:cNvPr>
+          <p:cNvSpPr txBox="1"/>
+          <p:nvPr/>
+        </p:nvSpPr>
+        <p:spPr>
+          <a:xfrm>
+            <a:off x="3633991" y="3203684"/>
+            <a:ext cx="817853" cy="369332"/>
+          </a:xfrm>
+          <a:prstGeom prst="rect">
+            <a:avLst/>
+          </a:prstGeom>
+          <a:noFill/>
+        </p:spPr>
+        <p:txBody>
+          <a:bodyPr wrap="none" rtlCol="0">
+            <a:spAutoFit/>
+          </a:bodyPr>
+          <a:lstStyle/>
+          <a:p>
+            <a:r>
+              <a:rPr lang="en-US" altLang="ko-KR">
+                <a:latin typeface="Consolas" pitchFamily="49" charset="0"/>
+                <a:cs typeface="Consolas" pitchFamily="49" charset="0"/>
+              </a:rPr>
+              <a:t>mRefs</a:t>
+            </a:r>
+            <a:endParaRPr lang="ko-KR" altLang="en-US">
+              <a:latin typeface="Consolas" pitchFamily="49" charset="0"/>
+              <a:cs typeface="Consolas" pitchFamily="49" charset="0"/>
+            </a:endParaRPr>
+          </a:p>
+        </p:txBody>
+      </p:sp>
+      <p:cxnSp>
+        <p:nvCxnSpPr>
+          <p:cNvPr id="24" name="직선 연결선 23">
+            <a:extLst>
+              <a:ext uri="{FF2B5EF4-FFF2-40B4-BE49-F238E27FC236}">
+                <a16:creationId xmlns:a16="http://schemas.microsoft.com/office/drawing/2014/main" id="{BEC1D2F1-D37C-4A85-B8A4-39F36FA9502C}"/>
+              </a:ext>
+            </a:extLst>
+          </p:cNvPr>
+          <p:cNvCxnSpPr/>
+          <p:nvPr/>
+        </p:nvCxnSpPr>
+        <p:spPr>
+          <a:xfrm>
+            <a:off x="251520" y="3861048"/>
+            <a:ext cx="8064896" cy="0"/>
+          </a:xfrm>
+          <a:prstGeom prst="line">
+            <a:avLst/>
+          </a:prstGeom>
+        </p:spPr>
+        <p:style>
+          <a:lnRef idx="1">
+            <a:schemeClr val="accent1"/>
+          </a:lnRef>
+          <a:fillRef idx="0">
+            <a:schemeClr val="accent1"/>
+          </a:fillRef>
+          <a:effectRef idx="0">
+            <a:schemeClr val="accent1"/>
+          </a:effectRef>
+          <a:fontRef idx="minor">
+            <a:schemeClr val="tx1"/>
+          </a:fontRef>
+        </p:style>
+      </p:cxnSp>
+      <p:sp>
+        <p:nvSpPr>
+          <p:cNvPr id="25" name="직사각형 24">
+            <a:extLst>
+              <a:ext uri="{FF2B5EF4-FFF2-40B4-BE49-F238E27FC236}">
+                <a16:creationId xmlns:a16="http://schemas.microsoft.com/office/drawing/2014/main" id="{5F8AB8D9-D077-49E5-8273-B6A8F815A6F5}"/>
+              </a:ext>
+            </a:extLst>
+          </p:cNvPr>
+          <p:cNvSpPr/>
+          <p:nvPr/>
+        </p:nvSpPr>
+        <p:spPr>
+          <a:xfrm>
+            <a:off x="5634953" y="5301209"/>
+            <a:ext cx="1512168" cy="504056"/>
+          </a:xfrm>
+          <a:prstGeom prst="rect">
+            <a:avLst/>
+          </a:prstGeom>
+          <a:solidFill>
+            <a:srgbClr val="FFC000"/>
+          </a:solidFill>
+          <a:ln w="12700"/>
+        </p:spPr>
+        <p:style>
+          <a:lnRef idx="2">
+            <a:schemeClr val="accent1">
+              <a:shade val="50000"/>
+            </a:schemeClr>
+          </a:lnRef>
+          <a:fillRef idx="1">
+            <a:schemeClr val="accent1"/>
+          </a:fillRef>
+          <a:effectRef idx="0">
+            <a:schemeClr val="accent1"/>
+          </a:effectRef>
+          <a:fontRef idx="minor">
+            <a:schemeClr val="lt1"/>
+          </a:fontRef>
+        </p:style>
+        <p:txBody>
+          <a:bodyPr rtlCol="0" anchor="ctr"/>
+          <a:lstStyle/>
+          <a:p>
+            <a:pPr algn="ctr"/>
+            <a:r>
+              <a:rPr lang="en-US" altLang="ko-KR">
+                <a:solidFill>
+                  <a:schemeClr val="tx1"/>
+                </a:solidFill>
+                <a:latin typeface="Consolas" pitchFamily="49" charset="0"/>
+                <a:cs typeface="Consolas" pitchFamily="49" charset="0"/>
+              </a:rPr>
+              <a:t>AAA</a:t>
+            </a:r>
+            <a:endParaRPr lang="ko-KR" altLang="en-US">
+              <a:solidFill>
+                <a:schemeClr val="tx1"/>
+              </a:solidFill>
+              <a:latin typeface="Consolas" pitchFamily="49" charset="0"/>
+              <a:cs typeface="Consolas" pitchFamily="49" charset="0"/>
+            </a:endParaRPr>
+          </a:p>
+        </p:txBody>
+      </p:sp>
+      <p:sp>
+        <p:nvSpPr>
+          <p:cNvPr id="26" name="직사각형 25">
+            <a:extLst>
+              <a:ext uri="{FF2B5EF4-FFF2-40B4-BE49-F238E27FC236}">
+                <a16:creationId xmlns:a16="http://schemas.microsoft.com/office/drawing/2014/main" id="{C6D4D7A5-B047-4F02-8782-DF308F0760C3}"/>
+              </a:ext>
+            </a:extLst>
+          </p:cNvPr>
+          <p:cNvSpPr/>
+          <p:nvPr/>
+        </p:nvSpPr>
+        <p:spPr>
+          <a:xfrm>
+            <a:off x="5634953" y="5805265"/>
+            <a:ext cx="1512168" cy="504056"/>
+          </a:xfrm>
+          <a:prstGeom prst="rect">
+            <a:avLst/>
+          </a:prstGeom>
+          <a:solidFill>
+            <a:srgbClr val="FFFF00"/>
+          </a:solidFill>
+          <a:ln w="12700"/>
+        </p:spPr>
+        <p:style>
+          <a:lnRef idx="2">
+            <a:schemeClr val="accent1">
+              <a:shade val="50000"/>
+            </a:schemeClr>
+          </a:lnRef>
+          <a:fillRef idx="1">
+            <a:schemeClr val="accent1"/>
+          </a:fillRef>
+          <a:effectRef idx="0">
+            <a:schemeClr val="accent1"/>
+          </a:effectRef>
+          <a:fontRef idx="minor">
+            <a:schemeClr val="lt1"/>
+          </a:fontRef>
+        </p:style>
+        <p:txBody>
+          <a:bodyPr rtlCol="0" anchor="ctr"/>
+          <a:lstStyle/>
+          <a:p>
+            <a:pPr algn="ctr"/>
+            <a:endParaRPr lang="ko-KR" altLang="en-US">
+              <a:solidFill>
+                <a:schemeClr val="tx1"/>
+              </a:solidFill>
+              <a:latin typeface="Consolas" pitchFamily="49" charset="0"/>
+              <a:cs typeface="Consolas" pitchFamily="49" charset="0"/>
+            </a:endParaRPr>
+          </a:p>
+        </p:txBody>
+      </p:sp>
+      <p:sp>
+        <p:nvSpPr>
+          <p:cNvPr id="27" name="직사각형 26">
+            <a:extLst>
+              <a:ext uri="{FF2B5EF4-FFF2-40B4-BE49-F238E27FC236}">
+                <a16:creationId xmlns:a16="http://schemas.microsoft.com/office/drawing/2014/main" id="{7CA2E621-8CBD-49CC-8F00-0FA5163F6E91}"/>
+              </a:ext>
+            </a:extLst>
+          </p:cNvPr>
+          <p:cNvSpPr/>
+          <p:nvPr/>
+        </p:nvSpPr>
+        <p:spPr>
+          <a:xfrm>
+            <a:off x="810417" y="4365105"/>
+            <a:ext cx="1512168" cy="504056"/>
+          </a:xfrm>
+          <a:prstGeom prst="rect">
+            <a:avLst/>
+          </a:prstGeom>
+          <a:solidFill>
+            <a:srgbClr val="FFFF00"/>
+          </a:solidFill>
+          <a:ln w="12700"/>
+        </p:spPr>
+        <p:style>
+          <a:lnRef idx="2">
+            <a:schemeClr val="accent1">
+              <a:shade val="50000"/>
+            </a:schemeClr>
+          </a:lnRef>
+          <a:fillRef idx="1">
+            <a:schemeClr val="accent1"/>
+          </a:fillRef>
+          <a:effectRef idx="0">
+            <a:schemeClr val="accent1"/>
+          </a:effectRef>
+          <a:fontRef idx="minor">
+            <a:schemeClr val="lt1"/>
+          </a:fontRef>
+        </p:style>
+        <p:txBody>
+          <a:bodyPr rtlCol="0" anchor="ctr"/>
+          <a:lstStyle/>
+          <a:p>
+            <a:pPr algn="ctr"/>
+            <a:endParaRPr lang="ko-KR" altLang="en-US">
+              <a:solidFill>
+                <a:schemeClr val="tx1"/>
+              </a:solidFill>
+              <a:latin typeface="Consolas" pitchFamily="49" charset="0"/>
+              <a:cs typeface="Consolas" pitchFamily="49" charset="0"/>
+            </a:endParaRPr>
+          </a:p>
+        </p:txBody>
+      </p:sp>
+      <p:sp>
+        <p:nvSpPr>
+          <p:cNvPr id="28" name="TextBox 27">
+            <a:extLst>
+              <a:ext uri="{FF2B5EF4-FFF2-40B4-BE49-F238E27FC236}">
+                <a16:creationId xmlns:a16="http://schemas.microsoft.com/office/drawing/2014/main" id="{5ECF0F20-094E-4C87-8161-6FFADF230695}"/>
+              </a:ext>
+            </a:extLst>
+          </p:cNvPr>
+          <p:cNvSpPr txBox="1"/>
+          <p:nvPr/>
+        </p:nvSpPr>
+        <p:spPr>
+          <a:xfrm>
+            <a:off x="1347531" y="3933057"/>
+            <a:ext cx="437940" cy="369332"/>
+          </a:xfrm>
+          <a:prstGeom prst="rect">
+            <a:avLst/>
+          </a:prstGeom>
+          <a:noFill/>
+        </p:spPr>
+        <p:txBody>
+          <a:bodyPr wrap="none" rtlCol="0">
+            <a:spAutoFit/>
+          </a:bodyPr>
+          <a:lstStyle/>
+          <a:p>
+            <a:r>
+              <a:rPr lang="en-US" altLang="ko-KR">
+                <a:latin typeface="Consolas" pitchFamily="49" charset="0"/>
+                <a:cs typeface="Consolas" pitchFamily="49" charset="0"/>
+              </a:rPr>
+              <a:t>p1</a:t>
+            </a:r>
+            <a:endParaRPr lang="ko-KR" altLang="en-US">
+              <a:latin typeface="Consolas" pitchFamily="49" charset="0"/>
+              <a:cs typeface="Consolas" pitchFamily="49" charset="0"/>
+            </a:endParaRPr>
+          </a:p>
+        </p:txBody>
+      </p:sp>
+      <p:sp>
+        <p:nvSpPr>
+          <p:cNvPr id="29" name="직사각형 28">
+            <a:extLst>
+              <a:ext uri="{FF2B5EF4-FFF2-40B4-BE49-F238E27FC236}">
+                <a16:creationId xmlns:a16="http://schemas.microsoft.com/office/drawing/2014/main" id="{9A94E83E-07E7-4FCF-B751-633894390DF6}"/>
+              </a:ext>
+            </a:extLst>
+          </p:cNvPr>
+          <p:cNvSpPr/>
+          <p:nvPr/>
+        </p:nvSpPr>
+        <p:spPr>
+          <a:xfrm>
+            <a:off x="834299" y="6165305"/>
+            <a:ext cx="1512168" cy="504056"/>
+          </a:xfrm>
+          <a:prstGeom prst="rect">
+            <a:avLst/>
+          </a:prstGeom>
+          <a:solidFill>
+            <a:srgbClr val="FFFF00"/>
+          </a:solidFill>
+          <a:ln w="12700"/>
+        </p:spPr>
+        <p:style>
+          <a:lnRef idx="2">
+            <a:schemeClr val="accent1">
+              <a:shade val="50000"/>
+            </a:schemeClr>
+          </a:lnRef>
+          <a:fillRef idx="1">
+            <a:schemeClr val="accent1"/>
+          </a:fillRef>
+          <a:effectRef idx="0">
+            <a:schemeClr val="accent1"/>
+          </a:effectRef>
+          <a:fontRef idx="minor">
+            <a:schemeClr val="lt1"/>
+          </a:fontRef>
+        </p:style>
+        <p:txBody>
+          <a:bodyPr rtlCol="0" anchor="ctr"/>
+          <a:lstStyle/>
+          <a:p>
+            <a:pPr algn="ctr"/>
+            <a:endParaRPr lang="ko-KR" altLang="en-US">
+              <a:solidFill>
+                <a:schemeClr val="tx1"/>
+              </a:solidFill>
+              <a:latin typeface="Consolas" pitchFamily="49" charset="0"/>
+              <a:cs typeface="Consolas" pitchFamily="49" charset="0"/>
+            </a:endParaRPr>
+          </a:p>
+        </p:txBody>
+      </p:sp>
+      <p:sp>
+        <p:nvSpPr>
+          <p:cNvPr id="30" name="TextBox 29">
+            <a:extLst>
+              <a:ext uri="{FF2B5EF4-FFF2-40B4-BE49-F238E27FC236}">
+                <a16:creationId xmlns:a16="http://schemas.microsoft.com/office/drawing/2014/main" id="{ABB8B3EC-D778-4E4D-88A7-26A3A84B95B2}"/>
+              </a:ext>
+            </a:extLst>
+          </p:cNvPr>
+          <p:cNvSpPr txBox="1"/>
+          <p:nvPr/>
+        </p:nvSpPr>
+        <p:spPr>
+          <a:xfrm>
+            <a:off x="1371413" y="5733257"/>
+            <a:ext cx="437940" cy="369332"/>
+          </a:xfrm>
+          <a:prstGeom prst="rect">
+            <a:avLst/>
+          </a:prstGeom>
+          <a:noFill/>
+        </p:spPr>
+        <p:txBody>
+          <a:bodyPr wrap="none" rtlCol="0">
+            <a:spAutoFit/>
+          </a:bodyPr>
+          <a:lstStyle/>
+          <a:p>
+            <a:r>
+              <a:rPr lang="en-US" altLang="ko-KR">
+                <a:latin typeface="Consolas" pitchFamily="49" charset="0"/>
+                <a:cs typeface="Consolas" pitchFamily="49" charset="0"/>
+              </a:rPr>
+              <a:t>p2</a:t>
+            </a:r>
+            <a:endParaRPr lang="ko-KR" altLang="en-US">
               <a:latin typeface="Consolas" pitchFamily="49" charset="0"/>
               <a:cs typeface="Consolas" pitchFamily="49" charset="0"/>
             </a:endParaRPr>
@@ -25252,6 +25978,1912 @@
     <p:extLst>
       <p:ext uri="{BB962C8B-B14F-4D97-AF65-F5344CB8AC3E}">
         <p14:creationId xmlns:p14="http://schemas.microsoft.com/office/powerpoint/2010/main" val="2589890483"/>
+      </p:ext>
+    </p:extLst>
+  </p:cSld>
+  <p:clrMapOvr>
+    <a:masterClrMapping/>
+  </p:clrMapOvr>
+</p:sld>
+</file>
+
+<file path=ppt/slides/slide20.xml><?xml version="1.0" encoding="utf-8"?>
+<p:sld xmlns:a="http://schemas.openxmlformats.org/drawingml/2006/main" xmlns:r="http://schemas.openxmlformats.org/officeDocument/2006/relationships" xmlns:p="http://schemas.openxmlformats.org/presentationml/2006/main">
+  <p:cSld>
+    <p:spTree>
+      <p:nvGrpSpPr>
+        <p:cNvPr id="1" name=""/>
+        <p:cNvGrpSpPr/>
+        <p:nvPr/>
+      </p:nvGrpSpPr>
+      <p:grpSpPr>
+        <a:xfrm>
+          <a:off x="0" y="0"/>
+          <a:ext cx="0" cy="0"/>
+          <a:chOff x="0" y="0"/>
+          <a:chExt cx="0" cy="0"/>
+        </a:xfrm>
+      </p:grpSpPr>
+      <p:sp>
+        <p:nvSpPr>
+          <p:cNvPr id="4" name="직사각형 3">
+            <a:extLst>
+              <a:ext uri="{FF2B5EF4-FFF2-40B4-BE49-F238E27FC236}">
+                <a16:creationId xmlns:a16="http://schemas.microsoft.com/office/drawing/2014/main" id="{DDAB96DB-B73D-43E9-B4CF-99D4B592CD53}"/>
+              </a:ext>
+            </a:extLst>
+          </p:cNvPr>
+          <p:cNvSpPr/>
+          <p:nvPr/>
+        </p:nvSpPr>
+        <p:spPr>
+          <a:xfrm>
+            <a:off x="5580112" y="1844824"/>
+            <a:ext cx="1512168" cy="504056"/>
+          </a:xfrm>
+          <a:prstGeom prst="rect">
+            <a:avLst/>
+          </a:prstGeom>
+          <a:solidFill>
+            <a:srgbClr val="FFC000"/>
+          </a:solidFill>
+          <a:ln w="12700"/>
+        </p:spPr>
+        <p:style>
+          <a:lnRef idx="2">
+            <a:schemeClr val="accent1">
+              <a:shade val="50000"/>
+            </a:schemeClr>
+          </a:lnRef>
+          <a:fillRef idx="1">
+            <a:schemeClr val="accent1"/>
+          </a:fillRef>
+          <a:effectRef idx="0">
+            <a:schemeClr val="accent1"/>
+          </a:effectRef>
+          <a:fontRef idx="minor">
+            <a:schemeClr val="lt1"/>
+          </a:fontRef>
+        </p:style>
+        <p:txBody>
+          <a:bodyPr rtlCol="0" anchor="ctr"/>
+          <a:lstStyle/>
+          <a:p>
+            <a:pPr algn="ctr"/>
+            <a:r>
+              <a:rPr lang="en-US" altLang="ko-KR">
+                <a:solidFill>
+                  <a:schemeClr val="tx1"/>
+                </a:solidFill>
+                <a:latin typeface="Consolas" pitchFamily="49" charset="0"/>
+                <a:cs typeface="Consolas" pitchFamily="49" charset="0"/>
+              </a:rPr>
+              <a:t>AAA</a:t>
+            </a:r>
+            <a:endParaRPr lang="ko-KR" altLang="en-US">
+              <a:solidFill>
+                <a:schemeClr val="tx1"/>
+              </a:solidFill>
+              <a:latin typeface="Consolas" pitchFamily="49" charset="0"/>
+              <a:cs typeface="Consolas" pitchFamily="49" charset="0"/>
+            </a:endParaRPr>
+          </a:p>
+        </p:txBody>
+      </p:sp>
+      <p:sp>
+        <p:nvSpPr>
+          <p:cNvPr id="7" name="직사각형 6">
+            <a:extLst>
+              <a:ext uri="{FF2B5EF4-FFF2-40B4-BE49-F238E27FC236}">
+                <a16:creationId xmlns:a16="http://schemas.microsoft.com/office/drawing/2014/main" id="{DEFC8663-2821-4F6B-9535-0B43C0F380C1}"/>
+              </a:ext>
+            </a:extLst>
+          </p:cNvPr>
+          <p:cNvSpPr/>
+          <p:nvPr/>
+        </p:nvSpPr>
+        <p:spPr>
+          <a:xfrm>
+            <a:off x="5580112" y="2348880"/>
+            <a:ext cx="1512168" cy="504056"/>
+          </a:xfrm>
+          <a:prstGeom prst="rect">
+            <a:avLst/>
+          </a:prstGeom>
+          <a:solidFill>
+            <a:srgbClr val="FFFF00"/>
+          </a:solidFill>
+          <a:ln w="12700"/>
+        </p:spPr>
+        <p:style>
+          <a:lnRef idx="2">
+            <a:schemeClr val="accent1">
+              <a:shade val="50000"/>
+            </a:schemeClr>
+          </a:lnRef>
+          <a:fillRef idx="1">
+            <a:schemeClr val="accent1"/>
+          </a:fillRef>
+          <a:effectRef idx="0">
+            <a:schemeClr val="accent1"/>
+          </a:effectRef>
+          <a:fontRef idx="minor">
+            <a:schemeClr val="lt1"/>
+          </a:fontRef>
+        </p:style>
+        <p:txBody>
+          <a:bodyPr rtlCol="0" anchor="ctr"/>
+          <a:lstStyle/>
+          <a:p>
+            <a:pPr algn="ctr"/>
+            <a:r>
+              <a:rPr lang="en-US" altLang="ko-KR">
+                <a:solidFill>
+                  <a:schemeClr val="tx1"/>
+                </a:solidFill>
+                <a:latin typeface="Consolas" pitchFamily="49" charset="0"/>
+                <a:cs typeface="Consolas" pitchFamily="49" charset="0"/>
+              </a:rPr>
+              <a:t>incStrong()</a:t>
+            </a:r>
+          </a:p>
+          <a:p>
+            <a:pPr algn="ctr"/>
+            <a:r>
+              <a:rPr lang="en-US" altLang="ko-KR">
+                <a:solidFill>
+                  <a:schemeClr val="tx1"/>
+                </a:solidFill>
+                <a:latin typeface="Consolas" pitchFamily="49" charset="0"/>
+                <a:cs typeface="Consolas" pitchFamily="49" charset="0"/>
+              </a:rPr>
+              <a:t>decStrong()</a:t>
+            </a:r>
+            <a:endParaRPr lang="ko-KR" altLang="en-US">
+              <a:solidFill>
+                <a:schemeClr val="tx1"/>
+              </a:solidFill>
+              <a:latin typeface="Consolas" pitchFamily="49" charset="0"/>
+              <a:cs typeface="Consolas" pitchFamily="49" charset="0"/>
+            </a:endParaRPr>
+          </a:p>
+        </p:txBody>
+      </p:sp>
+      <p:sp>
+        <p:nvSpPr>
+          <p:cNvPr id="9" name="직사각형 8">
+            <a:extLst>
+              <a:ext uri="{FF2B5EF4-FFF2-40B4-BE49-F238E27FC236}">
+                <a16:creationId xmlns:a16="http://schemas.microsoft.com/office/drawing/2014/main" id="{C5297DC0-0DDA-4CFE-AA61-04E18F1BBE3A}"/>
+              </a:ext>
+            </a:extLst>
+          </p:cNvPr>
+          <p:cNvSpPr/>
+          <p:nvPr/>
+        </p:nvSpPr>
+        <p:spPr>
+          <a:xfrm>
+            <a:off x="755576" y="908720"/>
+            <a:ext cx="1512168" cy="504056"/>
+          </a:xfrm>
+          <a:prstGeom prst="rect">
+            <a:avLst/>
+          </a:prstGeom>
+          <a:solidFill>
+            <a:srgbClr val="FFFF00"/>
+          </a:solidFill>
+          <a:ln w="12700"/>
+        </p:spPr>
+        <p:style>
+          <a:lnRef idx="2">
+            <a:schemeClr val="accent1">
+              <a:shade val="50000"/>
+            </a:schemeClr>
+          </a:lnRef>
+          <a:fillRef idx="1">
+            <a:schemeClr val="accent1"/>
+          </a:fillRef>
+          <a:effectRef idx="0">
+            <a:schemeClr val="accent1"/>
+          </a:effectRef>
+          <a:fontRef idx="minor">
+            <a:schemeClr val="lt1"/>
+          </a:fontRef>
+        </p:style>
+        <p:txBody>
+          <a:bodyPr rtlCol="0" anchor="ctr"/>
+          <a:lstStyle/>
+          <a:p>
+            <a:pPr algn="ctr"/>
+            <a:endParaRPr lang="ko-KR" altLang="en-US">
+              <a:solidFill>
+                <a:schemeClr val="tx1"/>
+              </a:solidFill>
+              <a:latin typeface="Consolas" pitchFamily="49" charset="0"/>
+              <a:cs typeface="Consolas" pitchFamily="49" charset="0"/>
+            </a:endParaRPr>
+          </a:p>
+        </p:txBody>
+      </p:sp>
+      <p:sp>
+        <p:nvSpPr>
+          <p:cNvPr id="12" name="TextBox 11">
+            <a:extLst>
+              <a:ext uri="{FF2B5EF4-FFF2-40B4-BE49-F238E27FC236}">
+                <a16:creationId xmlns:a16="http://schemas.microsoft.com/office/drawing/2014/main" id="{3F073586-4AA0-4880-B10C-AF621E6EBAC0}"/>
+              </a:ext>
+            </a:extLst>
+          </p:cNvPr>
+          <p:cNvSpPr txBox="1"/>
+          <p:nvPr/>
+        </p:nvSpPr>
+        <p:spPr>
+          <a:xfrm>
+            <a:off x="1292690" y="476672"/>
+            <a:ext cx="437940" cy="369332"/>
+          </a:xfrm>
+          <a:prstGeom prst="rect">
+            <a:avLst/>
+          </a:prstGeom>
+          <a:noFill/>
+        </p:spPr>
+        <p:txBody>
+          <a:bodyPr wrap="none" rtlCol="0">
+            <a:spAutoFit/>
+          </a:bodyPr>
+          <a:lstStyle/>
+          <a:p>
+            <a:r>
+              <a:rPr lang="en-US" altLang="ko-KR">
+                <a:latin typeface="Consolas" pitchFamily="49" charset="0"/>
+                <a:cs typeface="Consolas" pitchFamily="49" charset="0"/>
+              </a:rPr>
+              <a:t>p1</a:t>
+            </a:r>
+            <a:endParaRPr lang="ko-KR" altLang="en-US">
+              <a:latin typeface="Consolas" pitchFamily="49" charset="0"/>
+              <a:cs typeface="Consolas" pitchFamily="49" charset="0"/>
+            </a:endParaRPr>
+          </a:p>
+        </p:txBody>
+      </p:sp>
+      <p:sp>
+        <p:nvSpPr>
+          <p:cNvPr id="15" name="직사각형 14">
+            <a:extLst>
+              <a:ext uri="{FF2B5EF4-FFF2-40B4-BE49-F238E27FC236}">
+                <a16:creationId xmlns:a16="http://schemas.microsoft.com/office/drawing/2014/main" id="{A69D58B6-C741-4911-A66D-6A1A62CE2CED}"/>
+              </a:ext>
+            </a:extLst>
+          </p:cNvPr>
+          <p:cNvSpPr/>
+          <p:nvPr/>
+        </p:nvSpPr>
+        <p:spPr>
+          <a:xfrm>
+            <a:off x="779458" y="2708920"/>
+            <a:ext cx="1512168" cy="504056"/>
+          </a:xfrm>
+          <a:prstGeom prst="rect">
+            <a:avLst/>
+          </a:prstGeom>
+          <a:solidFill>
+            <a:srgbClr val="FFFF00"/>
+          </a:solidFill>
+          <a:ln w="12700"/>
+        </p:spPr>
+        <p:style>
+          <a:lnRef idx="2">
+            <a:schemeClr val="accent1">
+              <a:shade val="50000"/>
+            </a:schemeClr>
+          </a:lnRef>
+          <a:fillRef idx="1">
+            <a:schemeClr val="accent1"/>
+          </a:fillRef>
+          <a:effectRef idx="0">
+            <a:schemeClr val="accent1"/>
+          </a:effectRef>
+          <a:fontRef idx="minor">
+            <a:schemeClr val="lt1"/>
+          </a:fontRef>
+        </p:style>
+        <p:txBody>
+          <a:bodyPr rtlCol="0" anchor="ctr"/>
+          <a:lstStyle/>
+          <a:p>
+            <a:pPr algn="ctr"/>
+            <a:endParaRPr lang="ko-KR" altLang="en-US">
+              <a:solidFill>
+                <a:schemeClr val="tx1"/>
+              </a:solidFill>
+              <a:latin typeface="Consolas" pitchFamily="49" charset="0"/>
+              <a:cs typeface="Consolas" pitchFamily="49" charset="0"/>
+            </a:endParaRPr>
+          </a:p>
+        </p:txBody>
+      </p:sp>
+      <p:sp>
+        <p:nvSpPr>
+          <p:cNvPr id="17" name="TextBox 16">
+            <a:extLst>
+              <a:ext uri="{FF2B5EF4-FFF2-40B4-BE49-F238E27FC236}">
+                <a16:creationId xmlns:a16="http://schemas.microsoft.com/office/drawing/2014/main" id="{580DE28B-2CB0-4E35-BA62-30ABDA885091}"/>
+              </a:ext>
+            </a:extLst>
+          </p:cNvPr>
+          <p:cNvSpPr txBox="1"/>
+          <p:nvPr/>
+        </p:nvSpPr>
+        <p:spPr>
+          <a:xfrm>
+            <a:off x="1316572" y="2276872"/>
+            <a:ext cx="437940" cy="369332"/>
+          </a:xfrm>
+          <a:prstGeom prst="rect">
+            <a:avLst/>
+          </a:prstGeom>
+          <a:noFill/>
+        </p:spPr>
+        <p:txBody>
+          <a:bodyPr wrap="none" rtlCol="0">
+            <a:spAutoFit/>
+          </a:bodyPr>
+          <a:lstStyle/>
+          <a:p>
+            <a:r>
+              <a:rPr lang="en-US" altLang="ko-KR">
+                <a:latin typeface="Consolas" pitchFamily="49" charset="0"/>
+                <a:cs typeface="Consolas" pitchFamily="49" charset="0"/>
+              </a:rPr>
+              <a:t>p2</a:t>
+            </a:r>
+            <a:endParaRPr lang="ko-KR" altLang="en-US">
+              <a:latin typeface="Consolas" pitchFamily="49" charset="0"/>
+              <a:cs typeface="Consolas" pitchFamily="49" charset="0"/>
+            </a:endParaRPr>
+          </a:p>
+        </p:txBody>
+      </p:sp>
+      <p:sp>
+        <p:nvSpPr>
+          <p:cNvPr id="21" name="직사각형 20">
+            <a:extLst>
+              <a:ext uri="{FF2B5EF4-FFF2-40B4-BE49-F238E27FC236}">
+                <a16:creationId xmlns:a16="http://schemas.microsoft.com/office/drawing/2014/main" id="{1818CEE8-0F5F-4F99-8B87-C1319CA29745}"/>
+              </a:ext>
+            </a:extLst>
+          </p:cNvPr>
+          <p:cNvSpPr/>
+          <p:nvPr/>
+        </p:nvSpPr>
+        <p:spPr>
+          <a:xfrm>
+            <a:off x="5580112" y="2851484"/>
+            <a:ext cx="1512168" cy="504056"/>
+          </a:xfrm>
+          <a:prstGeom prst="rect">
+            <a:avLst/>
+          </a:prstGeom>
+          <a:solidFill>
+            <a:srgbClr val="FFFF00"/>
+          </a:solidFill>
+          <a:ln w="12700"/>
+        </p:spPr>
+        <p:style>
+          <a:lnRef idx="2">
+            <a:schemeClr val="accent1">
+              <a:shade val="50000"/>
+            </a:schemeClr>
+          </a:lnRef>
+          <a:fillRef idx="1">
+            <a:schemeClr val="accent1"/>
+          </a:fillRef>
+          <a:effectRef idx="0">
+            <a:schemeClr val="accent1"/>
+          </a:effectRef>
+          <a:fontRef idx="minor">
+            <a:schemeClr val="lt1"/>
+          </a:fontRef>
+        </p:style>
+        <p:txBody>
+          <a:bodyPr rtlCol="0" anchor="ctr"/>
+          <a:lstStyle/>
+          <a:p>
+            <a:pPr algn="ctr"/>
+            <a:r>
+              <a:rPr lang="en-US" altLang="ko-KR">
+                <a:solidFill>
+                  <a:schemeClr val="tx1"/>
+                </a:solidFill>
+                <a:latin typeface="Consolas" pitchFamily="49" charset="0"/>
+                <a:cs typeface="Consolas" pitchFamily="49" charset="0"/>
+              </a:rPr>
+              <a:t>2</a:t>
+            </a:r>
+            <a:endParaRPr lang="ko-KR" altLang="en-US">
+              <a:solidFill>
+                <a:schemeClr val="tx1"/>
+              </a:solidFill>
+              <a:latin typeface="Consolas" pitchFamily="49" charset="0"/>
+              <a:cs typeface="Consolas" pitchFamily="49" charset="0"/>
+            </a:endParaRPr>
+          </a:p>
+        </p:txBody>
+      </p:sp>
+      <p:sp>
+        <p:nvSpPr>
+          <p:cNvPr id="22" name="TextBox 21">
+            <a:extLst>
+              <a:ext uri="{FF2B5EF4-FFF2-40B4-BE49-F238E27FC236}">
+                <a16:creationId xmlns:a16="http://schemas.microsoft.com/office/drawing/2014/main" id="{3F4A4161-8A3E-4E28-90DE-4EFD6514BD82}"/>
+              </a:ext>
+            </a:extLst>
+          </p:cNvPr>
+          <p:cNvSpPr txBox="1"/>
+          <p:nvPr/>
+        </p:nvSpPr>
+        <p:spPr>
+          <a:xfrm>
+            <a:off x="7063136" y="2918846"/>
+            <a:ext cx="817853" cy="369332"/>
+          </a:xfrm>
+          <a:prstGeom prst="rect">
+            <a:avLst/>
+          </a:prstGeom>
+          <a:noFill/>
+        </p:spPr>
+        <p:txBody>
+          <a:bodyPr wrap="none" rtlCol="0">
+            <a:spAutoFit/>
+          </a:bodyPr>
+          <a:lstStyle/>
+          <a:p>
+            <a:r>
+              <a:rPr lang="en-US" altLang="ko-KR">
+                <a:latin typeface="Consolas" pitchFamily="49" charset="0"/>
+                <a:cs typeface="Consolas" pitchFamily="49" charset="0"/>
+              </a:rPr>
+              <a:t>mRefs</a:t>
+            </a:r>
+            <a:endParaRPr lang="ko-KR" altLang="en-US">
+              <a:latin typeface="Consolas" pitchFamily="49" charset="0"/>
+              <a:cs typeface="Consolas" pitchFamily="49" charset="0"/>
+            </a:endParaRPr>
+          </a:p>
+        </p:txBody>
+      </p:sp>
+      <p:cxnSp>
+        <p:nvCxnSpPr>
+          <p:cNvPr id="3" name="직선 화살표 연결선 2">
+            <a:extLst>
+              <a:ext uri="{FF2B5EF4-FFF2-40B4-BE49-F238E27FC236}">
+                <a16:creationId xmlns:a16="http://schemas.microsoft.com/office/drawing/2014/main" id="{E74C2611-A42E-465D-AAB5-1D2224558E9B}"/>
+              </a:ext>
+            </a:extLst>
+          </p:cNvPr>
+          <p:cNvCxnSpPr>
+            <a:stCxn id="9" idx="3"/>
+            <a:endCxn id="4" idx="1"/>
+          </p:cNvCxnSpPr>
+          <p:nvPr/>
+        </p:nvCxnSpPr>
+        <p:spPr>
+          <a:xfrm>
+            <a:off x="2267744" y="1160748"/>
+            <a:ext cx="3312368" cy="936104"/>
+          </a:xfrm>
+          <a:prstGeom prst="straightConnector1">
+            <a:avLst/>
+          </a:prstGeom>
+          <a:ln>
+            <a:tailEnd type="triangle"/>
+          </a:ln>
+        </p:spPr>
+        <p:style>
+          <a:lnRef idx="1">
+            <a:schemeClr val="accent1"/>
+          </a:lnRef>
+          <a:fillRef idx="0">
+            <a:schemeClr val="accent1"/>
+          </a:fillRef>
+          <a:effectRef idx="0">
+            <a:schemeClr val="accent1"/>
+          </a:effectRef>
+          <a:fontRef idx="minor">
+            <a:schemeClr val="tx1"/>
+          </a:fontRef>
+        </p:style>
+      </p:cxnSp>
+      <p:cxnSp>
+        <p:nvCxnSpPr>
+          <p:cNvPr id="19" name="직선 화살표 연결선 18">
+            <a:extLst>
+              <a:ext uri="{FF2B5EF4-FFF2-40B4-BE49-F238E27FC236}">
+                <a16:creationId xmlns:a16="http://schemas.microsoft.com/office/drawing/2014/main" id="{C7D8CFFF-E40C-4158-9FFA-9A17A8AD2A73}"/>
+              </a:ext>
+            </a:extLst>
+          </p:cNvPr>
+          <p:cNvCxnSpPr>
+            <a:cxnSpLocks/>
+            <a:stCxn id="15" idx="3"/>
+            <a:endCxn id="4" idx="1"/>
+          </p:cNvCxnSpPr>
+          <p:nvPr/>
+        </p:nvCxnSpPr>
+        <p:spPr>
+          <a:xfrm flipV="1">
+            <a:off x="2291626" y="2096852"/>
+            <a:ext cx="3288486" cy="864096"/>
+          </a:xfrm>
+          <a:prstGeom prst="straightConnector1">
+            <a:avLst/>
+          </a:prstGeom>
+          <a:ln>
+            <a:tailEnd type="triangle"/>
+          </a:ln>
+        </p:spPr>
+        <p:style>
+          <a:lnRef idx="1">
+            <a:schemeClr val="accent1"/>
+          </a:lnRef>
+          <a:fillRef idx="0">
+            <a:schemeClr val="accent1"/>
+          </a:fillRef>
+          <a:effectRef idx="0">
+            <a:schemeClr val="accent1"/>
+          </a:effectRef>
+          <a:fontRef idx="minor">
+            <a:schemeClr val="tx1"/>
+          </a:fontRef>
+        </p:style>
+      </p:cxnSp>
+      <p:cxnSp>
+        <p:nvCxnSpPr>
+          <p:cNvPr id="10" name="직선 연결선 9">
+            <a:extLst>
+              <a:ext uri="{FF2B5EF4-FFF2-40B4-BE49-F238E27FC236}">
+                <a16:creationId xmlns:a16="http://schemas.microsoft.com/office/drawing/2014/main" id="{B55138DD-36FC-4710-B5B6-8B2679464DEB}"/>
+              </a:ext>
+            </a:extLst>
+          </p:cNvPr>
+          <p:cNvCxnSpPr/>
+          <p:nvPr/>
+        </p:nvCxnSpPr>
+        <p:spPr>
+          <a:xfrm>
+            <a:off x="323528" y="3573016"/>
+            <a:ext cx="8568952" cy="0"/>
+          </a:xfrm>
+          <a:prstGeom prst="line">
+            <a:avLst/>
+          </a:prstGeom>
+        </p:spPr>
+        <p:style>
+          <a:lnRef idx="1">
+            <a:schemeClr val="accent1"/>
+          </a:lnRef>
+          <a:fillRef idx="0">
+            <a:schemeClr val="accent1"/>
+          </a:fillRef>
+          <a:effectRef idx="0">
+            <a:schemeClr val="accent1"/>
+          </a:effectRef>
+          <a:fontRef idx="minor">
+            <a:schemeClr val="tx1"/>
+          </a:fontRef>
+        </p:style>
+      </p:cxnSp>
+      <p:sp>
+        <p:nvSpPr>
+          <p:cNvPr id="31" name="직사각형 30">
+            <a:extLst>
+              <a:ext uri="{FF2B5EF4-FFF2-40B4-BE49-F238E27FC236}">
+                <a16:creationId xmlns:a16="http://schemas.microsoft.com/office/drawing/2014/main" id="{577035F7-F343-41AB-9599-67B4BCCD5B52}"/>
+              </a:ext>
+            </a:extLst>
+          </p:cNvPr>
+          <p:cNvSpPr/>
+          <p:nvPr/>
+        </p:nvSpPr>
+        <p:spPr>
+          <a:xfrm>
+            <a:off x="5599947" y="5121189"/>
+            <a:ext cx="1512168" cy="504056"/>
+          </a:xfrm>
+          <a:prstGeom prst="rect">
+            <a:avLst/>
+          </a:prstGeom>
+          <a:solidFill>
+            <a:srgbClr val="FFC000"/>
+          </a:solidFill>
+          <a:ln w="12700"/>
+        </p:spPr>
+        <p:style>
+          <a:lnRef idx="2">
+            <a:schemeClr val="accent1">
+              <a:shade val="50000"/>
+            </a:schemeClr>
+          </a:lnRef>
+          <a:fillRef idx="1">
+            <a:schemeClr val="accent1"/>
+          </a:fillRef>
+          <a:effectRef idx="0">
+            <a:schemeClr val="accent1"/>
+          </a:effectRef>
+          <a:fontRef idx="minor">
+            <a:schemeClr val="lt1"/>
+          </a:fontRef>
+        </p:style>
+        <p:txBody>
+          <a:bodyPr rtlCol="0" anchor="ctr"/>
+          <a:lstStyle/>
+          <a:p>
+            <a:pPr algn="ctr"/>
+            <a:r>
+              <a:rPr lang="en-US" altLang="ko-KR">
+                <a:solidFill>
+                  <a:schemeClr val="tx1"/>
+                </a:solidFill>
+                <a:latin typeface="Consolas" pitchFamily="49" charset="0"/>
+                <a:cs typeface="Consolas" pitchFamily="49" charset="0"/>
+              </a:rPr>
+              <a:t>AAA</a:t>
+            </a:r>
+            <a:endParaRPr lang="ko-KR" altLang="en-US">
+              <a:solidFill>
+                <a:schemeClr val="tx1"/>
+              </a:solidFill>
+              <a:latin typeface="Consolas" pitchFamily="49" charset="0"/>
+              <a:cs typeface="Consolas" pitchFamily="49" charset="0"/>
+            </a:endParaRPr>
+          </a:p>
+        </p:txBody>
+      </p:sp>
+      <p:sp>
+        <p:nvSpPr>
+          <p:cNvPr id="32" name="직사각형 31">
+            <a:extLst>
+              <a:ext uri="{FF2B5EF4-FFF2-40B4-BE49-F238E27FC236}">
+                <a16:creationId xmlns:a16="http://schemas.microsoft.com/office/drawing/2014/main" id="{9500CAC3-BC68-4D44-85B0-F5364BC12C5B}"/>
+              </a:ext>
+            </a:extLst>
+          </p:cNvPr>
+          <p:cNvSpPr/>
+          <p:nvPr/>
+        </p:nvSpPr>
+        <p:spPr>
+          <a:xfrm>
+            <a:off x="5599947" y="5625245"/>
+            <a:ext cx="1512168" cy="504056"/>
+          </a:xfrm>
+          <a:prstGeom prst="rect">
+            <a:avLst/>
+          </a:prstGeom>
+          <a:solidFill>
+            <a:srgbClr val="FFFF00"/>
+          </a:solidFill>
+          <a:ln w="12700"/>
+        </p:spPr>
+        <p:style>
+          <a:lnRef idx="2">
+            <a:schemeClr val="accent1">
+              <a:shade val="50000"/>
+            </a:schemeClr>
+          </a:lnRef>
+          <a:fillRef idx="1">
+            <a:schemeClr val="accent1"/>
+          </a:fillRef>
+          <a:effectRef idx="0">
+            <a:schemeClr val="accent1"/>
+          </a:effectRef>
+          <a:fontRef idx="minor">
+            <a:schemeClr val="lt1"/>
+          </a:fontRef>
+        </p:style>
+        <p:txBody>
+          <a:bodyPr rtlCol="0" anchor="ctr"/>
+          <a:lstStyle/>
+          <a:p>
+            <a:pPr algn="ctr"/>
+            <a:endParaRPr lang="ko-KR" altLang="en-US">
+              <a:solidFill>
+                <a:schemeClr val="tx1"/>
+              </a:solidFill>
+              <a:latin typeface="Consolas" pitchFamily="49" charset="0"/>
+              <a:cs typeface="Consolas" pitchFamily="49" charset="0"/>
+            </a:endParaRPr>
+          </a:p>
+        </p:txBody>
+      </p:sp>
+      <p:sp>
+        <p:nvSpPr>
+          <p:cNvPr id="33" name="직사각형 32">
+            <a:extLst>
+              <a:ext uri="{FF2B5EF4-FFF2-40B4-BE49-F238E27FC236}">
+                <a16:creationId xmlns:a16="http://schemas.microsoft.com/office/drawing/2014/main" id="{927EBD16-CB84-419B-8BA6-38986979E892}"/>
+              </a:ext>
+            </a:extLst>
+          </p:cNvPr>
+          <p:cNvSpPr/>
+          <p:nvPr/>
+        </p:nvSpPr>
+        <p:spPr>
+          <a:xfrm>
+            <a:off x="775411" y="4185085"/>
+            <a:ext cx="1512168" cy="504056"/>
+          </a:xfrm>
+          <a:prstGeom prst="rect">
+            <a:avLst/>
+          </a:prstGeom>
+          <a:solidFill>
+            <a:srgbClr val="FFFF00"/>
+          </a:solidFill>
+          <a:ln w="12700"/>
+        </p:spPr>
+        <p:style>
+          <a:lnRef idx="2">
+            <a:schemeClr val="accent1">
+              <a:shade val="50000"/>
+            </a:schemeClr>
+          </a:lnRef>
+          <a:fillRef idx="1">
+            <a:schemeClr val="accent1"/>
+          </a:fillRef>
+          <a:effectRef idx="0">
+            <a:schemeClr val="accent1"/>
+          </a:effectRef>
+          <a:fontRef idx="minor">
+            <a:schemeClr val="lt1"/>
+          </a:fontRef>
+        </p:style>
+        <p:txBody>
+          <a:bodyPr rtlCol="0" anchor="ctr"/>
+          <a:lstStyle/>
+          <a:p>
+            <a:pPr algn="ctr"/>
+            <a:endParaRPr lang="ko-KR" altLang="en-US">
+              <a:solidFill>
+                <a:schemeClr val="tx1"/>
+              </a:solidFill>
+              <a:latin typeface="Consolas" pitchFamily="49" charset="0"/>
+              <a:cs typeface="Consolas" pitchFamily="49" charset="0"/>
+            </a:endParaRPr>
+          </a:p>
+        </p:txBody>
+      </p:sp>
+      <p:sp>
+        <p:nvSpPr>
+          <p:cNvPr id="34" name="TextBox 33">
+            <a:extLst>
+              <a:ext uri="{FF2B5EF4-FFF2-40B4-BE49-F238E27FC236}">
+                <a16:creationId xmlns:a16="http://schemas.microsoft.com/office/drawing/2014/main" id="{702D916B-04C0-45BE-8E01-D4B3A2ABFB7F}"/>
+              </a:ext>
+            </a:extLst>
+          </p:cNvPr>
+          <p:cNvSpPr txBox="1"/>
+          <p:nvPr/>
+        </p:nvSpPr>
+        <p:spPr>
+          <a:xfrm>
+            <a:off x="1312525" y="3753037"/>
+            <a:ext cx="437940" cy="369332"/>
+          </a:xfrm>
+          <a:prstGeom prst="rect">
+            <a:avLst/>
+          </a:prstGeom>
+          <a:noFill/>
+        </p:spPr>
+        <p:txBody>
+          <a:bodyPr wrap="none" rtlCol="0">
+            <a:spAutoFit/>
+          </a:bodyPr>
+          <a:lstStyle/>
+          <a:p>
+            <a:r>
+              <a:rPr lang="en-US" altLang="ko-KR">
+                <a:latin typeface="Consolas" pitchFamily="49" charset="0"/>
+                <a:cs typeface="Consolas" pitchFamily="49" charset="0"/>
+              </a:rPr>
+              <a:t>p1</a:t>
+            </a:r>
+            <a:endParaRPr lang="ko-KR" altLang="en-US">
+              <a:latin typeface="Consolas" pitchFamily="49" charset="0"/>
+              <a:cs typeface="Consolas" pitchFamily="49" charset="0"/>
+            </a:endParaRPr>
+          </a:p>
+        </p:txBody>
+      </p:sp>
+      <p:sp>
+        <p:nvSpPr>
+          <p:cNvPr id="35" name="직사각형 34">
+            <a:extLst>
+              <a:ext uri="{FF2B5EF4-FFF2-40B4-BE49-F238E27FC236}">
+                <a16:creationId xmlns:a16="http://schemas.microsoft.com/office/drawing/2014/main" id="{7AA7FE81-F14C-45DD-97CF-5D8C34998F50}"/>
+              </a:ext>
+            </a:extLst>
+          </p:cNvPr>
+          <p:cNvSpPr/>
+          <p:nvPr/>
+        </p:nvSpPr>
+        <p:spPr>
+          <a:xfrm>
+            <a:off x="799293" y="5985285"/>
+            <a:ext cx="1512168" cy="504056"/>
+          </a:xfrm>
+          <a:prstGeom prst="rect">
+            <a:avLst/>
+          </a:prstGeom>
+          <a:solidFill>
+            <a:srgbClr val="FFFF00"/>
+          </a:solidFill>
+          <a:ln w="12700"/>
+        </p:spPr>
+        <p:style>
+          <a:lnRef idx="2">
+            <a:schemeClr val="accent1">
+              <a:shade val="50000"/>
+            </a:schemeClr>
+          </a:lnRef>
+          <a:fillRef idx="1">
+            <a:schemeClr val="accent1"/>
+          </a:fillRef>
+          <a:effectRef idx="0">
+            <a:schemeClr val="accent1"/>
+          </a:effectRef>
+          <a:fontRef idx="minor">
+            <a:schemeClr val="lt1"/>
+          </a:fontRef>
+        </p:style>
+        <p:txBody>
+          <a:bodyPr rtlCol="0" anchor="ctr"/>
+          <a:lstStyle/>
+          <a:p>
+            <a:pPr algn="ctr"/>
+            <a:endParaRPr lang="ko-KR" altLang="en-US">
+              <a:solidFill>
+                <a:schemeClr val="tx1"/>
+              </a:solidFill>
+              <a:latin typeface="Consolas" pitchFamily="49" charset="0"/>
+              <a:cs typeface="Consolas" pitchFamily="49" charset="0"/>
+            </a:endParaRPr>
+          </a:p>
+        </p:txBody>
+      </p:sp>
+      <p:sp>
+        <p:nvSpPr>
+          <p:cNvPr id="36" name="TextBox 35">
+            <a:extLst>
+              <a:ext uri="{FF2B5EF4-FFF2-40B4-BE49-F238E27FC236}">
+                <a16:creationId xmlns:a16="http://schemas.microsoft.com/office/drawing/2014/main" id="{3316C5AC-488D-48B5-8230-0C71EAE852F4}"/>
+              </a:ext>
+            </a:extLst>
+          </p:cNvPr>
+          <p:cNvSpPr txBox="1"/>
+          <p:nvPr/>
+        </p:nvSpPr>
+        <p:spPr>
+          <a:xfrm>
+            <a:off x="1336407" y="5553237"/>
+            <a:ext cx="437940" cy="369332"/>
+          </a:xfrm>
+          <a:prstGeom prst="rect">
+            <a:avLst/>
+          </a:prstGeom>
+          <a:noFill/>
+        </p:spPr>
+        <p:txBody>
+          <a:bodyPr wrap="none" rtlCol="0">
+            <a:spAutoFit/>
+          </a:bodyPr>
+          <a:lstStyle/>
+          <a:p>
+            <a:r>
+              <a:rPr lang="en-US" altLang="ko-KR">
+                <a:latin typeface="Consolas" pitchFamily="49" charset="0"/>
+                <a:cs typeface="Consolas" pitchFamily="49" charset="0"/>
+              </a:rPr>
+              <a:t>p2</a:t>
+            </a:r>
+            <a:endParaRPr lang="ko-KR" altLang="en-US">
+              <a:latin typeface="Consolas" pitchFamily="49" charset="0"/>
+              <a:cs typeface="Consolas" pitchFamily="49" charset="0"/>
+            </a:endParaRPr>
+          </a:p>
+        </p:txBody>
+      </p:sp>
+      <p:sp>
+        <p:nvSpPr>
+          <p:cNvPr id="37" name="직사각형 36">
+            <a:extLst>
+              <a:ext uri="{FF2B5EF4-FFF2-40B4-BE49-F238E27FC236}">
+                <a16:creationId xmlns:a16="http://schemas.microsoft.com/office/drawing/2014/main" id="{729B37E4-9CBA-401A-B078-78ACA3C91F31}"/>
+              </a:ext>
+            </a:extLst>
+          </p:cNvPr>
+          <p:cNvSpPr/>
+          <p:nvPr/>
+        </p:nvSpPr>
+        <p:spPr>
+          <a:xfrm>
+            <a:off x="5599947" y="6127849"/>
+            <a:ext cx="1512168" cy="504056"/>
+          </a:xfrm>
+          <a:prstGeom prst="rect">
+            <a:avLst/>
+          </a:prstGeom>
+          <a:solidFill>
+            <a:srgbClr val="FFFF00"/>
+          </a:solidFill>
+          <a:ln w="12700"/>
+        </p:spPr>
+        <p:style>
+          <a:lnRef idx="2">
+            <a:schemeClr val="accent1">
+              <a:shade val="50000"/>
+            </a:schemeClr>
+          </a:lnRef>
+          <a:fillRef idx="1">
+            <a:schemeClr val="accent1"/>
+          </a:fillRef>
+          <a:effectRef idx="0">
+            <a:schemeClr val="accent1"/>
+          </a:effectRef>
+          <a:fontRef idx="minor">
+            <a:schemeClr val="lt1"/>
+          </a:fontRef>
+        </p:style>
+        <p:txBody>
+          <a:bodyPr rtlCol="0" anchor="ctr"/>
+          <a:lstStyle/>
+          <a:p>
+            <a:pPr algn="ctr"/>
+            <a:r>
+              <a:rPr lang="en-US" altLang="ko-KR">
+                <a:solidFill>
+                  <a:schemeClr val="tx1"/>
+                </a:solidFill>
+                <a:latin typeface="Consolas" pitchFamily="49" charset="0"/>
+                <a:cs typeface="Consolas" pitchFamily="49" charset="0"/>
+              </a:rPr>
+              <a:t>2</a:t>
+            </a:r>
+            <a:endParaRPr lang="ko-KR" altLang="en-US">
+              <a:solidFill>
+                <a:schemeClr val="tx1"/>
+              </a:solidFill>
+              <a:latin typeface="Consolas" pitchFamily="49" charset="0"/>
+              <a:cs typeface="Consolas" pitchFamily="49" charset="0"/>
+            </a:endParaRPr>
+          </a:p>
+        </p:txBody>
+      </p:sp>
+      <p:sp>
+        <p:nvSpPr>
+          <p:cNvPr id="38" name="TextBox 37">
+            <a:extLst>
+              <a:ext uri="{FF2B5EF4-FFF2-40B4-BE49-F238E27FC236}">
+                <a16:creationId xmlns:a16="http://schemas.microsoft.com/office/drawing/2014/main" id="{19649F65-8F56-49BA-9681-47DAA301EC4F}"/>
+              </a:ext>
+            </a:extLst>
+          </p:cNvPr>
+          <p:cNvSpPr txBox="1"/>
+          <p:nvPr/>
+        </p:nvSpPr>
+        <p:spPr>
+          <a:xfrm>
+            <a:off x="7082971" y="6195211"/>
+            <a:ext cx="817853" cy="369332"/>
+          </a:xfrm>
+          <a:prstGeom prst="rect">
+            <a:avLst/>
+          </a:prstGeom>
+          <a:noFill/>
+        </p:spPr>
+        <p:txBody>
+          <a:bodyPr wrap="none" rtlCol="0">
+            <a:spAutoFit/>
+          </a:bodyPr>
+          <a:lstStyle/>
+          <a:p>
+            <a:r>
+              <a:rPr lang="en-US" altLang="ko-KR">
+                <a:latin typeface="Consolas" pitchFamily="49" charset="0"/>
+                <a:cs typeface="Consolas" pitchFamily="49" charset="0"/>
+              </a:rPr>
+              <a:t>mRefs</a:t>
+            </a:r>
+            <a:endParaRPr lang="ko-KR" altLang="en-US">
+              <a:latin typeface="Consolas" pitchFamily="49" charset="0"/>
+              <a:cs typeface="Consolas" pitchFamily="49" charset="0"/>
+            </a:endParaRPr>
+          </a:p>
+        </p:txBody>
+      </p:sp>
+      <p:cxnSp>
+        <p:nvCxnSpPr>
+          <p:cNvPr id="39" name="직선 화살표 연결선 38">
+            <a:extLst>
+              <a:ext uri="{FF2B5EF4-FFF2-40B4-BE49-F238E27FC236}">
+                <a16:creationId xmlns:a16="http://schemas.microsoft.com/office/drawing/2014/main" id="{F28F41E1-9B05-4702-85EA-EAC9EE7E03A8}"/>
+              </a:ext>
+            </a:extLst>
+          </p:cNvPr>
+          <p:cNvCxnSpPr>
+            <a:stCxn id="33" idx="3"/>
+            <a:endCxn id="31" idx="1"/>
+          </p:cNvCxnSpPr>
+          <p:nvPr/>
+        </p:nvCxnSpPr>
+        <p:spPr>
+          <a:xfrm>
+            <a:off x="2287579" y="4437113"/>
+            <a:ext cx="3312368" cy="936104"/>
+          </a:xfrm>
+          <a:prstGeom prst="straightConnector1">
+            <a:avLst/>
+          </a:prstGeom>
+          <a:ln>
+            <a:tailEnd type="triangle"/>
+          </a:ln>
+        </p:spPr>
+        <p:style>
+          <a:lnRef idx="1">
+            <a:schemeClr val="accent1"/>
+          </a:lnRef>
+          <a:fillRef idx="0">
+            <a:schemeClr val="accent1"/>
+          </a:fillRef>
+          <a:effectRef idx="0">
+            <a:schemeClr val="accent1"/>
+          </a:effectRef>
+          <a:fontRef idx="minor">
+            <a:schemeClr val="tx1"/>
+          </a:fontRef>
+        </p:style>
+      </p:cxnSp>
+      <p:cxnSp>
+        <p:nvCxnSpPr>
+          <p:cNvPr id="40" name="직선 화살표 연결선 39">
+            <a:extLst>
+              <a:ext uri="{FF2B5EF4-FFF2-40B4-BE49-F238E27FC236}">
+                <a16:creationId xmlns:a16="http://schemas.microsoft.com/office/drawing/2014/main" id="{8C416A3D-EF8A-485E-AF91-32E43035C099}"/>
+              </a:ext>
+            </a:extLst>
+          </p:cNvPr>
+          <p:cNvCxnSpPr>
+            <a:cxnSpLocks/>
+            <a:stCxn id="35" idx="3"/>
+            <a:endCxn id="31" idx="1"/>
+          </p:cNvCxnSpPr>
+          <p:nvPr/>
+        </p:nvCxnSpPr>
+        <p:spPr>
+          <a:xfrm flipV="1">
+            <a:off x="2311461" y="5373217"/>
+            <a:ext cx="3288486" cy="864096"/>
+          </a:xfrm>
+          <a:prstGeom prst="straightConnector1">
+            <a:avLst/>
+          </a:prstGeom>
+          <a:ln>
+            <a:tailEnd type="triangle"/>
+          </a:ln>
+        </p:spPr>
+        <p:style>
+          <a:lnRef idx="1">
+            <a:schemeClr val="accent1"/>
+          </a:lnRef>
+          <a:fillRef idx="0">
+            <a:schemeClr val="accent1"/>
+          </a:fillRef>
+          <a:effectRef idx="0">
+            <a:schemeClr val="accent1"/>
+          </a:effectRef>
+          <a:fontRef idx="minor">
+            <a:schemeClr val="tx1"/>
+          </a:fontRef>
+        </p:style>
+      </p:cxnSp>
+    </p:spTree>
+    <p:extLst>
+      <p:ext uri="{BB962C8B-B14F-4D97-AF65-F5344CB8AC3E}">
+        <p14:creationId xmlns:p14="http://schemas.microsoft.com/office/powerpoint/2010/main" val="3804740327"/>
+      </p:ext>
+    </p:extLst>
+  </p:cSld>
+  <p:clrMapOvr>
+    <a:masterClrMapping/>
+  </p:clrMapOvr>
+</p:sld>
+</file>
+
+<file path=ppt/slides/slide21.xml><?xml version="1.0" encoding="utf-8"?>
+<p:sld xmlns:a="http://schemas.openxmlformats.org/drawingml/2006/main" xmlns:r="http://schemas.openxmlformats.org/officeDocument/2006/relationships" xmlns:p="http://schemas.openxmlformats.org/presentationml/2006/main">
+  <p:cSld>
+    <p:spTree>
+      <p:nvGrpSpPr>
+        <p:cNvPr id="1" name=""/>
+        <p:cNvGrpSpPr/>
+        <p:nvPr/>
+      </p:nvGrpSpPr>
+      <p:grpSpPr>
+        <a:xfrm>
+          <a:off x="0" y="0"/>
+          <a:ext cx="0" cy="0"/>
+          <a:chOff x="0" y="0"/>
+          <a:chExt cx="0" cy="0"/>
+        </a:xfrm>
+      </p:grpSpPr>
+      <p:sp>
+        <p:nvSpPr>
+          <p:cNvPr id="4" name="직사각형 3">
+            <a:extLst>
+              <a:ext uri="{FF2B5EF4-FFF2-40B4-BE49-F238E27FC236}">
+                <a16:creationId xmlns:a16="http://schemas.microsoft.com/office/drawing/2014/main" id="{DDAB96DB-B73D-43E9-B4CF-99D4B592CD53}"/>
+              </a:ext>
+            </a:extLst>
+          </p:cNvPr>
+          <p:cNvSpPr/>
+          <p:nvPr/>
+        </p:nvSpPr>
+        <p:spPr>
+          <a:xfrm>
+            <a:off x="5508104" y="2564904"/>
+            <a:ext cx="1512168" cy="504056"/>
+          </a:xfrm>
+          <a:prstGeom prst="rect">
+            <a:avLst/>
+          </a:prstGeom>
+          <a:solidFill>
+            <a:srgbClr val="FFC000"/>
+          </a:solidFill>
+          <a:ln w="12700"/>
+        </p:spPr>
+        <p:style>
+          <a:lnRef idx="2">
+            <a:schemeClr val="accent1">
+              <a:shade val="50000"/>
+            </a:schemeClr>
+          </a:lnRef>
+          <a:fillRef idx="1">
+            <a:schemeClr val="accent1"/>
+          </a:fillRef>
+          <a:effectRef idx="0">
+            <a:schemeClr val="accent1"/>
+          </a:effectRef>
+          <a:fontRef idx="minor">
+            <a:schemeClr val="lt1"/>
+          </a:fontRef>
+        </p:style>
+        <p:txBody>
+          <a:bodyPr rtlCol="0" anchor="ctr"/>
+          <a:lstStyle/>
+          <a:p>
+            <a:pPr algn="ctr"/>
+            <a:r>
+              <a:rPr lang="en-US" altLang="ko-KR">
+                <a:solidFill>
+                  <a:schemeClr val="tx1"/>
+                </a:solidFill>
+                <a:latin typeface="Consolas" pitchFamily="49" charset="0"/>
+                <a:cs typeface="Consolas" pitchFamily="49" charset="0"/>
+              </a:rPr>
+              <a:t>AAA</a:t>
+            </a:r>
+            <a:endParaRPr lang="ko-KR" altLang="en-US">
+              <a:solidFill>
+                <a:schemeClr val="tx1"/>
+              </a:solidFill>
+              <a:latin typeface="Consolas" pitchFamily="49" charset="0"/>
+              <a:cs typeface="Consolas" pitchFamily="49" charset="0"/>
+            </a:endParaRPr>
+          </a:p>
+        </p:txBody>
+      </p:sp>
+      <p:sp>
+        <p:nvSpPr>
+          <p:cNvPr id="7" name="직사각형 6">
+            <a:extLst>
+              <a:ext uri="{FF2B5EF4-FFF2-40B4-BE49-F238E27FC236}">
+                <a16:creationId xmlns:a16="http://schemas.microsoft.com/office/drawing/2014/main" id="{DEFC8663-2821-4F6B-9535-0B43C0F380C1}"/>
+              </a:ext>
+            </a:extLst>
+          </p:cNvPr>
+          <p:cNvSpPr/>
+          <p:nvPr/>
+        </p:nvSpPr>
+        <p:spPr>
+          <a:xfrm>
+            <a:off x="5508104" y="3068960"/>
+            <a:ext cx="1512168" cy="504056"/>
+          </a:xfrm>
+          <a:prstGeom prst="rect">
+            <a:avLst/>
+          </a:prstGeom>
+          <a:solidFill>
+            <a:srgbClr val="FFFF00"/>
+          </a:solidFill>
+          <a:ln w="12700"/>
+        </p:spPr>
+        <p:style>
+          <a:lnRef idx="2">
+            <a:schemeClr val="accent1">
+              <a:shade val="50000"/>
+            </a:schemeClr>
+          </a:lnRef>
+          <a:fillRef idx="1">
+            <a:schemeClr val="accent1"/>
+          </a:fillRef>
+          <a:effectRef idx="0">
+            <a:schemeClr val="accent1"/>
+          </a:effectRef>
+          <a:fontRef idx="minor">
+            <a:schemeClr val="lt1"/>
+          </a:fontRef>
+        </p:style>
+        <p:txBody>
+          <a:bodyPr rtlCol="0" anchor="ctr"/>
+          <a:lstStyle/>
+          <a:p>
+            <a:pPr algn="ctr"/>
+            <a:r>
+              <a:rPr lang="en-US" altLang="ko-KR">
+                <a:solidFill>
+                  <a:schemeClr val="tx1"/>
+                </a:solidFill>
+                <a:latin typeface="Consolas" pitchFamily="49" charset="0"/>
+                <a:cs typeface="Consolas" pitchFamily="49" charset="0"/>
+              </a:rPr>
+              <a:t>foo();</a:t>
+            </a:r>
+            <a:endParaRPr lang="ko-KR" altLang="en-US">
+              <a:solidFill>
+                <a:schemeClr val="tx1"/>
+              </a:solidFill>
+              <a:latin typeface="Consolas" pitchFamily="49" charset="0"/>
+              <a:cs typeface="Consolas" pitchFamily="49" charset="0"/>
+            </a:endParaRPr>
+          </a:p>
+        </p:txBody>
+      </p:sp>
+      <p:sp>
+        <p:nvSpPr>
+          <p:cNvPr id="9" name="직사각형 8">
+            <a:extLst>
+              <a:ext uri="{FF2B5EF4-FFF2-40B4-BE49-F238E27FC236}">
+                <a16:creationId xmlns:a16="http://schemas.microsoft.com/office/drawing/2014/main" id="{C5297DC0-0DDA-4CFE-AA61-04E18F1BBE3A}"/>
+              </a:ext>
+            </a:extLst>
+          </p:cNvPr>
+          <p:cNvSpPr/>
+          <p:nvPr/>
+        </p:nvSpPr>
+        <p:spPr>
+          <a:xfrm>
+            <a:off x="755576" y="908720"/>
+            <a:ext cx="1512168" cy="504056"/>
+          </a:xfrm>
+          <a:prstGeom prst="rect">
+            <a:avLst/>
+          </a:prstGeom>
+          <a:solidFill>
+            <a:srgbClr val="FFFF00"/>
+          </a:solidFill>
+          <a:ln w="12700"/>
+        </p:spPr>
+        <p:style>
+          <a:lnRef idx="2">
+            <a:schemeClr val="accent1">
+              <a:shade val="50000"/>
+            </a:schemeClr>
+          </a:lnRef>
+          <a:fillRef idx="1">
+            <a:schemeClr val="accent1"/>
+          </a:fillRef>
+          <a:effectRef idx="0">
+            <a:schemeClr val="accent1"/>
+          </a:effectRef>
+          <a:fontRef idx="minor">
+            <a:schemeClr val="lt1"/>
+          </a:fontRef>
+        </p:style>
+        <p:txBody>
+          <a:bodyPr rtlCol="0" anchor="ctr"/>
+          <a:lstStyle/>
+          <a:p>
+            <a:pPr algn="ctr"/>
+            <a:endParaRPr lang="ko-KR" altLang="en-US">
+              <a:solidFill>
+                <a:schemeClr val="tx1"/>
+              </a:solidFill>
+              <a:latin typeface="Consolas" pitchFamily="49" charset="0"/>
+              <a:cs typeface="Consolas" pitchFamily="49" charset="0"/>
+            </a:endParaRPr>
+          </a:p>
+        </p:txBody>
+      </p:sp>
+      <p:sp>
+        <p:nvSpPr>
+          <p:cNvPr id="12" name="TextBox 11">
+            <a:extLst>
+              <a:ext uri="{FF2B5EF4-FFF2-40B4-BE49-F238E27FC236}">
+                <a16:creationId xmlns:a16="http://schemas.microsoft.com/office/drawing/2014/main" id="{3F073586-4AA0-4880-B10C-AF621E6EBAC0}"/>
+              </a:ext>
+            </a:extLst>
+          </p:cNvPr>
+          <p:cNvSpPr txBox="1"/>
+          <p:nvPr/>
+        </p:nvSpPr>
+        <p:spPr>
+          <a:xfrm>
+            <a:off x="1292690" y="476672"/>
+            <a:ext cx="437940" cy="369332"/>
+          </a:xfrm>
+          <a:prstGeom prst="rect">
+            <a:avLst/>
+          </a:prstGeom>
+          <a:noFill/>
+        </p:spPr>
+        <p:txBody>
+          <a:bodyPr wrap="none" rtlCol="0">
+            <a:spAutoFit/>
+          </a:bodyPr>
+          <a:lstStyle/>
+          <a:p>
+            <a:r>
+              <a:rPr lang="en-US" altLang="ko-KR">
+                <a:latin typeface="Consolas" pitchFamily="49" charset="0"/>
+                <a:cs typeface="Consolas" pitchFamily="49" charset="0"/>
+              </a:rPr>
+              <a:t>p1</a:t>
+            </a:r>
+            <a:endParaRPr lang="ko-KR" altLang="en-US">
+              <a:latin typeface="Consolas" pitchFamily="49" charset="0"/>
+              <a:cs typeface="Consolas" pitchFamily="49" charset="0"/>
+            </a:endParaRPr>
+          </a:p>
+        </p:txBody>
+      </p:sp>
+      <p:sp>
+        <p:nvSpPr>
+          <p:cNvPr id="15" name="직사각형 14">
+            <a:extLst>
+              <a:ext uri="{FF2B5EF4-FFF2-40B4-BE49-F238E27FC236}">
+                <a16:creationId xmlns:a16="http://schemas.microsoft.com/office/drawing/2014/main" id="{A69D58B6-C741-4911-A66D-6A1A62CE2CED}"/>
+              </a:ext>
+            </a:extLst>
+          </p:cNvPr>
+          <p:cNvSpPr/>
+          <p:nvPr/>
+        </p:nvSpPr>
+        <p:spPr>
+          <a:xfrm>
+            <a:off x="779458" y="2708920"/>
+            <a:ext cx="1512168" cy="504056"/>
+          </a:xfrm>
+          <a:prstGeom prst="rect">
+            <a:avLst/>
+          </a:prstGeom>
+          <a:solidFill>
+            <a:srgbClr val="FFFF00"/>
+          </a:solidFill>
+          <a:ln w="12700"/>
+        </p:spPr>
+        <p:style>
+          <a:lnRef idx="2">
+            <a:schemeClr val="accent1">
+              <a:shade val="50000"/>
+            </a:schemeClr>
+          </a:lnRef>
+          <a:fillRef idx="1">
+            <a:schemeClr val="accent1"/>
+          </a:fillRef>
+          <a:effectRef idx="0">
+            <a:schemeClr val="accent1"/>
+          </a:effectRef>
+          <a:fontRef idx="minor">
+            <a:schemeClr val="lt1"/>
+          </a:fontRef>
+        </p:style>
+        <p:txBody>
+          <a:bodyPr rtlCol="0" anchor="ctr"/>
+          <a:lstStyle/>
+          <a:p>
+            <a:pPr algn="ctr"/>
+            <a:endParaRPr lang="ko-KR" altLang="en-US">
+              <a:solidFill>
+                <a:schemeClr val="tx1"/>
+              </a:solidFill>
+              <a:latin typeface="Consolas" pitchFamily="49" charset="0"/>
+              <a:cs typeface="Consolas" pitchFamily="49" charset="0"/>
+            </a:endParaRPr>
+          </a:p>
+        </p:txBody>
+      </p:sp>
+      <p:sp>
+        <p:nvSpPr>
+          <p:cNvPr id="17" name="TextBox 16">
+            <a:extLst>
+              <a:ext uri="{FF2B5EF4-FFF2-40B4-BE49-F238E27FC236}">
+                <a16:creationId xmlns:a16="http://schemas.microsoft.com/office/drawing/2014/main" id="{580DE28B-2CB0-4E35-BA62-30ABDA885091}"/>
+              </a:ext>
+            </a:extLst>
+          </p:cNvPr>
+          <p:cNvSpPr txBox="1"/>
+          <p:nvPr/>
+        </p:nvSpPr>
+        <p:spPr>
+          <a:xfrm>
+            <a:off x="1316572" y="2276872"/>
+            <a:ext cx="437940" cy="369332"/>
+          </a:xfrm>
+          <a:prstGeom prst="rect">
+            <a:avLst/>
+          </a:prstGeom>
+          <a:noFill/>
+        </p:spPr>
+        <p:txBody>
+          <a:bodyPr wrap="none" rtlCol="0">
+            <a:spAutoFit/>
+          </a:bodyPr>
+          <a:lstStyle/>
+          <a:p>
+            <a:r>
+              <a:rPr lang="en-US" altLang="ko-KR">
+                <a:latin typeface="Consolas" pitchFamily="49" charset="0"/>
+                <a:cs typeface="Consolas" pitchFamily="49" charset="0"/>
+              </a:rPr>
+              <a:t>p2</a:t>
+            </a:r>
+            <a:endParaRPr lang="ko-KR" altLang="en-US">
+              <a:latin typeface="Consolas" pitchFamily="49" charset="0"/>
+              <a:cs typeface="Consolas" pitchFamily="49" charset="0"/>
+            </a:endParaRPr>
+          </a:p>
+        </p:txBody>
+      </p:sp>
+      <p:sp>
+        <p:nvSpPr>
+          <p:cNvPr id="21" name="직사각형 20">
+            <a:extLst>
+              <a:ext uri="{FF2B5EF4-FFF2-40B4-BE49-F238E27FC236}">
+                <a16:creationId xmlns:a16="http://schemas.microsoft.com/office/drawing/2014/main" id="{1818CEE8-0F5F-4F99-8B87-C1319CA29745}"/>
+              </a:ext>
+            </a:extLst>
+          </p:cNvPr>
+          <p:cNvSpPr/>
+          <p:nvPr/>
+        </p:nvSpPr>
+        <p:spPr>
+          <a:xfrm>
+            <a:off x="5508104" y="3571564"/>
+            <a:ext cx="1512168" cy="504056"/>
+          </a:xfrm>
+          <a:prstGeom prst="rect">
+            <a:avLst/>
+          </a:prstGeom>
+          <a:solidFill>
+            <a:srgbClr val="FFFF00"/>
+          </a:solidFill>
+          <a:ln w="12700"/>
+        </p:spPr>
+        <p:style>
+          <a:lnRef idx="2">
+            <a:schemeClr val="accent1">
+              <a:shade val="50000"/>
+            </a:schemeClr>
+          </a:lnRef>
+          <a:fillRef idx="1">
+            <a:schemeClr val="accent1"/>
+          </a:fillRef>
+          <a:effectRef idx="0">
+            <a:schemeClr val="accent1"/>
+          </a:effectRef>
+          <a:fontRef idx="minor">
+            <a:schemeClr val="lt1"/>
+          </a:fontRef>
+        </p:style>
+        <p:txBody>
+          <a:bodyPr rtlCol="0" anchor="ctr"/>
+          <a:lstStyle/>
+          <a:p>
+            <a:pPr algn="ctr"/>
+            <a:endParaRPr lang="ko-KR" altLang="en-US">
+              <a:solidFill>
+                <a:schemeClr val="tx1"/>
+              </a:solidFill>
+              <a:latin typeface="Consolas" pitchFamily="49" charset="0"/>
+              <a:cs typeface="Consolas" pitchFamily="49" charset="0"/>
+            </a:endParaRPr>
+          </a:p>
+        </p:txBody>
+      </p:sp>
+      <p:cxnSp>
+        <p:nvCxnSpPr>
+          <p:cNvPr id="3" name="직선 화살표 연결선 2">
+            <a:extLst>
+              <a:ext uri="{FF2B5EF4-FFF2-40B4-BE49-F238E27FC236}">
+                <a16:creationId xmlns:a16="http://schemas.microsoft.com/office/drawing/2014/main" id="{E74C2611-A42E-465D-AAB5-1D2224558E9B}"/>
+              </a:ext>
+            </a:extLst>
+          </p:cNvPr>
+          <p:cNvCxnSpPr>
+            <a:stCxn id="9" idx="3"/>
+            <a:endCxn id="4" idx="1"/>
+          </p:cNvCxnSpPr>
+          <p:nvPr/>
+        </p:nvCxnSpPr>
+        <p:spPr>
+          <a:xfrm>
+            <a:off x="2267744" y="1160748"/>
+            <a:ext cx="3240360" cy="1656184"/>
+          </a:xfrm>
+          <a:prstGeom prst="straightConnector1">
+            <a:avLst/>
+          </a:prstGeom>
+          <a:ln>
+            <a:tailEnd type="triangle"/>
+          </a:ln>
+        </p:spPr>
+        <p:style>
+          <a:lnRef idx="1">
+            <a:schemeClr val="accent1"/>
+          </a:lnRef>
+          <a:fillRef idx="0">
+            <a:schemeClr val="accent1"/>
+          </a:fillRef>
+          <a:effectRef idx="0">
+            <a:schemeClr val="accent1"/>
+          </a:effectRef>
+          <a:fontRef idx="minor">
+            <a:schemeClr val="tx1"/>
+          </a:fontRef>
+        </p:style>
+      </p:cxnSp>
+      <p:cxnSp>
+        <p:nvCxnSpPr>
+          <p:cNvPr id="19" name="직선 화살표 연결선 18">
+            <a:extLst>
+              <a:ext uri="{FF2B5EF4-FFF2-40B4-BE49-F238E27FC236}">
+                <a16:creationId xmlns:a16="http://schemas.microsoft.com/office/drawing/2014/main" id="{C7D8CFFF-E40C-4158-9FFA-9A17A8AD2A73}"/>
+              </a:ext>
+            </a:extLst>
+          </p:cNvPr>
+          <p:cNvCxnSpPr>
+            <a:cxnSpLocks/>
+            <a:stCxn id="15" idx="3"/>
+            <a:endCxn id="4" idx="1"/>
+          </p:cNvCxnSpPr>
+          <p:nvPr/>
+        </p:nvCxnSpPr>
+        <p:spPr>
+          <a:xfrm flipV="1">
+            <a:off x="2291626" y="2816932"/>
+            <a:ext cx="3216478" cy="144016"/>
+          </a:xfrm>
+          <a:prstGeom prst="straightConnector1">
+            <a:avLst/>
+          </a:prstGeom>
+          <a:ln>
+            <a:tailEnd type="triangle"/>
+          </a:ln>
+        </p:spPr>
+        <p:style>
+          <a:lnRef idx="1">
+            <a:schemeClr val="accent1"/>
+          </a:lnRef>
+          <a:fillRef idx="0">
+            <a:schemeClr val="accent1"/>
+          </a:fillRef>
+          <a:effectRef idx="0">
+            <a:schemeClr val="accent1"/>
+          </a:effectRef>
+          <a:fontRef idx="minor">
+            <a:schemeClr val="tx1"/>
+          </a:fontRef>
+        </p:style>
+      </p:cxnSp>
+      <p:sp>
+        <p:nvSpPr>
+          <p:cNvPr id="27" name="직사각형 26">
+            <a:extLst>
+              <a:ext uri="{FF2B5EF4-FFF2-40B4-BE49-F238E27FC236}">
+                <a16:creationId xmlns:a16="http://schemas.microsoft.com/office/drawing/2014/main" id="{2C83F7D3-86EA-43B5-894C-86276888F749}"/>
+              </a:ext>
+            </a:extLst>
+          </p:cNvPr>
+          <p:cNvSpPr/>
+          <p:nvPr/>
+        </p:nvSpPr>
+        <p:spPr>
+          <a:xfrm>
+            <a:off x="5521289" y="719890"/>
+            <a:ext cx="1512168" cy="504056"/>
+          </a:xfrm>
+          <a:prstGeom prst="rect">
+            <a:avLst/>
+          </a:prstGeom>
+          <a:solidFill>
+            <a:srgbClr val="FFC000"/>
+          </a:solidFill>
+          <a:ln w="12700"/>
+        </p:spPr>
+        <p:style>
+          <a:lnRef idx="2">
+            <a:schemeClr val="accent1">
+              <a:shade val="50000"/>
+            </a:schemeClr>
+          </a:lnRef>
+          <a:fillRef idx="1">
+            <a:schemeClr val="accent1"/>
+          </a:fillRef>
+          <a:effectRef idx="0">
+            <a:schemeClr val="accent1"/>
+          </a:effectRef>
+          <a:fontRef idx="minor">
+            <a:schemeClr val="lt1"/>
+          </a:fontRef>
+        </p:style>
+        <p:txBody>
+          <a:bodyPr rtlCol="0" anchor="ctr"/>
+          <a:lstStyle/>
+          <a:p>
+            <a:pPr algn="ctr"/>
+            <a:r>
+              <a:rPr lang="en-US" altLang="ko-KR">
+                <a:solidFill>
+                  <a:schemeClr val="tx1"/>
+                </a:solidFill>
+                <a:latin typeface="Consolas" pitchFamily="49" charset="0"/>
+                <a:cs typeface="Consolas" pitchFamily="49" charset="0"/>
+              </a:rPr>
+              <a:t>RefBase</a:t>
+            </a:r>
+            <a:endParaRPr lang="ko-KR" altLang="en-US">
+              <a:solidFill>
+                <a:schemeClr val="tx1"/>
+              </a:solidFill>
+              <a:latin typeface="Consolas" pitchFamily="49" charset="0"/>
+              <a:cs typeface="Consolas" pitchFamily="49" charset="0"/>
+            </a:endParaRPr>
+          </a:p>
+        </p:txBody>
+      </p:sp>
+      <p:sp>
+        <p:nvSpPr>
+          <p:cNvPr id="28" name="직사각형 27">
+            <a:extLst>
+              <a:ext uri="{FF2B5EF4-FFF2-40B4-BE49-F238E27FC236}">
+                <a16:creationId xmlns:a16="http://schemas.microsoft.com/office/drawing/2014/main" id="{3C49A472-E385-466E-9352-0828E73ADE20}"/>
+              </a:ext>
+            </a:extLst>
+          </p:cNvPr>
+          <p:cNvSpPr/>
+          <p:nvPr/>
+        </p:nvSpPr>
+        <p:spPr>
+          <a:xfrm>
+            <a:off x="5521289" y="1223946"/>
+            <a:ext cx="1512168" cy="504056"/>
+          </a:xfrm>
+          <a:prstGeom prst="rect">
+            <a:avLst/>
+          </a:prstGeom>
+          <a:solidFill>
+            <a:srgbClr val="FFFF00"/>
+          </a:solidFill>
+          <a:ln w="12700"/>
+        </p:spPr>
+        <p:style>
+          <a:lnRef idx="2">
+            <a:schemeClr val="accent1">
+              <a:shade val="50000"/>
+            </a:schemeClr>
+          </a:lnRef>
+          <a:fillRef idx="1">
+            <a:schemeClr val="accent1"/>
+          </a:fillRef>
+          <a:effectRef idx="0">
+            <a:schemeClr val="accent1"/>
+          </a:effectRef>
+          <a:fontRef idx="minor">
+            <a:schemeClr val="lt1"/>
+          </a:fontRef>
+        </p:style>
+        <p:txBody>
+          <a:bodyPr rtlCol="0" anchor="ctr"/>
+          <a:lstStyle/>
+          <a:p>
+            <a:pPr algn="ctr"/>
+            <a:r>
+              <a:rPr lang="en-US" altLang="ko-KR">
+                <a:solidFill>
+                  <a:schemeClr val="tx1"/>
+                </a:solidFill>
+                <a:latin typeface="Consolas" pitchFamily="49" charset="0"/>
+                <a:cs typeface="Consolas" pitchFamily="49" charset="0"/>
+              </a:rPr>
+              <a:t>incStrong()</a:t>
+            </a:r>
+          </a:p>
+          <a:p>
+            <a:pPr algn="ctr"/>
+            <a:r>
+              <a:rPr lang="en-US" altLang="ko-KR">
+                <a:solidFill>
+                  <a:schemeClr val="tx1"/>
+                </a:solidFill>
+                <a:latin typeface="Consolas" pitchFamily="49" charset="0"/>
+                <a:cs typeface="Consolas" pitchFamily="49" charset="0"/>
+              </a:rPr>
+              <a:t>decStrong()</a:t>
+            </a:r>
+            <a:endParaRPr lang="ko-KR" altLang="en-US">
+              <a:solidFill>
+                <a:schemeClr val="tx1"/>
+              </a:solidFill>
+              <a:latin typeface="Consolas" pitchFamily="49" charset="0"/>
+              <a:cs typeface="Consolas" pitchFamily="49" charset="0"/>
+            </a:endParaRPr>
+          </a:p>
+        </p:txBody>
+      </p:sp>
+      <p:sp>
+        <p:nvSpPr>
+          <p:cNvPr id="29" name="직사각형 28">
+            <a:extLst>
+              <a:ext uri="{FF2B5EF4-FFF2-40B4-BE49-F238E27FC236}">
+                <a16:creationId xmlns:a16="http://schemas.microsoft.com/office/drawing/2014/main" id="{CD31A2A8-E37B-488F-8534-9F93C9FC5C36}"/>
+              </a:ext>
+            </a:extLst>
+          </p:cNvPr>
+          <p:cNvSpPr/>
+          <p:nvPr/>
+        </p:nvSpPr>
+        <p:spPr>
+          <a:xfrm>
+            <a:off x="5521289" y="1726550"/>
+            <a:ext cx="1512168" cy="504056"/>
+          </a:xfrm>
+          <a:prstGeom prst="rect">
+            <a:avLst/>
+          </a:prstGeom>
+          <a:solidFill>
+            <a:srgbClr val="FFFF00"/>
+          </a:solidFill>
+          <a:ln w="12700"/>
+        </p:spPr>
+        <p:style>
+          <a:lnRef idx="2">
+            <a:schemeClr val="accent1">
+              <a:shade val="50000"/>
+            </a:schemeClr>
+          </a:lnRef>
+          <a:fillRef idx="1">
+            <a:schemeClr val="accent1"/>
+          </a:fillRef>
+          <a:effectRef idx="0">
+            <a:schemeClr val="accent1"/>
+          </a:effectRef>
+          <a:fontRef idx="minor">
+            <a:schemeClr val="lt1"/>
+          </a:fontRef>
+        </p:style>
+        <p:txBody>
+          <a:bodyPr rtlCol="0" anchor="ctr"/>
+          <a:lstStyle/>
+          <a:p>
+            <a:pPr algn="ctr"/>
+            <a:r>
+              <a:rPr lang="en-US" altLang="ko-KR">
+                <a:solidFill>
+                  <a:schemeClr val="tx1"/>
+                </a:solidFill>
+                <a:latin typeface="Consolas" pitchFamily="49" charset="0"/>
+                <a:cs typeface="Consolas" pitchFamily="49" charset="0"/>
+              </a:rPr>
+              <a:t>2</a:t>
+            </a:r>
+            <a:endParaRPr lang="ko-KR" altLang="en-US">
+              <a:solidFill>
+                <a:schemeClr val="tx1"/>
+              </a:solidFill>
+              <a:latin typeface="Consolas" pitchFamily="49" charset="0"/>
+              <a:cs typeface="Consolas" pitchFamily="49" charset="0"/>
+            </a:endParaRPr>
+          </a:p>
+        </p:txBody>
+      </p:sp>
+      <p:sp>
+        <p:nvSpPr>
+          <p:cNvPr id="30" name="TextBox 29">
+            <a:extLst>
+              <a:ext uri="{FF2B5EF4-FFF2-40B4-BE49-F238E27FC236}">
+                <a16:creationId xmlns:a16="http://schemas.microsoft.com/office/drawing/2014/main" id="{E61FDE9F-3E05-4CFB-8C49-6E29F84336A6}"/>
+              </a:ext>
+            </a:extLst>
+          </p:cNvPr>
+          <p:cNvSpPr txBox="1"/>
+          <p:nvPr/>
+        </p:nvSpPr>
+        <p:spPr>
+          <a:xfrm>
+            <a:off x="7004313" y="1793912"/>
+            <a:ext cx="817853" cy="369332"/>
+          </a:xfrm>
+          <a:prstGeom prst="rect">
+            <a:avLst/>
+          </a:prstGeom>
+          <a:noFill/>
+        </p:spPr>
+        <p:txBody>
+          <a:bodyPr wrap="none" rtlCol="0">
+            <a:spAutoFit/>
+          </a:bodyPr>
+          <a:lstStyle/>
+          <a:p>
+            <a:r>
+              <a:rPr lang="en-US" altLang="ko-KR">
+                <a:latin typeface="Consolas" pitchFamily="49" charset="0"/>
+                <a:cs typeface="Consolas" pitchFamily="49" charset="0"/>
+              </a:rPr>
+              <a:t>mRefs</a:t>
+            </a:r>
+            <a:endParaRPr lang="ko-KR" altLang="en-US">
+              <a:latin typeface="Consolas" pitchFamily="49" charset="0"/>
+              <a:cs typeface="Consolas" pitchFamily="49" charset="0"/>
+            </a:endParaRPr>
+          </a:p>
+        </p:txBody>
+      </p:sp>
+      <p:cxnSp>
+        <p:nvCxnSpPr>
+          <p:cNvPr id="41" name="직선 화살표 연결선 40">
+            <a:extLst>
+              <a:ext uri="{FF2B5EF4-FFF2-40B4-BE49-F238E27FC236}">
+                <a16:creationId xmlns:a16="http://schemas.microsoft.com/office/drawing/2014/main" id="{6B7ADBB3-CBAE-402F-95E2-242EFFC8B3D0}"/>
+              </a:ext>
+            </a:extLst>
+          </p:cNvPr>
+          <p:cNvCxnSpPr>
+            <a:cxnSpLocks/>
+            <a:stCxn id="4" idx="0"/>
+            <a:endCxn id="29" idx="2"/>
+          </p:cNvCxnSpPr>
+          <p:nvPr/>
+        </p:nvCxnSpPr>
+        <p:spPr>
+          <a:xfrm flipV="1">
+            <a:off x="6264188" y="2230606"/>
+            <a:ext cx="13185" cy="334298"/>
+          </a:xfrm>
+          <a:prstGeom prst="straightConnector1">
+            <a:avLst/>
+          </a:prstGeom>
+          <a:ln>
+            <a:tailEnd type="triangle"/>
+          </a:ln>
+        </p:spPr>
+        <p:style>
+          <a:lnRef idx="1">
+            <a:schemeClr val="accent1"/>
+          </a:lnRef>
+          <a:fillRef idx="0">
+            <a:schemeClr val="accent1"/>
+          </a:fillRef>
+          <a:effectRef idx="0">
+            <a:schemeClr val="accent1"/>
+          </a:effectRef>
+          <a:fontRef idx="minor">
+            <a:schemeClr val="tx1"/>
+          </a:fontRef>
+        </p:style>
+      </p:cxnSp>
+    </p:spTree>
+    <p:extLst>
+      <p:ext uri="{BB962C8B-B14F-4D97-AF65-F5344CB8AC3E}">
+        <p14:creationId xmlns:p14="http://schemas.microsoft.com/office/powerpoint/2010/main" val="3123491248"/>
       </p:ext>
     </p:extLst>
   </p:cSld>

--- a/03_day.pptx
+++ b/03_day.pptx
@@ -39,6 +39,13 @@
     <p:sldId id="314" r:id="rId33"/>
     <p:sldId id="315" r:id="rId34"/>
     <p:sldId id="316" r:id="rId35"/>
+    <p:sldId id="317" r:id="rId36"/>
+    <p:sldId id="318" r:id="rId37"/>
+    <p:sldId id="319" r:id="rId38"/>
+    <p:sldId id="320" r:id="rId39"/>
+    <p:sldId id="321" r:id="rId40"/>
+    <p:sldId id="323" r:id="rId41"/>
+    <p:sldId id="322" r:id="rId42"/>
   </p:sldIdLst>
   <p:sldSz cx="9144000" cy="6858000" type="screen4x3"/>
   <p:notesSz cx="6858000" cy="9144000"/>
@@ -45754,6 +45761,2759 @@
 </p:sld>
 </file>
 
+<file path=ppt/slides/slide35.xml><?xml version="1.0" encoding="utf-8"?>
+<p:sld xmlns:a="http://schemas.openxmlformats.org/drawingml/2006/main" xmlns:r="http://schemas.openxmlformats.org/officeDocument/2006/relationships" xmlns:p="http://schemas.openxmlformats.org/presentationml/2006/main">
+  <p:cSld>
+    <p:spTree>
+      <p:nvGrpSpPr>
+        <p:cNvPr id="1" name=""/>
+        <p:cNvGrpSpPr/>
+        <p:nvPr/>
+      </p:nvGrpSpPr>
+      <p:grpSpPr>
+        <a:xfrm>
+          <a:off x="0" y="0"/>
+          <a:ext cx="0" cy="0"/>
+          <a:chOff x="0" y="0"/>
+          <a:chExt cx="0" cy="0"/>
+        </a:xfrm>
+      </p:grpSpPr>
+      <p:sp>
+        <p:nvSpPr>
+          <p:cNvPr id="4" name="TextBox 3">
+            <a:extLst>
+              <a:ext uri="{FF2B5EF4-FFF2-40B4-BE49-F238E27FC236}">
+                <a16:creationId xmlns:a16="http://schemas.microsoft.com/office/drawing/2014/main" id="{DA1A75A2-8C06-4AFC-9490-C4CDB76A4669}"/>
+              </a:ext>
+            </a:extLst>
+          </p:cNvPr>
+          <p:cNvSpPr txBox="1"/>
+          <p:nvPr/>
+        </p:nvSpPr>
+        <p:spPr>
+          <a:xfrm>
+            <a:off x="539552" y="188640"/>
+            <a:ext cx="8340745" cy="1569660"/>
+          </a:xfrm>
+          <a:prstGeom prst="rect">
+            <a:avLst/>
+          </a:prstGeom>
+          <a:noFill/>
+        </p:spPr>
+        <p:txBody>
+          <a:bodyPr wrap="none" rtlCol="0">
+            <a:spAutoFit/>
+          </a:bodyPr>
+          <a:lstStyle/>
+          <a:p>
+            <a:r>
+              <a:rPr lang="en-US" altLang="ko-KR" sz="2400" b="1">
+                <a:latin typeface="Consolas" pitchFamily="49" charset="0"/>
+                <a:cs typeface="Consolas" pitchFamily="49" charset="0"/>
+              </a:rPr>
+              <a:t>sp&lt;ProcessState&gt; proc(ProcessState::self());</a:t>
+            </a:r>
+          </a:p>
+          <a:p>
+            <a:r>
+              <a:rPr lang="en-US" altLang="ko-KR" sz="2400">
+                <a:latin typeface="Consolas" pitchFamily="49" charset="0"/>
+                <a:cs typeface="Consolas" pitchFamily="49" charset="0"/>
+              </a:rPr>
+              <a:t>sp&lt;IServiceManager&gt; sm(defaultServiceManager());</a:t>
+            </a:r>
+          </a:p>
+          <a:p>
+            <a:r>
+              <a:rPr lang="en-US" altLang="ko-KR" sz="2400">
+                <a:latin typeface="Consolas" pitchFamily="49" charset="0"/>
+                <a:cs typeface="Consolas" pitchFamily="49" charset="0"/>
+              </a:rPr>
+              <a:t>IPCThreadState::self()-&gt;joinThreadPool();</a:t>
+            </a:r>
+          </a:p>
+          <a:p>
+            <a:endParaRPr lang="ko-KR" altLang="en-US" sz="2400">
+              <a:latin typeface="Consolas" pitchFamily="49" charset="0"/>
+              <a:cs typeface="Consolas" pitchFamily="49" charset="0"/>
+            </a:endParaRPr>
+          </a:p>
+        </p:txBody>
+      </p:sp>
+    </p:spTree>
+    <p:extLst>
+      <p:ext uri="{BB962C8B-B14F-4D97-AF65-F5344CB8AC3E}">
+        <p14:creationId xmlns:p14="http://schemas.microsoft.com/office/powerpoint/2010/main" val="497435474"/>
+      </p:ext>
+    </p:extLst>
+  </p:cSld>
+  <p:clrMapOvr>
+    <a:masterClrMapping/>
+  </p:clrMapOvr>
+</p:sld>
+</file>
+
+<file path=ppt/slides/slide36.xml><?xml version="1.0" encoding="utf-8"?>
+<p:sld xmlns:a="http://schemas.openxmlformats.org/drawingml/2006/main" xmlns:r="http://schemas.openxmlformats.org/officeDocument/2006/relationships" xmlns:p="http://schemas.openxmlformats.org/presentationml/2006/main">
+  <p:cSld>
+    <p:spTree>
+      <p:nvGrpSpPr>
+        <p:cNvPr id="1" name=""/>
+        <p:cNvGrpSpPr/>
+        <p:nvPr/>
+      </p:nvGrpSpPr>
+      <p:grpSpPr>
+        <a:xfrm>
+          <a:off x="0" y="0"/>
+          <a:ext cx="0" cy="0"/>
+          <a:chOff x="0" y="0"/>
+          <a:chExt cx="0" cy="0"/>
+        </a:xfrm>
+      </p:grpSpPr>
+      <p:sp>
+        <p:nvSpPr>
+          <p:cNvPr id="4" name="직사각형 3">
+            <a:extLst>
+              <a:ext uri="{FF2B5EF4-FFF2-40B4-BE49-F238E27FC236}">
+                <a16:creationId xmlns:a16="http://schemas.microsoft.com/office/drawing/2014/main" id="{4F76DD4E-EABE-4294-9016-87B731A4372F}"/>
+              </a:ext>
+            </a:extLst>
+          </p:cNvPr>
+          <p:cNvSpPr/>
+          <p:nvPr/>
+        </p:nvSpPr>
+        <p:spPr>
+          <a:xfrm>
+            <a:off x="1547664" y="476672"/>
+            <a:ext cx="2304256" cy="504056"/>
+          </a:xfrm>
+          <a:prstGeom prst="rect">
+            <a:avLst/>
+          </a:prstGeom>
+          <a:solidFill>
+            <a:srgbClr val="FFC000"/>
+          </a:solidFill>
+          <a:ln w="12700"/>
+        </p:spPr>
+        <p:style>
+          <a:lnRef idx="2">
+            <a:schemeClr val="accent1">
+              <a:shade val="50000"/>
+            </a:schemeClr>
+          </a:lnRef>
+          <a:fillRef idx="1">
+            <a:schemeClr val="accent1"/>
+          </a:fillRef>
+          <a:effectRef idx="0">
+            <a:schemeClr val="accent1"/>
+          </a:effectRef>
+          <a:fontRef idx="minor">
+            <a:schemeClr val="lt1"/>
+          </a:fontRef>
+        </p:style>
+        <p:txBody>
+          <a:bodyPr rtlCol="0" anchor="ctr"/>
+          <a:lstStyle/>
+          <a:p>
+            <a:pPr algn="ctr"/>
+            <a:r>
+              <a:rPr lang="en-US" altLang="ko-KR">
+                <a:solidFill>
+                  <a:schemeClr val="tx1"/>
+                </a:solidFill>
+                <a:latin typeface="Consolas" pitchFamily="49" charset="0"/>
+                <a:cs typeface="Consolas" pitchFamily="49" charset="0"/>
+              </a:rPr>
+              <a:t>ProcessState</a:t>
+            </a:r>
+            <a:endParaRPr lang="ko-KR" altLang="en-US">
+              <a:solidFill>
+                <a:schemeClr val="tx1"/>
+              </a:solidFill>
+              <a:latin typeface="Consolas" pitchFamily="49" charset="0"/>
+              <a:cs typeface="Consolas" pitchFamily="49" charset="0"/>
+            </a:endParaRPr>
+          </a:p>
+        </p:txBody>
+      </p:sp>
+      <p:sp>
+        <p:nvSpPr>
+          <p:cNvPr id="5" name="직사각형 4">
+            <a:extLst>
+              <a:ext uri="{FF2B5EF4-FFF2-40B4-BE49-F238E27FC236}">
+                <a16:creationId xmlns:a16="http://schemas.microsoft.com/office/drawing/2014/main" id="{FFA20F26-9859-4198-B3F9-20648D537826}"/>
+              </a:ext>
+            </a:extLst>
+          </p:cNvPr>
+          <p:cNvSpPr/>
+          <p:nvPr/>
+        </p:nvSpPr>
+        <p:spPr>
+          <a:xfrm>
+            <a:off x="1547664" y="980728"/>
+            <a:ext cx="2304256" cy="504056"/>
+          </a:xfrm>
+          <a:prstGeom prst="rect">
+            <a:avLst/>
+          </a:prstGeom>
+          <a:solidFill>
+            <a:srgbClr val="FFFF00"/>
+          </a:solidFill>
+          <a:ln w="12700"/>
+        </p:spPr>
+        <p:style>
+          <a:lnRef idx="2">
+            <a:schemeClr val="accent1">
+              <a:shade val="50000"/>
+            </a:schemeClr>
+          </a:lnRef>
+          <a:fillRef idx="1">
+            <a:schemeClr val="accent1"/>
+          </a:fillRef>
+          <a:effectRef idx="0">
+            <a:schemeClr val="accent1"/>
+          </a:effectRef>
+          <a:fontRef idx="minor">
+            <a:schemeClr val="lt1"/>
+          </a:fontRef>
+        </p:style>
+        <p:txBody>
+          <a:bodyPr rtlCol="0" anchor="ctr"/>
+          <a:lstStyle/>
+          <a:p>
+            <a:pPr algn="ctr"/>
+            <a:r>
+              <a:rPr lang="en-US" altLang="ko-KR">
+                <a:solidFill>
+                  <a:schemeClr val="tx1"/>
+                </a:solidFill>
+                <a:latin typeface="Consolas" pitchFamily="49" charset="0"/>
+                <a:cs typeface="Consolas" pitchFamily="49" charset="0"/>
+              </a:rPr>
+              <a:t>mDriverFd</a:t>
+            </a:r>
+            <a:endParaRPr lang="ko-KR" altLang="en-US">
+              <a:solidFill>
+                <a:schemeClr val="tx1"/>
+              </a:solidFill>
+              <a:latin typeface="Consolas" pitchFamily="49" charset="0"/>
+              <a:cs typeface="Consolas" pitchFamily="49" charset="0"/>
+            </a:endParaRPr>
+          </a:p>
+        </p:txBody>
+      </p:sp>
+      <p:sp>
+        <p:nvSpPr>
+          <p:cNvPr id="6" name="직사각형 5">
+            <a:extLst>
+              <a:ext uri="{FF2B5EF4-FFF2-40B4-BE49-F238E27FC236}">
+                <a16:creationId xmlns:a16="http://schemas.microsoft.com/office/drawing/2014/main" id="{EF14A1DC-0A5C-495A-A17B-36199AF6CA84}"/>
+              </a:ext>
+            </a:extLst>
+          </p:cNvPr>
+          <p:cNvSpPr/>
+          <p:nvPr/>
+        </p:nvSpPr>
+        <p:spPr>
+          <a:xfrm>
+            <a:off x="1547664" y="1484784"/>
+            <a:ext cx="2304256" cy="504056"/>
+          </a:xfrm>
+          <a:prstGeom prst="rect">
+            <a:avLst/>
+          </a:prstGeom>
+          <a:solidFill>
+            <a:srgbClr val="FFFF00"/>
+          </a:solidFill>
+          <a:ln w="12700"/>
+        </p:spPr>
+        <p:style>
+          <a:lnRef idx="2">
+            <a:schemeClr val="accent1">
+              <a:shade val="50000"/>
+            </a:schemeClr>
+          </a:lnRef>
+          <a:fillRef idx="1">
+            <a:schemeClr val="accent1"/>
+          </a:fillRef>
+          <a:effectRef idx="0">
+            <a:schemeClr val="accent1"/>
+          </a:effectRef>
+          <a:fontRef idx="minor">
+            <a:schemeClr val="lt1"/>
+          </a:fontRef>
+        </p:style>
+        <p:txBody>
+          <a:bodyPr rtlCol="0" anchor="ctr"/>
+          <a:lstStyle/>
+          <a:p>
+            <a:pPr algn="ctr"/>
+            <a:r>
+              <a:rPr lang="en-US" altLang="ko-KR">
+                <a:solidFill>
+                  <a:schemeClr val="tx1"/>
+                </a:solidFill>
+                <a:latin typeface="Consolas" pitchFamily="49" charset="0"/>
+                <a:cs typeface="Consolas" pitchFamily="49" charset="0"/>
+              </a:rPr>
+              <a:t>mVMStart</a:t>
+            </a:r>
+            <a:endParaRPr lang="ko-KR" altLang="en-US">
+              <a:solidFill>
+                <a:schemeClr val="tx1"/>
+              </a:solidFill>
+              <a:latin typeface="Consolas" pitchFamily="49" charset="0"/>
+              <a:cs typeface="Consolas" pitchFamily="49" charset="0"/>
+            </a:endParaRPr>
+          </a:p>
+        </p:txBody>
+      </p:sp>
+      <p:sp>
+        <p:nvSpPr>
+          <p:cNvPr id="7" name="직사각형 6">
+            <a:extLst>
+              <a:ext uri="{FF2B5EF4-FFF2-40B4-BE49-F238E27FC236}">
+                <a16:creationId xmlns:a16="http://schemas.microsoft.com/office/drawing/2014/main" id="{2479C4CE-5F42-416E-9CC5-70B83A3F54D2}"/>
+              </a:ext>
+            </a:extLst>
+          </p:cNvPr>
+          <p:cNvSpPr/>
+          <p:nvPr/>
+        </p:nvSpPr>
+        <p:spPr>
+          <a:xfrm>
+            <a:off x="2267744" y="2708920"/>
+            <a:ext cx="5832648" cy="2016224"/>
+          </a:xfrm>
+          <a:prstGeom prst="rect">
+            <a:avLst/>
+          </a:prstGeom>
+          <a:noFill/>
+          <a:ln w="12700"/>
+        </p:spPr>
+        <p:style>
+          <a:lnRef idx="2">
+            <a:schemeClr val="accent1">
+              <a:shade val="50000"/>
+            </a:schemeClr>
+          </a:lnRef>
+          <a:fillRef idx="1">
+            <a:schemeClr val="accent1"/>
+          </a:fillRef>
+          <a:effectRef idx="0">
+            <a:schemeClr val="accent1"/>
+          </a:effectRef>
+          <a:fontRef idx="minor">
+            <a:schemeClr val="lt1"/>
+          </a:fontRef>
+        </p:style>
+        <p:txBody>
+          <a:bodyPr rtlCol="0" anchor="ctr"/>
+          <a:lstStyle/>
+          <a:p>
+            <a:pPr algn="ctr"/>
+            <a:endParaRPr lang="ko-KR" altLang="en-US">
+              <a:solidFill>
+                <a:schemeClr val="tx1"/>
+              </a:solidFill>
+              <a:latin typeface="Consolas" pitchFamily="49" charset="0"/>
+              <a:cs typeface="Consolas" pitchFamily="49" charset="0"/>
+            </a:endParaRPr>
+          </a:p>
+        </p:txBody>
+      </p:sp>
+      <p:sp>
+        <p:nvSpPr>
+          <p:cNvPr id="8" name="직사각형 7">
+            <a:extLst>
+              <a:ext uri="{FF2B5EF4-FFF2-40B4-BE49-F238E27FC236}">
+                <a16:creationId xmlns:a16="http://schemas.microsoft.com/office/drawing/2014/main" id="{A7246F56-81BC-4258-956D-EB38682E95C3}"/>
+              </a:ext>
+            </a:extLst>
+          </p:cNvPr>
+          <p:cNvSpPr/>
+          <p:nvPr/>
+        </p:nvSpPr>
+        <p:spPr>
+          <a:xfrm>
+            <a:off x="2267744" y="4725144"/>
+            <a:ext cx="5832648" cy="2016224"/>
+          </a:xfrm>
+          <a:prstGeom prst="rect">
+            <a:avLst/>
+          </a:prstGeom>
+          <a:noFill/>
+          <a:ln w="12700"/>
+        </p:spPr>
+        <p:style>
+          <a:lnRef idx="2">
+            <a:schemeClr val="accent1">
+              <a:shade val="50000"/>
+            </a:schemeClr>
+          </a:lnRef>
+          <a:fillRef idx="1">
+            <a:schemeClr val="accent1"/>
+          </a:fillRef>
+          <a:effectRef idx="0">
+            <a:schemeClr val="accent1"/>
+          </a:effectRef>
+          <a:fontRef idx="minor">
+            <a:schemeClr val="lt1"/>
+          </a:fontRef>
+        </p:style>
+        <p:txBody>
+          <a:bodyPr rtlCol="0" anchor="ctr"/>
+          <a:lstStyle/>
+          <a:p>
+            <a:pPr algn="ctr"/>
+            <a:endParaRPr lang="ko-KR" altLang="en-US">
+              <a:solidFill>
+                <a:schemeClr val="tx1"/>
+              </a:solidFill>
+              <a:latin typeface="Consolas" pitchFamily="49" charset="0"/>
+              <a:cs typeface="Consolas" pitchFamily="49" charset="0"/>
+            </a:endParaRPr>
+          </a:p>
+        </p:txBody>
+      </p:sp>
+      <p:sp>
+        <p:nvSpPr>
+          <p:cNvPr id="9" name="직사각형 8">
+            <a:extLst>
+              <a:ext uri="{FF2B5EF4-FFF2-40B4-BE49-F238E27FC236}">
+                <a16:creationId xmlns:a16="http://schemas.microsoft.com/office/drawing/2014/main" id="{2E6CB1AD-CE1E-40C8-827C-97D2699766A9}"/>
+              </a:ext>
+            </a:extLst>
+          </p:cNvPr>
+          <p:cNvSpPr/>
+          <p:nvPr/>
+        </p:nvSpPr>
+        <p:spPr>
+          <a:xfrm>
+            <a:off x="6228184" y="4221088"/>
+            <a:ext cx="1440160" cy="504056"/>
+          </a:xfrm>
+          <a:prstGeom prst="rect">
+            <a:avLst/>
+          </a:prstGeom>
+          <a:solidFill>
+            <a:srgbClr val="FFFF00"/>
+          </a:solidFill>
+          <a:ln w="12700"/>
+        </p:spPr>
+        <p:style>
+          <a:lnRef idx="2">
+            <a:schemeClr val="accent1">
+              <a:shade val="50000"/>
+            </a:schemeClr>
+          </a:lnRef>
+          <a:fillRef idx="1">
+            <a:schemeClr val="accent1"/>
+          </a:fillRef>
+          <a:effectRef idx="0">
+            <a:schemeClr val="accent1"/>
+          </a:effectRef>
+          <a:fontRef idx="minor">
+            <a:schemeClr val="lt1"/>
+          </a:fontRef>
+        </p:style>
+        <p:txBody>
+          <a:bodyPr rtlCol="0" anchor="ctr"/>
+          <a:lstStyle/>
+          <a:p>
+            <a:pPr algn="ctr"/>
+            <a:r>
+              <a:rPr lang="en-US" altLang="ko-KR">
+                <a:solidFill>
+                  <a:schemeClr val="tx1"/>
+                </a:solidFill>
+                <a:latin typeface="Consolas" pitchFamily="49" charset="0"/>
+                <a:cs typeface="Consolas" pitchFamily="49" charset="0"/>
+              </a:rPr>
+              <a:t>3</a:t>
+            </a:r>
+            <a:endParaRPr lang="ko-KR" altLang="en-US">
+              <a:solidFill>
+                <a:schemeClr val="tx1"/>
+              </a:solidFill>
+              <a:latin typeface="Consolas" pitchFamily="49" charset="0"/>
+              <a:cs typeface="Consolas" pitchFamily="49" charset="0"/>
+            </a:endParaRPr>
+          </a:p>
+        </p:txBody>
+      </p:sp>
+      <p:sp>
+        <p:nvSpPr>
+          <p:cNvPr id="10" name="직사각형 9">
+            <a:extLst>
+              <a:ext uri="{FF2B5EF4-FFF2-40B4-BE49-F238E27FC236}">
+                <a16:creationId xmlns:a16="http://schemas.microsoft.com/office/drawing/2014/main" id="{1F9FF440-8B4D-4C77-8747-5087F994A2F5}"/>
+              </a:ext>
+            </a:extLst>
+          </p:cNvPr>
+          <p:cNvSpPr/>
+          <p:nvPr/>
+        </p:nvSpPr>
+        <p:spPr>
+          <a:xfrm>
+            <a:off x="6228184" y="4725144"/>
+            <a:ext cx="1440160" cy="504056"/>
+          </a:xfrm>
+          <a:prstGeom prst="rect">
+            <a:avLst/>
+          </a:prstGeom>
+          <a:solidFill>
+            <a:srgbClr val="FFFF00"/>
+          </a:solidFill>
+          <a:ln w="12700"/>
+        </p:spPr>
+        <p:style>
+          <a:lnRef idx="2">
+            <a:schemeClr val="accent1">
+              <a:shade val="50000"/>
+            </a:schemeClr>
+          </a:lnRef>
+          <a:fillRef idx="1">
+            <a:schemeClr val="accent1"/>
+          </a:fillRef>
+          <a:effectRef idx="0">
+            <a:schemeClr val="accent1"/>
+          </a:effectRef>
+          <a:fontRef idx="minor">
+            <a:schemeClr val="lt1"/>
+          </a:fontRef>
+        </p:style>
+        <p:txBody>
+          <a:bodyPr rtlCol="0" anchor="ctr"/>
+          <a:lstStyle/>
+          <a:p>
+            <a:pPr algn="ctr"/>
+            <a:r>
+              <a:rPr lang="en-US" altLang="ko-KR">
+                <a:solidFill>
+                  <a:schemeClr val="tx1"/>
+                </a:solidFill>
+                <a:latin typeface="Consolas" pitchFamily="49" charset="0"/>
+                <a:cs typeface="Consolas" pitchFamily="49" charset="0"/>
+              </a:rPr>
+              <a:t>10, 45</a:t>
+            </a:r>
+            <a:endParaRPr lang="ko-KR" altLang="en-US">
+              <a:solidFill>
+                <a:schemeClr val="tx1"/>
+              </a:solidFill>
+              <a:latin typeface="Consolas" pitchFamily="49" charset="0"/>
+              <a:cs typeface="Consolas" pitchFamily="49" charset="0"/>
+            </a:endParaRPr>
+          </a:p>
+        </p:txBody>
+      </p:sp>
+      <p:cxnSp>
+        <p:nvCxnSpPr>
+          <p:cNvPr id="12" name="연결선: 꺾임 11">
+            <a:extLst>
+              <a:ext uri="{FF2B5EF4-FFF2-40B4-BE49-F238E27FC236}">
+                <a16:creationId xmlns:a16="http://schemas.microsoft.com/office/drawing/2014/main" id="{E99F3054-4DAF-4E05-A6C1-F86D4BD4696A}"/>
+              </a:ext>
+            </a:extLst>
+          </p:cNvPr>
+          <p:cNvCxnSpPr>
+            <a:stCxn id="5" idx="3"/>
+            <a:endCxn id="9" idx="0"/>
+          </p:cNvCxnSpPr>
+          <p:nvPr/>
+        </p:nvCxnSpPr>
+        <p:spPr>
+          <a:xfrm>
+            <a:off x="3851920" y="1232756"/>
+            <a:ext cx="3096344" cy="2988332"/>
+          </a:xfrm>
+          <a:prstGeom prst="bentConnector2">
+            <a:avLst/>
+          </a:prstGeom>
+          <a:ln>
+            <a:tailEnd type="triangle"/>
+          </a:ln>
+        </p:spPr>
+        <p:style>
+          <a:lnRef idx="1">
+            <a:schemeClr val="accent1"/>
+          </a:lnRef>
+          <a:fillRef idx="0">
+            <a:schemeClr val="accent1"/>
+          </a:fillRef>
+          <a:effectRef idx="0">
+            <a:schemeClr val="accent1"/>
+          </a:effectRef>
+          <a:fontRef idx="minor">
+            <a:schemeClr val="tx1"/>
+          </a:fontRef>
+        </p:style>
+      </p:cxnSp>
+      <p:sp>
+        <p:nvSpPr>
+          <p:cNvPr id="14" name="직사각형 13">
+            <a:extLst>
+              <a:ext uri="{FF2B5EF4-FFF2-40B4-BE49-F238E27FC236}">
+                <a16:creationId xmlns:a16="http://schemas.microsoft.com/office/drawing/2014/main" id="{12F42F13-8C19-43FA-AA9D-1F44A72D2BB7}"/>
+              </a:ext>
+            </a:extLst>
+          </p:cNvPr>
+          <p:cNvSpPr/>
+          <p:nvPr/>
+        </p:nvSpPr>
+        <p:spPr>
+          <a:xfrm>
+            <a:off x="4211960" y="3209528"/>
+            <a:ext cx="1440160" cy="1513892"/>
+          </a:xfrm>
+          <a:prstGeom prst="rect">
+            <a:avLst/>
+          </a:prstGeom>
+          <a:solidFill>
+            <a:srgbClr val="FFFF00"/>
+          </a:solidFill>
+          <a:ln w="12700"/>
+        </p:spPr>
+        <p:style>
+          <a:lnRef idx="2">
+            <a:schemeClr val="accent1">
+              <a:shade val="50000"/>
+            </a:schemeClr>
+          </a:lnRef>
+          <a:fillRef idx="1">
+            <a:schemeClr val="accent1"/>
+          </a:fillRef>
+          <a:effectRef idx="0">
+            <a:schemeClr val="accent1"/>
+          </a:effectRef>
+          <a:fontRef idx="minor">
+            <a:schemeClr val="lt1"/>
+          </a:fontRef>
+        </p:style>
+        <p:txBody>
+          <a:bodyPr rtlCol="0" anchor="ctr"/>
+          <a:lstStyle/>
+          <a:p>
+            <a:pPr algn="ctr"/>
+            <a:endParaRPr lang="ko-KR" altLang="en-US">
+              <a:solidFill>
+                <a:schemeClr val="tx1"/>
+              </a:solidFill>
+              <a:latin typeface="Consolas" pitchFamily="49" charset="0"/>
+              <a:cs typeface="Consolas" pitchFamily="49" charset="0"/>
+            </a:endParaRPr>
+          </a:p>
+        </p:txBody>
+      </p:sp>
+      <p:sp>
+        <p:nvSpPr>
+          <p:cNvPr id="15" name="직사각형 14">
+            <a:extLst>
+              <a:ext uri="{FF2B5EF4-FFF2-40B4-BE49-F238E27FC236}">
+                <a16:creationId xmlns:a16="http://schemas.microsoft.com/office/drawing/2014/main" id="{94071BA8-F219-492D-B528-1E39F6C5C581}"/>
+              </a:ext>
+            </a:extLst>
+          </p:cNvPr>
+          <p:cNvSpPr/>
+          <p:nvPr/>
+        </p:nvSpPr>
+        <p:spPr>
+          <a:xfrm>
+            <a:off x="4211960" y="4723420"/>
+            <a:ext cx="1440160" cy="1513892"/>
+          </a:xfrm>
+          <a:prstGeom prst="rect">
+            <a:avLst/>
+          </a:prstGeom>
+          <a:solidFill>
+            <a:srgbClr val="FFFF00"/>
+          </a:solidFill>
+          <a:ln w="12700"/>
+        </p:spPr>
+        <p:style>
+          <a:lnRef idx="2">
+            <a:schemeClr val="accent1">
+              <a:shade val="50000"/>
+            </a:schemeClr>
+          </a:lnRef>
+          <a:fillRef idx="1">
+            <a:schemeClr val="accent1"/>
+          </a:fillRef>
+          <a:effectRef idx="0">
+            <a:schemeClr val="accent1"/>
+          </a:effectRef>
+          <a:fontRef idx="minor">
+            <a:schemeClr val="lt1"/>
+          </a:fontRef>
+        </p:style>
+        <p:txBody>
+          <a:bodyPr rtlCol="0" anchor="ctr"/>
+          <a:lstStyle/>
+          <a:p>
+            <a:pPr algn="ctr"/>
+            <a:endParaRPr lang="ko-KR" altLang="en-US">
+              <a:solidFill>
+                <a:schemeClr val="tx1"/>
+              </a:solidFill>
+              <a:latin typeface="Consolas" pitchFamily="49" charset="0"/>
+              <a:cs typeface="Consolas" pitchFamily="49" charset="0"/>
+            </a:endParaRPr>
+          </a:p>
+        </p:txBody>
+      </p:sp>
+      <p:sp>
+        <p:nvSpPr>
+          <p:cNvPr id="17" name="직사각형 16">
+            <a:extLst>
+              <a:ext uri="{FF2B5EF4-FFF2-40B4-BE49-F238E27FC236}">
+                <a16:creationId xmlns:a16="http://schemas.microsoft.com/office/drawing/2014/main" id="{5742F4D0-76A2-4E2C-8262-193884658BFE}"/>
+              </a:ext>
+            </a:extLst>
+          </p:cNvPr>
+          <p:cNvSpPr/>
+          <p:nvPr/>
+        </p:nvSpPr>
+        <p:spPr>
+          <a:xfrm>
+            <a:off x="4211960" y="3696353"/>
+            <a:ext cx="1440160" cy="572616"/>
+          </a:xfrm>
+          <a:prstGeom prst="rect">
+            <a:avLst/>
+          </a:prstGeom>
+          <a:solidFill>
+            <a:srgbClr val="FFC000"/>
+          </a:solidFill>
+          <a:ln w="12700"/>
+        </p:spPr>
+        <p:style>
+          <a:lnRef idx="2">
+            <a:schemeClr val="accent1">
+              <a:shade val="50000"/>
+            </a:schemeClr>
+          </a:lnRef>
+          <a:fillRef idx="1">
+            <a:schemeClr val="accent1"/>
+          </a:fillRef>
+          <a:effectRef idx="0">
+            <a:schemeClr val="accent1"/>
+          </a:effectRef>
+          <a:fontRef idx="minor">
+            <a:schemeClr val="lt1"/>
+          </a:fontRef>
+        </p:style>
+        <p:txBody>
+          <a:bodyPr rtlCol="0" anchor="ctr"/>
+          <a:lstStyle/>
+          <a:p>
+            <a:pPr algn="ctr"/>
+            <a:endParaRPr lang="ko-KR" altLang="en-US">
+              <a:solidFill>
+                <a:schemeClr val="tx1"/>
+              </a:solidFill>
+              <a:latin typeface="Consolas" pitchFamily="49" charset="0"/>
+              <a:cs typeface="Consolas" pitchFamily="49" charset="0"/>
+            </a:endParaRPr>
+          </a:p>
+        </p:txBody>
+      </p:sp>
+      <p:cxnSp>
+        <p:nvCxnSpPr>
+          <p:cNvPr id="19" name="직선 화살표 연결선 18">
+            <a:extLst>
+              <a:ext uri="{FF2B5EF4-FFF2-40B4-BE49-F238E27FC236}">
+                <a16:creationId xmlns:a16="http://schemas.microsoft.com/office/drawing/2014/main" id="{B622CFFE-6E5A-4D3B-8703-147530C69888}"/>
+              </a:ext>
+            </a:extLst>
+          </p:cNvPr>
+          <p:cNvCxnSpPr>
+            <a:stCxn id="6" idx="3"/>
+          </p:cNvCxnSpPr>
+          <p:nvPr/>
+        </p:nvCxnSpPr>
+        <p:spPr>
+          <a:xfrm>
+            <a:off x="3851920" y="1736812"/>
+            <a:ext cx="360040" cy="1959541"/>
+          </a:xfrm>
+          <a:prstGeom prst="straightConnector1">
+            <a:avLst/>
+          </a:prstGeom>
+          <a:ln>
+            <a:tailEnd type="triangle"/>
+          </a:ln>
+        </p:spPr>
+        <p:style>
+          <a:lnRef idx="1">
+            <a:schemeClr val="accent1"/>
+          </a:lnRef>
+          <a:fillRef idx="0">
+            <a:schemeClr val="accent1"/>
+          </a:fillRef>
+          <a:effectRef idx="0">
+            <a:schemeClr val="accent1"/>
+          </a:effectRef>
+          <a:fontRef idx="minor">
+            <a:schemeClr val="tx1"/>
+          </a:fontRef>
+        </p:style>
+      </p:cxnSp>
+    </p:spTree>
+    <p:extLst>
+      <p:ext uri="{BB962C8B-B14F-4D97-AF65-F5344CB8AC3E}">
+        <p14:creationId xmlns:p14="http://schemas.microsoft.com/office/powerpoint/2010/main" val="889569341"/>
+      </p:ext>
+    </p:extLst>
+  </p:cSld>
+  <p:clrMapOvr>
+    <a:masterClrMapping/>
+  </p:clrMapOvr>
+</p:sld>
+</file>
+
+<file path=ppt/slides/slide37.xml><?xml version="1.0" encoding="utf-8"?>
+<p:sld xmlns:a="http://schemas.openxmlformats.org/drawingml/2006/main" xmlns:r="http://schemas.openxmlformats.org/officeDocument/2006/relationships" xmlns:p="http://schemas.openxmlformats.org/presentationml/2006/main">
+  <p:cSld>
+    <p:spTree>
+      <p:nvGrpSpPr>
+        <p:cNvPr id="1" name=""/>
+        <p:cNvGrpSpPr/>
+        <p:nvPr/>
+      </p:nvGrpSpPr>
+      <p:grpSpPr>
+        <a:xfrm>
+          <a:off x="0" y="0"/>
+          <a:ext cx="0" cy="0"/>
+          <a:chOff x="0" y="0"/>
+          <a:chExt cx="0" cy="0"/>
+        </a:xfrm>
+      </p:grpSpPr>
+      <p:sp>
+        <p:nvSpPr>
+          <p:cNvPr id="4" name="TextBox 3">
+            <a:extLst>
+              <a:ext uri="{FF2B5EF4-FFF2-40B4-BE49-F238E27FC236}">
+                <a16:creationId xmlns:a16="http://schemas.microsoft.com/office/drawing/2014/main" id="{DA1A75A2-8C06-4AFC-9490-C4CDB76A4669}"/>
+              </a:ext>
+            </a:extLst>
+          </p:cNvPr>
+          <p:cNvSpPr txBox="1"/>
+          <p:nvPr/>
+        </p:nvSpPr>
+        <p:spPr>
+          <a:xfrm>
+            <a:off x="0" y="116632"/>
+            <a:ext cx="10039928" cy="2677656"/>
+          </a:xfrm>
+          <a:prstGeom prst="rect">
+            <a:avLst/>
+          </a:prstGeom>
+          <a:noFill/>
+        </p:spPr>
+        <p:txBody>
+          <a:bodyPr wrap="none" rtlCol="0">
+            <a:spAutoFit/>
+          </a:bodyPr>
+          <a:lstStyle/>
+          <a:p>
+            <a:r>
+              <a:rPr lang="en-US" altLang="ko-KR" sz="2400" b="1">
+                <a:latin typeface="Consolas" pitchFamily="49" charset="0"/>
+                <a:cs typeface="Consolas" pitchFamily="49" charset="0"/>
+              </a:rPr>
+              <a:t>defaultServiceManager();</a:t>
+            </a:r>
+          </a:p>
+          <a:p>
+            <a:r>
+              <a:rPr lang="en-US" altLang="ko-KR" sz="2400">
+                <a:latin typeface="Consolas" pitchFamily="49" charset="0"/>
+                <a:cs typeface="Consolas" pitchFamily="49" charset="0"/>
+              </a:rPr>
+              <a:t>gDefaultServiceManager = interface_cast&lt;IServiceManager&gt;</a:t>
+            </a:r>
+          </a:p>
+          <a:p>
+            <a:r>
+              <a:rPr lang="en-US" altLang="ko-KR" sz="2400">
+                <a:latin typeface="Consolas" pitchFamily="49" charset="0"/>
+                <a:cs typeface="Consolas" pitchFamily="49" charset="0"/>
+              </a:rPr>
+              <a:t>                         (</a:t>
+            </a:r>
+          </a:p>
+          <a:p>
+            <a:r>
+              <a:rPr lang="en-US" altLang="ko-KR" sz="2400">
+                <a:latin typeface="Consolas" pitchFamily="49" charset="0"/>
+                <a:cs typeface="Consolas" pitchFamily="49" charset="0"/>
+              </a:rPr>
+              <a:t>                              proc-&gt;getContextObject(NULL)</a:t>
+            </a:r>
+          </a:p>
+          <a:p>
+            <a:r>
+              <a:rPr lang="en-US" altLang="ko-KR" sz="2400">
+                <a:latin typeface="Consolas" pitchFamily="49" charset="0"/>
+                <a:cs typeface="Consolas" pitchFamily="49" charset="0"/>
+              </a:rPr>
+              <a:t>                         );</a:t>
+            </a:r>
+          </a:p>
+          <a:p>
+            <a:endParaRPr lang="en-US" altLang="ko-KR" sz="2400">
+              <a:latin typeface="Consolas" pitchFamily="49" charset="0"/>
+              <a:cs typeface="Consolas" pitchFamily="49" charset="0"/>
+            </a:endParaRPr>
+          </a:p>
+          <a:p>
+            <a:r>
+              <a:rPr lang="en-US" altLang="ko-KR" sz="2400">
+                <a:latin typeface="Consolas" pitchFamily="49" charset="0"/>
+                <a:cs typeface="Consolas" pitchFamily="49" charset="0"/>
+              </a:rPr>
+              <a:t>return getStrongProxyForHandle(0);</a:t>
+            </a:r>
+            <a:endParaRPr lang="ko-KR" altLang="en-US" sz="2400">
+              <a:latin typeface="Consolas" pitchFamily="49" charset="0"/>
+              <a:cs typeface="Consolas" pitchFamily="49" charset="0"/>
+            </a:endParaRPr>
+          </a:p>
+        </p:txBody>
+      </p:sp>
+    </p:spTree>
+    <p:extLst>
+      <p:ext uri="{BB962C8B-B14F-4D97-AF65-F5344CB8AC3E}">
+        <p14:creationId xmlns:p14="http://schemas.microsoft.com/office/powerpoint/2010/main" val="3989029869"/>
+      </p:ext>
+    </p:extLst>
+  </p:cSld>
+  <p:clrMapOvr>
+    <a:masterClrMapping/>
+  </p:clrMapOvr>
+</p:sld>
+</file>
+
+<file path=ppt/slides/slide38.xml><?xml version="1.0" encoding="utf-8"?>
+<p:sld xmlns:a="http://schemas.openxmlformats.org/drawingml/2006/main" xmlns:r="http://schemas.openxmlformats.org/officeDocument/2006/relationships" xmlns:p="http://schemas.openxmlformats.org/presentationml/2006/main">
+  <p:cSld>
+    <p:spTree>
+      <p:nvGrpSpPr>
+        <p:cNvPr id="1" name=""/>
+        <p:cNvGrpSpPr/>
+        <p:nvPr/>
+      </p:nvGrpSpPr>
+      <p:grpSpPr>
+        <a:xfrm>
+          <a:off x="0" y="0"/>
+          <a:ext cx="0" cy="0"/>
+          <a:chOff x="0" y="0"/>
+          <a:chExt cx="0" cy="0"/>
+        </a:xfrm>
+      </p:grpSpPr>
+      <p:sp>
+        <p:nvSpPr>
+          <p:cNvPr id="4" name="직사각형 3">
+            <a:extLst>
+              <a:ext uri="{FF2B5EF4-FFF2-40B4-BE49-F238E27FC236}">
+                <a16:creationId xmlns:a16="http://schemas.microsoft.com/office/drawing/2014/main" id="{E4A51020-CE16-4195-9110-3B55D82D2127}"/>
+              </a:ext>
+            </a:extLst>
+          </p:cNvPr>
+          <p:cNvSpPr/>
+          <p:nvPr/>
+        </p:nvSpPr>
+        <p:spPr>
+          <a:xfrm>
+            <a:off x="1547664" y="476672"/>
+            <a:ext cx="2304256" cy="504056"/>
+          </a:xfrm>
+          <a:prstGeom prst="rect">
+            <a:avLst/>
+          </a:prstGeom>
+          <a:solidFill>
+            <a:srgbClr val="FFC000"/>
+          </a:solidFill>
+          <a:ln w="12700"/>
+        </p:spPr>
+        <p:style>
+          <a:lnRef idx="2">
+            <a:schemeClr val="accent1">
+              <a:shade val="50000"/>
+            </a:schemeClr>
+          </a:lnRef>
+          <a:fillRef idx="1">
+            <a:schemeClr val="accent1"/>
+          </a:fillRef>
+          <a:effectRef idx="0">
+            <a:schemeClr val="accent1"/>
+          </a:effectRef>
+          <a:fontRef idx="minor">
+            <a:schemeClr val="lt1"/>
+          </a:fontRef>
+        </p:style>
+        <p:txBody>
+          <a:bodyPr rtlCol="0" anchor="ctr"/>
+          <a:lstStyle/>
+          <a:p>
+            <a:pPr algn="ctr"/>
+            <a:r>
+              <a:rPr lang="en-US" altLang="ko-KR">
+                <a:solidFill>
+                  <a:schemeClr val="tx1"/>
+                </a:solidFill>
+                <a:latin typeface="Consolas" pitchFamily="49" charset="0"/>
+                <a:cs typeface="Consolas" pitchFamily="49" charset="0"/>
+              </a:rPr>
+              <a:t>ProcessState</a:t>
+            </a:r>
+            <a:endParaRPr lang="ko-KR" altLang="en-US">
+              <a:solidFill>
+                <a:schemeClr val="tx1"/>
+              </a:solidFill>
+              <a:latin typeface="Consolas" pitchFamily="49" charset="0"/>
+              <a:cs typeface="Consolas" pitchFamily="49" charset="0"/>
+            </a:endParaRPr>
+          </a:p>
+        </p:txBody>
+      </p:sp>
+      <p:sp>
+        <p:nvSpPr>
+          <p:cNvPr id="5" name="직사각형 4">
+            <a:extLst>
+              <a:ext uri="{FF2B5EF4-FFF2-40B4-BE49-F238E27FC236}">
+                <a16:creationId xmlns:a16="http://schemas.microsoft.com/office/drawing/2014/main" id="{52BC95BC-D2B7-4881-8B1E-00828B137ACE}"/>
+              </a:ext>
+            </a:extLst>
+          </p:cNvPr>
+          <p:cNvSpPr/>
+          <p:nvPr/>
+        </p:nvSpPr>
+        <p:spPr>
+          <a:xfrm>
+            <a:off x="1547664" y="980728"/>
+            <a:ext cx="2304256" cy="504056"/>
+          </a:xfrm>
+          <a:prstGeom prst="rect">
+            <a:avLst/>
+          </a:prstGeom>
+          <a:solidFill>
+            <a:srgbClr val="FFFF00"/>
+          </a:solidFill>
+          <a:ln w="12700"/>
+        </p:spPr>
+        <p:style>
+          <a:lnRef idx="2">
+            <a:schemeClr val="accent1">
+              <a:shade val="50000"/>
+            </a:schemeClr>
+          </a:lnRef>
+          <a:fillRef idx="1">
+            <a:schemeClr val="accent1"/>
+          </a:fillRef>
+          <a:effectRef idx="0">
+            <a:schemeClr val="accent1"/>
+          </a:effectRef>
+          <a:fontRef idx="minor">
+            <a:schemeClr val="lt1"/>
+          </a:fontRef>
+        </p:style>
+        <p:txBody>
+          <a:bodyPr rtlCol="0" anchor="ctr"/>
+          <a:lstStyle/>
+          <a:p>
+            <a:pPr algn="ctr"/>
+            <a:r>
+              <a:rPr lang="en-US" altLang="ko-KR">
+                <a:solidFill>
+                  <a:schemeClr val="tx1"/>
+                </a:solidFill>
+                <a:latin typeface="Consolas" pitchFamily="49" charset="0"/>
+                <a:cs typeface="Consolas" pitchFamily="49" charset="0"/>
+              </a:rPr>
+              <a:t>mDriverFd</a:t>
+            </a:r>
+            <a:endParaRPr lang="ko-KR" altLang="en-US">
+              <a:solidFill>
+                <a:schemeClr val="tx1"/>
+              </a:solidFill>
+              <a:latin typeface="Consolas" pitchFamily="49" charset="0"/>
+              <a:cs typeface="Consolas" pitchFamily="49" charset="0"/>
+            </a:endParaRPr>
+          </a:p>
+        </p:txBody>
+      </p:sp>
+      <p:sp>
+        <p:nvSpPr>
+          <p:cNvPr id="6" name="직사각형 5">
+            <a:extLst>
+              <a:ext uri="{FF2B5EF4-FFF2-40B4-BE49-F238E27FC236}">
+                <a16:creationId xmlns:a16="http://schemas.microsoft.com/office/drawing/2014/main" id="{62DE2CD0-C04F-4F5C-9F36-9127D5A74014}"/>
+              </a:ext>
+            </a:extLst>
+          </p:cNvPr>
+          <p:cNvSpPr/>
+          <p:nvPr/>
+        </p:nvSpPr>
+        <p:spPr>
+          <a:xfrm>
+            <a:off x="1547664" y="1484784"/>
+            <a:ext cx="2304256" cy="504056"/>
+          </a:xfrm>
+          <a:prstGeom prst="rect">
+            <a:avLst/>
+          </a:prstGeom>
+          <a:solidFill>
+            <a:srgbClr val="FFFF00"/>
+          </a:solidFill>
+          <a:ln w="12700"/>
+        </p:spPr>
+        <p:style>
+          <a:lnRef idx="2">
+            <a:schemeClr val="accent1">
+              <a:shade val="50000"/>
+            </a:schemeClr>
+          </a:lnRef>
+          <a:fillRef idx="1">
+            <a:schemeClr val="accent1"/>
+          </a:fillRef>
+          <a:effectRef idx="0">
+            <a:schemeClr val="accent1"/>
+          </a:effectRef>
+          <a:fontRef idx="minor">
+            <a:schemeClr val="lt1"/>
+          </a:fontRef>
+        </p:style>
+        <p:txBody>
+          <a:bodyPr rtlCol="0" anchor="ctr"/>
+          <a:lstStyle/>
+          <a:p>
+            <a:pPr algn="ctr"/>
+            <a:r>
+              <a:rPr lang="en-US" altLang="ko-KR">
+                <a:solidFill>
+                  <a:schemeClr val="tx1"/>
+                </a:solidFill>
+                <a:latin typeface="Consolas" pitchFamily="49" charset="0"/>
+                <a:cs typeface="Consolas" pitchFamily="49" charset="0"/>
+              </a:rPr>
+              <a:t>mVMStart</a:t>
+            </a:r>
+            <a:endParaRPr lang="ko-KR" altLang="en-US">
+              <a:solidFill>
+                <a:schemeClr val="tx1"/>
+              </a:solidFill>
+              <a:latin typeface="Consolas" pitchFamily="49" charset="0"/>
+              <a:cs typeface="Consolas" pitchFamily="49" charset="0"/>
+            </a:endParaRPr>
+          </a:p>
+        </p:txBody>
+      </p:sp>
+      <p:sp>
+        <p:nvSpPr>
+          <p:cNvPr id="7" name="직사각형 6">
+            <a:extLst>
+              <a:ext uri="{FF2B5EF4-FFF2-40B4-BE49-F238E27FC236}">
+                <a16:creationId xmlns:a16="http://schemas.microsoft.com/office/drawing/2014/main" id="{5D5E9B13-AFEB-4348-9FF8-39FC6B3F850A}"/>
+              </a:ext>
+            </a:extLst>
+          </p:cNvPr>
+          <p:cNvSpPr/>
+          <p:nvPr/>
+        </p:nvSpPr>
+        <p:spPr>
+          <a:xfrm>
+            <a:off x="1547664" y="1988840"/>
+            <a:ext cx="2304256" cy="504056"/>
+          </a:xfrm>
+          <a:prstGeom prst="rect">
+            <a:avLst/>
+          </a:prstGeom>
+          <a:solidFill>
+            <a:srgbClr val="FFFF00"/>
+          </a:solidFill>
+          <a:ln w="12700"/>
+        </p:spPr>
+        <p:style>
+          <a:lnRef idx="2">
+            <a:schemeClr val="accent1">
+              <a:shade val="50000"/>
+            </a:schemeClr>
+          </a:lnRef>
+          <a:fillRef idx="1">
+            <a:schemeClr val="accent1"/>
+          </a:fillRef>
+          <a:effectRef idx="0">
+            <a:schemeClr val="accent1"/>
+          </a:effectRef>
+          <a:fontRef idx="minor">
+            <a:schemeClr val="lt1"/>
+          </a:fontRef>
+        </p:style>
+        <p:txBody>
+          <a:bodyPr rtlCol="0" anchor="ctr"/>
+          <a:lstStyle/>
+          <a:p>
+            <a:pPr algn="ctr"/>
+            <a:r>
+              <a:rPr lang="en-US" altLang="ko-KR">
+                <a:solidFill>
+                  <a:schemeClr val="tx1"/>
+                </a:solidFill>
+                <a:latin typeface="Consolas" pitchFamily="49" charset="0"/>
+                <a:cs typeface="Consolas" pitchFamily="49" charset="0"/>
+              </a:rPr>
+              <a:t>mHandleToObject</a:t>
+            </a:r>
+            <a:endParaRPr lang="ko-KR" altLang="en-US">
+              <a:solidFill>
+                <a:schemeClr val="tx1"/>
+              </a:solidFill>
+              <a:latin typeface="Consolas" pitchFamily="49" charset="0"/>
+              <a:cs typeface="Consolas" pitchFamily="49" charset="0"/>
+            </a:endParaRPr>
+          </a:p>
+        </p:txBody>
+      </p:sp>
+      <p:sp>
+        <p:nvSpPr>
+          <p:cNvPr id="8" name="직사각형 7">
+            <a:extLst>
+              <a:ext uri="{FF2B5EF4-FFF2-40B4-BE49-F238E27FC236}">
+                <a16:creationId xmlns:a16="http://schemas.microsoft.com/office/drawing/2014/main" id="{DFDA02B3-7DBF-4EE2-A8AC-EF5A97457D63}"/>
+              </a:ext>
+            </a:extLst>
+          </p:cNvPr>
+          <p:cNvSpPr/>
+          <p:nvPr/>
+        </p:nvSpPr>
+        <p:spPr>
+          <a:xfrm>
+            <a:off x="4785925" y="1933005"/>
+            <a:ext cx="720080" cy="504056"/>
+          </a:xfrm>
+          <a:prstGeom prst="rect">
+            <a:avLst/>
+          </a:prstGeom>
+          <a:solidFill>
+            <a:srgbClr val="FFFF00"/>
+          </a:solidFill>
+          <a:ln w="12700"/>
+        </p:spPr>
+        <p:style>
+          <a:lnRef idx="2">
+            <a:schemeClr val="accent1">
+              <a:shade val="50000"/>
+            </a:schemeClr>
+          </a:lnRef>
+          <a:fillRef idx="1">
+            <a:schemeClr val="accent1"/>
+          </a:fillRef>
+          <a:effectRef idx="0">
+            <a:schemeClr val="accent1"/>
+          </a:effectRef>
+          <a:fontRef idx="minor">
+            <a:schemeClr val="lt1"/>
+          </a:fontRef>
+        </p:style>
+        <p:txBody>
+          <a:bodyPr rtlCol="0" anchor="ctr"/>
+          <a:lstStyle/>
+          <a:p>
+            <a:pPr algn="ctr"/>
+            <a:endParaRPr lang="ko-KR" altLang="en-US">
+              <a:solidFill>
+                <a:schemeClr val="tx1"/>
+              </a:solidFill>
+              <a:latin typeface="Consolas" pitchFamily="49" charset="0"/>
+              <a:cs typeface="Consolas" pitchFamily="49" charset="0"/>
+            </a:endParaRPr>
+          </a:p>
+        </p:txBody>
+      </p:sp>
+      <p:sp>
+        <p:nvSpPr>
+          <p:cNvPr id="9" name="TextBox 8">
+            <a:extLst>
+              <a:ext uri="{FF2B5EF4-FFF2-40B4-BE49-F238E27FC236}">
+                <a16:creationId xmlns:a16="http://schemas.microsoft.com/office/drawing/2014/main" id="{C900B847-8433-48CF-866C-76F3B2207517}"/>
+              </a:ext>
+            </a:extLst>
+          </p:cNvPr>
+          <p:cNvSpPr txBox="1"/>
+          <p:nvPr/>
+        </p:nvSpPr>
+        <p:spPr>
+          <a:xfrm>
+            <a:off x="5473758" y="2000367"/>
+            <a:ext cx="944489" cy="369332"/>
+          </a:xfrm>
+          <a:prstGeom prst="rect">
+            <a:avLst/>
+          </a:prstGeom>
+          <a:noFill/>
+        </p:spPr>
+        <p:txBody>
+          <a:bodyPr wrap="none" rtlCol="0">
+            <a:spAutoFit/>
+          </a:bodyPr>
+          <a:lstStyle/>
+          <a:p>
+            <a:r>
+              <a:rPr lang="en-US" altLang="ko-KR">
+                <a:latin typeface="Consolas" pitchFamily="49" charset="0"/>
+                <a:cs typeface="Consolas" pitchFamily="49" charset="0"/>
+              </a:rPr>
+              <a:t>binder</a:t>
+            </a:r>
+            <a:endParaRPr lang="ko-KR" altLang="en-US">
+              <a:latin typeface="Consolas" pitchFamily="49" charset="0"/>
+              <a:cs typeface="Consolas" pitchFamily="49" charset="0"/>
+            </a:endParaRPr>
+          </a:p>
+        </p:txBody>
+      </p:sp>
+      <p:sp>
+        <p:nvSpPr>
+          <p:cNvPr id="10" name="직사각형 9">
+            <a:extLst>
+              <a:ext uri="{FF2B5EF4-FFF2-40B4-BE49-F238E27FC236}">
+                <a16:creationId xmlns:a16="http://schemas.microsoft.com/office/drawing/2014/main" id="{3D22E2F6-C1C4-4B2D-8828-30DD96C903DD}"/>
+              </a:ext>
+            </a:extLst>
+          </p:cNvPr>
+          <p:cNvSpPr/>
+          <p:nvPr/>
+        </p:nvSpPr>
+        <p:spPr>
+          <a:xfrm>
+            <a:off x="4786229" y="1469544"/>
+            <a:ext cx="720080" cy="504056"/>
+          </a:xfrm>
+          <a:prstGeom prst="rect">
+            <a:avLst/>
+          </a:prstGeom>
+          <a:noFill/>
+          <a:ln w="12700">
+            <a:noFill/>
+          </a:ln>
+        </p:spPr>
+        <p:style>
+          <a:lnRef idx="2">
+            <a:schemeClr val="accent1">
+              <a:shade val="50000"/>
+            </a:schemeClr>
+          </a:lnRef>
+          <a:fillRef idx="1">
+            <a:schemeClr val="accent1"/>
+          </a:fillRef>
+          <a:effectRef idx="0">
+            <a:schemeClr val="accent1"/>
+          </a:effectRef>
+          <a:fontRef idx="minor">
+            <a:schemeClr val="lt1"/>
+          </a:fontRef>
+        </p:style>
+        <p:txBody>
+          <a:bodyPr rtlCol="0" anchor="ctr"/>
+          <a:lstStyle/>
+          <a:p>
+            <a:pPr algn="ctr"/>
+            <a:r>
+              <a:rPr lang="en-US" altLang="ko-KR">
+                <a:solidFill>
+                  <a:schemeClr val="tx1"/>
+                </a:solidFill>
+                <a:latin typeface="Consolas" pitchFamily="49" charset="0"/>
+                <a:cs typeface="Consolas" pitchFamily="49" charset="0"/>
+              </a:rPr>
+              <a:t>0</a:t>
+            </a:r>
+            <a:endParaRPr lang="ko-KR" altLang="en-US">
+              <a:solidFill>
+                <a:schemeClr val="tx1"/>
+              </a:solidFill>
+              <a:latin typeface="Consolas" pitchFamily="49" charset="0"/>
+              <a:cs typeface="Consolas" pitchFamily="49" charset="0"/>
+            </a:endParaRPr>
+          </a:p>
+        </p:txBody>
+      </p:sp>
+      <p:cxnSp>
+        <p:nvCxnSpPr>
+          <p:cNvPr id="12" name="직선 화살표 연결선 11">
+            <a:extLst>
+              <a:ext uri="{FF2B5EF4-FFF2-40B4-BE49-F238E27FC236}">
+                <a16:creationId xmlns:a16="http://schemas.microsoft.com/office/drawing/2014/main" id="{9558DF4E-5A62-4249-AF66-EFC2E0FFB1E4}"/>
+              </a:ext>
+            </a:extLst>
+          </p:cNvPr>
+          <p:cNvCxnSpPr>
+            <a:stCxn id="7" idx="3"/>
+            <a:endCxn id="8" idx="1"/>
+          </p:cNvCxnSpPr>
+          <p:nvPr/>
+        </p:nvCxnSpPr>
+        <p:spPr>
+          <a:xfrm flipV="1">
+            <a:off x="3851920" y="2185033"/>
+            <a:ext cx="934005" cy="55835"/>
+          </a:xfrm>
+          <a:prstGeom prst="straightConnector1">
+            <a:avLst/>
+          </a:prstGeom>
+          <a:ln>
+            <a:tailEnd type="triangle"/>
+          </a:ln>
+        </p:spPr>
+        <p:style>
+          <a:lnRef idx="1">
+            <a:schemeClr val="accent1"/>
+          </a:lnRef>
+          <a:fillRef idx="0">
+            <a:schemeClr val="accent1"/>
+          </a:fillRef>
+          <a:effectRef idx="0">
+            <a:schemeClr val="accent1"/>
+          </a:effectRef>
+          <a:fontRef idx="minor">
+            <a:schemeClr val="tx1"/>
+          </a:fontRef>
+        </p:style>
+      </p:cxnSp>
+      <p:cxnSp>
+        <p:nvCxnSpPr>
+          <p:cNvPr id="14" name="직선 화살표 연결선 13">
+            <a:extLst>
+              <a:ext uri="{FF2B5EF4-FFF2-40B4-BE49-F238E27FC236}">
+                <a16:creationId xmlns:a16="http://schemas.microsoft.com/office/drawing/2014/main" id="{5356264F-25E3-475A-AB7A-08F34E09C1D8}"/>
+              </a:ext>
+            </a:extLst>
+          </p:cNvPr>
+          <p:cNvCxnSpPr/>
+          <p:nvPr/>
+        </p:nvCxnSpPr>
+        <p:spPr>
+          <a:xfrm>
+            <a:off x="4281869" y="1933005"/>
+            <a:ext cx="504056" cy="0"/>
+          </a:xfrm>
+          <a:prstGeom prst="straightConnector1">
+            <a:avLst/>
+          </a:prstGeom>
+          <a:ln>
+            <a:solidFill>
+              <a:schemeClr val="tx1"/>
+            </a:solidFill>
+            <a:tailEnd type="triangle"/>
+          </a:ln>
+        </p:spPr>
+        <p:style>
+          <a:lnRef idx="1">
+            <a:schemeClr val="accent1"/>
+          </a:lnRef>
+          <a:fillRef idx="0">
+            <a:schemeClr val="accent1"/>
+          </a:fillRef>
+          <a:effectRef idx="0">
+            <a:schemeClr val="accent1"/>
+          </a:effectRef>
+          <a:fontRef idx="minor">
+            <a:schemeClr val="tx1"/>
+          </a:fontRef>
+        </p:style>
+      </p:cxnSp>
+      <p:sp>
+        <p:nvSpPr>
+          <p:cNvPr id="15" name="TextBox 14">
+            <a:extLst>
+              <a:ext uri="{FF2B5EF4-FFF2-40B4-BE49-F238E27FC236}">
+                <a16:creationId xmlns:a16="http://schemas.microsoft.com/office/drawing/2014/main" id="{5265BC1B-A55C-487B-8676-C4C3E79E08C9}"/>
+              </a:ext>
+            </a:extLst>
+          </p:cNvPr>
+          <p:cNvSpPr txBox="1"/>
+          <p:nvPr/>
+        </p:nvSpPr>
+        <p:spPr>
+          <a:xfrm>
+            <a:off x="3957235" y="1721572"/>
+            <a:ext cx="311304" cy="369332"/>
+          </a:xfrm>
+          <a:prstGeom prst="rect">
+            <a:avLst/>
+          </a:prstGeom>
+          <a:noFill/>
+        </p:spPr>
+        <p:txBody>
+          <a:bodyPr wrap="none" rtlCol="0">
+            <a:spAutoFit/>
+          </a:bodyPr>
+          <a:lstStyle/>
+          <a:p>
+            <a:r>
+              <a:rPr lang="en-US" altLang="ko-KR">
+                <a:latin typeface="Consolas" pitchFamily="49" charset="0"/>
+                <a:cs typeface="Consolas" pitchFamily="49" charset="0"/>
+              </a:rPr>
+              <a:t>e</a:t>
+            </a:r>
+            <a:endParaRPr lang="ko-KR" altLang="en-US">
+              <a:latin typeface="Consolas" pitchFamily="49" charset="0"/>
+              <a:cs typeface="Consolas" pitchFamily="49" charset="0"/>
+            </a:endParaRPr>
+          </a:p>
+        </p:txBody>
+      </p:sp>
+      <p:sp>
+        <p:nvSpPr>
+          <p:cNvPr id="16" name="직사각형 15">
+            <a:extLst>
+              <a:ext uri="{FF2B5EF4-FFF2-40B4-BE49-F238E27FC236}">
+                <a16:creationId xmlns:a16="http://schemas.microsoft.com/office/drawing/2014/main" id="{1EC6896A-6137-4229-ADC0-655AB71F4B30}"/>
+              </a:ext>
+            </a:extLst>
+          </p:cNvPr>
+          <p:cNvSpPr/>
+          <p:nvPr/>
+        </p:nvSpPr>
+        <p:spPr>
+          <a:xfrm>
+            <a:off x="6996410" y="2996952"/>
+            <a:ext cx="1824062" cy="504056"/>
+          </a:xfrm>
+          <a:prstGeom prst="rect">
+            <a:avLst/>
+          </a:prstGeom>
+          <a:solidFill>
+            <a:srgbClr val="FFC000"/>
+          </a:solidFill>
+          <a:ln w="12700"/>
+        </p:spPr>
+        <p:style>
+          <a:lnRef idx="2">
+            <a:schemeClr val="accent1">
+              <a:shade val="50000"/>
+            </a:schemeClr>
+          </a:lnRef>
+          <a:fillRef idx="1">
+            <a:schemeClr val="accent1"/>
+          </a:fillRef>
+          <a:effectRef idx="0">
+            <a:schemeClr val="accent1"/>
+          </a:effectRef>
+          <a:fontRef idx="minor">
+            <a:schemeClr val="lt1"/>
+          </a:fontRef>
+        </p:style>
+        <p:txBody>
+          <a:bodyPr rtlCol="0" anchor="ctr"/>
+          <a:lstStyle/>
+          <a:p>
+            <a:pPr algn="ctr"/>
+            <a:r>
+              <a:rPr lang="en-US" altLang="ko-KR">
+                <a:solidFill>
+                  <a:schemeClr val="tx1"/>
+                </a:solidFill>
+                <a:latin typeface="Consolas" pitchFamily="49" charset="0"/>
+                <a:cs typeface="Consolas" pitchFamily="49" charset="0"/>
+              </a:rPr>
+              <a:t>BpBinder</a:t>
+            </a:r>
+            <a:endParaRPr lang="ko-KR" altLang="en-US">
+              <a:solidFill>
+                <a:schemeClr val="tx1"/>
+              </a:solidFill>
+              <a:latin typeface="Consolas" pitchFamily="49" charset="0"/>
+              <a:cs typeface="Consolas" pitchFamily="49" charset="0"/>
+            </a:endParaRPr>
+          </a:p>
+        </p:txBody>
+      </p:sp>
+      <p:sp>
+        <p:nvSpPr>
+          <p:cNvPr id="17" name="직사각형 16">
+            <a:extLst>
+              <a:ext uri="{FF2B5EF4-FFF2-40B4-BE49-F238E27FC236}">
+                <a16:creationId xmlns:a16="http://schemas.microsoft.com/office/drawing/2014/main" id="{83E3461B-9200-40DA-B9A7-F4DA60E3319E}"/>
+              </a:ext>
+            </a:extLst>
+          </p:cNvPr>
+          <p:cNvSpPr/>
+          <p:nvPr/>
+        </p:nvSpPr>
+        <p:spPr>
+          <a:xfrm>
+            <a:off x="6996410" y="3501008"/>
+            <a:ext cx="1824062" cy="504056"/>
+          </a:xfrm>
+          <a:prstGeom prst="rect">
+            <a:avLst/>
+          </a:prstGeom>
+          <a:solidFill>
+            <a:srgbClr val="FFFF00"/>
+          </a:solidFill>
+          <a:ln w="12700"/>
+        </p:spPr>
+        <p:style>
+          <a:lnRef idx="2">
+            <a:schemeClr val="accent1">
+              <a:shade val="50000"/>
+            </a:schemeClr>
+          </a:lnRef>
+          <a:fillRef idx="1">
+            <a:schemeClr val="accent1"/>
+          </a:fillRef>
+          <a:effectRef idx="0">
+            <a:schemeClr val="accent1"/>
+          </a:effectRef>
+          <a:fontRef idx="minor">
+            <a:schemeClr val="lt1"/>
+          </a:fontRef>
+        </p:style>
+        <p:txBody>
+          <a:bodyPr rtlCol="0" anchor="ctr"/>
+          <a:lstStyle/>
+          <a:p>
+            <a:pPr algn="ctr"/>
+            <a:r>
+              <a:rPr lang="en-US" altLang="ko-KR">
+                <a:solidFill>
+                  <a:schemeClr val="tx1"/>
+                </a:solidFill>
+                <a:latin typeface="Consolas" pitchFamily="49" charset="0"/>
+                <a:cs typeface="Consolas" pitchFamily="49" charset="0"/>
+              </a:rPr>
+              <a:t>transact(){}</a:t>
+            </a:r>
+            <a:endParaRPr lang="ko-KR" altLang="en-US">
+              <a:solidFill>
+                <a:schemeClr val="tx1"/>
+              </a:solidFill>
+              <a:latin typeface="Consolas" pitchFamily="49" charset="0"/>
+              <a:cs typeface="Consolas" pitchFamily="49" charset="0"/>
+            </a:endParaRPr>
+          </a:p>
+        </p:txBody>
+      </p:sp>
+      <p:sp>
+        <p:nvSpPr>
+          <p:cNvPr id="18" name="직사각형 17">
+            <a:extLst>
+              <a:ext uri="{FF2B5EF4-FFF2-40B4-BE49-F238E27FC236}">
+                <a16:creationId xmlns:a16="http://schemas.microsoft.com/office/drawing/2014/main" id="{E51179C7-B404-454B-965E-E04D67261B81}"/>
+              </a:ext>
+            </a:extLst>
+          </p:cNvPr>
+          <p:cNvSpPr/>
+          <p:nvPr/>
+        </p:nvSpPr>
+        <p:spPr>
+          <a:xfrm>
+            <a:off x="6996410" y="4005064"/>
+            <a:ext cx="1824062" cy="504056"/>
+          </a:xfrm>
+          <a:prstGeom prst="rect">
+            <a:avLst/>
+          </a:prstGeom>
+          <a:solidFill>
+            <a:srgbClr val="FFFF00"/>
+          </a:solidFill>
+          <a:ln w="12700"/>
+        </p:spPr>
+        <p:style>
+          <a:lnRef idx="2">
+            <a:schemeClr val="accent1">
+              <a:shade val="50000"/>
+            </a:schemeClr>
+          </a:lnRef>
+          <a:fillRef idx="1">
+            <a:schemeClr val="accent1"/>
+          </a:fillRef>
+          <a:effectRef idx="0">
+            <a:schemeClr val="accent1"/>
+          </a:effectRef>
+          <a:fontRef idx="minor">
+            <a:schemeClr val="lt1"/>
+          </a:fontRef>
+        </p:style>
+        <p:txBody>
+          <a:bodyPr rtlCol="0" anchor="ctr"/>
+          <a:lstStyle/>
+          <a:p>
+            <a:pPr algn="ctr"/>
+            <a:r>
+              <a:rPr lang="en-US" altLang="ko-KR">
+                <a:solidFill>
+                  <a:schemeClr val="tx1"/>
+                </a:solidFill>
+                <a:latin typeface="Consolas" pitchFamily="49" charset="0"/>
+                <a:cs typeface="Consolas" pitchFamily="49" charset="0"/>
+              </a:rPr>
+              <a:t>mHandle=0</a:t>
+            </a:r>
+            <a:endParaRPr lang="ko-KR" altLang="en-US">
+              <a:solidFill>
+                <a:schemeClr val="tx1"/>
+              </a:solidFill>
+              <a:latin typeface="Consolas" pitchFamily="49" charset="0"/>
+              <a:cs typeface="Consolas" pitchFamily="49" charset="0"/>
+            </a:endParaRPr>
+          </a:p>
+        </p:txBody>
+      </p:sp>
+      <p:sp>
+        <p:nvSpPr>
+          <p:cNvPr id="19" name="직사각형 18">
+            <a:extLst>
+              <a:ext uri="{FF2B5EF4-FFF2-40B4-BE49-F238E27FC236}">
+                <a16:creationId xmlns:a16="http://schemas.microsoft.com/office/drawing/2014/main" id="{2CBC9541-8FDF-4203-9D41-781CF2D9D86C}"/>
+              </a:ext>
+            </a:extLst>
+          </p:cNvPr>
+          <p:cNvSpPr/>
+          <p:nvPr/>
+        </p:nvSpPr>
+        <p:spPr>
+          <a:xfrm>
+            <a:off x="6996410" y="1048090"/>
+            <a:ext cx="1824062" cy="504056"/>
+          </a:xfrm>
+          <a:prstGeom prst="rect">
+            <a:avLst/>
+          </a:prstGeom>
+          <a:solidFill>
+            <a:srgbClr val="FFC000"/>
+          </a:solidFill>
+          <a:ln w="12700"/>
+        </p:spPr>
+        <p:style>
+          <a:lnRef idx="2">
+            <a:schemeClr val="accent1">
+              <a:shade val="50000"/>
+            </a:schemeClr>
+          </a:lnRef>
+          <a:fillRef idx="1">
+            <a:schemeClr val="accent1"/>
+          </a:fillRef>
+          <a:effectRef idx="0">
+            <a:schemeClr val="accent1"/>
+          </a:effectRef>
+          <a:fontRef idx="minor">
+            <a:schemeClr val="lt1"/>
+          </a:fontRef>
+        </p:style>
+        <p:txBody>
+          <a:bodyPr rtlCol="0" anchor="ctr"/>
+          <a:lstStyle/>
+          <a:p>
+            <a:pPr algn="ctr"/>
+            <a:r>
+              <a:rPr lang="en-US" altLang="ko-KR">
+                <a:solidFill>
+                  <a:schemeClr val="tx1"/>
+                </a:solidFill>
+                <a:latin typeface="Consolas" pitchFamily="49" charset="0"/>
+                <a:cs typeface="Consolas" pitchFamily="49" charset="0"/>
+              </a:rPr>
+              <a:t>IBinder</a:t>
+            </a:r>
+            <a:endParaRPr lang="ko-KR" altLang="en-US">
+              <a:solidFill>
+                <a:schemeClr val="tx1"/>
+              </a:solidFill>
+              <a:latin typeface="Consolas" pitchFamily="49" charset="0"/>
+              <a:cs typeface="Consolas" pitchFamily="49" charset="0"/>
+            </a:endParaRPr>
+          </a:p>
+        </p:txBody>
+      </p:sp>
+      <p:sp>
+        <p:nvSpPr>
+          <p:cNvPr id="20" name="직사각형 19">
+            <a:extLst>
+              <a:ext uri="{FF2B5EF4-FFF2-40B4-BE49-F238E27FC236}">
+                <a16:creationId xmlns:a16="http://schemas.microsoft.com/office/drawing/2014/main" id="{CE4EDFC0-EA3B-44C5-B534-09B0F9E668A3}"/>
+              </a:ext>
+            </a:extLst>
+          </p:cNvPr>
+          <p:cNvSpPr/>
+          <p:nvPr/>
+        </p:nvSpPr>
+        <p:spPr>
+          <a:xfrm>
+            <a:off x="6996410" y="1552146"/>
+            <a:ext cx="1824062" cy="504056"/>
+          </a:xfrm>
+          <a:prstGeom prst="rect">
+            <a:avLst/>
+          </a:prstGeom>
+          <a:solidFill>
+            <a:srgbClr val="FFFF00"/>
+          </a:solidFill>
+          <a:ln w="12700"/>
+        </p:spPr>
+        <p:style>
+          <a:lnRef idx="2">
+            <a:schemeClr val="accent1">
+              <a:shade val="50000"/>
+            </a:schemeClr>
+          </a:lnRef>
+          <a:fillRef idx="1">
+            <a:schemeClr val="accent1"/>
+          </a:fillRef>
+          <a:effectRef idx="0">
+            <a:schemeClr val="accent1"/>
+          </a:effectRef>
+          <a:fontRef idx="minor">
+            <a:schemeClr val="lt1"/>
+          </a:fontRef>
+        </p:style>
+        <p:txBody>
+          <a:bodyPr rtlCol="0" anchor="ctr"/>
+          <a:lstStyle/>
+          <a:p>
+            <a:pPr algn="ctr"/>
+            <a:r>
+              <a:rPr lang="en-US" altLang="ko-KR">
+                <a:solidFill>
+                  <a:schemeClr val="tx1"/>
+                </a:solidFill>
+                <a:latin typeface="Consolas" pitchFamily="49" charset="0"/>
+                <a:cs typeface="Consolas" pitchFamily="49" charset="0"/>
+              </a:rPr>
+              <a:t>transact()=0</a:t>
+            </a:r>
+            <a:endParaRPr lang="ko-KR" altLang="en-US">
+              <a:solidFill>
+                <a:schemeClr val="tx1"/>
+              </a:solidFill>
+              <a:latin typeface="Consolas" pitchFamily="49" charset="0"/>
+              <a:cs typeface="Consolas" pitchFamily="49" charset="0"/>
+            </a:endParaRPr>
+          </a:p>
+        </p:txBody>
+      </p:sp>
+      <p:sp>
+        <p:nvSpPr>
+          <p:cNvPr id="21" name="직사각형 20">
+            <a:extLst>
+              <a:ext uri="{FF2B5EF4-FFF2-40B4-BE49-F238E27FC236}">
+                <a16:creationId xmlns:a16="http://schemas.microsoft.com/office/drawing/2014/main" id="{FBE3AAA5-CE51-4EB5-88DB-6D585C0882DC}"/>
+              </a:ext>
+            </a:extLst>
+          </p:cNvPr>
+          <p:cNvSpPr/>
+          <p:nvPr/>
+        </p:nvSpPr>
+        <p:spPr>
+          <a:xfrm>
+            <a:off x="6996410" y="2056202"/>
+            <a:ext cx="1824062" cy="504056"/>
+          </a:xfrm>
+          <a:prstGeom prst="rect">
+            <a:avLst/>
+          </a:prstGeom>
+          <a:solidFill>
+            <a:srgbClr val="FFFF00"/>
+          </a:solidFill>
+          <a:ln w="12700"/>
+        </p:spPr>
+        <p:style>
+          <a:lnRef idx="2">
+            <a:schemeClr val="accent1">
+              <a:shade val="50000"/>
+            </a:schemeClr>
+          </a:lnRef>
+          <a:fillRef idx="1">
+            <a:schemeClr val="accent1"/>
+          </a:fillRef>
+          <a:effectRef idx="0">
+            <a:schemeClr val="accent1"/>
+          </a:effectRef>
+          <a:fontRef idx="minor">
+            <a:schemeClr val="lt1"/>
+          </a:fontRef>
+        </p:style>
+        <p:txBody>
+          <a:bodyPr rtlCol="0" anchor="ctr"/>
+          <a:lstStyle/>
+          <a:p>
+            <a:pPr algn="ctr"/>
+            <a:endParaRPr lang="ko-KR" altLang="en-US">
+              <a:solidFill>
+                <a:schemeClr val="tx1"/>
+              </a:solidFill>
+              <a:latin typeface="Consolas" pitchFamily="49" charset="0"/>
+              <a:cs typeface="Consolas" pitchFamily="49" charset="0"/>
+            </a:endParaRPr>
+          </a:p>
+        </p:txBody>
+      </p:sp>
+      <p:cxnSp>
+        <p:nvCxnSpPr>
+          <p:cNvPr id="22" name="직선 화살표 연결선 21">
+            <a:extLst>
+              <a:ext uri="{FF2B5EF4-FFF2-40B4-BE49-F238E27FC236}">
+                <a16:creationId xmlns:a16="http://schemas.microsoft.com/office/drawing/2014/main" id="{32737AF7-95EC-4032-8D39-25B0D91B0F26}"/>
+              </a:ext>
+            </a:extLst>
+          </p:cNvPr>
+          <p:cNvCxnSpPr>
+            <a:cxnSpLocks/>
+            <a:stCxn id="16" idx="0"/>
+            <a:endCxn id="21" idx="2"/>
+          </p:cNvCxnSpPr>
+          <p:nvPr/>
+        </p:nvCxnSpPr>
+        <p:spPr>
+          <a:xfrm flipV="1">
+            <a:off x="7908441" y="2560258"/>
+            <a:ext cx="0" cy="436694"/>
+          </a:xfrm>
+          <a:prstGeom prst="straightConnector1">
+            <a:avLst/>
+          </a:prstGeom>
+          <a:ln>
+            <a:solidFill>
+              <a:schemeClr val="tx1"/>
+            </a:solidFill>
+            <a:tailEnd type="triangle"/>
+          </a:ln>
+        </p:spPr>
+        <p:style>
+          <a:lnRef idx="1">
+            <a:schemeClr val="accent1"/>
+          </a:lnRef>
+          <a:fillRef idx="0">
+            <a:schemeClr val="accent1"/>
+          </a:fillRef>
+          <a:effectRef idx="0">
+            <a:schemeClr val="accent1"/>
+          </a:effectRef>
+          <a:fontRef idx="minor">
+            <a:schemeClr val="tx1"/>
+          </a:fontRef>
+        </p:style>
+      </p:cxnSp>
+      <p:cxnSp>
+        <p:nvCxnSpPr>
+          <p:cNvPr id="26" name="직선 화살표 연결선 25">
+            <a:extLst>
+              <a:ext uri="{FF2B5EF4-FFF2-40B4-BE49-F238E27FC236}">
+                <a16:creationId xmlns:a16="http://schemas.microsoft.com/office/drawing/2014/main" id="{A88A3621-8748-49FE-B4A3-4E0BC42FA831}"/>
+              </a:ext>
+            </a:extLst>
+          </p:cNvPr>
+          <p:cNvCxnSpPr>
+            <a:cxnSpLocks/>
+            <a:stCxn id="8" idx="3"/>
+            <a:endCxn id="19" idx="1"/>
+          </p:cNvCxnSpPr>
+          <p:nvPr/>
+        </p:nvCxnSpPr>
+        <p:spPr>
+          <a:xfrm flipV="1">
+            <a:off x="5506005" y="1300118"/>
+            <a:ext cx="1490405" cy="884915"/>
+          </a:xfrm>
+          <a:prstGeom prst="straightConnector1">
+            <a:avLst/>
+          </a:prstGeom>
+          <a:ln>
+            <a:tailEnd type="triangle"/>
+          </a:ln>
+        </p:spPr>
+        <p:style>
+          <a:lnRef idx="1">
+            <a:schemeClr val="accent1"/>
+          </a:lnRef>
+          <a:fillRef idx="0">
+            <a:schemeClr val="accent1"/>
+          </a:fillRef>
+          <a:effectRef idx="0">
+            <a:schemeClr val="accent1"/>
+          </a:effectRef>
+          <a:fontRef idx="minor">
+            <a:schemeClr val="tx1"/>
+          </a:fontRef>
+        </p:style>
+      </p:cxnSp>
+    </p:spTree>
+    <p:extLst>
+      <p:ext uri="{BB962C8B-B14F-4D97-AF65-F5344CB8AC3E}">
+        <p14:creationId xmlns:p14="http://schemas.microsoft.com/office/powerpoint/2010/main" val="3590608634"/>
+      </p:ext>
+    </p:extLst>
+  </p:cSld>
+  <p:clrMapOvr>
+    <a:masterClrMapping/>
+  </p:clrMapOvr>
+</p:sld>
+</file>
+
+<file path=ppt/slides/slide39.xml><?xml version="1.0" encoding="utf-8"?>
+<p:sld xmlns:a="http://schemas.openxmlformats.org/drawingml/2006/main" xmlns:r="http://schemas.openxmlformats.org/officeDocument/2006/relationships" xmlns:p="http://schemas.openxmlformats.org/presentationml/2006/main">
+  <p:cSld>
+    <p:spTree>
+      <p:nvGrpSpPr>
+        <p:cNvPr id="1" name=""/>
+        <p:cNvGrpSpPr/>
+        <p:nvPr/>
+      </p:nvGrpSpPr>
+      <p:grpSpPr>
+        <a:xfrm>
+          <a:off x="0" y="0"/>
+          <a:ext cx="0" cy="0"/>
+          <a:chOff x="0" y="0"/>
+          <a:chExt cx="0" cy="0"/>
+        </a:xfrm>
+      </p:grpSpPr>
+      <p:sp>
+        <p:nvSpPr>
+          <p:cNvPr id="4" name="직사각형 3">
+            <a:extLst>
+              <a:ext uri="{FF2B5EF4-FFF2-40B4-BE49-F238E27FC236}">
+                <a16:creationId xmlns:a16="http://schemas.microsoft.com/office/drawing/2014/main" id="{406659F7-D3DF-40D7-87C4-0BCA6633B14C}"/>
+              </a:ext>
+            </a:extLst>
+          </p:cNvPr>
+          <p:cNvSpPr/>
+          <p:nvPr/>
+        </p:nvSpPr>
+        <p:spPr>
+          <a:xfrm>
+            <a:off x="6996410" y="2996952"/>
+            <a:ext cx="1824062" cy="504056"/>
+          </a:xfrm>
+          <a:prstGeom prst="rect">
+            <a:avLst/>
+          </a:prstGeom>
+          <a:solidFill>
+            <a:srgbClr val="FFC000"/>
+          </a:solidFill>
+          <a:ln w="12700"/>
+        </p:spPr>
+        <p:style>
+          <a:lnRef idx="2">
+            <a:schemeClr val="accent1">
+              <a:shade val="50000"/>
+            </a:schemeClr>
+          </a:lnRef>
+          <a:fillRef idx="1">
+            <a:schemeClr val="accent1"/>
+          </a:fillRef>
+          <a:effectRef idx="0">
+            <a:schemeClr val="accent1"/>
+          </a:effectRef>
+          <a:fontRef idx="minor">
+            <a:schemeClr val="lt1"/>
+          </a:fontRef>
+        </p:style>
+        <p:txBody>
+          <a:bodyPr rtlCol="0" anchor="ctr"/>
+          <a:lstStyle/>
+          <a:p>
+            <a:pPr algn="ctr"/>
+            <a:r>
+              <a:rPr lang="en-US" altLang="ko-KR">
+                <a:solidFill>
+                  <a:schemeClr val="tx1"/>
+                </a:solidFill>
+                <a:latin typeface="Consolas" pitchFamily="49" charset="0"/>
+                <a:cs typeface="Consolas" pitchFamily="49" charset="0"/>
+              </a:rPr>
+              <a:t>BpBinder</a:t>
+            </a:r>
+            <a:endParaRPr lang="ko-KR" altLang="en-US">
+              <a:solidFill>
+                <a:schemeClr val="tx1"/>
+              </a:solidFill>
+              <a:latin typeface="Consolas" pitchFamily="49" charset="0"/>
+              <a:cs typeface="Consolas" pitchFamily="49" charset="0"/>
+            </a:endParaRPr>
+          </a:p>
+        </p:txBody>
+      </p:sp>
+      <p:sp>
+        <p:nvSpPr>
+          <p:cNvPr id="5" name="직사각형 4">
+            <a:extLst>
+              <a:ext uri="{FF2B5EF4-FFF2-40B4-BE49-F238E27FC236}">
+                <a16:creationId xmlns:a16="http://schemas.microsoft.com/office/drawing/2014/main" id="{1EADE07E-C2DF-4A50-9D68-5EA1236E971D}"/>
+              </a:ext>
+            </a:extLst>
+          </p:cNvPr>
+          <p:cNvSpPr/>
+          <p:nvPr/>
+        </p:nvSpPr>
+        <p:spPr>
+          <a:xfrm>
+            <a:off x="6996410" y="3501008"/>
+            <a:ext cx="1824062" cy="504056"/>
+          </a:xfrm>
+          <a:prstGeom prst="rect">
+            <a:avLst/>
+          </a:prstGeom>
+          <a:solidFill>
+            <a:srgbClr val="FFFF00"/>
+          </a:solidFill>
+          <a:ln w="12700"/>
+        </p:spPr>
+        <p:style>
+          <a:lnRef idx="2">
+            <a:schemeClr val="accent1">
+              <a:shade val="50000"/>
+            </a:schemeClr>
+          </a:lnRef>
+          <a:fillRef idx="1">
+            <a:schemeClr val="accent1"/>
+          </a:fillRef>
+          <a:effectRef idx="0">
+            <a:schemeClr val="accent1"/>
+          </a:effectRef>
+          <a:fontRef idx="minor">
+            <a:schemeClr val="lt1"/>
+          </a:fontRef>
+        </p:style>
+        <p:txBody>
+          <a:bodyPr rtlCol="0" anchor="ctr"/>
+          <a:lstStyle/>
+          <a:p>
+            <a:pPr algn="ctr"/>
+            <a:r>
+              <a:rPr lang="en-US" altLang="ko-KR">
+                <a:solidFill>
+                  <a:schemeClr val="tx1"/>
+                </a:solidFill>
+                <a:latin typeface="Consolas" pitchFamily="49" charset="0"/>
+                <a:cs typeface="Consolas" pitchFamily="49" charset="0"/>
+              </a:rPr>
+              <a:t>transact(){}</a:t>
+            </a:r>
+            <a:endParaRPr lang="ko-KR" altLang="en-US">
+              <a:solidFill>
+                <a:schemeClr val="tx1"/>
+              </a:solidFill>
+              <a:latin typeface="Consolas" pitchFamily="49" charset="0"/>
+              <a:cs typeface="Consolas" pitchFamily="49" charset="0"/>
+            </a:endParaRPr>
+          </a:p>
+        </p:txBody>
+      </p:sp>
+      <p:sp>
+        <p:nvSpPr>
+          <p:cNvPr id="6" name="직사각형 5">
+            <a:extLst>
+              <a:ext uri="{FF2B5EF4-FFF2-40B4-BE49-F238E27FC236}">
+                <a16:creationId xmlns:a16="http://schemas.microsoft.com/office/drawing/2014/main" id="{01134FB8-3A5F-4202-93DA-E5C641F5AEE7}"/>
+              </a:ext>
+            </a:extLst>
+          </p:cNvPr>
+          <p:cNvSpPr/>
+          <p:nvPr/>
+        </p:nvSpPr>
+        <p:spPr>
+          <a:xfrm>
+            <a:off x="6996410" y="4005064"/>
+            <a:ext cx="1824062" cy="504056"/>
+          </a:xfrm>
+          <a:prstGeom prst="rect">
+            <a:avLst/>
+          </a:prstGeom>
+          <a:solidFill>
+            <a:srgbClr val="FFFF00"/>
+          </a:solidFill>
+          <a:ln w="12700"/>
+        </p:spPr>
+        <p:style>
+          <a:lnRef idx="2">
+            <a:schemeClr val="accent1">
+              <a:shade val="50000"/>
+            </a:schemeClr>
+          </a:lnRef>
+          <a:fillRef idx="1">
+            <a:schemeClr val="accent1"/>
+          </a:fillRef>
+          <a:effectRef idx="0">
+            <a:schemeClr val="accent1"/>
+          </a:effectRef>
+          <a:fontRef idx="minor">
+            <a:schemeClr val="lt1"/>
+          </a:fontRef>
+        </p:style>
+        <p:txBody>
+          <a:bodyPr rtlCol="0" anchor="ctr"/>
+          <a:lstStyle/>
+          <a:p>
+            <a:pPr algn="ctr"/>
+            <a:r>
+              <a:rPr lang="en-US" altLang="ko-KR">
+                <a:solidFill>
+                  <a:schemeClr val="tx1"/>
+                </a:solidFill>
+                <a:latin typeface="Consolas" pitchFamily="49" charset="0"/>
+                <a:cs typeface="Consolas" pitchFamily="49" charset="0"/>
+              </a:rPr>
+              <a:t>mHandle=0</a:t>
+            </a:r>
+            <a:endParaRPr lang="ko-KR" altLang="en-US">
+              <a:solidFill>
+                <a:schemeClr val="tx1"/>
+              </a:solidFill>
+              <a:latin typeface="Consolas" pitchFamily="49" charset="0"/>
+              <a:cs typeface="Consolas" pitchFamily="49" charset="0"/>
+            </a:endParaRPr>
+          </a:p>
+        </p:txBody>
+      </p:sp>
+      <p:sp>
+        <p:nvSpPr>
+          <p:cNvPr id="7" name="직사각형 6">
+            <a:extLst>
+              <a:ext uri="{FF2B5EF4-FFF2-40B4-BE49-F238E27FC236}">
+                <a16:creationId xmlns:a16="http://schemas.microsoft.com/office/drawing/2014/main" id="{D470A21E-8F21-4E95-B99A-6B503B321A40}"/>
+              </a:ext>
+            </a:extLst>
+          </p:cNvPr>
+          <p:cNvSpPr/>
+          <p:nvPr/>
+        </p:nvSpPr>
+        <p:spPr>
+          <a:xfrm>
+            <a:off x="6996410" y="1048090"/>
+            <a:ext cx="1824062" cy="504056"/>
+          </a:xfrm>
+          <a:prstGeom prst="rect">
+            <a:avLst/>
+          </a:prstGeom>
+          <a:solidFill>
+            <a:srgbClr val="FFC000"/>
+          </a:solidFill>
+          <a:ln w="12700"/>
+        </p:spPr>
+        <p:style>
+          <a:lnRef idx="2">
+            <a:schemeClr val="accent1">
+              <a:shade val="50000"/>
+            </a:schemeClr>
+          </a:lnRef>
+          <a:fillRef idx="1">
+            <a:schemeClr val="accent1"/>
+          </a:fillRef>
+          <a:effectRef idx="0">
+            <a:schemeClr val="accent1"/>
+          </a:effectRef>
+          <a:fontRef idx="minor">
+            <a:schemeClr val="lt1"/>
+          </a:fontRef>
+        </p:style>
+        <p:txBody>
+          <a:bodyPr rtlCol="0" anchor="ctr"/>
+          <a:lstStyle/>
+          <a:p>
+            <a:pPr algn="ctr"/>
+            <a:r>
+              <a:rPr lang="en-US" altLang="ko-KR">
+                <a:solidFill>
+                  <a:schemeClr val="tx1"/>
+                </a:solidFill>
+                <a:latin typeface="Consolas" pitchFamily="49" charset="0"/>
+                <a:cs typeface="Consolas" pitchFamily="49" charset="0"/>
+              </a:rPr>
+              <a:t>IBinder</a:t>
+            </a:r>
+            <a:endParaRPr lang="ko-KR" altLang="en-US">
+              <a:solidFill>
+                <a:schemeClr val="tx1"/>
+              </a:solidFill>
+              <a:latin typeface="Consolas" pitchFamily="49" charset="0"/>
+              <a:cs typeface="Consolas" pitchFamily="49" charset="0"/>
+            </a:endParaRPr>
+          </a:p>
+        </p:txBody>
+      </p:sp>
+      <p:sp>
+        <p:nvSpPr>
+          <p:cNvPr id="8" name="직사각형 7">
+            <a:extLst>
+              <a:ext uri="{FF2B5EF4-FFF2-40B4-BE49-F238E27FC236}">
+                <a16:creationId xmlns:a16="http://schemas.microsoft.com/office/drawing/2014/main" id="{0D7CA5F3-CB0C-4DDF-A370-48584820B07A}"/>
+              </a:ext>
+            </a:extLst>
+          </p:cNvPr>
+          <p:cNvSpPr/>
+          <p:nvPr/>
+        </p:nvSpPr>
+        <p:spPr>
+          <a:xfrm>
+            <a:off x="6996410" y="1552146"/>
+            <a:ext cx="1824062" cy="504056"/>
+          </a:xfrm>
+          <a:prstGeom prst="rect">
+            <a:avLst/>
+          </a:prstGeom>
+          <a:solidFill>
+            <a:srgbClr val="FFFF00"/>
+          </a:solidFill>
+          <a:ln w="12700"/>
+        </p:spPr>
+        <p:style>
+          <a:lnRef idx="2">
+            <a:schemeClr val="accent1">
+              <a:shade val="50000"/>
+            </a:schemeClr>
+          </a:lnRef>
+          <a:fillRef idx="1">
+            <a:schemeClr val="accent1"/>
+          </a:fillRef>
+          <a:effectRef idx="0">
+            <a:schemeClr val="accent1"/>
+          </a:effectRef>
+          <a:fontRef idx="minor">
+            <a:schemeClr val="lt1"/>
+          </a:fontRef>
+        </p:style>
+        <p:txBody>
+          <a:bodyPr rtlCol="0" anchor="ctr"/>
+          <a:lstStyle/>
+          <a:p>
+            <a:pPr algn="ctr"/>
+            <a:r>
+              <a:rPr lang="en-US" altLang="ko-KR">
+                <a:solidFill>
+                  <a:schemeClr val="tx1"/>
+                </a:solidFill>
+                <a:latin typeface="Consolas" pitchFamily="49" charset="0"/>
+                <a:cs typeface="Consolas" pitchFamily="49" charset="0"/>
+              </a:rPr>
+              <a:t>transact()=0</a:t>
+            </a:r>
+            <a:endParaRPr lang="ko-KR" altLang="en-US">
+              <a:solidFill>
+                <a:schemeClr val="tx1"/>
+              </a:solidFill>
+              <a:latin typeface="Consolas" pitchFamily="49" charset="0"/>
+              <a:cs typeface="Consolas" pitchFamily="49" charset="0"/>
+            </a:endParaRPr>
+          </a:p>
+        </p:txBody>
+      </p:sp>
+      <p:sp>
+        <p:nvSpPr>
+          <p:cNvPr id="9" name="직사각형 8">
+            <a:extLst>
+              <a:ext uri="{FF2B5EF4-FFF2-40B4-BE49-F238E27FC236}">
+                <a16:creationId xmlns:a16="http://schemas.microsoft.com/office/drawing/2014/main" id="{B8919F98-4223-491E-86A9-751886FCE76F}"/>
+              </a:ext>
+            </a:extLst>
+          </p:cNvPr>
+          <p:cNvSpPr/>
+          <p:nvPr/>
+        </p:nvSpPr>
+        <p:spPr>
+          <a:xfrm>
+            <a:off x="6996410" y="2056202"/>
+            <a:ext cx="1824062" cy="504056"/>
+          </a:xfrm>
+          <a:prstGeom prst="rect">
+            <a:avLst/>
+          </a:prstGeom>
+          <a:solidFill>
+            <a:srgbClr val="FFFF00"/>
+          </a:solidFill>
+          <a:ln w="12700"/>
+        </p:spPr>
+        <p:style>
+          <a:lnRef idx="2">
+            <a:schemeClr val="accent1">
+              <a:shade val="50000"/>
+            </a:schemeClr>
+          </a:lnRef>
+          <a:fillRef idx="1">
+            <a:schemeClr val="accent1"/>
+          </a:fillRef>
+          <a:effectRef idx="0">
+            <a:schemeClr val="accent1"/>
+          </a:effectRef>
+          <a:fontRef idx="minor">
+            <a:schemeClr val="lt1"/>
+          </a:fontRef>
+        </p:style>
+        <p:txBody>
+          <a:bodyPr rtlCol="0" anchor="ctr"/>
+          <a:lstStyle/>
+          <a:p>
+            <a:pPr algn="ctr"/>
+            <a:endParaRPr lang="ko-KR" altLang="en-US">
+              <a:solidFill>
+                <a:schemeClr val="tx1"/>
+              </a:solidFill>
+              <a:latin typeface="Consolas" pitchFamily="49" charset="0"/>
+              <a:cs typeface="Consolas" pitchFamily="49" charset="0"/>
+            </a:endParaRPr>
+          </a:p>
+        </p:txBody>
+      </p:sp>
+      <p:cxnSp>
+        <p:nvCxnSpPr>
+          <p:cNvPr id="10" name="직선 화살표 연결선 9">
+            <a:extLst>
+              <a:ext uri="{FF2B5EF4-FFF2-40B4-BE49-F238E27FC236}">
+                <a16:creationId xmlns:a16="http://schemas.microsoft.com/office/drawing/2014/main" id="{FAFEBE0C-D896-459A-8E7D-44E552F63F94}"/>
+              </a:ext>
+            </a:extLst>
+          </p:cNvPr>
+          <p:cNvCxnSpPr>
+            <a:cxnSpLocks/>
+            <a:stCxn id="4" idx="0"/>
+            <a:endCxn id="9" idx="2"/>
+          </p:cNvCxnSpPr>
+          <p:nvPr/>
+        </p:nvCxnSpPr>
+        <p:spPr>
+          <a:xfrm flipV="1">
+            <a:off x="7908441" y="2560258"/>
+            <a:ext cx="0" cy="436694"/>
+          </a:xfrm>
+          <a:prstGeom prst="straightConnector1">
+            <a:avLst/>
+          </a:prstGeom>
+          <a:ln>
+            <a:solidFill>
+              <a:schemeClr val="tx1"/>
+            </a:solidFill>
+            <a:tailEnd type="triangle"/>
+          </a:ln>
+        </p:spPr>
+        <p:style>
+          <a:lnRef idx="1">
+            <a:schemeClr val="accent1"/>
+          </a:lnRef>
+          <a:fillRef idx="0">
+            <a:schemeClr val="accent1"/>
+          </a:fillRef>
+          <a:effectRef idx="0">
+            <a:schemeClr val="accent1"/>
+          </a:effectRef>
+          <a:fontRef idx="minor">
+            <a:schemeClr val="tx1"/>
+          </a:fontRef>
+        </p:style>
+      </p:cxnSp>
+      <p:cxnSp>
+        <p:nvCxnSpPr>
+          <p:cNvPr id="11" name="직선 화살표 연결선 10">
+            <a:extLst>
+              <a:ext uri="{FF2B5EF4-FFF2-40B4-BE49-F238E27FC236}">
+                <a16:creationId xmlns:a16="http://schemas.microsoft.com/office/drawing/2014/main" id="{5A630CD0-34C1-4F83-9D92-FDDEF37C424E}"/>
+              </a:ext>
+            </a:extLst>
+          </p:cNvPr>
+          <p:cNvCxnSpPr>
+            <a:cxnSpLocks/>
+            <a:endCxn id="7" idx="1"/>
+          </p:cNvCxnSpPr>
+          <p:nvPr/>
+        </p:nvCxnSpPr>
+        <p:spPr>
+          <a:xfrm flipV="1">
+            <a:off x="5506005" y="1300118"/>
+            <a:ext cx="1490405" cy="884915"/>
+          </a:xfrm>
+          <a:prstGeom prst="straightConnector1">
+            <a:avLst/>
+          </a:prstGeom>
+          <a:ln>
+            <a:tailEnd type="triangle"/>
+          </a:ln>
+        </p:spPr>
+        <p:style>
+          <a:lnRef idx="1">
+            <a:schemeClr val="accent1"/>
+          </a:lnRef>
+          <a:fillRef idx="0">
+            <a:schemeClr val="accent1"/>
+          </a:fillRef>
+          <a:effectRef idx="0">
+            <a:schemeClr val="accent1"/>
+          </a:effectRef>
+          <a:fontRef idx="minor">
+            <a:schemeClr val="tx1"/>
+          </a:fontRef>
+        </p:style>
+      </p:cxnSp>
+      <p:sp>
+        <p:nvSpPr>
+          <p:cNvPr id="12" name="TextBox 11">
+            <a:extLst>
+              <a:ext uri="{FF2B5EF4-FFF2-40B4-BE49-F238E27FC236}">
+                <a16:creationId xmlns:a16="http://schemas.microsoft.com/office/drawing/2014/main" id="{4D5A64A7-9787-4DC5-8EFC-1BF95ED4E3C4}"/>
+              </a:ext>
+            </a:extLst>
+          </p:cNvPr>
+          <p:cNvSpPr txBox="1"/>
+          <p:nvPr/>
+        </p:nvSpPr>
+        <p:spPr>
+          <a:xfrm>
+            <a:off x="-190136" y="-75554"/>
+            <a:ext cx="8416086" cy="1477328"/>
+          </a:xfrm>
+          <a:prstGeom prst="rect">
+            <a:avLst/>
+          </a:prstGeom>
+          <a:noFill/>
+        </p:spPr>
+        <p:txBody>
+          <a:bodyPr wrap="none" rtlCol="0">
+            <a:spAutoFit/>
+          </a:bodyPr>
+          <a:lstStyle/>
+          <a:p>
+            <a:r>
+              <a:rPr lang="en-US" altLang="ko-KR">
+                <a:latin typeface="Consolas" pitchFamily="49" charset="0"/>
+                <a:cs typeface="Consolas" pitchFamily="49" charset="0"/>
+              </a:rPr>
+              <a:t>inline sp&lt;IServiceManager&gt; interface_cast(const sp&lt;IBinder&gt;&amp; obj)</a:t>
+            </a:r>
+          </a:p>
+          <a:p>
+            <a:r>
+              <a:rPr lang="en-US" altLang="ko-KR">
+                <a:latin typeface="Consolas" pitchFamily="49" charset="0"/>
+                <a:cs typeface="Consolas" pitchFamily="49" charset="0"/>
+              </a:rPr>
+              <a:t>{</a:t>
+            </a:r>
+          </a:p>
+          <a:p>
+            <a:r>
+              <a:rPr lang="en-US" altLang="ko-KR">
+                <a:latin typeface="Consolas" pitchFamily="49" charset="0"/>
+                <a:cs typeface="Consolas" pitchFamily="49" charset="0"/>
+              </a:rPr>
+              <a:t>    return IServiceManager::asInterface(obj);</a:t>
+            </a:r>
+          </a:p>
+          <a:p>
+            <a:r>
+              <a:rPr lang="en-US" altLang="ko-KR">
+                <a:latin typeface="Consolas" pitchFamily="49" charset="0"/>
+                <a:cs typeface="Consolas" pitchFamily="49" charset="0"/>
+              </a:rPr>
+              <a:t>}</a:t>
+            </a:r>
+          </a:p>
+          <a:p>
+            <a:endParaRPr lang="ko-KR" altLang="en-US">
+              <a:latin typeface="Consolas" pitchFamily="49" charset="0"/>
+              <a:cs typeface="Consolas" pitchFamily="49" charset="0"/>
+            </a:endParaRPr>
+          </a:p>
+        </p:txBody>
+      </p:sp>
+      <p:sp>
+        <p:nvSpPr>
+          <p:cNvPr id="13" name="TextBox 12">
+            <a:extLst>
+              <a:ext uri="{FF2B5EF4-FFF2-40B4-BE49-F238E27FC236}">
+                <a16:creationId xmlns:a16="http://schemas.microsoft.com/office/drawing/2014/main" id="{19C59C23-6C84-4575-BF20-530208A46F52}"/>
+              </a:ext>
+            </a:extLst>
+          </p:cNvPr>
+          <p:cNvSpPr txBox="1"/>
+          <p:nvPr/>
+        </p:nvSpPr>
+        <p:spPr>
+          <a:xfrm>
+            <a:off x="5076056" y="1988840"/>
+            <a:ext cx="564578" cy="369332"/>
+          </a:xfrm>
+          <a:prstGeom prst="rect">
+            <a:avLst/>
+          </a:prstGeom>
+          <a:noFill/>
+        </p:spPr>
+        <p:txBody>
+          <a:bodyPr wrap="none" rtlCol="0">
+            <a:spAutoFit/>
+          </a:bodyPr>
+          <a:lstStyle/>
+          <a:p>
+            <a:r>
+              <a:rPr lang="en-US" altLang="ko-KR">
+                <a:latin typeface="Consolas" pitchFamily="49" charset="0"/>
+                <a:cs typeface="Consolas" pitchFamily="49" charset="0"/>
+              </a:rPr>
+              <a:t>obj</a:t>
+            </a:r>
+            <a:endParaRPr lang="ko-KR" altLang="en-US">
+              <a:latin typeface="Consolas" pitchFamily="49" charset="0"/>
+              <a:cs typeface="Consolas" pitchFamily="49" charset="0"/>
+            </a:endParaRPr>
+          </a:p>
+        </p:txBody>
+      </p:sp>
+      <p:sp>
+        <p:nvSpPr>
+          <p:cNvPr id="14" name="TextBox 13">
+            <a:extLst>
+              <a:ext uri="{FF2B5EF4-FFF2-40B4-BE49-F238E27FC236}">
+                <a16:creationId xmlns:a16="http://schemas.microsoft.com/office/drawing/2014/main" id="{DD0EDEB7-E996-4E94-A326-FC5A9FCB41F7}"/>
+              </a:ext>
+            </a:extLst>
+          </p:cNvPr>
+          <p:cNvSpPr txBox="1"/>
+          <p:nvPr/>
+        </p:nvSpPr>
+        <p:spPr>
+          <a:xfrm>
+            <a:off x="-828600" y="1202652"/>
+            <a:ext cx="9555821" cy="3693319"/>
+          </a:xfrm>
+          <a:prstGeom prst="rect">
+            <a:avLst/>
+          </a:prstGeom>
+          <a:noFill/>
+        </p:spPr>
+        <p:txBody>
+          <a:bodyPr wrap="none" rtlCol="0">
+            <a:spAutoFit/>
+          </a:bodyPr>
+          <a:lstStyle/>
+          <a:p>
+            <a:r>
+              <a:rPr lang="en-US" altLang="ko-KR">
+                <a:latin typeface="Consolas" pitchFamily="49" charset="0"/>
+                <a:cs typeface="Consolas" pitchFamily="49" charset="0"/>
+              </a:rPr>
+              <a:t>static ::android::sp&lt;IServicemanager&gt; asInterface(                     \</a:t>
+            </a:r>
+          </a:p>
+          <a:p>
+            <a:r>
+              <a:rPr lang="en-US" altLang="ko-KR">
+                <a:latin typeface="Consolas" pitchFamily="49" charset="0"/>
+                <a:cs typeface="Consolas" pitchFamily="49" charset="0"/>
+              </a:rPr>
+              <a:t>            const ::android::sp&lt;::android::IBinder&gt;&amp; obj</a:t>
+            </a:r>
+          </a:p>
+          <a:p>
+            <a:r>
+              <a:rPr lang="en-US" altLang="ko-KR">
+                <a:latin typeface="Consolas" pitchFamily="49" charset="0"/>
+                <a:cs typeface="Consolas" pitchFamily="49" charset="0"/>
+              </a:rPr>
+              <a:t>);</a:t>
+            </a:r>
+          </a:p>
+          <a:p>
+            <a:endParaRPr lang="en-US" altLang="ko-KR">
+              <a:latin typeface="Consolas" pitchFamily="49" charset="0"/>
+              <a:cs typeface="Consolas" pitchFamily="49" charset="0"/>
+            </a:endParaRPr>
+          </a:p>
+          <a:p>
+            <a:r>
+              <a:rPr lang="en-US" altLang="ko-KR">
+                <a:latin typeface="Consolas" pitchFamily="49" charset="0"/>
+                <a:cs typeface="Consolas" pitchFamily="49" charset="0"/>
+              </a:rPr>
+              <a:t>::android::sp&lt;IServiceManager&gt; IServiceManager::asInterface(              </a:t>
+            </a:r>
+          </a:p>
+          <a:p>
+            <a:r>
+              <a:rPr lang="en-US" altLang="ko-KR">
+                <a:latin typeface="Consolas" pitchFamily="49" charset="0"/>
+                <a:cs typeface="Consolas" pitchFamily="49" charset="0"/>
+              </a:rPr>
+              <a:t>        const ::android::sp&lt;::android::IBinder&gt;&amp; obj)               </a:t>
+            </a:r>
+          </a:p>
+          <a:p>
+            <a:r>
+              <a:rPr lang="en-US" altLang="ko-KR">
+                <a:latin typeface="Consolas" pitchFamily="49" charset="0"/>
+                <a:cs typeface="Consolas" pitchFamily="49" charset="0"/>
+              </a:rPr>
+              <a:t>{                                                                   </a:t>
+            </a:r>
+          </a:p>
+          <a:p>
+            <a:r>
+              <a:rPr lang="en-US" altLang="ko-KR">
+                <a:latin typeface="Consolas" pitchFamily="49" charset="0"/>
+                <a:cs typeface="Consolas" pitchFamily="49" charset="0"/>
+              </a:rPr>
+              <a:t>    ::android::sp&lt;IServiceManager&gt; intr;                               </a:t>
+            </a:r>
+          </a:p>
+          <a:p>
+            <a:r>
+              <a:rPr lang="en-US" altLang="ko-KR">
+                <a:latin typeface="Consolas" pitchFamily="49" charset="0"/>
+                <a:cs typeface="Consolas" pitchFamily="49" charset="0"/>
+              </a:rPr>
+              <a:t>                                  </a:t>
+            </a:r>
+          </a:p>
+          <a:p>
+            <a:r>
+              <a:rPr lang="en-US" altLang="ko-KR">
+                <a:latin typeface="Consolas" pitchFamily="49" charset="0"/>
+                <a:cs typeface="Consolas" pitchFamily="49" charset="0"/>
+              </a:rPr>
+              <a:t>     intr = new BpServiceManager(obj);                          </a:t>
+            </a:r>
+          </a:p>
+          <a:p>
+            <a:r>
+              <a:rPr lang="en-US" altLang="ko-KR">
+                <a:latin typeface="Consolas" pitchFamily="49" charset="0"/>
+                <a:cs typeface="Consolas" pitchFamily="49" charset="0"/>
+              </a:rPr>
+              <a:t>                                                       </a:t>
+            </a:r>
+          </a:p>
+          <a:p>
+            <a:r>
+              <a:rPr lang="en-US" altLang="ko-KR">
+                <a:latin typeface="Consolas" pitchFamily="49" charset="0"/>
+                <a:cs typeface="Consolas" pitchFamily="49" charset="0"/>
+              </a:rPr>
+              <a:t>    return intr;                                                    </a:t>
+            </a:r>
+          </a:p>
+          <a:p>
+            <a:r>
+              <a:rPr lang="en-US" altLang="ko-KR">
+                <a:latin typeface="Consolas" pitchFamily="49" charset="0"/>
+                <a:cs typeface="Consolas" pitchFamily="49" charset="0"/>
+              </a:rPr>
+              <a:t>} </a:t>
+            </a:r>
+          </a:p>
+        </p:txBody>
+      </p:sp>
+    </p:spTree>
+    <p:extLst>
+      <p:ext uri="{BB962C8B-B14F-4D97-AF65-F5344CB8AC3E}">
+        <p14:creationId xmlns:p14="http://schemas.microsoft.com/office/powerpoint/2010/main" val="92231468"/>
+      </p:ext>
+    </p:extLst>
+  </p:cSld>
+  <p:clrMapOvr>
+    <a:masterClrMapping/>
+  </p:clrMapOvr>
+</p:sld>
+</file>
+
 <file path=ppt/slides/slide4.xml><?xml version="1.0" encoding="utf-8"?>
 <p:sld xmlns:a="http://schemas.openxmlformats.org/drawingml/2006/main" xmlns:r="http://schemas.openxmlformats.org/officeDocument/2006/relationships" xmlns:p="http://schemas.openxmlformats.org/presentationml/2006/main">
   <p:cSld>
@@ -47755,6 +50515,2410 @@
     <p:extLst>
       <p:ext uri="{BB962C8B-B14F-4D97-AF65-F5344CB8AC3E}">
         <p14:creationId xmlns:p14="http://schemas.microsoft.com/office/powerpoint/2010/main" val="753990938"/>
+      </p:ext>
+    </p:extLst>
+  </p:cSld>
+  <p:clrMapOvr>
+    <a:masterClrMapping/>
+  </p:clrMapOvr>
+</p:sld>
+</file>
+
+<file path=ppt/slides/slide40.xml><?xml version="1.0" encoding="utf-8"?>
+<p:sld xmlns:a="http://schemas.openxmlformats.org/drawingml/2006/main" xmlns:r="http://schemas.openxmlformats.org/officeDocument/2006/relationships" xmlns:p="http://schemas.openxmlformats.org/presentationml/2006/main">
+  <p:cSld>
+    <p:spTree>
+      <p:nvGrpSpPr>
+        <p:cNvPr id="1" name=""/>
+        <p:cNvGrpSpPr/>
+        <p:nvPr/>
+      </p:nvGrpSpPr>
+      <p:grpSpPr>
+        <a:xfrm>
+          <a:off x="0" y="0"/>
+          <a:ext cx="0" cy="0"/>
+          <a:chOff x="0" y="0"/>
+          <a:chExt cx="0" cy="0"/>
+        </a:xfrm>
+      </p:grpSpPr>
+      <p:sp>
+        <p:nvSpPr>
+          <p:cNvPr id="4" name="직사각형 3">
+            <a:extLst>
+              <a:ext uri="{FF2B5EF4-FFF2-40B4-BE49-F238E27FC236}">
+                <a16:creationId xmlns:a16="http://schemas.microsoft.com/office/drawing/2014/main" id="{406659F7-D3DF-40D7-87C4-0BCA6633B14C}"/>
+              </a:ext>
+            </a:extLst>
+          </p:cNvPr>
+          <p:cNvSpPr/>
+          <p:nvPr/>
+        </p:nvSpPr>
+        <p:spPr>
+          <a:xfrm>
+            <a:off x="6955750" y="3649670"/>
+            <a:ext cx="1824062" cy="504056"/>
+          </a:xfrm>
+          <a:prstGeom prst="rect">
+            <a:avLst/>
+          </a:prstGeom>
+          <a:solidFill>
+            <a:srgbClr val="FFC000"/>
+          </a:solidFill>
+          <a:ln w="12700"/>
+        </p:spPr>
+        <p:style>
+          <a:lnRef idx="2">
+            <a:schemeClr val="accent1">
+              <a:shade val="50000"/>
+            </a:schemeClr>
+          </a:lnRef>
+          <a:fillRef idx="1">
+            <a:schemeClr val="accent1"/>
+          </a:fillRef>
+          <a:effectRef idx="0">
+            <a:schemeClr val="accent1"/>
+          </a:effectRef>
+          <a:fontRef idx="minor">
+            <a:schemeClr val="lt1"/>
+          </a:fontRef>
+        </p:style>
+        <p:txBody>
+          <a:bodyPr rtlCol="0" anchor="ctr"/>
+          <a:lstStyle/>
+          <a:p>
+            <a:pPr algn="ctr"/>
+            <a:r>
+              <a:rPr lang="en-US" altLang="ko-KR">
+                <a:solidFill>
+                  <a:schemeClr val="tx1"/>
+                </a:solidFill>
+                <a:latin typeface="Consolas" pitchFamily="49" charset="0"/>
+                <a:cs typeface="Consolas" pitchFamily="49" charset="0"/>
+              </a:rPr>
+              <a:t>BpBinder</a:t>
+            </a:r>
+            <a:endParaRPr lang="ko-KR" altLang="en-US">
+              <a:solidFill>
+                <a:schemeClr val="tx1"/>
+              </a:solidFill>
+              <a:latin typeface="Consolas" pitchFamily="49" charset="0"/>
+              <a:cs typeface="Consolas" pitchFamily="49" charset="0"/>
+            </a:endParaRPr>
+          </a:p>
+        </p:txBody>
+      </p:sp>
+      <p:sp>
+        <p:nvSpPr>
+          <p:cNvPr id="5" name="직사각형 4">
+            <a:extLst>
+              <a:ext uri="{FF2B5EF4-FFF2-40B4-BE49-F238E27FC236}">
+                <a16:creationId xmlns:a16="http://schemas.microsoft.com/office/drawing/2014/main" id="{1EADE07E-C2DF-4A50-9D68-5EA1236E971D}"/>
+              </a:ext>
+            </a:extLst>
+          </p:cNvPr>
+          <p:cNvSpPr/>
+          <p:nvPr/>
+        </p:nvSpPr>
+        <p:spPr>
+          <a:xfrm>
+            <a:off x="6955750" y="4153726"/>
+            <a:ext cx="1824062" cy="504056"/>
+          </a:xfrm>
+          <a:prstGeom prst="rect">
+            <a:avLst/>
+          </a:prstGeom>
+          <a:solidFill>
+            <a:srgbClr val="FFFF00"/>
+          </a:solidFill>
+          <a:ln w="12700"/>
+        </p:spPr>
+        <p:style>
+          <a:lnRef idx="2">
+            <a:schemeClr val="accent1">
+              <a:shade val="50000"/>
+            </a:schemeClr>
+          </a:lnRef>
+          <a:fillRef idx="1">
+            <a:schemeClr val="accent1"/>
+          </a:fillRef>
+          <a:effectRef idx="0">
+            <a:schemeClr val="accent1"/>
+          </a:effectRef>
+          <a:fontRef idx="minor">
+            <a:schemeClr val="lt1"/>
+          </a:fontRef>
+        </p:style>
+        <p:txBody>
+          <a:bodyPr rtlCol="0" anchor="ctr"/>
+          <a:lstStyle/>
+          <a:p>
+            <a:pPr algn="ctr"/>
+            <a:r>
+              <a:rPr lang="en-US" altLang="ko-KR">
+                <a:solidFill>
+                  <a:schemeClr val="tx1"/>
+                </a:solidFill>
+                <a:latin typeface="Consolas" pitchFamily="49" charset="0"/>
+                <a:cs typeface="Consolas" pitchFamily="49" charset="0"/>
+              </a:rPr>
+              <a:t>transact(){}</a:t>
+            </a:r>
+            <a:endParaRPr lang="ko-KR" altLang="en-US">
+              <a:solidFill>
+                <a:schemeClr val="tx1"/>
+              </a:solidFill>
+              <a:latin typeface="Consolas" pitchFamily="49" charset="0"/>
+              <a:cs typeface="Consolas" pitchFamily="49" charset="0"/>
+            </a:endParaRPr>
+          </a:p>
+        </p:txBody>
+      </p:sp>
+      <p:sp>
+        <p:nvSpPr>
+          <p:cNvPr id="6" name="직사각형 5">
+            <a:extLst>
+              <a:ext uri="{FF2B5EF4-FFF2-40B4-BE49-F238E27FC236}">
+                <a16:creationId xmlns:a16="http://schemas.microsoft.com/office/drawing/2014/main" id="{01134FB8-3A5F-4202-93DA-E5C641F5AEE7}"/>
+              </a:ext>
+            </a:extLst>
+          </p:cNvPr>
+          <p:cNvSpPr/>
+          <p:nvPr/>
+        </p:nvSpPr>
+        <p:spPr>
+          <a:xfrm>
+            <a:off x="6955750" y="4657782"/>
+            <a:ext cx="1824062" cy="504056"/>
+          </a:xfrm>
+          <a:prstGeom prst="rect">
+            <a:avLst/>
+          </a:prstGeom>
+          <a:solidFill>
+            <a:srgbClr val="FFFF00"/>
+          </a:solidFill>
+          <a:ln w="12700"/>
+        </p:spPr>
+        <p:style>
+          <a:lnRef idx="2">
+            <a:schemeClr val="accent1">
+              <a:shade val="50000"/>
+            </a:schemeClr>
+          </a:lnRef>
+          <a:fillRef idx="1">
+            <a:schemeClr val="accent1"/>
+          </a:fillRef>
+          <a:effectRef idx="0">
+            <a:schemeClr val="accent1"/>
+          </a:effectRef>
+          <a:fontRef idx="minor">
+            <a:schemeClr val="lt1"/>
+          </a:fontRef>
+        </p:style>
+        <p:txBody>
+          <a:bodyPr rtlCol="0" anchor="ctr"/>
+          <a:lstStyle/>
+          <a:p>
+            <a:pPr algn="ctr"/>
+            <a:r>
+              <a:rPr lang="en-US" altLang="ko-KR">
+                <a:solidFill>
+                  <a:schemeClr val="tx1"/>
+                </a:solidFill>
+                <a:latin typeface="Consolas" pitchFamily="49" charset="0"/>
+                <a:cs typeface="Consolas" pitchFamily="49" charset="0"/>
+              </a:rPr>
+              <a:t>mHandle=0</a:t>
+            </a:r>
+            <a:endParaRPr lang="ko-KR" altLang="en-US">
+              <a:solidFill>
+                <a:schemeClr val="tx1"/>
+              </a:solidFill>
+              <a:latin typeface="Consolas" pitchFamily="49" charset="0"/>
+              <a:cs typeface="Consolas" pitchFamily="49" charset="0"/>
+            </a:endParaRPr>
+          </a:p>
+        </p:txBody>
+      </p:sp>
+      <p:sp>
+        <p:nvSpPr>
+          <p:cNvPr id="7" name="직사각형 6">
+            <a:extLst>
+              <a:ext uri="{FF2B5EF4-FFF2-40B4-BE49-F238E27FC236}">
+                <a16:creationId xmlns:a16="http://schemas.microsoft.com/office/drawing/2014/main" id="{D470A21E-8F21-4E95-B99A-6B503B321A40}"/>
+              </a:ext>
+            </a:extLst>
+          </p:cNvPr>
+          <p:cNvSpPr/>
+          <p:nvPr/>
+        </p:nvSpPr>
+        <p:spPr>
+          <a:xfrm>
+            <a:off x="6955750" y="1700808"/>
+            <a:ext cx="1824062" cy="504056"/>
+          </a:xfrm>
+          <a:prstGeom prst="rect">
+            <a:avLst/>
+          </a:prstGeom>
+          <a:solidFill>
+            <a:srgbClr val="FFC000"/>
+          </a:solidFill>
+          <a:ln w="12700"/>
+        </p:spPr>
+        <p:style>
+          <a:lnRef idx="2">
+            <a:schemeClr val="accent1">
+              <a:shade val="50000"/>
+            </a:schemeClr>
+          </a:lnRef>
+          <a:fillRef idx="1">
+            <a:schemeClr val="accent1"/>
+          </a:fillRef>
+          <a:effectRef idx="0">
+            <a:schemeClr val="accent1"/>
+          </a:effectRef>
+          <a:fontRef idx="minor">
+            <a:schemeClr val="lt1"/>
+          </a:fontRef>
+        </p:style>
+        <p:txBody>
+          <a:bodyPr rtlCol="0" anchor="ctr"/>
+          <a:lstStyle/>
+          <a:p>
+            <a:pPr algn="ctr"/>
+            <a:r>
+              <a:rPr lang="en-US" altLang="ko-KR">
+                <a:solidFill>
+                  <a:schemeClr val="tx1"/>
+                </a:solidFill>
+                <a:latin typeface="Consolas" pitchFamily="49" charset="0"/>
+                <a:cs typeface="Consolas" pitchFamily="49" charset="0"/>
+              </a:rPr>
+              <a:t>IBinder</a:t>
+            </a:r>
+            <a:endParaRPr lang="ko-KR" altLang="en-US">
+              <a:solidFill>
+                <a:schemeClr val="tx1"/>
+              </a:solidFill>
+              <a:latin typeface="Consolas" pitchFamily="49" charset="0"/>
+              <a:cs typeface="Consolas" pitchFamily="49" charset="0"/>
+            </a:endParaRPr>
+          </a:p>
+        </p:txBody>
+      </p:sp>
+      <p:sp>
+        <p:nvSpPr>
+          <p:cNvPr id="8" name="직사각형 7">
+            <a:extLst>
+              <a:ext uri="{FF2B5EF4-FFF2-40B4-BE49-F238E27FC236}">
+                <a16:creationId xmlns:a16="http://schemas.microsoft.com/office/drawing/2014/main" id="{0D7CA5F3-CB0C-4DDF-A370-48584820B07A}"/>
+              </a:ext>
+            </a:extLst>
+          </p:cNvPr>
+          <p:cNvSpPr/>
+          <p:nvPr/>
+        </p:nvSpPr>
+        <p:spPr>
+          <a:xfrm>
+            <a:off x="6955750" y="2204864"/>
+            <a:ext cx="1824062" cy="504056"/>
+          </a:xfrm>
+          <a:prstGeom prst="rect">
+            <a:avLst/>
+          </a:prstGeom>
+          <a:solidFill>
+            <a:srgbClr val="FFFF00"/>
+          </a:solidFill>
+          <a:ln w="12700"/>
+        </p:spPr>
+        <p:style>
+          <a:lnRef idx="2">
+            <a:schemeClr val="accent1">
+              <a:shade val="50000"/>
+            </a:schemeClr>
+          </a:lnRef>
+          <a:fillRef idx="1">
+            <a:schemeClr val="accent1"/>
+          </a:fillRef>
+          <a:effectRef idx="0">
+            <a:schemeClr val="accent1"/>
+          </a:effectRef>
+          <a:fontRef idx="minor">
+            <a:schemeClr val="lt1"/>
+          </a:fontRef>
+        </p:style>
+        <p:txBody>
+          <a:bodyPr rtlCol="0" anchor="ctr"/>
+          <a:lstStyle/>
+          <a:p>
+            <a:pPr algn="ctr"/>
+            <a:r>
+              <a:rPr lang="en-US" altLang="ko-KR">
+                <a:solidFill>
+                  <a:schemeClr val="tx1"/>
+                </a:solidFill>
+                <a:latin typeface="Consolas" pitchFamily="49" charset="0"/>
+                <a:cs typeface="Consolas" pitchFamily="49" charset="0"/>
+              </a:rPr>
+              <a:t>transact()=0</a:t>
+            </a:r>
+            <a:endParaRPr lang="ko-KR" altLang="en-US">
+              <a:solidFill>
+                <a:schemeClr val="tx1"/>
+              </a:solidFill>
+              <a:latin typeface="Consolas" pitchFamily="49" charset="0"/>
+              <a:cs typeface="Consolas" pitchFamily="49" charset="0"/>
+            </a:endParaRPr>
+          </a:p>
+        </p:txBody>
+      </p:sp>
+      <p:sp>
+        <p:nvSpPr>
+          <p:cNvPr id="9" name="직사각형 8">
+            <a:extLst>
+              <a:ext uri="{FF2B5EF4-FFF2-40B4-BE49-F238E27FC236}">
+                <a16:creationId xmlns:a16="http://schemas.microsoft.com/office/drawing/2014/main" id="{B8919F98-4223-491E-86A9-751886FCE76F}"/>
+              </a:ext>
+            </a:extLst>
+          </p:cNvPr>
+          <p:cNvSpPr/>
+          <p:nvPr/>
+        </p:nvSpPr>
+        <p:spPr>
+          <a:xfrm>
+            <a:off x="6955750" y="2708920"/>
+            <a:ext cx="1824062" cy="504056"/>
+          </a:xfrm>
+          <a:prstGeom prst="rect">
+            <a:avLst/>
+          </a:prstGeom>
+          <a:solidFill>
+            <a:srgbClr val="FFFF00"/>
+          </a:solidFill>
+          <a:ln w="12700"/>
+        </p:spPr>
+        <p:style>
+          <a:lnRef idx="2">
+            <a:schemeClr val="accent1">
+              <a:shade val="50000"/>
+            </a:schemeClr>
+          </a:lnRef>
+          <a:fillRef idx="1">
+            <a:schemeClr val="accent1"/>
+          </a:fillRef>
+          <a:effectRef idx="0">
+            <a:schemeClr val="accent1"/>
+          </a:effectRef>
+          <a:fontRef idx="minor">
+            <a:schemeClr val="lt1"/>
+          </a:fontRef>
+        </p:style>
+        <p:txBody>
+          <a:bodyPr rtlCol="0" anchor="ctr"/>
+          <a:lstStyle/>
+          <a:p>
+            <a:pPr algn="ctr"/>
+            <a:endParaRPr lang="ko-KR" altLang="en-US">
+              <a:solidFill>
+                <a:schemeClr val="tx1"/>
+              </a:solidFill>
+              <a:latin typeface="Consolas" pitchFamily="49" charset="0"/>
+              <a:cs typeface="Consolas" pitchFamily="49" charset="0"/>
+            </a:endParaRPr>
+          </a:p>
+        </p:txBody>
+      </p:sp>
+      <p:cxnSp>
+        <p:nvCxnSpPr>
+          <p:cNvPr id="10" name="직선 화살표 연결선 9">
+            <a:extLst>
+              <a:ext uri="{FF2B5EF4-FFF2-40B4-BE49-F238E27FC236}">
+                <a16:creationId xmlns:a16="http://schemas.microsoft.com/office/drawing/2014/main" id="{FAFEBE0C-D896-459A-8E7D-44E552F63F94}"/>
+              </a:ext>
+            </a:extLst>
+          </p:cNvPr>
+          <p:cNvCxnSpPr>
+            <a:cxnSpLocks/>
+            <a:stCxn id="4" idx="0"/>
+            <a:endCxn id="9" idx="2"/>
+          </p:cNvCxnSpPr>
+          <p:nvPr/>
+        </p:nvCxnSpPr>
+        <p:spPr>
+          <a:xfrm flipV="1">
+            <a:off x="7867781" y="3212976"/>
+            <a:ext cx="0" cy="436694"/>
+          </a:xfrm>
+          <a:prstGeom prst="straightConnector1">
+            <a:avLst/>
+          </a:prstGeom>
+          <a:ln>
+            <a:solidFill>
+              <a:schemeClr val="tx1"/>
+            </a:solidFill>
+            <a:tailEnd type="triangle"/>
+          </a:ln>
+        </p:spPr>
+        <p:style>
+          <a:lnRef idx="1">
+            <a:schemeClr val="accent1"/>
+          </a:lnRef>
+          <a:fillRef idx="0">
+            <a:schemeClr val="accent1"/>
+          </a:fillRef>
+          <a:effectRef idx="0">
+            <a:schemeClr val="accent1"/>
+          </a:effectRef>
+          <a:fontRef idx="minor">
+            <a:schemeClr val="tx1"/>
+          </a:fontRef>
+        </p:style>
+      </p:cxnSp>
+      <p:cxnSp>
+        <p:nvCxnSpPr>
+          <p:cNvPr id="11" name="직선 화살표 연결선 10">
+            <a:extLst>
+              <a:ext uri="{FF2B5EF4-FFF2-40B4-BE49-F238E27FC236}">
+                <a16:creationId xmlns:a16="http://schemas.microsoft.com/office/drawing/2014/main" id="{5A630CD0-34C1-4F83-9D92-FDDEF37C424E}"/>
+              </a:ext>
+            </a:extLst>
+          </p:cNvPr>
+          <p:cNvCxnSpPr>
+            <a:cxnSpLocks/>
+            <a:endCxn id="7" idx="1"/>
+          </p:cNvCxnSpPr>
+          <p:nvPr/>
+        </p:nvCxnSpPr>
+        <p:spPr>
+          <a:xfrm flipV="1">
+            <a:off x="5465345" y="1952836"/>
+            <a:ext cx="1490405" cy="884915"/>
+          </a:xfrm>
+          <a:prstGeom prst="straightConnector1">
+            <a:avLst/>
+          </a:prstGeom>
+          <a:ln>
+            <a:tailEnd type="triangle"/>
+          </a:ln>
+        </p:spPr>
+        <p:style>
+          <a:lnRef idx="1">
+            <a:schemeClr val="accent1"/>
+          </a:lnRef>
+          <a:fillRef idx="0">
+            <a:schemeClr val="accent1"/>
+          </a:fillRef>
+          <a:effectRef idx="0">
+            <a:schemeClr val="accent1"/>
+          </a:effectRef>
+          <a:fontRef idx="minor">
+            <a:schemeClr val="tx1"/>
+          </a:fontRef>
+        </p:style>
+      </p:cxnSp>
+      <p:sp>
+        <p:nvSpPr>
+          <p:cNvPr id="13" name="TextBox 12">
+            <a:extLst>
+              <a:ext uri="{FF2B5EF4-FFF2-40B4-BE49-F238E27FC236}">
+                <a16:creationId xmlns:a16="http://schemas.microsoft.com/office/drawing/2014/main" id="{19C59C23-6C84-4575-BF20-530208A46F52}"/>
+              </a:ext>
+            </a:extLst>
+          </p:cNvPr>
+          <p:cNvSpPr txBox="1"/>
+          <p:nvPr/>
+        </p:nvSpPr>
+        <p:spPr>
+          <a:xfrm>
+            <a:off x="4531340" y="2524254"/>
+            <a:ext cx="944489" cy="369332"/>
+          </a:xfrm>
+          <a:prstGeom prst="rect">
+            <a:avLst/>
+          </a:prstGeom>
+          <a:noFill/>
+        </p:spPr>
+        <p:txBody>
+          <a:bodyPr wrap="none" rtlCol="0">
+            <a:spAutoFit/>
+          </a:bodyPr>
+          <a:lstStyle/>
+          <a:p>
+            <a:r>
+              <a:rPr lang="en-US" altLang="ko-KR">
+                <a:latin typeface="Consolas" pitchFamily="49" charset="0"/>
+                <a:cs typeface="Consolas" pitchFamily="49" charset="0"/>
+              </a:rPr>
+              <a:t>binder</a:t>
+            </a:r>
+            <a:endParaRPr lang="ko-KR" altLang="en-US">
+              <a:latin typeface="Consolas" pitchFamily="49" charset="0"/>
+              <a:cs typeface="Consolas" pitchFamily="49" charset="0"/>
+            </a:endParaRPr>
+          </a:p>
+        </p:txBody>
+      </p:sp>
+      <p:sp>
+        <p:nvSpPr>
+          <p:cNvPr id="2" name="TextBox 1">
+            <a:extLst>
+              <a:ext uri="{FF2B5EF4-FFF2-40B4-BE49-F238E27FC236}">
+                <a16:creationId xmlns:a16="http://schemas.microsoft.com/office/drawing/2014/main" id="{140C6330-5B3F-48D1-A33F-F560F7DE2416}"/>
+              </a:ext>
+            </a:extLst>
+          </p:cNvPr>
+          <p:cNvSpPr txBox="1"/>
+          <p:nvPr/>
+        </p:nvSpPr>
+        <p:spPr>
+          <a:xfrm>
+            <a:off x="0" y="118867"/>
+            <a:ext cx="6955750" cy="400110"/>
+          </a:xfrm>
+          <a:prstGeom prst="rect">
+            <a:avLst/>
+          </a:prstGeom>
+          <a:noFill/>
+        </p:spPr>
+        <p:txBody>
+          <a:bodyPr wrap="none" rtlCol="0">
+            <a:spAutoFit/>
+          </a:bodyPr>
+          <a:lstStyle/>
+          <a:p>
+            <a:r>
+              <a:rPr lang="en-US" altLang="ko-KR" sz="2000">
+                <a:latin typeface="Consolas" pitchFamily="49" charset="0"/>
+                <a:cs typeface="Consolas" pitchFamily="49" charset="0"/>
+              </a:rPr>
+              <a:t>binder_call( bs, msg, reply, target=0, code=3 );</a:t>
+            </a:r>
+            <a:endParaRPr lang="ko-KR" altLang="en-US" sz="2000">
+              <a:latin typeface="Consolas" pitchFamily="49" charset="0"/>
+              <a:cs typeface="Consolas" pitchFamily="49" charset="0"/>
+            </a:endParaRPr>
+          </a:p>
+        </p:txBody>
+      </p:sp>
+      <p:sp>
+        <p:nvSpPr>
+          <p:cNvPr id="15" name="TextBox 14">
+            <a:extLst>
+              <a:ext uri="{FF2B5EF4-FFF2-40B4-BE49-F238E27FC236}">
+                <a16:creationId xmlns:a16="http://schemas.microsoft.com/office/drawing/2014/main" id="{D9A7D40E-ABB7-4957-AAC2-8D35A0E1B190}"/>
+              </a:ext>
+            </a:extLst>
+          </p:cNvPr>
+          <p:cNvSpPr txBox="1"/>
+          <p:nvPr/>
+        </p:nvSpPr>
+        <p:spPr>
+          <a:xfrm>
+            <a:off x="0" y="930786"/>
+            <a:ext cx="4275529" cy="400110"/>
+          </a:xfrm>
+          <a:prstGeom prst="rect">
+            <a:avLst/>
+          </a:prstGeom>
+          <a:noFill/>
+        </p:spPr>
+        <p:txBody>
+          <a:bodyPr wrap="none" rtlCol="0">
+            <a:spAutoFit/>
+          </a:bodyPr>
+          <a:lstStyle/>
+          <a:p>
+            <a:r>
+              <a:rPr lang="en-US" altLang="ko-KR" sz="2000">
+                <a:latin typeface="Consolas" pitchFamily="49" charset="0"/>
+                <a:cs typeface="Consolas" pitchFamily="49" charset="0"/>
+              </a:rPr>
+              <a:t>transact( code, msg, reply );</a:t>
+            </a:r>
+            <a:endParaRPr lang="ko-KR" altLang="en-US" sz="2000">
+              <a:latin typeface="Consolas" pitchFamily="49" charset="0"/>
+              <a:cs typeface="Consolas" pitchFamily="49" charset="0"/>
+            </a:endParaRPr>
+          </a:p>
+        </p:txBody>
+      </p:sp>
+    </p:spTree>
+    <p:extLst>
+      <p:ext uri="{BB962C8B-B14F-4D97-AF65-F5344CB8AC3E}">
+        <p14:creationId xmlns:p14="http://schemas.microsoft.com/office/powerpoint/2010/main" val="1296371504"/>
+      </p:ext>
+    </p:extLst>
+  </p:cSld>
+  <p:clrMapOvr>
+    <a:masterClrMapping/>
+  </p:clrMapOvr>
+</p:sld>
+</file>
+
+<file path=ppt/slides/slide41.xml><?xml version="1.0" encoding="utf-8"?>
+<p:sld xmlns:a="http://schemas.openxmlformats.org/drawingml/2006/main" xmlns:r="http://schemas.openxmlformats.org/officeDocument/2006/relationships" xmlns:p="http://schemas.openxmlformats.org/presentationml/2006/main">
+  <p:cSld>
+    <p:spTree>
+      <p:nvGrpSpPr>
+        <p:cNvPr id="1" name=""/>
+        <p:cNvGrpSpPr/>
+        <p:nvPr/>
+      </p:nvGrpSpPr>
+      <p:grpSpPr>
+        <a:xfrm>
+          <a:off x="0" y="0"/>
+          <a:ext cx="0" cy="0"/>
+          <a:chOff x="0" y="0"/>
+          <a:chExt cx="0" cy="0"/>
+        </a:xfrm>
+      </p:grpSpPr>
+      <p:sp>
+        <p:nvSpPr>
+          <p:cNvPr id="4" name="직사각형 3">
+            <a:extLst>
+              <a:ext uri="{FF2B5EF4-FFF2-40B4-BE49-F238E27FC236}">
+                <a16:creationId xmlns:a16="http://schemas.microsoft.com/office/drawing/2014/main" id="{406659F7-D3DF-40D7-87C4-0BCA6633B14C}"/>
+              </a:ext>
+            </a:extLst>
+          </p:cNvPr>
+          <p:cNvSpPr/>
+          <p:nvPr/>
+        </p:nvSpPr>
+        <p:spPr>
+          <a:xfrm>
+            <a:off x="6950307" y="4322039"/>
+            <a:ext cx="1534407" cy="424013"/>
+          </a:xfrm>
+          <a:prstGeom prst="rect">
+            <a:avLst/>
+          </a:prstGeom>
+          <a:solidFill>
+            <a:srgbClr val="FFC000"/>
+          </a:solidFill>
+          <a:ln w="12700"/>
+        </p:spPr>
+        <p:style>
+          <a:lnRef idx="2">
+            <a:schemeClr val="accent1">
+              <a:shade val="50000"/>
+            </a:schemeClr>
+          </a:lnRef>
+          <a:fillRef idx="1">
+            <a:schemeClr val="accent1"/>
+          </a:fillRef>
+          <a:effectRef idx="0">
+            <a:schemeClr val="accent1"/>
+          </a:effectRef>
+          <a:fontRef idx="minor">
+            <a:schemeClr val="lt1"/>
+          </a:fontRef>
+        </p:style>
+        <p:txBody>
+          <a:bodyPr rtlCol="0" anchor="ctr"/>
+          <a:lstStyle/>
+          <a:p>
+            <a:pPr algn="ctr"/>
+            <a:r>
+              <a:rPr lang="en-US" altLang="ko-KR" sz="1600">
+                <a:solidFill>
+                  <a:schemeClr val="tx1"/>
+                </a:solidFill>
+                <a:latin typeface="Consolas" pitchFamily="49" charset="0"/>
+                <a:cs typeface="Consolas" pitchFamily="49" charset="0"/>
+              </a:rPr>
+              <a:t>BpBinder</a:t>
+            </a:r>
+            <a:endParaRPr lang="ko-KR" altLang="en-US" sz="1600">
+              <a:solidFill>
+                <a:schemeClr val="tx1"/>
+              </a:solidFill>
+              <a:latin typeface="Consolas" pitchFamily="49" charset="0"/>
+              <a:cs typeface="Consolas" pitchFamily="49" charset="0"/>
+            </a:endParaRPr>
+          </a:p>
+        </p:txBody>
+      </p:sp>
+      <p:sp>
+        <p:nvSpPr>
+          <p:cNvPr id="5" name="직사각형 4">
+            <a:extLst>
+              <a:ext uri="{FF2B5EF4-FFF2-40B4-BE49-F238E27FC236}">
+                <a16:creationId xmlns:a16="http://schemas.microsoft.com/office/drawing/2014/main" id="{1EADE07E-C2DF-4A50-9D68-5EA1236E971D}"/>
+              </a:ext>
+            </a:extLst>
+          </p:cNvPr>
+          <p:cNvSpPr/>
+          <p:nvPr/>
+        </p:nvSpPr>
+        <p:spPr>
+          <a:xfrm>
+            <a:off x="6950307" y="4746053"/>
+            <a:ext cx="1534407" cy="424013"/>
+          </a:xfrm>
+          <a:prstGeom prst="rect">
+            <a:avLst/>
+          </a:prstGeom>
+          <a:solidFill>
+            <a:srgbClr val="FFFF00"/>
+          </a:solidFill>
+          <a:ln w="12700"/>
+        </p:spPr>
+        <p:style>
+          <a:lnRef idx="2">
+            <a:schemeClr val="accent1">
+              <a:shade val="50000"/>
+            </a:schemeClr>
+          </a:lnRef>
+          <a:fillRef idx="1">
+            <a:schemeClr val="accent1"/>
+          </a:fillRef>
+          <a:effectRef idx="0">
+            <a:schemeClr val="accent1"/>
+          </a:effectRef>
+          <a:fontRef idx="minor">
+            <a:schemeClr val="lt1"/>
+          </a:fontRef>
+        </p:style>
+        <p:txBody>
+          <a:bodyPr rtlCol="0" anchor="ctr"/>
+          <a:lstStyle/>
+          <a:p>
+            <a:pPr algn="ctr"/>
+            <a:r>
+              <a:rPr lang="en-US" altLang="ko-KR" sz="1600">
+                <a:solidFill>
+                  <a:schemeClr val="tx1"/>
+                </a:solidFill>
+                <a:latin typeface="Consolas" pitchFamily="49" charset="0"/>
+                <a:cs typeface="Consolas" pitchFamily="49" charset="0"/>
+              </a:rPr>
+              <a:t>transact(){}</a:t>
+            </a:r>
+            <a:endParaRPr lang="ko-KR" altLang="en-US" sz="1600">
+              <a:solidFill>
+                <a:schemeClr val="tx1"/>
+              </a:solidFill>
+              <a:latin typeface="Consolas" pitchFamily="49" charset="0"/>
+              <a:cs typeface="Consolas" pitchFamily="49" charset="0"/>
+            </a:endParaRPr>
+          </a:p>
+        </p:txBody>
+      </p:sp>
+      <p:sp>
+        <p:nvSpPr>
+          <p:cNvPr id="6" name="직사각형 5">
+            <a:extLst>
+              <a:ext uri="{FF2B5EF4-FFF2-40B4-BE49-F238E27FC236}">
+                <a16:creationId xmlns:a16="http://schemas.microsoft.com/office/drawing/2014/main" id="{01134FB8-3A5F-4202-93DA-E5C641F5AEE7}"/>
+              </a:ext>
+            </a:extLst>
+          </p:cNvPr>
+          <p:cNvSpPr/>
+          <p:nvPr/>
+        </p:nvSpPr>
+        <p:spPr>
+          <a:xfrm>
+            <a:off x="6950307" y="5170066"/>
+            <a:ext cx="1534407" cy="424013"/>
+          </a:xfrm>
+          <a:prstGeom prst="rect">
+            <a:avLst/>
+          </a:prstGeom>
+          <a:solidFill>
+            <a:srgbClr val="FFFF00"/>
+          </a:solidFill>
+          <a:ln w="12700"/>
+        </p:spPr>
+        <p:style>
+          <a:lnRef idx="2">
+            <a:schemeClr val="accent1">
+              <a:shade val="50000"/>
+            </a:schemeClr>
+          </a:lnRef>
+          <a:fillRef idx="1">
+            <a:schemeClr val="accent1"/>
+          </a:fillRef>
+          <a:effectRef idx="0">
+            <a:schemeClr val="accent1"/>
+          </a:effectRef>
+          <a:fontRef idx="minor">
+            <a:schemeClr val="lt1"/>
+          </a:fontRef>
+        </p:style>
+        <p:txBody>
+          <a:bodyPr rtlCol="0" anchor="ctr"/>
+          <a:lstStyle/>
+          <a:p>
+            <a:pPr algn="ctr"/>
+            <a:r>
+              <a:rPr lang="en-US" altLang="ko-KR" sz="1600">
+                <a:solidFill>
+                  <a:schemeClr val="tx1"/>
+                </a:solidFill>
+                <a:latin typeface="Consolas" pitchFamily="49" charset="0"/>
+                <a:cs typeface="Consolas" pitchFamily="49" charset="0"/>
+              </a:rPr>
+              <a:t>mHandle=0</a:t>
+            </a:r>
+            <a:endParaRPr lang="ko-KR" altLang="en-US" sz="1600">
+              <a:solidFill>
+                <a:schemeClr val="tx1"/>
+              </a:solidFill>
+              <a:latin typeface="Consolas" pitchFamily="49" charset="0"/>
+              <a:cs typeface="Consolas" pitchFamily="49" charset="0"/>
+            </a:endParaRPr>
+          </a:p>
+        </p:txBody>
+      </p:sp>
+      <p:sp>
+        <p:nvSpPr>
+          <p:cNvPr id="7" name="직사각형 6">
+            <a:extLst>
+              <a:ext uri="{FF2B5EF4-FFF2-40B4-BE49-F238E27FC236}">
+                <a16:creationId xmlns:a16="http://schemas.microsoft.com/office/drawing/2014/main" id="{D470A21E-8F21-4E95-B99A-6B503B321A40}"/>
+              </a:ext>
+            </a:extLst>
+          </p:cNvPr>
+          <p:cNvSpPr/>
+          <p:nvPr/>
+        </p:nvSpPr>
+        <p:spPr>
+          <a:xfrm>
+            <a:off x="6950307" y="2682651"/>
+            <a:ext cx="1534407" cy="424013"/>
+          </a:xfrm>
+          <a:prstGeom prst="rect">
+            <a:avLst/>
+          </a:prstGeom>
+          <a:solidFill>
+            <a:srgbClr val="FFC000"/>
+          </a:solidFill>
+          <a:ln w="12700"/>
+        </p:spPr>
+        <p:style>
+          <a:lnRef idx="2">
+            <a:schemeClr val="accent1">
+              <a:shade val="50000"/>
+            </a:schemeClr>
+          </a:lnRef>
+          <a:fillRef idx="1">
+            <a:schemeClr val="accent1"/>
+          </a:fillRef>
+          <a:effectRef idx="0">
+            <a:schemeClr val="accent1"/>
+          </a:effectRef>
+          <a:fontRef idx="minor">
+            <a:schemeClr val="lt1"/>
+          </a:fontRef>
+        </p:style>
+        <p:txBody>
+          <a:bodyPr rtlCol="0" anchor="ctr"/>
+          <a:lstStyle/>
+          <a:p>
+            <a:pPr algn="ctr"/>
+            <a:r>
+              <a:rPr lang="en-US" altLang="ko-KR" sz="1600">
+                <a:solidFill>
+                  <a:schemeClr val="tx1"/>
+                </a:solidFill>
+                <a:latin typeface="Consolas" pitchFamily="49" charset="0"/>
+                <a:cs typeface="Consolas" pitchFamily="49" charset="0"/>
+              </a:rPr>
+              <a:t>IBinder</a:t>
+            </a:r>
+            <a:endParaRPr lang="ko-KR" altLang="en-US" sz="1600">
+              <a:solidFill>
+                <a:schemeClr val="tx1"/>
+              </a:solidFill>
+              <a:latin typeface="Consolas" pitchFamily="49" charset="0"/>
+              <a:cs typeface="Consolas" pitchFamily="49" charset="0"/>
+            </a:endParaRPr>
+          </a:p>
+        </p:txBody>
+      </p:sp>
+      <p:sp>
+        <p:nvSpPr>
+          <p:cNvPr id="8" name="직사각형 7">
+            <a:extLst>
+              <a:ext uri="{FF2B5EF4-FFF2-40B4-BE49-F238E27FC236}">
+                <a16:creationId xmlns:a16="http://schemas.microsoft.com/office/drawing/2014/main" id="{0D7CA5F3-CB0C-4DDF-A370-48584820B07A}"/>
+              </a:ext>
+            </a:extLst>
+          </p:cNvPr>
+          <p:cNvSpPr/>
+          <p:nvPr/>
+        </p:nvSpPr>
+        <p:spPr>
+          <a:xfrm>
+            <a:off x="6950307" y="3106664"/>
+            <a:ext cx="1534407" cy="424013"/>
+          </a:xfrm>
+          <a:prstGeom prst="rect">
+            <a:avLst/>
+          </a:prstGeom>
+          <a:solidFill>
+            <a:srgbClr val="FFFF00"/>
+          </a:solidFill>
+          <a:ln w="12700"/>
+        </p:spPr>
+        <p:style>
+          <a:lnRef idx="2">
+            <a:schemeClr val="accent1">
+              <a:shade val="50000"/>
+            </a:schemeClr>
+          </a:lnRef>
+          <a:fillRef idx="1">
+            <a:schemeClr val="accent1"/>
+          </a:fillRef>
+          <a:effectRef idx="0">
+            <a:schemeClr val="accent1"/>
+          </a:effectRef>
+          <a:fontRef idx="minor">
+            <a:schemeClr val="lt1"/>
+          </a:fontRef>
+        </p:style>
+        <p:txBody>
+          <a:bodyPr rtlCol="0" anchor="ctr"/>
+          <a:lstStyle/>
+          <a:p>
+            <a:pPr algn="ctr"/>
+            <a:r>
+              <a:rPr lang="en-US" altLang="ko-KR" sz="1600">
+                <a:solidFill>
+                  <a:schemeClr val="tx1"/>
+                </a:solidFill>
+                <a:latin typeface="Consolas" pitchFamily="49" charset="0"/>
+                <a:cs typeface="Consolas" pitchFamily="49" charset="0"/>
+              </a:rPr>
+              <a:t>transact()=0</a:t>
+            </a:r>
+            <a:endParaRPr lang="ko-KR" altLang="en-US" sz="1600">
+              <a:solidFill>
+                <a:schemeClr val="tx1"/>
+              </a:solidFill>
+              <a:latin typeface="Consolas" pitchFamily="49" charset="0"/>
+              <a:cs typeface="Consolas" pitchFamily="49" charset="0"/>
+            </a:endParaRPr>
+          </a:p>
+        </p:txBody>
+      </p:sp>
+      <p:sp>
+        <p:nvSpPr>
+          <p:cNvPr id="9" name="직사각형 8">
+            <a:extLst>
+              <a:ext uri="{FF2B5EF4-FFF2-40B4-BE49-F238E27FC236}">
+                <a16:creationId xmlns:a16="http://schemas.microsoft.com/office/drawing/2014/main" id="{B8919F98-4223-491E-86A9-751886FCE76F}"/>
+              </a:ext>
+            </a:extLst>
+          </p:cNvPr>
+          <p:cNvSpPr/>
+          <p:nvPr/>
+        </p:nvSpPr>
+        <p:spPr>
+          <a:xfrm>
+            <a:off x="6950307" y="3530678"/>
+            <a:ext cx="1534407" cy="424013"/>
+          </a:xfrm>
+          <a:prstGeom prst="rect">
+            <a:avLst/>
+          </a:prstGeom>
+          <a:solidFill>
+            <a:srgbClr val="FFFF00"/>
+          </a:solidFill>
+          <a:ln w="12700"/>
+        </p:spPr>
+        <p:style>
+          <a:lnRef idx="2">
+            <a:schemeClr val="accent1">
+              <a:shade val="50000"/>
+            </a:schemeClr>
+          </a:lnRef>
+          <a:fillRef idx="1">
+            <a:schemeClr val="accent1"/>
+          </a:fillRef>
+          <a:effectRef idx="0">
+            <a:schemeClr val="accent1"/>
+          </a:effectRef>
+          <a:fontRef idx="minor">
+            <a:schemeClr val="lt1"/>
+          </a:fontRef>
+        </p:style>
+        <p:txBody>
+          <a:bodyPr rtlCol="0" anchor="ctr"/>
+          <a:lstStyle/>
+          <a:p>
+            <a:pPr algn="ctr"/>
+            <a:endParaRPr lang="ko-KR" altLang="en-US" sz="1600">
+              <a:solidFill>
+                <a:schemeClr val="tx1"/>
+              </a:solidFill>
+              <a:latin typeface="Consolas" pitchFamily="49" charset="0"/>
+              <a:cs typeface="Consolas" pitchFamily="49" charset="0"/>
+            </a:endParaRPr>
+          </a:p>
+        </p:txBody>
+      </p:sp>
+      <p:cxnSp>
+        <p:nvCxnSpPr>
+          <p:cNvPr id="10" name="직선 화살표 연결선 9">
+            <a:extLst>
+              <a:ext uri="{FF2B5EF4-FFF2-40B4-BE49-F238E27FC236}">
+                <a16:creationId xmlns:a16="http://schemas.microsoft.com/office/drawing/2014/main" id="{FAFEBE0C-D896-459A-8E7D-44E552F63F94}"/>
+              </a:ext>
+            </a:extLst>
+          </p:cNvPr>
+          <p:cNvCxnSpPr>
+            <a:cxnSpLocks/>
+            <a:stCxn id="4" idx="0"/>
+            <a:endCxn id="9" idx="2"/>
+          </p:cNvCxnSpPr>
+          <p:nvPr/>
+        </p:nvCxnSpPr>
+        <p:spPr>
+          <a:xfrm flipV="1">
+            <a:off x="7717511" y="3954691"/>
+            <a:ext cx="0" cy="367348"/>
+          </a:xfrm>
+          <a:prstGeom prst="straightConnector1">
+            <a:avLst/>
+          </a:prstGeom>
+          <a:ln>
+            <a:solidFill>
+              <a:schemeClr val="tx1"/>
+            </a:solidFill>
+            <a:tailEnd type="triangle"/>
+          </a:ln>
+        </p:spPr>
+        <p:style>
+          <a:lnRef idx="1">
+            <a:schemeClr val="accent1"/>
+          </a:lnRef>
+          <a:fillRef idx="0">
+            <a:schemeClr val="accent1"/>
+          </a:fillRef>
+          <a:effectRef idx="0">
+            <a:schemeClr val="accent1"/>
+          </a:effectRef>
+          <a:fontRef idx="minor">
+            <a:schemeClr val="tx1"/>
+          </a:fontRef>
+        </p:style>
+      </p:cxnSp>
+      <p:cxnSp>
+        <p:nvCxnSpPr>
+          <p:cNvPr id="11" name="직선 화살표 연결선 10">
+            <a:extLst>
+              <a:ext uri="{FF2B5EF4-FFF2-40B4-BE49-F238E27FC236}">
+                <a16:creationId xmlns:a16="http://schemas.microsoft.com/office/drawing/2014/main" id="{5A630CD0-34C1-4F83-9D92-FDDEF37C424E}"/>
+              </a:ext>
+            </a:extLst>
+          </p:cNvPr>
+          <p:cNvCxnSpPr>
+            <a:cxnSpLocks/>
+            <a:stCxn id="34" idx="3"/>
+            <a:endCxn id="7" idx="1"/>
+          </p:cNvCxnSpPr>
+          <p:nvPr/>
+        </p:nvCxnSpPr>
+        <p:spPr>
+          <a:xfrm flipV="1">
+            <a:off x="5634817" y="2894657"/>
+            <a:ext cx="1315490" cy="242293"/>
+          </a:xfrm>
+          <a:prstGeom prst="straightConnector1">
+            <a:avLst/>
+          </a:prstGeom>
+          <a:ln w="38100">
+            <a:solidFill>
+              <a:srgbClr val="FF0000"/>
+            </a:solidFill>
+            <a:tailEnd type="triangle"/>
+          </a:ln>
+        </p:spPr>
+        <p:style>
+          <a:lnRef idx="1">
+            <a:schemeClr val="accent1"/>
+          </a:lnRef>
+          <a:fillRef idx="0">
+            <a:schemeClr val="accent1"/>
+          </a:fillRef>
+          <a:effectRef idx="0">
+            <a:schemeClr val="accent1"/>
+          </a:effectRef>
+          <a:fontRef idx="minor">
+            <a:schemeClr val="tx1"/>
+          </a:fontRef>
+        </p:style>
+      </p:cxnSp>
+      <p:sp>
+        <p:nvSpPr>
+          <p:cNvPr id="15" name="직사각형 14">
+            <a:extLst>
+              <a:ext uri="{FF2B5EF4-FFF2-40B4-BE49-F238E27FC236}">
+                <a16:creationId xmlns:a16="http://schemas.microsoft.com/office/drawing/2014/main" id="{CE260ED7-E934-4162-A21D-C2076F3BFEB6}"/>
+              </a:ext>
+            </a:extLst>
+          </p:cNvPr>
+          <p:cNvSpPr/>
+          <p:nvPr/>
+        </p:nvSpPr>
+        <p:spPr>
+          <a:xfrm>
+            <a:off x="2347281" y="5408452"/>
+            <a:ext cx="1998921" cy="424013"/>
+          </a:xfrm>
+          <a:prstGeom prst="rect">
+            <a:avLst/>
+          </a:prstGeom>
+          <a:solidFill>
+            <a:srgbClr val="FFC000"/>
+          </a:solidFill>
+          <a:ln w="12700"/>
+        </p:spPr>
+        <p:style>
+          <a:lnRef idx="2">
+            <a:schemeClr val="accent1">
+              <a:shade val="50000"/>
+            </a:schemeClr>
+          </a:lnRef>
+          <a:fillRef idx="1">
+            <a:schemeClr val="accent1"/>
+          </a:fillRef>
+          <a:effectRef idx="0">
+            <a:schemeClr val="accent1"/>
+          </a:effectRef>
+          <a:fontRef idx="minor">
+            <a:schemeClr val="lt1"/>
+          </a:fontRef>
+        </p:style>
+        <p:txBody>
+          <a:bodyPr rtlCol="0" anchor="ctr"/>
+          <a:lstStyle/>
+          <a:p>
+            <a:pPr algn="ctr"/>
+            <a:r>
+              <a:rPr lang="en-US" altLang="ko-KR" sz="1600">
+                <a:solidFill>
+                  <a:schemeClr val="tx1"/>
+                </a:solidFill>
+                <a:latin typeface="Consolas" pitchFamily="49" charset="0"/>
+                <a:cs typeface="Consolas" pitchFamily="49" charset="0"/>
+              </a:rPr>
+              <a:t>BpServiceManager</a:t>
+            </a:r>
+            <a:endParaRPr lang="ko-KR" altLang="en-US" sz="1600">
+              <a:solidFill>
+                <a:schemeClr val="tx1"/>
+              </a:solidFill>
+              <a:latin typeface="Consolas" pitchFamily="49" charset="0"/>
+              <a:cs typeface="Consolas" pitchFamily="49" charset="0"/>
+            </a:endParaRPr>
+          </a:p>
+        </p:txBody>
+      </p:sp>
+      <p:sp>
+        <p:nvSpPr>
+          <p:cNvPr id="16" name="직사각형 15">
+            <a:extLst>
+              <a:ext uri="{FF2B5EF4-FFF2-40B4-BE49-F238E27FC236}">
+                <a16:creationId xmlns:a16="http://schemas.microsoft.com/office/drawing/2014/main" id="{1FF68B07-C236-421B-A738-83A0D91A6D21}"/>
+              </a:ext>
+            </a:extLst>
+          </p:cNvPr>
+          <p:cNvSpPr/>
+          <p:nvPr/>
+        </p:nvSpPr>
+        <p:spPr>
+          <a:xfrm>
+            <a:off x="2347281" y="5832465"/>
+            <a:ext cx="1998921" cy="424013"/>
+          </a:xfrm>
+          <a:prstGeom prst="rect">
+            <a:avLst/>
+          </a:prstGeom>
+          <a:solidFill>
+            <a:srgbClr val="FFFF00"/>
+          </a:solidFill>
+          <a:ln w="12700"/>
+        </p:spPr>
+        <p:style>
+          <a:lnRef idx="2">
+            <a:schemeClr val="accent1">
+              <a:shade val="50000"/>
+            </a:schemeClr>
+          </a:lnRef>
+          <a:fillRef idx="1">
+            <a:schemeClr val="accent1"/>
+          </a:fillRef>
+          <a:effectRef idx="0">
+            <a:schemeClr val="accent1"/>
+          </a:effectRef>
+          <a:fontRef idx="minor">
+            <a:schemeClr val="lt1"/>
+          </a:fontRef>
+        </p:style>
+        <p:txBody>
+          <a:bodyPr rtlCol="0" anchor="ctr"/>
+          <a:lstStyle/>
+          <a:p>
+            <a:pPr algn="ctr"/>
+            <a:r>
+              <a:rPr lang="en-US" altLang="ko-KR" sz="1600">
+                <a:solidFill>
+                  <a:schemeClr val="tx1"/>
+                </a:solidFill>
+                <a:latin typeface="Consolas" pitchFamily="49" charset="0"/>
+                <a:cs typeface="Consolas" pitchFamily="49" charset="0"/>
+              </a:rPr>
+              <a:t>addService(){}</a:t>
+            </a:r>
+            <a:endParaRPr lang="ko-KR" altLang="en-US" sz="1600">
+              <a:solidFill>
+                <a:schemeClr val="tx1"/>
+              </a:solidFill>
+              <a:latin typeface="Consolas" pitchFamily="49" charset="0"/>
+              <a:cs typeface="Consolas" pitchFamily="49" charset="0"/>
+            </a:endParaRPr>
+          </a:p>
+        </p:txBody>
+      </p:sp>
+      <p:sp>
+        <p:nvSpPr>
+          <p:cNvPr id="17" name="직사각형 16">
+            <a:extLst>
+              <a:ext uri="{FF2B5EF4-FFF2-40B4-BE49-F238E27FC236}">
+                <a16:creationId xmlns:a16="http://schemas.microsoft.com/office/drawing/2014/main" id="{A079A558-1981-4AEC-AE8B-0DBFCCE06F12}"/>
+              </a:ext>
+            </a:extLst>
+          </p:cNvPr>
+          <p:cNvSpPr/>
+          <p:nvPr/>
+        </p:nvSpPr>
+        <p:spPr>
+          <a:xfrm>
+            <a:off x="2347281" y="6256479"/>
+            <a:ext cx="1998921" cy="424013"/>
+          </a:xfrm>
+          <a:prstGeom prst="rect">
+            <a:avLst/>
+          </a:prstGeom>
+          <a:solidFill>
+            <a:srgbClr val="FFFF00"/>
+          </a:solidFill>
+          <a:ln w="12700"/>
+        </p:spPr>
+        <p:style>
+          <a:lnRef idx="2">
+            <a:schemeClr val="accent1">
+              <a:shade val="50000"/>
+            </a:schemeClr>
+          </a:lnRef>
+          <a:fillRef idx="1">
+            <a:schemeClr val="accent1"/>
+          </a:fillRef>
+          <a:effectRef idx="0">
+            <a:schemeClr val="accent1"/>
+          </a:effectRef>
+          <a:fontRef idx="minor">
+            <a:schemeClr val="lt1"/>
+          </a:fontRef>
+        </p:style>
+        <p:txBody>
+          <a:bodyPr rtlCol="0" anchor="ctr"/>
+          <a:lstStyle/>
+          <a:p>
+            <a:pPr algn="ctr"/>
+            <a:endParaRPr lang="ko-KR" altLang="en-US" sz="1600">
+              <a:solidFill>
+                <a:schemeClr val="tx1"/>
+              </a:solidFill>
+              <a:latin typeface="Consolas" pitchFamily="49" charset="0"/>
+              <a:cs typeface="Consolas" pitchFamily="49" charset="0"/>
+            </a:endParaRPr>
+          </a:p>
+        </p:txBody>
+      </p:sp>
+      <p:sp>
+        <p:nvSpPr>
+          <p:cNvPr id="20" name="직사각형 19">
+            <a:extLst>
+              <a:ext uri="{FF2B5EF4-FFF2-40B4-BE49-F238E27FC236}">
+                <a16:creationId xmlns:a16="http://schemas.microsoft.com/office/drawing/2014/main" id="{F9E1AC5C-668E-4272-B035-8D01B54E8CFB}"/>
+              </a:ext>
+            </a:extLst>
+          </p:cNvPr>
+          <p:cNvSpPr/>
+          <p:nvPr/>
+        </p:nvSpPr>
+        <p:spPr>
+          <a:xfrm>
+            <a:off x="2347281" y="3772971"/>
+            <a:ext cx="1998921" cy="424013"/>
+          </a:xfrm>
+          <a:prstGeom prst="rect">
+            <a:avLst/>
+          </a:prstGeom>
+          <a:solidFill>
+            <a:srgbClr val="FFC000"/>
+          </a:solidFill>
+          <a:ln w="12700"/>
+        </p:spPr>
+        <p:style>
+          <a:lnRef idx="2">
+            <a:schemeClr val="accent1">
+              <a:shade val="50000"/>
+            </a:schemeClr>
+          </a:lnRef>
+          <a:fillRef idx="1">
+            <a:schemeClr val="accent1"/>
+          </a:fillRef>
+          <a:effectRef idx="0">
+            <a:schemeClr val="accent1"/>
+          </a:effectRef>
+          <a:fontRef idx="minor">
+            <a:schemeClr val="lt1"/>
+          </a:fontRef>
+        </p:style>
+        <p:txBody>
+          <a:bodyPr rtlCol="0" anchor="ctr"/>
+          <a:lstStyle/>
+          <a:p>
+            <a:pPr algn="ctr"/>
+            <a:r>
+              <a:rPr lang="en-US" altLang="ko-KR" sz="1600">
+                <a:solidFill>
+                  <a:schemeClr val="tx1"/>
+                </a:solidFill>
+                <a:latin typeface="Consolas" pitchFamily="49" charset="0"/>
+                <a:cs typeface="Consolas" pitchFamily="49" charset="0"/>
+              </a:rPr>
+              <a:t>BpInterface</a:t>
+            </a:r>
+            <a:endParaRPr lang="ko-KR" altLang="en-US" sz="1600">
+              <a:solidFill>
+                <a:schemeClr val="tx1"/>
+              </a:solidFill>
+              <a:latin typeface="Consolas" pitchFamily="49" charset="0"/>
+              <a:cs typeface="Consolas" pitchFamily="49" charset="0"/>
+            </a:endParaRPr>
+          </a:p>
+        </p:txBody>
+      </p:sp>
+      <p:sp>
+        <p:nvSpPr>
+          <p:cNvPr id="21" name="직사각형 20">
+            <a:extLst>
+              <a:ext uri="{FF2B5EF4-FFF2-40B4-BE49-F238E27FC236}">
+                <a16:creationId xmlns:a16="http://schemas.microsoft.com/office/drawing/2014/main" id="{88264A98-8108-416B-B2EB-2125868E25ED}"/>
+              </a:ext>
+            </a:extLst>
+          </p:cNvPr>
+          <p:cNvSpPr/>
+          <p:nvPr/>
+        </p:nvSpPr>
+        <p:spPr>
+          <a:xfrm>
+            <a:off x="2347281" y="4196984"/>
+            <a:ext cx="1998921" cy="424013"/>
+          </a:xfrm>
+          <a:prstGeom prst="rect">
+            <a:avLst/>
+          </a:prstGeom>
+          <a:solidFill>
+            <a:srgbClr val="FFFF00"/>
+          </a:solidFill>
+          <a:ln w="12700"/>
+        </p:spPr>
+        <p:style>
+          <a:lnRef idx="2">
+            <a:schemeClr val="accent1">
+              <a:shade val="50000"/>
+            </a:schemeClr>
+          </a:lnRef>
+          <a:fillRef idx="1">
+            <a:schemeClr val="accent1"/>
+          </a:fillRef>
+          <a:effectRef idx="0">
+            <a:schemeClr val="accent1"/>
+          </a:effectRef>
+          <a:fontRef idx="minor">
+            <a:schemeClr val="lt1"/>
+          </a:fontRef>
+        </p:style>
+        <p:txBody>
+          <a:bodyPr rtlCol="0" anchor="ctr"/>
+          <a:lstStyle/>
+          <a:p>
+            <a:pPr algn="ctr"/>
+            <a:endParaRPr lang="ko-KR" altLang="en-US" sz="1600">
+              <a:solidFill>
+                <a:schemeClr val="tx1"/>
+              </a:solidFill>
+              <a:latin typeface="Consolas" pitchFamily="49" charset="0"/>
+              <a:cs typeface="Consolas" pitchFamily="49" charset="0"/>
+            </a:endParaRPr>
+          </a:p>
+        </p:txBody>
+      </p:sp>
+      <p:sp>
+        <p:nvSpPr>
+          <p:cNvPr id="22" name="직사각형 21">
+            <a:extLst>
+              <a:ext uri="{FF2B5EF4-FFF2-40B4-BE49-F238E27FC236}">
+                <a16:creationId xmlns:a16="http://schemas.microsoft.com/office/drawing/2014/main" id="{A9192FC0-5878-4B99-8D98-B73049726777}"/>
+              </a:ext>
+            </a:extLst>
+          </p:cNvPr>
+          <p:cNvSpPr/>
+          <p:nvPr/>
+        </p:nvSpPr>
+        <p:spPr>
+          <a:xfrm>
+            <a:off x="2347281" y="4620998"/>
+            <a:ext cx="1998921" cy="424013"/>
+          </a:xfrm>
+          <a:prstGeom prst="rect">
+            <a:avLst/>
+          </a:prstGeom>
+          <a:solidFill>
+            <a:srgbClr val="FFFF00"/>
+          </a:solidFill>
+          <a:ln w="12700"/>
+        </p:spPr>
+        <p:style>
+          <a:lnRef idx="2">
+            <a:schemeClr val="accent1">
+              <a:shade val="50000"/>
+            </a:schemeClr>
+          </a:lnRef>
+          <a:fillRef idx="1">
+            <a:schemeClr val="accent1"/>
+          </a:fillRef>
+          <a:effectRef idx="0">
+            <a:schemeClr val="accent1"/>
+          </a:effectRef>
+          <a:fontRef idx="minor">
+            <a:schemeClr val="lt1"/>
+          </a:fontRef>
+        </p:style>
+        <p:txBody>
+          <a:bodyPr rtlCol="0" anchor="ctr"/>
+          <a:lstStyle/>
+          <a:p>
+            <a:pPr algn="ctr"/>
+            <a:endParaRPr lang="ko-KR" altLang="en-US" sz="1600">
+              <a:solidFill>
+                <a:schemeClr val="tx1"/>
+              </a:solidFill>
+              <a:latin typeface="Consolas" pitchFamily="49" charset="0"/>
+              <a:cs typeface="Consolas" pitchFamily="49" charset="0"/>
+            </a:endParaRPr>
+          </a:p>
+        </p:txBody>
+      </p:sp>
+      <p:cxnSp>
+        <p:nvCxnSpPr>
+          <p:cNvPr id="23" name="직선 화살표 연결선 22">
+            <a:extLst>
+              <a:ext uri="{FF2B5EF4-FFF2-40B4-BE49-F238E27FC236}">
+                <a16:creationId xmlns:a16="http://schemas.microsoft.com/office/drawing/2014/main" id="{97D42A00-491E-4CDD-9AC2-042E5A5FB382}"/>
+              </a:ext>
+            </a:extLst>
+          </p:cNvPr>
+          <p:cNvCxnSpPr>
+            <a:cxnSpLocks/>
+            <a:stCxn id="15" idx="0"/>
+            <a:endCxn id="22" idx="2"/>
+          </p:cNvCxnSpPr>
+          <p:nvPr/>
+        </p:nvCxnSpPr>
+        <p:spPr>
+          <a:xfrm flipV="1">
+            <a:off x="3346741" y="5045011"/>
+            <a:ext cx="0" cy="363440"/>
+          </a:xfrm>
+          <a:prstGeom prst="straightConnector1">
+            <a:avLst/>
+          </a:prstGeom>
+          <a:ln>
+            <a:solidFill>
+              <a:schemeClr val="tx1"/>
+            </a:solidFill>
+            <a:tailEnd type="triangle"/>
+          </a:ln>
+        </p:spPr>
+        <p:style>
+          <a:lnRef idx="1">
+            <a:schemeClr val="accent1"/>
+          </a:lnRef>
+          <a:fillRef idx="0">
+            <a:schemeClr val="accent1"/>
+          </a:fillRef>
+          <a:effectRef idx="0">
+            <a:schemeClr val="accent1"/>
+          </a:effectRef>
+          <a:fontRef idx="minor">
+            <a:schemeClr val="tx1"/>
+          </a:fontRef>
+        </p:style>
+      </p:cxnSp>
+      <p:sp>
+        <p:nvSpPr>
+          <p:cNvPr id="29" name="직사각형 28">
+            <a:extLst>
+              <a:ext uri="{FF2B5EF4-FFF2-40B4-BE49-F238E27FC236}">
+                <a16:creationId xmlns:a16="http://schemas.microsoft.com/office/drawing/2014/main" id="{F9F3F32A-760E-44CF-9430-16685C50D445}"/>
+              </a:ext>
+            </a:extLst>
+          </p:cNvPr>
+          <p:cNvSpPr/>
+          <p:nvPr/>
+        </p:nvSpPr>
+        <p:spPr>
+          <a:xfrm>
+            <a:off x="1067890" y="2076917"/>
+            <a:ext cx="1998921" cy="424013"/>
+          </a:xfrm>
+          <a:prstGeom prst="rect">
+            <a:avLst/>
+          </a:prstGeom>
+          <a:solidFill>
+            <a:srgbClr val="FFC000"/>
+          </a:solidFill>
+          <a:ln w="12700"/>
+        </p:spPr>
+        <p:style>
+          <a:lnRef idx="2">
+            <a:schemeClr val="accent1">
+              <a:shade val="50000"/>
+            </a:schemeClr>
+          </a:lnRef>
+          <a:fillRef idx="1">
+            <a:schemeClr val="accent1"/>
+          </a:fillRef>
+          <a:effectRef idx="0">
+            <a:schemeClr val="accent1"/>
+          </a:effectRef>
+          <a:fontRef idx="minor">
+            <a:schemeClr val="lt1"/>
+          </a:fontRef>
+        </p:style>
+        <p:txBody>
+          <a:bodyPr rtlCol="0" anchor="ctr"/>
+          <a:lstStyle/>
+          <a:p>
+            <a:pPr algn="ctr"/>
+            <a:r>
+              <a:rPr lang="en-US" altLang="ko-KR" sz="1600">
+                <a:solidFill>
+                  <a:schemeClr val="tx1"/>
+                </a:solidFill>
+                <a:latin typeface="Consolas" pitchFamily="49" charset="0"/>
+                <a:cs typeface="Consolas" pitchFamily="49" charset="0"/>
+              </a:rPr>
+              <a:t>IServiceManager</a:t>
+            </a:r>
+            <a:endParaRPr lang="ko-KR" altLang="en-US" sz="1600">
+              <a:solidFill>
+                <a:schemeClr val="tx1"/>
+              </a:solidFill>
+              <a:latin typeface="Consolas" pitchFamily="49" charset="0"/>
+              <a:cs typeface="Consolas" pitchFamily="49" charset="0"/>
+            </a:endParaRPr>
+          </a:p>
+        </p:txBody>
+      </p:sp>
+      <p:sp>
+        <p:nvSpPr>
+          <p:cNvPr id="30" name="직사각형 29">
+            <a:extLst>
+              <a:ext uri="{FF2B5EF4-FFF2-40B4-BE49-F238E27FC236}">
+                <a16:creationId xmlns:a16="http://schemas.microsoft.com/office/drawing/2014/main" id="{C31477B3-B57D-4000-9733-2DD34331B7E2}"/>
+              </a:ext>
+            </a:extLst>
+          </p:cNvPr>
+          <p:cNvSpPr/>
+          <p:nvPr/>
+        </p:nvSpPr>
+        <p:spPr>
+          <a:xfrm>
+            <a:off x="1067890" y="2500930"/>
+            <a:ext cx="1998921" cy="424013"/>
+          </a:xfrm>
+          <a:prstGeom prst="rect">
+            <a:avLst/>
+          </a:prstGeom>
+          <a:solidFill>
+            <a:srgbClr val="FFFF00"/>
+          </a:solidFill>
+          <a:ln w="12700"/>
+        </p:spPr>
+        <p:style>
+          <a:lnRef idx="2">
+            <a:schemeClr val="accent1">
+              <a:shade val="50000"/>
+            </a:schemeClr>
+          </a:lnRef>
+          <a:fillRef idx="1">
+            <a:schemeClr val="accent1"/>
+          </a:fillRef>
+          <a:effectRef idx="0">
+            <a:schemeClr val="accent1"/>
+          </a:effectRef>
+          <a:fontRef idx="minor">
+            <a:schemeClr val="lt1"/>
+          </a:fontRef>
+        </p:style>
+        <p:txBody>
+          <a:bodyPr rtlCol="0" anchor="ctr"/>
+          <a:lstStyle/>
+          <a:p>
+            <a:pPr algn="ctr"/>
+            <a:r>
+              <a:rPr lang="en-US" altLang="ko-KR" sz="1600">
+                <a:solidFill>
+                  <a:schemeClr val="tx1"/>
+                </a:solidFill>
+                <a:latin typeface="Consolas" pitchFamily="49" charset="0"/>
+                <a:cs typeface="Consolas" pitchFamily="49" charset="0"/>
+              </a:rPr>
+              <a:t>addService()=0</a:t>
+            </a:r>
+            <a:endParaRPr lang="ko-KR" altLang="en-US" sz="1600">
+              <a:solidFill>
+                <a:schemeClr val="tx1"/>
+              </a:solidFill>
+              <a:latin typeface="Consolas" pitchFamily="49" charset="0"/>
+              <a:cs typeface="Consolas" pitchFamily="49" charset="0"/>
+            </a:endParaRPr>
+          </a:p>
+        </p:txBody>
+      </p:sp>
+      <p:sp>
+        <p:nvSpPr>
+          <p:cNvPr id="31" name="직사각형 30">
+            <a:extLst>
+              <a:ext uri="{FF2B5EF4-FFF2-40B4-BE49-F238E27FC236}">
+                <a16:creationId xmlns:a16="http://schemas.microsoft.com/office/drawing/2014/main" id="{6128D6A1-387F-4F8A-93ED-DEC6F47669EA}"/>
+              </a:ext>
+            </a:extLst>
+          </p:cNvPr>
+          <p:cNvSpPr/>
+          <p:nvPr/>
+        </p:nvSpPr>
+        <p:spPr>
+          <a:xfrm>
+            <a:off x="1067890" y="2924944"/>
+            <a:ext cx="1998921" cy="424013"/>
+          </a:xfrm>
+          <a:prstGeom prst="rect">
+            <a:avLst/>
+          </a:prstGeom>
+          <a:solidFill>
+            <a:srgbClr val="FFFF00"/>
+          </a:solidFill>
+          <a:ln w="12700"/>
+        </p:spPr>
+        <p:style>
+          <a:lnRef idx="2">
+            <a:schemeClr val="accent1">
+              <a:shade val="50000"/>
+            </a:schemeClr>
+          </a:lnRef>
+          <a:fillRef idx="1">
+            <a:schemeClr val="accent1"/>
+          </a:fillRef>
+          <a:effectRef idx="0">
+            <a:schemeClr val="accent1"/>
+          </a:effectRef>
+          <a:fontRef idx="minor">
+            <a:schemeClr val="lt1"/>
+          </a:fontRef>
+        </p:style>
+        <p:txBody>
+          <a:bodyPr rtlCol="0" anchor="ctr"/>
+          <a:lstStyle/>
+          <a:p>
+            <a:pPr algn="ctr"/>
+            <a:endParaRPr lang="ko-KR" altLang="en-US" sz="1600">
+              <a:solidFill>
+                <a:schemeClr val="tx1"/>
+              </a:solidFill>
+              <a:latin typeface="Consolas" pitchFamily="49" charset="0"/>
+              <a:cs typeface="Consolas" pitchFamily="49" charset="0"/>
+            </a:endParaRPr>
+          </a:p>
+        </p:txBody>
+      </p:sp>
+      <p:sp>
+        <p:nvSpPr>
+          <p:cNvPr id="32" name="직사각형 31">
+            <a:extLst>
+              <a:ext uri="{FF2B5EF4-FFF2-40B4-BE49-F238E27FC236}">
+                <a16:creationId xmlns:a16="http://schemas.microsoft.com/office/drawing/2014/main" id="{3D4FA1FB-8D58-4E16-B656-B2B91B4368F6}"/>
+              </a:ext>
+            </a:extLst>
+          </p:cNvPr>
+          <p:cNvSpPr/>
+          <p:nvPr/>
+        </p:nvSpPr>
+        <p:spPr>
+          <a:xfrm>
+            <a:off x="3635896" y="2076917"/>
+            <a:ext cx="1998921" cy="424013"/>
+          </a:xfrm>
+          <a:prstGeom prst="rect">
+            <a:avLst/>
+          </a:prstGeom>
+          <a:solidFill>
+            <a:srgbClr val="FFC000"/>
+          </a:solidFill>
+          <a:ln w="12700"/>
+        </p:spPr>
+        <p:style>
+          <a:lnRef idx="2">
+            <a:schemeClr val="accent1">
+              <a:shade val="50000"/>
+            </a:schemeClr>
+          </a:lnRef>
+          <a:fillRef idx="1">
+            <a:schemeClr val="accent1"/>
+          </a:fillRef>
+          <a:effectRef idx="0">
+            <a:schemeClr val="accent1"/>
+          </a:effectRef>
+          <a:fontRef idx="minor">
+            <a:schemeClr val="lt1"/>
+          </a:fontRef>
+        </p:style>
+        <p:txBody>
+          <a:bodyPr rtlCol="0" anchor="ctr"/>
+          <a:lstStyle/>
+          <a:p>
+            <a:pPr algn="ctr"/>
+            <a:r>
+              <a:rPr lang="en-US" altLang="ko-KR" sz="1600">
+                <a:solidFill>
+                  <a:schemeClr val="tx1"/>
+                </a:solidFill>
+                <a:latin typeface="Consolas" pitchFamily="49" charset="0"/>
+                <a:cs typeface="Consolas" pitchFamily="49" charset="0"/>
+              </a:rPr>
+              <a:t>BpRefBase</a:t>
+            </a:r>
+            <a:endParaRPr lang="ko-KR" altLang="en-US" sz="1600">
+              <a:solidFill>
+                <a:schemeClr val="tx1"/>
+              </a:solidFill>
+              <a:latin typeface="Consolas" pitchFamily="49" charset="0"/>
+              <a:cs typeface="Consolas" pitchFamily="49" charset="0"/>
+            </a:endParaRPr>
+          </a:p>
+        </p:txBody>
+      </p:sp>
+      <p:sp>
+        <p:nvSpPr>
+          <p:cNvPr id="33" name="직사각형 32">
+            <a:extLst>
+              <a:ext uri="{FF2B5EF4-FFF2-40B4-BE49-F238E27FC236}">
+                <a16:creationId xmlns:a16="http://schemas.microsoft.com/office/drawing/2014/main" id="{231BBFB1-D340-48B1-96D1-7DCE4B484061}"/>
+              </a:ext>
+            </a:extLst>
+          </p:cNvPr>
+          <p:cNvSpPr/>
+          <p:nvPr/>
+        </p:nvSpPr>
+        <p:spPr>
+          <a:xfrm>
+            <a:off x="3635896" y="2500930"/>
+            <a:ext cx="1998921" cy="424013"/>
+          </a:xfrm>
+          <a:prstGeom prst="rect">
+            <a:avLst/>
+          </a:prstGeom>
+          <a:solidFill>
+            <a:srgbClr val="FFFF00"/>
+          </a:solidFill>
+          <a:ln w="12700"/>
+        </p:spPr>
+        <p:style>
+          <a:lnRef idx="2">
+            <a:schemeClr val="accent1">
+              <a:shade val="50000"/>
+            </a:schemeClr>
+          </a:lnRef>
+          <a:fillRef idx="1">
+            <a:schemeClr val="accent1"/>
+          </a:fillRef>
+          <a:effectRef idx="0">
+            <a:schemeClr val="accent1"/>
+          </a:effectRef>
+          <a:fontRef idx="minor">
+            <a:schemeClr val="lt1"/>
+          </a:fontRef>
+        </p:style>
+        <p:txBody>
+          <a:bodyPr rtlCol="0" anchor="ctr"/>
+          <a:lstStyle/>
+          <a:p>
+            <a:pPr algn="ctr"/>
+            <a:r>
+              <a:rPr lang="en-US" altLang="ko-KR" sz="1600">
+                <a:solidFill>
+                  <a:schemeClr val="tx1"/>
+                </a:solidFill>
+                <a:latin typeface="Consolas" pitchFamily="49" charset="0"/>
+                <a:cs typeface="Consolas" pitchFamily="49" charset="0"/>
+              </a:rPr>
+              <a:t>remote();</a:t>
+            </a:r>
+            <a:endParaRPr lang="ko-KR" altLang="en-US" sz="1600">
+              <a:solidFill>
+                <a:schemeClr val="tx1"/>
+              </a:solidFill>
+              <a:latin typeface="Consolas" pitchFamily="49" charset="0"/>
+              <a:cs typeface="Consolas" pitchFamily="49" charset="0"/>
+            </a:endParaRPr>
+          </a:p>
+        </p:txBody>
+      </p:sp>
+      <p:sp>
+        <p:nvSpPr>
+          <p:cNvPr id="34" name="직사각형 33">
+            <a:extLst>
+              <a:ext uri="{FF2B5EF4-FFF2-40B4-BE49-F238E27FC236}">
+                <a16:creationId xmlns:a16="http://schemas.microsoft.com/office/drawing/2014/main" id="{4669D627-D738-4D1C-9130-9572CDF8CA1A}"/>
+              </a:ext>
+            </a:extLst>
+          </p:cNvPr>
+          <p:cNvSpPr/>
+          <p:nvPr/>
+        </p:nvSpPr>
+        <p:spPr>
+          <a:xfrm>
+            <a:off x="3635896" y="2924944"/>
+            <a:ext cx="1998921" cy="424013"/>
+          </a:xfrm>
+          <a:prstGeom prst="rect">
+            <a:avLst/>
+          </a:prstGeom>
+          <a:solidFill>
+            <a:srgbClr val="FFFF00"/>
+          </a:solidFill>
+          <a:ln w="12700"/>
+        </p:spPr>
+        <p:style>
+          <a:lnRef idx="2">
+            <a:schemeClr val="accent1">
+              <a:shade val="50000"/>
+            </a:schemeClr>
+          </a:lnRef>
+          <a:fillRef idx="1">
+            <a:schemeClr val="accent1"/>
+          </a:fillRef>
+          <a:effectRef idx="0">
+            <a:schemeClr val="accent1"/>
+          </a:effectRef>
+          <a:fontRef idx="minor">
+            <a:schemeClr val="lt1"/>
+          </a:fontRef>
+        </p:style>
+        <p:txBody>
+          <a:bodyPr rtlCol="0" anchor="ctr"/>
+          <a:lstStyle/>
+          <a:p>
+            <a:pPr algn="ctr"/>
+            <a:r>
+              <a:rPr lang="en-US" altLang="ko-KR" sz="1600">
+                <a:solidFill>
+                  <a:schemeClr val="tx1"/>
+                </a:solidFill>
+                <a:latin typeface="Consolas" pitchFamily="49" charset="0"/>
+                <a:cs typeface="Consolas" pitchFamily="49" charset="0"/>
+              </a:rPr>
+              <a:t>mRemote</a:t>
+            </a:r>
+            <a:endParaRPr lang="ko-KR" altLang="en-US" sz="1600">
+              <a:solidFill>
+                <a:schemeClr val="tx1"/>
+              </a:solidFill>
+              <a:latin typeface="Consolas" pitchFamily="49" charset="0"/>
+              <a:cs typeface="Consolas" pitchFamily="49" charset="0"/>
+            </a:endParaRPr>
+          </a:p>
+        </p:txBody>
+      </p:sp>
+      <p:cxnSp>
+        <p:nvCxnSpPr>
+          <p:cNvPr id="35" name="직선 화살표 연결선 34">
+            <a:extLst>
+              <a:ext uri="{FF2B5EF4-FFF2-40B4-BE49-F238E27FC236}">
+                <a16:creationId xmlns:a16="http://schemas.microsoft.com/office/drawing/2014/main" id="{CFB97C9B-9D93-4854-A4E7-18BC77E0A89B}"/>
+              </a:ext>
+            </a:extLst>
+          </p:cNvPr>
+          <p:cNvCxnSpPr>
+            <a:cxnSpLocks/>
+            <a:stCxn id="20" idx="0"/>
+            <a:endCxn id="31" idx="2"/>
+          </p:cNvCxnSpPr>
+          <p:nvPr/>
+        </p:nvCxnSpPr>
+        <p:spPr>
+          <a:xfrm flipH="1" flipV="1">
+            <a:off x="2067350" y="3348957"/>
+            <a:ext cx="1279391" cy="424013"/>
+          </a:xfrm>
+          <a:prstGeom prst="straightConnector1">
+            <a:avLst/>
+          </a:prstGeom>
+          <a:ln>
+            <a:solidFill>
+              <a:schemeClr val="tx1"/>
+            </a:solidFill>
+            <a:tailEnd type="triangle"/>
+          </a:ln>
+        </p:spPr>
+        <p:style>
+          <a:lnRef idx="1">
+            <a:schemeClr val="accent1"/>
+          </a:lnRef>
+          <a:fillRef idx="0">
+            <a:schemeClr val="accent1"/>
+          </a:fillRef>
+          <a:effectRef idx="0">
+            <a:schemeClr val="accent1"/>
+          </a:effectRef>
+          <a:fontRef idx="minor">
+            <a:schemeClr val="tx1"/>
+          </a:fontRef>
+        </p:style>
+      </p:cxnSp>
+      <p:cxnSp>
+        <p:nvCxnSpPr>
+          <p:cNvPr id="38" name="직선 화살표 연결선 37">
+            <a:extLst>
+              <a:ext uri="{FF2B5EF4-FFF2-40B4-BE49-F238E27FC236}">
+                <a16:creationId xmlns:a16="http://schemas.microsoft.com/office/drawing/2014/main" id="{9290F2EE-CC21-4737-8E20-FFEE38CEB02F}"/>
+              </a:ext>
+            </a:extLst>
+          </p:cNvPr>
+          <p:cNvCxnSpPr>
+            <a:cxnSpLocks/>
+            <a:stCxn id="20" idx="0"/>
+            <a:endCxn id="34" idx="2"/>
+          </p:cNvCxnSpPr>
+          <p:nvPr/>
+        </p:nvCxnSpPr>
+        <p:spPr>
+          <a:xfrm flipV="1">
+            <a:off x="3346741" y="3348957"/>
+            <a:ext cx="1288616" cy="424013"/>
+          </a:xfrm>
+          <a:prstGeom prst="straightConnector1">
+            <a:avLst/>
+          </a:prstGeom>
+          <a:ln>
+            <a:solidFill>
+              <a:schemeClr val="tx1"/>
+            </a:solidFill>
+            <a:tailEnd type="triangle"/>
+          </a:ln>
+        </p:spPr>
+        <p:style>
+          <a:lnRef idx="1">
+            <a:schemeClr val="accent1"/>
+          </a:lnRef>
+          <a:fillRef idx="0">
+            <a:schemeClr val="accent1"/>
+          </a:fillRef>
+          <a:effectRef idx="0">
+            <a:schemeClr val="accent1"/>
+          </a:effectRef>
+          <a:fontRef idx="minor">
+            <a:schemeClr val="tx1"/>
+          </a:fontRef>
+        </p:style>
+      </p:cxnSp>
+      <p:sp>
+        <p:nvSpPr>
+          <p:cNvPr id="45" name="직사각형 44">
+            <a:extLst>
+              <a:ext uri="{FF2B5EF4-FFF2-40B4-BE49-F238E27FC236}">
+                <a16:creationId xmlns:a16="http://schemas.microsoft.com/office/drawing/2014/main" id="{E3BC225C-679B-4D5B-BC1C-CA193812328E}"/>
+              </a:ext>
+            </a:extLst>
+          </p:cNvPr>
+          <p:cNvSpPr/>
+          <p:nvPr/>
+        </p:nvSpPr>
+        <p:spPr>
+          <a:xfrm>
+            <a:off x="1067890" y="411151"/>
+            <a:ext cx="1998921" cy="424013"/>
+          </a:xfrm>
+          <a:prstGeom prst="rect">
+            <a:avLst/>
+          </a:prstGeom>
+          <a:solidFill>
+            <a:srgbClr val="FFC000"/>
+          </a:solidFill>
+          <a:ln w="12700"/>
+        </p:spPr>
+        <p:style>
+          <a:lnRef idx="2">
+            <a:schemeClr val="accent1">
+              <a:shade val="50000"/>
+            </a:schemeClr>
+          </a:lnRef>
+          <a:fillRef idx="1">
+            <a:schemeClr val="accent1"/>
+          </a:fillRef>
+          <a:effectRef idx="0">
+            <a:schemeClr val="accent1"/>
+          </a:effectRef>
+          <a:fontRef idx="minor">
+            <a:schemeClr val="lt1"/>
+          </a:fontRef>
+        </p:style>
+        <p:txBody>
+          <a:bodyPr rtlCol="0" anchor="ctr"/>
+          <a:lstStyle/>
+          <a:p>
+            <a:pPr algn="ctr"/>
+            <a:r>
+              <a:rPr lang="en-US" altLang="ko-KR" sz="1600">
+                <a:solidFill>
+                  <a:schemeClr val="tx1"/>
+                </a:solidFill>
+                <a:latin typeface="Consolas" pitchFamily="49" charset="0"/>
+                <a:cs typeface="Consolas" pitchFamily="49" charset="0"/>
+              </a:rPr>
+              <a:t>IInterface</a:t>
+            </a:r>
+            <a:endParaRPr lang="ko-KR" altLang="en-US" sz="1600">
+              <a:solidFill>
+                <a:schemeClr val="tx1"/>
+              </a:solidFill>
+              <a:latin typeface="Consolas" pitchFamily="49" charset="0"/>
+              <a:cs typeface="Consolas" pitchFamily="49" charset="0"/>
+            </a:endParaRPr>
+          </a:p>
+        </p:txBody>
+      </p:sp>
+      <p:sp>
+        <p:nvSpPr>
+          <p:cNvPr id="46" name="직사각형 45">
+            <a:extLst>
+              <a:ext uri="{FF2B5EF4-FFF2-40B4-BE49-F238E27FC236}">
+                <a16:creationId xmlns:a16="http://schemas.microsoft.com/office/drawing/2014/main" id="{D0D9079C-E0C6-4ED9-9A63-F27C7C9A509B}"/>
+              </a:ext>
+            </a:extLst>
+          </p:cNvPr>
+          <p:cNvSpPr/>
+          <p:nvPr/>
+        </p:nvSpPr>
+        <p:spPr>
+          <a:xfrm>
+            <a:off x="1067890" y="835164"/>
+            <a:ext cx="1998921" cy="424013"/>
+          </a:xfrm>
+          <a:prstGeom prst="rect">
+            <a:avLst/>
+          </a:prstGeom>
+          <a:solidFill>
+            <a:srgbClr val="FFFF00"/>
+          </a:solidFill>
+          <a:ln w="12700"/>
+        </p:spPr>
+        <p:style>
+          <a:lnRef idx="2">
+            <a:schemeClr val="accent1">
+              <a:shade val="50000"/>
+            </a:schemeClr>
+          </a:lnRef>
+          <a:fillRef idx="1">
+            <a:schemeClr val="accent1"/>
+          </a:fillRef>
+          <a:effectRef idx="0">
+            <a:schemeClr val="accent1"/>
+          </a:effectRef>
+          <a:fontRef idx="minor">
+            <a:schemeClr val="lt1"/>
+          </a:fontRef>
+        </p:style>
+        <p:txBody>
+          <a:bodyPr rtlCol="0" anchor="ctr"/>
+          <a:lstStyle/>
+          <a:p>
+            <a:pPr algn="ctr"/>
+            <a:endParaRPr lang="ko-KR" altLang="en-US" sz="1600">
+              <a:solidFill>
+                <a:schemeClr val="tx1"/>
+              </a:solidFill>
+              <a:latin typeface="Consolas" pitchFamily="49" charset="0"/>
+              <a:cs typeface="Consolas" pitchFamily="49" charset="0"/>
+            </a:endParaRPr>
+          </a:p>
+        </p:txBody>
+      </p:sp>
+      <p:sp>
+        <p:nvSpPr>
+          <p:cNvPr id="47" name="직사각형 46">
+            <a:extLst>
+              <a:ext uri="{FF2B5EF4-FFF2-40B4-BE49-F238E27FC236}">
+                <a16:creationId xmlns:a16="http://schemas.microsoft.com/office/drawing/2014/main" id="{C6198701-10B8-4526-84D9-ACD36D025590}"/>
+              </a:ext>
+            </a:extLst>
+          </p:cNvPr>
+          <p:cNvSpPr/>
+          <p:nvPr/>
+        </p:nvSpPr>
+        <p:spPr>
+          <a:xfrm>
+            <a:off x="1067890" y="1259178"/>
+            <a:ext cx="1998921" cy="424013"/>
+          </a:xfrm>
+          <a:prstGeom prst="rect">
+            <a:avLst/>
+          </a:prstGeom>
+          <a:solidFill>
+            <a:srgbClr val="FFFF00"/>
+          </a:solidFill>
+          <a:ln w="12700"/>
+        </p:spPr>
+        <p:style>
+          <a:lnRef idx="2">
+            <a:schemeClr val="accent1">
+              <a:shade val="50000"/>
+            </a:schemeClr>
+          </a:lnRef>
+          <a:fillRef idx="1">
+            <a:schemeClr val="accent1"/>
+          </a:fillRef>
+          <a:effectRef idx="0">
+            <a:schemeClr val="accent1"/>
+          </a:effectRef>
+          <a:fontRef idx="minor">
+            <a:schemeClr val="lt1"/>
+          </a:fontRef>
+        </p:style>
+        <p:txBody>
+          <a:bodyPr rtlCol="0" anchor="ctr"/>
+          <a:lstStyle/>
+          <a:p>
+            <a:pPr algn="ctr"/>
+            <a:endParaRPr lang="ko-KR" altLang="en-US" sz="1600">
+              <a:solidFill>
+                <a:schemeClr val="tx1"/>
+              </a:solidFill>
+              <a:latin typeface="Consolas" pitchFamily="49" charset="0"/>
+              <a:cs typeface="Consolas" pitchFamily="49" charset="0"/>
+            </a:endParaRPr>
+          </a:p>
+        </p:txBody>
+      </p:sp>
+      <p:cxnSp>
+        <p:nvCxnSpPr>
+          <p:cNvPr id="48" name="직선 화살표 연결선 47">
+            <a:extLst>
+              <a:ext uri="{FF2B5EF4-FFF2-40B4-BE49-F238E27FC236}">
+                <a16:creationId xmlns:a16="http://schemas.microsoft.com/office/drawing/2014/main" id="{ACC8A611-33C1-4FAC-B327-81F8F7531561}"/>
+              </a:ext>
+            </a:extLst>
+          </p:cNvPr>
+          <p:cNvCxnSpPr>
+            <a:cxnSpLocks/>
+            <a:stCxn id="29" idx="0"/>
+            <a:endCxn id="47" idx="2"/>
+          </p:cNvCxnSpPr>
+          <p:nvPr/>
+        </p:nvCxnSpPr>
+        <p:spPr>
+          <a:xfrm flipV="1">
+            <a:off x="2067351" y="1683191"/>
+            <a:ext cx="0" cy="393726"/>
+          </a:xfrm>
+          <a:prstGeom prst="straightConnector1">
+            <a:avLst/>
+          </a:prstGeom>
+          <a:ln>
+            <a:solidFill>
+              <a:schemeClr val="tx1"/>
+            </a:solidFill>
+            <a:tailEnd type="triangle"/>
+          </a:ln>
+        </p:spPr>
+        <p:style>
+          <a:lnRef idx="1">
+            <a:schemeClr val="accent1"/>
+          </a:lnRef>
+          <a:fillRef idx="0">
+            <a:schemeClr val="accent1"/>
+          </a:fillRef>
+          <a:effectRef idx="0">
+            <a:schemeClr val="accent1"/>
+          </a:effectRef>
+          <a:fontRef idx="minor">
+            <a:schemeClr val="tx1"/>
+          </a:fontRef>
+        </p:style>
+      </p:cxnSp>
+      <p:sp>
+        <p:nvSpPr>
+          <p:cNvPr id="52" name="TextBox 51">
+            <a:extLst>
+              <a:ext uri="{FF2B5EF4-FFF2-40B4-BE49-F238E27FC236}">
+                <a16:creationId xmlns:a16="http://schemas.microsoft.com/office/drawing/2014/main" id="{0A2731B7-AC66-4337-B55A-D23C56CE5F99}"/>
+              </a:ext>
+            </a:extLst>
+          </p:cNvPr>
+          <p:cNvSpPr txBox="1"/>
+          <p:nvPr/>
+        </p:nvSpPr>
+        <p:spPr>
+          <a:xfrm>
+            <a:off x="4283968" y="97030"/>
+            <a:ext cx="5968301" cy="1323439"/>
+          </a:xfrm>
+          <a:prstGeom prst="rect">
+            <a:avLst/>
+          </a:prstGeom>
+          <a:noFill/>
+        </p:spPr>
+        <p:txBody>
+          <a:bodyPr wrap="none" rtlCol="0">
+            <a:spAutoFit/>
+          </a:bodyPr>
+          <a:lstStyle/>
+          <a:p>
+            <a:r>
+              <a:rPr lang="en-US" altLang="ko-KR" sz="2000">
+                <a:latin typeface="Consolas" pitchFamily="49" charset="0"/>
+                <a:cs typeface="Consolas" pitchFamily="49" charset="0"/>
+              </a:rPr>
+              <a:t>msg.writeString16("led.service", new() );</a:t>
+            </a:r>
+          </a:p>
+          <a:p>
+            <a:r>
+              <a:rPr lang="en-US" altLang="ko-KR" sz="2000">
+                <a:latin typeface="Consolas" pitchFamily="49" charset="0"/>
+                <a:cs typeface="Consolas" pitchFamily="49" charset="0"/>
+              </a:rPr>
+              <a:t>transact( code, msg, reply );</a:t>
+            </a:r>
+          </a:p>
+          <a:p>
+            <a:endParaRPr lang="en-US" altLang="ko-KR" sz="2000">
+              <a:latin typeface="Consolas" pitchFamily="49" charset="0"/>
+              <a:cs typeface="Consolas" pitchFamily="49" charset="0"/>
+            </a:endParaRPr>
+          </a:p>
+          <a:p>
+            <a:r>
+              <a:rPr lang="en-US" altLang="ko-KR" sz="2000">
+                <a:latin typeface="Consolas" pitchFamily="49" charset="0"/>
+                <a:cs typeface="Consolas" pitchFamily="49" charset="0"/>
+              </a:rPr>
+              <a:t>sm-&gt;addService( "led.service", new() );</a:t>
+            </a:r>
+            <a:endParaRPr lang="ko-KR" altLang="en-US" sz="2000">
+              <a:latin typeface="Consolas" pitchFamily="49" charset="0"/>
+              <a:cs typeface="Consolas" pitchFamily="49" charset="0"/>
+            </a:endParaRPr>
+          </a:p>
+        </p:txBody>
+      </p:sp>
+      <p:cxnSp>
+        <p:nvCxnSpPr>
+          <p:cNvPr id="53" name="직선 화살표 연결선 52">
+            <a:extLst>
+              <a:ext uri="{FF2B5EF4-FFF2-40B4-BE49-F238E27FC236}">
+                <a16:creationId xmlns:a16="http://schemas.microsoft.com/office/drawing/2014/main" id="{44C7F9AB-3376-482A-A34C-343E5E5224A2}"/>
+              </a:ext>
+            </a:extLst>
+          </p:cNvPr>
+          <p:cNvCxnSpPr>
+            <a:cxnSpLocks/>
+          </p:cNvCxnSpPr>
+          <p:nvPr/>
+        </p:nvCxnSpPr>
+        <p:spPr>
+          <a:xfrm>
+            <a:off x="410145" y="2279200"/>
+            <a:ext cx="657745" cy="1"/>
+          </a:xfrm>
+          <a:prstGeom prst="straightConnector1">
+            <a:avLst/>
+          </a:prstGeom>
+          <a:ln w="38100">
+            <a:solidFill>
+              <a:srgbClr val="FF0000"/>
+            </a:solidFill>
+            <a:tailEnd type="triangle"/>
+          </a:ln>
+        </p:spPr>
+        <p:style>
+          <a:lnRef idx="1">
+            <a:schemeClr val="accent1"/>
+          </a:lnRef>
+          <a:fillRef idx="0">
+            <a:schemeClr val="accent1"/>
+          </a:fillRef>
+          <a:effectRef idx="0">
+            <a:schemeClr val="accent1"/>
+          </a:effectRef>
+          <a:fontRef idx="minor">
+            <a:schemeClr val="tx1"/>
+          </a:fontRef>
+        </p:style>
+      </p:cxnSp>
+      <p:sp>
+        <p:nvSpPr>
+          <p:cNvPr id="55" name="TextBox 54">
+            <a:extLst>
+              <a:ext uri="{FF2B5EF4-FFF2-40B4-BE49-F238E27FC236}">
+                <a16:creationId xmlns:a16="http://schemas.microsoft.com/office/drawing/2014/main" id="{37764B03-612D-43BA-B03C-F2694BA335DE}"/>
+              </a:ext>
+            </a:extLst>
+          </p:cNvPr>
+          <p:cNvSpPr txBox="1"/>
+          <p:nvPr/>
+        </p:nvSpPr>
+        <p:spPr>
+          <a:xfrm>
+            <a:off x="0" y="2107204"/>
+            <a:ext cx="437940" cy="369332"/>
+          </a:xfrm>
+          <a:prstGeom prst="rect">
+            <a:avLst/>
+          </a:prstGeom>
+          <a:noFill/>
+        </p:spPr>
+        <p:txBody>
+          <a:bodyPr wrap="none" rtlCol="0">
+            <a:spAutoFit/>
+          </a:bodyPr>
+          <a:lstStyle/>
+          <a:p>
+            <a:r>
+              <a:rPr lang="en-US" altLang="ko-KR">
+                <a:latin typeface="Consolas" pitchFamily="49" charset="0"/>
+                <a:cs typeface="Consolas" pitchFamily="49" charset="0"/>
+              </a:rPr>
+              <a:t>sm</a:t>
+            </a:r>
+            <a:endParaRPr lang="ko-KR" altLang="en-US">
+              <a:latin typeface="Consolas" pitchFamily="49" charset="0"/>
+              <a:cs typeface="Consolas" pitchFamily="49" charset="0"/>
+            </a:endParaRPr>
+          </a:p>
+        </p:txBody>
+      </p:sp>
+    </p:spTree>
+    <p:extLst>
+      <p:ext uri="{BB962C8B-B14F-4D97-AF65-F5344CB8AC3E}">
+        <p14:creationId xmlns:p14="http://schemas.microsoft.com/office/powerpoint/2010/main" val="1190056279"/>
       </p:ext>
     </p:extLst>
   </p:cSld>
